--- a/bin/survival lecture 2.pptx
+++ b/bin/survival lecture 2.pptx
@@ -5,10 +5,10 @@
     <p:sldMasterId id="2147483664" r:id="rId1"/>
   </p:sldMasterIdLst>
   <p:notesMasterIdLst>
-    <p:notesMasterId r:id="rId36"/>
+    <p:notesMasterId r:id="rId33"/>
   </p:notesMasterIdLst>
   <p:handoutMasterIdLst>
-    <p:handoutMasterId r:id="rId37"/>
+    <p:handoutMasterId r:id="rId34"/>
   </p:handoutMasterIdLst>
   <p:sldIdLst>
     <p:sldId id="256" r:id="rId2"/>
@@ -24,27 +24,24 @@
     <p:sldId id="270" r:id="rId12"/>
     <p:sldId id="271" r:id="rId13"/>
     <p:sldId id="272" r:id="rId14"/>
-    <p:sldId id="273" r:id="rId15"/>
-    <p:sldId id="274" r:id="rId16"/>
-    <p:sldId id="275" r:id="rId17"/>
-    <p:sldId id="276" r:id="rId18"/>
-    <p:sldId id="277" r:id="rId19"/>
-    <p:sldId id="278" r:id="rId20"/>
-    <p:sldId id="279" r:id="rId21"/>
-    <p:sldId id="281" r:id="rId22"/>
-    <p:sldId id="282" r:id="rId23"/>
-    <p:sldId id="283" r:id="rId24"/>
-    <p:sldId id="284" r:id="rId25"/>
-    <p:sldId id="285" r:id="rId26"/>
-    <p:sldId id="286" r:id="rId27"/>
-    <p:sldId id="287" r:id="rId28"/>
-    <p:sldId id="289" r:id="rId29"/>
-    <p:sldId id="290" r:id="rId30"/>
-    <p:sldId id="288" r:id="rId31"/>
-    <p:sldId id="291" r:id="rId32"/>
-    <p:sldId id="292" r:id="rId33"/>
-    <p:sldId id="293" r:id="rId34"/>
-    <p:sldId id="294" r:id="rId35"/>
+    <p:sldId id="276" r:id="rId15"/>
+    <p:sldId id="277" r:id="rId16"/>
+    <p:sldId id="278" r:id="rId17"/>
+    <p:sldId id="279" r:id="rId18"/>
+    <p:sldId id="281" r:id="rId19"/>
+    <p:sldId id="282" r:id="rId20"/>
+    <p:sldId id="283" r:id="rId21"/>
+    <p:sldId id="284" r:id="rId22"/>
+    <p:sldId id="285" r:id="rId23"/>
+    <p:sldId id="286" r:id="rId24"/>
+    <p:sldId id="287" r:id="rId25"/>
+    <p:sldId id="289" r:id="rId26"/>
+    <p:sldId id="290" r:id="rId27"/>
+    <p:sldId id="288" r:id="rId28"/>
+    <p:sldId id="291" r:id="rId29"/>
+    <p:sldId id="292" r:id="rId30"/>
+    <p:sldId id="293" r:id="rId31"/>
+    <p:sldId id="294" r:id="rId32"/>
   </p:sldIdLst>
   <p:sldSz cx="9144000" cy="6858000" type="screen4x3"/>
   <p:notesSz cx="9601200" cy="7315200"/>
@@ -361,7 +358,7 @@
               <a:pPr>
                 <a:defRPr/>
               </a:pPr>
-              <a:t>3/24/2018</a:t>
+              <a:t>4/8/2018</a:t>
             </a:fld>
             <a:endParaRPr lang="en-US" altLang="en-US"/>
           </a:p>
@@ -669,7 +666,7 @@
               <a:pPr>
                 <a:defRPr/>
               </a:pPr>
-              <a:t>3/24/2018</a:t>
+              <a:t>4/8/2018</a:t>
             </a:fld>
             <a:endParaRPr lang="en-US" altLang="en-US"/>
           </a:p>
@@ -4963,7 +4960,7 @@
           <a:p>
             <a:r>
               <a:rPr lang="en-US" dirty="0"/>
-              <a:t>The log-rank test</a:t>
+              <a:t>The log rank test</a:t>
             </a:r>
           </a:p>
         </p:txBody>
@@ -4985,166 +4982,49 @@
           <a:p>
             <a:r>
               <a:rPr lang="en-US" dirty="0"/>
-              <a:t>Before we tackle the Cox proportional hazards model, we need to review the log-rank test. The formula is a bit opaque.</a:t>
-            </a:r>
-          </a:p>
-          <a:p>
-            <a:endParaRPr lang="en-US" dirty="0"/>
-          </a:p>
-          <a:p>
-            <a:r>
-              <a:rPr lang="en-US" i="1" dirty="0" err="1"/>
-              <a:t>O</a:t>
-            </a:r>
-            <a:r>
-              <a:rPr lang="en-US" i="1" baseline="-25000" dirty="0" err="1"/>
-              <a:t>ij</a:t>
-            </a:r>
+              <a:t>The log rank test</a:t>
+            </a:r>
+          </a:p>
+          <a:p>
+            <a:pPr lvl="1"/>
             <a:r>
               <a:rPr lang="en-US" dirty="0"/>
-              <a:t> is the number of events in the </a:t>
-            </a:r>
-            <a:r>
-              <a:rPr lang="en-US" dirty="0" err="1"/>
-              <a:t>i</a:t>
-            </a:r>
-            <a:r>
-              <a:rPr lang="en-US" baseline="30000" dirty="0" err="1"/>
-              <a:t>th</a:t>
-            </a:r>
+              <a:t> works well when you’re comparing a treatment group to a control group</a:t>
+            </a:r>
+          </a:p>
+          <a:p>
+            <a:pPr lvl="1"/>
             <a:r>
               <a:rPr lang="en-US" dirty="0"/>
-              <a:t> group at time </a:t>
-            </a:r>
-            <a:r>
-              <a:rPr lang="en-US" i="1" dirty="0" err="1"/>
-              <a:t>t</a:t>
-            </a:r>
-            <a:r>
-              <a:rPr lang="en-US" i="1" baseline="-25000" dirty="0" err="1"/>
-              <a:t>j</a:t>
-            </a:r>
+              <a:t>you can also use it when you have three or more groups.</a:t>
+            </a:r>
+          </a:p>
+          <a:p>
             <a:r>
               <a:rPr lang="en-US" dirty="0"/>
-              <a:t> (</a:t>
-            </a:r>
-            <a:r>
-              <a:rPr lang="en-US" dirty="0" err="1"/>
-              <a:t>i</a:t>
-            </a:r>
+              <a:t> But the log rank test does not extend beyond this:</a:t>
+            </a:r>
+          </a:p>
+          <a:p>
+            <a:pPr lvl="1"/>
             <a:r>
               <a:rPr lang="en-US" dirty="0"/>
-              <a:t>=1,2)</a:t>
-            </a:r>
-          </a:p>
-          <a:p>
-            <a:r>
-              <a:rPr lang="en-US" i="1" dirty="0" err="1"/>
-              <a:t>N</a:t>
-            </a:r>
-            <a:r>
-              <a:rPr lang="en-US" i="1" baseline="-25000" dirty="0" err="1"/>
-              <a:t>ij</a:t>
-            </a:r>
+              <a:t>you cannot include a continuous predictor,</a:t>
+            </a:r>
+          </a:p>
+          <a:p>
+            <a:pPr lvl="1"/>
             <a:r>
               <a:rPr lang="en-US" dirty="0"/>
-              <a:t> is the number of patients at risk in the </a:t>
-            </a:r>
-            <a:r>
-              <a:rPr lang="en-US" dirty="0" err="1"/>
-              <a:t>i</a:t>
-            </a:r>
-            <a:r>
-              <a:rPr lang="en-US" baseline="30000" dirty="0" err="1"/>
-              <a:t>th</a:t>
-            </a:r>
+              <a:t>you cannot analyze data with multiple predictors, and</a:t>
+            </a:r>
+          </a:p>
+          <a:p>
+            <a:pPr lvl="1"/>
             <a:r>
               <a:rPr lang="en-US" dirty="0"/>
-              <a:t> group at time </a:t>
-            </a:r>
-            <a:r>
-              <a:rPr lang="en-US" i="1" dirty="0" err="1"/>
-              <a:t>t</a:t>
-            </a:r>
-            <a:r>
-              <a:rPr lang="en-US" i="1" baseline="-25000" dirty="0" err="1"/>
-              <a:t>j</a:t>
-            </a:r>
-            <a:endParaRPr lang="en-US" i="1" baseline="-25000" dirty="0"/>
-          </a:p>
-          <a:p>
-            <a:r>
-              <a:rPr lang="en-US" i="1" dirty="0" err="1"/>
-              <a:t>O</a:t>
-            </a:r>
-            <a:r>
-              <a:rPr lang="en-US" i="1" baseline="-25000" dirty="0" err="1"/>
-              <a:t>j</a:t>
-            </a:r>
-            <a:r>
-              <a:rPr lang="en-US" dirty="0"/>
-              <a:t> = </a:t>
-            </a:r>
-            <a:r>
-              <a:rPr lang="en-US" i="1" dirty="0"/>
-              <a:t>O</a:t>
-            </a:r>
-            <a:r>
-              <a:rPr lang="en-US" i="1" baseline="-25000" dirty="0"/>
-              <a:t>1j</a:t>
-            </a:r>
-            <a:r>
-              <a:rPr lang="en-US" dirty="0"/>
-              <a:t> + </a:t>
-            </a:r>
-            <a:r>
-              <a:rPr lang="en-US" i="1" dirty="0"/>
-              <a:t>O</a:t>
-            </a:r>
-            <a:r>
-              <a:rPr lang="en-US" i="1" baseline="-25000" dirty="0"/>
-              <a:t>2j</a:t>
-            </a:r>
-            <a:r>
-              <a:rPr lang="en-US" dirty="0"/>
-              <a:t>;  </a:t>
-            </a:r>
-            <a:r>
-              <a:rPr lang="en-US" i="1" dirty="0" err="1"/>
-              <a:t>N</a:t>
-            </a:r>
-            <a:r>
-              <a:rPr lang="en-US" i="1" baseline="-25000" dirty="0" err="1"/>
-              <a:t>j</a:t>
-            </a:r>
-            <a:r>
-              <a:rPr lang="en-US" dirty="0"/>
-              <a:t> = </a:t>
-            </a:r>
-            <a:r>
-              <a:rPr lang="en-US" i="1" dirty="0"/>
-              <a:t>N</a:t>
-            </a:r>
-            <a:r>
-              <a:rPr lang="en-US" i="1" baseline="-25000" dirty="0"/>
-              <a:t>1j</a:t>
-            </a:r>
-            <a:r>
-              <a:rPr lang="en-US" dirty="0"/>
-              <a:t> + </a:t>
-            </a:r>
-            <a:r>
-              <a:rPr lang="en-US" i="1" dirty="0"/>
-              <a:t>N</a:t>
-            </a:r>
-            <a:r>
-              <a:rPr lang="en-US" i="1" baseline="-25000" dirty="0"/>
-              <a:t>2j</a:t>
-            </a:r>
-            <a:endParaRPr lang="en-US" dirty="0"/>
-          </a:p>
-          <a:p>
-            <a:endParaRPr lang="en-US" dirty="0"/>
+              <a:t>you cannot do risk adjustment.</a:t>
+            </a:r>
           </a:p>
         </p:txBody>
       </p:sp>
@@ -5233,7 +5113,7 @@
           <a:p>
             <a:r>
               <a:rPr lang="en-US" dirty="0"/>
-              <a:t>Formulation</a:t>
+              <a:t>Recall the limitations of the log rank test</a:t>
             </a:r>
           </a:p>
         </p:txBody>
@@ -5241,7 +5121,7 @@
     </p:spTree>
     <p:extLst>
       <p:ext uri="{BB962C8B-B14F-4D97-AF65-F5344CB8AC3E}">
-        <p14:creationId xmlns:p14="http://schemas.microsoft.com/office/powerpoint/2010/main" val="11535046"/>
+        <p14:creationId xmlns:p14="http://schemas.microsoft.com/office/powerpoint/2010/main" val="2823954424"/>
       </p:ext>
     </p:extLst>
   </p:cSld>
@@ -5285,7 +5165,7 @@
           <a:p>
             <a:r>
               <a:rPr lang="en-US" dirty="0"/>
-              <a:t>The log-rank test</a:t>
+              <a:t>The Cox proportional hazards model</a:t>
             </a:r>
           </a:p>
         </p:txBody>
@@ -5307,27 +5187,47 @@
           <a:p>
             <a:r>
               <a:rPr lang="en-US" dirty="0"/>
-              <a:t>The log rank test relies on the hypergeometric distribution. The mean and variance of the hypergeometric distribution are</a:t>
-            </a:r>
-          </a:p>
-          <a:p>
-            <a:endParaRPr lang="en-US" dirty="0"/>
-          </a:p>
-          <a:p>
-            <a:endParaRPr lang="en-US" dirty="0"/>
+              <a:t>The Cox model overcomes all of these limitations. But the Cox model makes a critical assumption that is not strictly required for the log rank test, the assumption of proportional hazards.</a:t>
+            </a:r>
           </a:p>
           <a:p>
             <a:r>
               <a:rPr lang="en-US" dirty="0"/>
-              <a:t>The </a:t>
+              <a:t>In mathematical terms, the Cox model assumes that the hazard function for a set of predictor variables X</a:t>
+            </a:r>
+            <a:r>
+              <a:rPr lang="en-US" baseline="-25000" dirty="0"/>
+              <a:t>i1</a:t>
+            </a:r>
+            <a:r>
+              <a:rPr lang="en-US" dirty="0"/>
+              <a:t>, X</a:t>
+            </a:r>
+            <a:r>
+              <a:rPr lang="en-US" baseline="-25000" dirty="0"/>
+              <a:t>i2</a:t>
+            </a:r>
+            <a:r>
+              <a:rPr lang="en-US" dirty="0"/>
+              <a:t>, …, </a:t>
             </a:r>
             <a:r>
               <a:rPr lang="en-US" dirty="0" err="1"/>
-              <a:t>logrank</a:t>
+              <a:t>X</a:t>
+            </a:r>
+            <a:r>
+              <a:rPr lang="en-US" baseline="-25000" dirty="0" err="1"/>
+              <a:t>ip</a:t>
             </a:r>
             <a:r>
               <a:rPr lang="en-US" dirty="0"/>
-              <a:t> test statistic is</a:t>
+              <a:t>,</a:t>
+            </a:r>
+          </a:p>
+          <a:p>
+            <a:r>
+              <a:rPr lang="en-US" dirty="0"/>
+              <a:t>is proportional to a baseline hazard, </a:t>
             </a:r>
           </a:p>
         </p:txBody>
@@ -5395,927 +5295,6 @@
                 <a:defRPr/>
               </a:pPr>
               <a:t>15</a:t>
-            </a:fld>
-            <a:endParaRPr lang="en-US"/>
-          </a:p>
-        </p:txBody>
-      </p:sp>
-      <p:sp>
-        <p:nvSpPr>
-          <p:cNvPr id="6" name="Text Placeholder 5"/>
-          <p:cNvSpPr>
-            <a:spLocks noGrp="1"/>
-          </p:cNvSpPr>
-          <p:nvPr>
-            <p:ph type="body" sz="quarter" idx="12"/>
-          </p:nvPr>
-        </p:nvSpPr>
-        <p:spPr/>
-        <p:txBody>
-          <a:bodyPr/>
-          <a:lstStyle/>
-          <a:p>
-            <a:r>
-              <a:rPr lang="en-US" dirty="0"/>
-              <a:t>Formulation found at Wikipedia</a:t>
-            </a:r>
-          </a:p>
-        </p:txBody>
-      </p:sp>
-      <p:pic>
-        <p:nvPicPr>
-          <p:cNvPr id="6147" name="Picture 3"/>
-          <p:cNvPicPr>
-            <a:picLocks noChangeAspect="1" noChangeArrowheads="1"/>
-          </p:cNvPicPr>
-          <p:nvPr/>
-        </p:nvPicPr>
-        <p:blipFill>
-          <a:blip r:embed="rId2">
-            <a:extLst>
-              <a:ext uri="{28A0092B-C50C-407E-A947-70E740481C1C}">
-                <a14:useLocalDpi xmlns:a14="http://schemas.microsoft.com/office/drawing/2010/main" val="0"/>
-              </a:ext>
-            </a:extLst>
-          </a:blip>
-          <a:srcRect/>
-          <a:stretch>
-            <a:fillRect/>
-          </a:stretch>
-        </p:blipFill>
-        <p:spPr bwMode="auto">
-          <a:xfrm>
-            <a:off x="2667000" y="3253422"/>
-            <a:ext cx="2720975" cy="517525"/>
-          </a:xfrm>
-          <a:prstGeom prst="rect">
-            <a:avLst/>
-          </a:prstGeom>
-          <a:noFill/>
-          <a:ln>
-            <a:noFill/>
-          </a:ln>
-          <a:extLst>
-            <a:ext uri="{909E8E84-426E-40DD-AFC4-6F175D3DCCD1}">
-              <a14:hiddenFill xmlns:a14="http://schemas.microsoft.com/office/drawing/2010/main">
-                <a:solidFill>
-                  <a:schemeClr val="accent1"/>
-                </a:solidFill>
-              </a14:hiddenFill>
-            </a:ext>
-            <a:ext uri="{91240B29-F687-4F45-9708-019B960494DF}">
-              <a14:hiddenLine xmlns:a14="http://schemas.microsoft.com/office/drawing/2010/main" w="9525">
-                <a:solidFill>
-                  <a:schemeClr val="tx1"/>
-                </a:solidFill>
-                <a:miter lim="800000"/>
-                <a:headEnd/>
-                <a:tailEnd/>
-              </a14:hiddenLine>
-            </a:ext>
-          </a:extLst>
-        </p:spPr>
-      </p:pic>
-      <p:pic>
-        <p:nvPicPr>
-          <p:cNvPr id="6148" name="Picture 4"/>
-          <p:cNvPicPr>
-            <a:picLocks noChangeAspect="1" noChangeArrowheads="1"/>
-          </p:cNvPicPr>
-          <p:nvPr/>
-        </p:nvPicPr>
-        <p:blipFill>
-          <a:blip r:embed="rId3">
-            <a:extLst>
-              <a:ext uri="{28A0092B-C50C-407E-A947-70E740481C1C}">
-                <a14:useLocalDpi xmlns:a14="http://schemas.microsoft.com/office/drawing/2010/main" val="0"/>
-              </a:ext>
-            </a:extLst>
-          </a:blip>
-          <a:srcRect/>
-          <a:stretch>
-            <a:fillRect/>
-          </a:stretch>
-        </p:blipFill>
-        <p:spPr bwMode="auto">
-          <a:xfrm>
-            <a:off x="914399" y="4419600"/>
-            <a:ext cx="1387475" cy="457200"/>
-          </a:xfrm>
-          <a:prstGeom prst="rect">
-            <a:avLst/>
-          </a:prstGeom>
-          <a:noFill/>
-          <a:ln>
-            <a:noFill/>
-          </a:ln>
-          <a:extLst>
-            <a:ext uri="{909E8E84-426E-40DD-AFC4-6F175D3DCCD1}">
-              <a14:hiddenFill xmlns:a14="http://schemas.microsoft.com/office/drawing/2010/main">
-                <a:solidFill>
-                  <a:schemeClr val="accent1"/>
-                </a:solidFill>
-              </a14:hiddenFill>
-            </a:ext>
-            <a:ext uri="{91240B29-F687-4F45-9708-019B960494DF}">
-              <a14:hiddenLine xmlns:a14="http://schemas.microsoft.com/office/drawing/2010/main" w="9525">
-                <a:solidFill>
-                  <a:schemeClr val="tx1"/>
-                </a:solidFill>
-                <a:miter lim="800000"/>
-                <a:headEnd/>
-                <a:tailEnd/>
-              </a14:hiddenLine>
-            </a:ext>
-          </a:extLst>
-        </p:spPr>
-      </p:pic>
-      <p:pic>
-        <p:nvPicPr>
-          <p:cNvPr id="6149" name="Picture 5"/>
-          <p:cNvPicPr>
-            <a:picLocks noChangeAspect="1" noChangeArrowheads="1"/>
-          </p:cNvPicPr>
-          <p:nvPr/>
-        </p:nvPicPr>
-        <p:blipFill>
-          <a:blip r:embed="rId4">
-            <a:extLst>
-              <a:ext uri="{28A0092B-C50C-407E-A947-70E740481C1C}">
-                <a14:useLocalDpi xmlns:a14="http://schemas.microsoft.com/office/drawing/2010/main" val="0"/>
-              </a:ext>
-            </a:extLst>
-          </a:blip>
-          <a:srcRect/>
-          <a:stretch>
-            <a:fillRect/>
-          </a:stretch>
-        </p:blipFill>
-        <p:spPr bwMode="auto">
-          <a:xfrm>
-            <a:off x="838200" y="3253422"/>
-            <a:ext cx="1279525" cy="503237"/>
-          </a:xfrm>
-          <a:prstGeom prst="rect">
-            <a:avLst/>
-          </a:prstGeom>
-          <a:noFill/>
-          <a:ln>
-            <a:noFill/>
-          </a:ln>
-          <a:extLst>
-            <a:ext uri="{909E8E84-426E-40DD-AFC4-6F175D3DCCD1}">
-              <a14:hiddenFill xmlns:a14="http://schemas.microsoft.com/office/drawing/2010/main">
-                <a:solidFill>
-                  <a:schemeClr val="accent1"/>
-                </a:solidFill>
-              </a14:hiddenFill>
-            </a:ext>
-            <a:ext uri="{91240B29-F687-4F45-9708-019B960494DF}">
-              <a14:hiddenLine xmlns:a14="http://schemas.microsoft.com/office/drawing/2010/main" w="9525">
-                <a:solidFill>
-                  <a:schemeClr val="tx1"/>
-                </a:solidFill>
-                <a:miter lim="800000"/>
-                <a:headEnd/>
-                <a:tailEnd/>
-              </a14:hiddenLine>
-            </a:ext>
-          </a:extLst>
-        </p:spPr>
-      </p:pic>
-    </p:spTree>
-    <p:extLst>
-      <p:ext uri="{BB962C8B-B14F-4D97-AF65-F5344CB8AC3E}">
-        <p14:creationId xmlns:p14="http://schemas.microsoft.com/office/powerpoint/2010/main" val="108855442"/>
-      </p:ext>
-    </p:extLst>
-  </p:cSld>
-  <p:clrMapOvr>
-    <a:masterClrMapping/>
-  </p:clrMapOvr>
-</p:sld>
-</file>
-
-<file path=ppt/slides/slide16.xml><?xml version="1.0" encoding="utf-8"?>
-<p:sld xmlns:a="http://schemas.openxmlformats.org/drawingml/2006/main" xmlns:r="http://schemas.openxmlformats.org/officeDocument/2006/relationships" xmlns:p="http://schemas.openxmlformats.org/presentationml/2006/main">
-  <p:cSld>
-    <p:spTree>
-      <p:nvGrpSpPr>
-        <p:cNvPr id="1" name=""/>
-        <p:cNvGrpSpPr/>
-        <p:nvPr/>
-      </p:nvGrpSpPr>
-      <p:grpSpPr>
-        <a:xfrm>
-          <a:off x="0" y="0"/>
-          <a:ext cx="0" cy="0"/>
-          <a:chOff x="0" y="0"/>
-          <a:chExt cx="0" cy="0"/>
-        </a:xfrm>
-      </p:grpSpPr>
-      <p:sp>
-        <p:nvSpPr>
-          <p:cNvPr id="2" name="Title 1"/>
-          <p:cNvSpPr>
-            <a:spLocks noGrp="1"/>
-          </p:cNvSpPr>
-          <p:nvPr>
-            <p:ph type="title"/>
-          </p:nvPr>
-        </p:nvSpPr>
-        <p:spPr/>
-        <p:txBody>
-          <a:bodyPr/>
-          <a:lstStyle/>
-          <a:p>
-            <a:r>
-              <a:rPr lang="en-US" dirty="0"/>
-              <a:t>The log-rank test</a:t>
-            </a:r>
-          </a:p>
-        </p:txBody>
-      </p:sp>
-      <p:sp>
-        <p:nvSpPr>
-          <p:cNvPr id="3" name="Text Placeholder 2"/>
-          <p:cNvSpPr>
-            <a:spLocks noGrp="1"/>
-          </p:cNvSpPr>
-          <p:nvPr>
-            <p:ph type="body" idx="1"/>
-          </p:nvPr>
-        </p:nvSpPr>
-        <p:spPr/>
-        <p:txBody>
-          <a:bodyPr/>
-          <a:lstStyle/>
-          <a:p>
-            <a:r>
-              <a:rPr lang="en-US" dirty="0"/>
-              <a:t>This looks a bit mystifying, but if you define</a:t>
-            </a:r>
-          </a:p>
-          <a:p>
-            <a:endParaRPr lang="en-US" dirty="0"/>
-          </a:p>
-          <a:p>
-            <a:endParaRPr lang="en-US" dirty="0"/>
-          </a:p>
-          <a:p>
-            <a:r>
-              <a:rPr lang="en-US" dirty="0"/>
-              <a:t>then the mean and variance of the hypergeometric distribution are</a:t>
-            </a:r>
-          </a:p>
-          <a:p>
-            <a:endParaRPr lang="en-US" dirty="0"/>
-          </a:p>
-          <a:p>
-            <a:endParaRPr lang="en-US" dirty="0"/>
-          </a:p>
-          <a:p>
-            <a:r>
-              <a:rPr lang="en-US" dirty="0"/>
-              <a:t>The first half of the variance is a binomial variance and the second half is a finite population correction factor.</a:t>
-            </a:r>
-          </a:p>
-        </p:txBody>
-      </p:sp>
-      <p:sp>
-        <p:nvSpPr>
-          <p:cNvPr id="4" name="Footer Placeholder 3"/>
-          <p:cNvSpPr>
-            <a:spLocks noGrp="1"/>
-          </p:cNvSpPr>
-          <p:nvPr>
-            <p:ph type="ftr" sz="quarter" idx="10"/>
-          </p:nvPr>
-        </p:nvSpPr>
-        <p:spPr/>
-        <p:txBody>
-          <a:bodyPr/>
-          <a:lstStyle/>
-          <a:p>
-            <a:pPr>
-              <a:defRPr/>
-            </a:pPr>
-            <a:r>
-              <a:rPr lang="en-US" altLang="en-US" dirty="0"/>
-              <a:t>©2016 </a:t>
-            </a:r>
-            <a:r>
-              <a:rPr lang="en-US" altLang="en-US"/>
-              <a:t>Steve Simon    </a:t>
-            </a:r>
-            <a:r>
-              <a:rPr lang="en-US" altLang="en-US" dirty="0"/>
-              <a:t>http://TheAnalysisFactor.com</a:t>
-            </a:r>
-          </a:p>
-        </p:txBody>
-      </p:sp>
-      <p:sp>
-        <p:nvSpPr>
-          <p:cNvPr id="5" name="Slide Number Placeholder 4"/>
-          <p:cNvSpPr>
-            <a:spLocks noGrp="1"/>
-          </p:cNvSpPr>
-          <p:nvPr>
-            <p:ph type="sldNum" sz="quarter" idx="11"/>
-          </p:nvPr>
-        </p:nvSpPr>
-        <p:spPr/>
-        <p:txBody>
-          <a:bodyPr/>
-          <a:lstStyle/>
-          <a:p>
-            <a:pPr>
-              <a:defRPr/>
-            </a:pPr>
-            <a:endParaRPr lang="en-US"/>
-          </a:p>
-          <a:p>
-            <a:pPr>
-              <a:defRPr/>
-            </a:pPr>
-            <a:fld id="{E9A8CBA3-AA2B-46A6-BFA3-DCEBEAAB3F0A}" type="slidenum">
-              <a:rPr lang="en-US" smtClean="0"/>
-              <a:pPr>
-                <a:defRPr/>
-              </a:pPr>
-              <a:t>16</a:t>
-            </a:fld>
-            <a:endParaRPr lang="en-US"/>
-          </a:p>
-        </p:txBody>
-      </p:sp>
-      <p:sp>
-        <p:nvSpPr>
-          <p:cNvPr id="6" name="Text Placeholder 5"/>
-          <p:cNvSpPr>
-            <a:spLocks noGrp="1"/>
-          </p:cNvSpPr>
-          <p:nvPr>
-            <p:ph type="body" sz="quarter" idx="12"/>
-          </p:nvPr>
-        </p:nvSpPr>
-        <p:spPr/>
-        <p:txBody>
-          <a:bodyPr/>
-          <a:lstStyle/>
-          <a:p>
-            <a:r>
-              <a:rPr lang="en-US" dirty="0"/>
-              <a:t>A simpler formulation</a:t>
-            </a:r>
-          </a:p>
-        </p:txBody>
-      </p:sp>
-      <p:pic>
-        <p:nvPicPr>
-          <p:cNvPr id="6146" name="Picture 2"/>
-          <p:cNvPicPr>
-            <a:picLocks noChangeAspect="1" noChangeArrowheads="1"/>
-          </p:cNvPicPr>
-          <p:nvPr/>
-        </p:nvPicPr>
-        <p:blipFill>
-          <a:blip r:embed="rId2">
-            <a:extLst>
-              <a:ext uri="{28A0092B-C50C-407E-A947-70E740481C1C}">
-                <a14:useLocalDpi xmlns:a14="http://schemas.microsoft.com/office/drawing/2010/main" val="0"/>
-              </a:ext>
-            </a:extLst>
-          </a:blip>
-          <a:srcRect/>
-          <a:stretch>
-            <a:fillRect/>
-          </a:stretch>
-        </p:blipFill>
-        <p:spPr bwMode="auto">
-          <a:xfrm>
-            <a:off x="894555" y="4114800"/>
-            <a:ext cx="1227137" cy="381000"/>
-          </a:xfrm>
-          <a:prstGeom prst="rect">
-            <a:avLst/>
-          </a:prstGeom>
-          <a:noFill/>
-          <a:ln>
-            <a:noFill/>
-          </a:ln>
-          <a:extLst>
-            <a:ext uri="{909E8E84-426E-40DD-AFC4-6F175D3DCCD1}">
-              <a14:hiddenFill xmlns:a14="http://schemas.microsoft.com/office/drawing/2010/main">
-                <a:solidFill>
-                  <a:schemeClr val="accent1"/>
-                </a:solidFill>
-              </a14:hiddenFill>
-            </a:ext>
-            <a:ext uri="{91240B29-F687-4F45-9708-019B960494DF}">
-              <a14:hiddenLine xmlns:a14="http://schemas.microsoft.com/office/drawing/2010/main" w="9525">
-                <a:solidFill>
-                  <a:schemeClr val="tx1"/>
-                </a:solidFill>
-                <a:miter lim="800000"/>
-                <a:headEnd/>
-                <a:tailEnd/>
-              </a14:hiddenLine>
-            </a:ext>
-          </a:extLst>
-        </p:spPr>
-      </p:pic>
-      <p:pic>
-        <p:nvPicPr>
-          <p:cNvPr id="7170" name="Picture 2"/>
-          <p:cNvPicPr>
-            <a:picLocks noChangeAspect="1" noChangeArrowheads="1"/>
-          </p:cNvPicPr>
-          <p:nvPr/>
-        </p:nvPicPr>
-        <p:blipFill>
-          <a:blip r:embed="rId3">
-            <a:extLst>
-              <a:ext uri="{28A0092B-C50C-407E-A947-70E740481C1C}">
-                <a14:useLocalDpi xmlns:a14="http://schemas.microsoft.com/office/drawing/2010/main" val="0"/>
-              </a:ext>
-            </a:extLst>
-          </a:blip>
-          <a:srcRect/>
-          <a:stretch>
-            <a:fillRect/>
-          </a:stretch>
-        </p:blipFill>
-        <p:spPr bwMode="auto">
-          <a:xfrm>
-            <a:off x="894555" y="3076575"/>
-            <a:ext cx="4367213" cy="350837"/>
-          </a:xfrm>
-          <a:prstGeom prst="rect">
-            <a:avLst/>
-          </a:prstGeom>
-          <a:noFill/>
-          <a:ln>
-            <a:noFill/>
-          </a:ln>
-          <a:extLst>
-            <a:ext uri="{909E8E84-426E-40DD-AFC4-6F175D3DCCD1}">
-              <a14:hiddenFill xmlns:a14="http://schemas.microsoft.com/office/drawing/2010/main">
-                <a:solidFill>
-                  <a:schemeClr val="accent1"/>
-                </a:solidFill>
-              </a14:hiddenFill>
-            </a:ext>
-            <a:ext uri="{91240B29-F687-4F45-9708-019B960494DF}">
-              <a14:hiddenLine xmlns:a14="http://schemas.microsoft.com/office/drawing/2010/main" w="9525">
-                <a:solidFill>
-                  <a:schemeClr val="tx1"/>
-                </a:solidFill>
-                <a:miter lim="800000"/>
-                <a:headEnd/>
-                <a:tailEnd/>
-              </a14:hiddenLine>
-            </a:ext>
-          </a:extLst>
-        </p:spPr>
-      </p:pic>
-      <p:pic>
-        <p:nvPicPr>
-          <p:cNvPr id="7171" name="Picture 3"/>
-          <p:cNvPicPr>
-            <a:picLocks noChangeAspect="1" noChangeArrowheads="1"/>
-          </p:cNvPicPr>
-          <p:nvPr/>
-        </p:nvPicPr>
-        <p:blipFill>
-          <a:blip r:embed="rId4">
-            <a:extLst>
-              <a:ext uri="{28A0092B-C50C-407E-A947-70E740481C1C}">
-                <a14:useLocalDpi xmlns:a14="http://schemas.microsoft.com/office/drawing/2010/main" val="0"/>
-              </a:ext>
-            </a:extLst>
-          </a:blip>
-          <a:srcRect/>
-          <a:stretch>
-            <a:fillRect/>
-          </a:stretch>
-        </p:blipFill>
-        <p:spPr bwMode="auto">
-          <a:xfrm>
-            <a:off x="2819400" y="4114800"/>
-            <a:ext cx="2552700" cy="411163"/>
-          </a:xfrm>
-          <a:prstGeom prst="rect">
-            <a:avLst/>
-          </a:prstGeom>
-          <a:noFill/>
-          <a:ln>
-            <a:noFill/>
-          </a:ln>
-          <a:extLst>
-            <a:ext uri="{909E8E84-426E-40DD-AFC4-6F175D3DCCD1}">
-              <a14:hiddenFill xmlns:a14="http://schemas.microsoft.com/office/drawing/2010/main">
-                <a:solidFill>
-                  <a:schemeClr val="accent1"/>
-                </a:solidFill>
-              </a14:hiddenFill>
-            </a:ext>
-            <a:ext uri="{91240B29-F687-4F45-9708-019B960494DF}">
-              <a14:hiddenLine xmlns:a14="http://schemas.microsoft.com/office/drawing/2010/main" w="9525">
-                <a:solidFill>
-                  <a:schemeClr val="tx1"/>
-                </a:solidFill>
-                <a:miter lim="800000"/>
-                <a:headEnd/>
-                <a:tailEnd/>
-              </a14:hiddenLine>
-            </a:ext>
-          </a:extLst>
-        </p:spPr>
-      </p:pic>
-    </p:spTree>
-    <p:extLst>
-      <p:ext uri="{BB962C8B-B14F-4D97-AF65-F5344CB8AC3E}">
-        <p14:creationId xmlns:p14="http://schemas.microsoft.com/office/powerpoint/2010/main" val="3481645038"/>
-      </p:ext>
-    </p:extLst>
-  </p:cSld>
-  <p:clrMapOvr>
-    <a:masterClrMapping/>
-  </p:clrMapOvr>
-</p:sld>
-</file>
-
-<file path=ppt/slides/slide17.xml><?xml version="1.0" encoding="utf-8"?>
-<p:sld xmlns:a="http://schemas.openxmlformats.org/drawingml/2006/main" xmlns:r="http://schemas.openxmlformats.org/officeDocument/2006/relationships" xmlns:p="http://schemas.openxmlformats.org/presentationml/2006/main">
-  <p:cSld>
-    <p:spTree>
-      <p:nvGrpSpPr>
-        <p:cNvPr id="1" name=""/>
-        <p:cNvGrpSpPr/>
-        <p:nvPr/>
-      </p:nvGrpSpPr>
-      <p:grpSpPr>
-        <a:xfrm>
-          <a:off x="0" y="0"/>
-          <a:ext cx="0" cy="0"/>
-          <a:chOff x="0" y="0"/>
-          <a:chExt cx="0" cy="0"/>
-        </a:xfrm>
-      </p:grpSpPr>
-      <p:sp>
-        <p:nvSpPr>
-          <p:cNvPr id="2" name="Title 1"/>
-          <p:cNvSpPr>
-            <a:spLocks noGrp="1"/>
-          </p:cNvSpPr>
-          <p:nvPr>
-            <p:ph type="title"/>
-          </p:nvPr>
-        </p:nvSpPr>
-        <p:spPr/>
-        <p:txBody>
-          <a:bodyPr/>
-          <a:lstStyle/>
-          <a:p>
-            <a:r>
-              <a:rPr lang="en-US" dirty="0"/>
-              <a:t>The log rank test</a:t>
-            </a:r>
-          </a:p>
-        </p:txBody>
-      </p:sp>
-      <p:sp>
-        <p:nvSpPr>
-          <p:cNvPr id="3" name="Text Placeholder 2"/>
-          <p:cNvSpPr>
-            <a:spLocks noGrp="1"/>
-          </p:cNvSpPr>
-          <p:nvPr>
-            <p:ph type="body" idx="1"/>
-          </p:nvPr>
-        </p:nvSpPr>
-        <p:spPr/>
-        <p:txBody>
-          <a:bodyPr/>
-          <a:lstStyle/>
-          <a:p>
-            <a:r>
-              <a:rPr lang="en-US" dirty="0"/>
-              <a:t>The log rank test</a:t>
-            </a:r>
-          </a:p>
-          <a:p>
-            <a:pPr lvl="1"/>
-            <a:r>
-              <a:rPr lang="en-US" dirty="0"/>
-              <a:t> works well when you’re comparing a treatment group to a control group</a:t>
-            </a:r>
-          </a:p>
-          <a:p>
-            <a:pPr lvl="1"/>
-            <a:r>
-              <a:rPr lang="en-US" dirty="0"/>
-              <a:t>you can also use it when you have three or more groups.</a:t>
-            </a:r>
-          </a:p>
-          <a:p>
-            <a:r>
-              <a:rPr lang="en-US" dirty="0"/>
-              <a:t> But the log rank test does not extend beyond this:</a:t>
-            </a:r>
-          </a:p>
-          <a:p>
-            <a:pPr lvl="1"/>
-            <a:r>
-              <a:rPr lang="en-US" dirty="0"/>
-              <a:t>you cannot include a continuous predictor,</a:t>
-            </a:r>
-          </a:p>
-          <a:p>
-            <a:pPr lvl="1"/>
-            <a:r>
-              <a:rPr lang="en-US" dirty="0"/>
-              <a:t>you cannot analyze data with multiple predictors, and</a:t>
-            </a:r>
-          </a:p>
-          <a:p>
-            <a:pPr lvl="1"/>
-            <a:r>
-              <a:rPr lang="en-US" dirty="0"/>
-              <a:t>you cannot do risk adjustment.</a:t>
-            </a:r>
-          </a:p>
-        </p:txBody>
-      </p:sp>
-      <p:sp>
-        <p:nvSpPr>
-          <p:cNvPr id="4" name="Footer Placeholder 3"/>
-          <p:cNvSpPr>
-            <a:spLocks noGrp="1"/>
-          </p:cNvSpPr>
-          <p:nvPr>
-            <p:ph type="ftr" sz="quarter" idx="10"/>
-          </p:nvPr>
-        </p:nvSpPr>
-        <p:spPr/>
-        <p:txBody>
-          <a:bodyPr/>
-          <a:lstStyle/>
-          <a:p>
-            <a:pPr>
-              <a:defRPr/>
-            </a:pPr>
-            <a:r>
-              <a:rPr lang="en-US" altLang="en-US" dirty="0"/>
-              <a:t>©2016 </a:t>
-            </a:r>
-            <a:r>
-              <a:rPr lang="en-US" altLang="en-US"/>
-              <a:t>Steve Simon    </a:t>
-            </a:r>
-            <a:r>
-              <a:rPr lang="en-US" altLang="en-US" dirty="0"/>
-              <a:t>http://TheAnalysisFactor.com</a:t>
-            </a:r>
-          </a:p>
-        </p:txBody>
-      </p:sp>
-      <p:sp>
-        <p:nvSpPr>
-          <p:cNvPr id="5" name="Slide Number Placeholder 4"/>
-          <p:cNvSpPr>
-            <a:spLocks noGrp="1"/>
-          </p:cNvSpPr>
-          <p:nvPr>
-            <p:ph type="sldNum" sz="quarter" idx="11"/>
-          </p:nvPr>
-        </p:nvSpPr>
-        <p:spPr/>
-        <p:txBody>
-          <a:bodyPr/>
-          <a:lstStyle/>
-          <a:p>
-            <a:pPr>
-              <a:defRPr/>
-            </a:pPr>
-            <a:endParaRPr lang="en-US"/>
-          </a:p>
-          <a:p>
-            <a:pPr>
-              <a:defRPr/>
-            </a:pPr>
-            <a:fld id="{E9A8CBA3-AA2B-46A6-BFA3-DCEBEAAB3F0A}" type="slidenum">
-              <a:rPr lang="en-US" smtClean="0"/>
-              <a:pPr>
-                <a:defRPr/>
-              </a:pPr>
-              <a:t>17</a:t>
-            </a:fld>
-            <a:endParaRPr lang="en-US"/>
-          </a:p>
-        </p:txBody>
-      </p:sp>
-      <p:sp>
-        <p:nvSpPr>
-          <p:cNvPr id="6" name="Text Placeholder 5"/>
-          <p:cNvSpPr>
-            <a:spLocks noGrp="1"/>
-          </p:cNvSpPr>
-          <p:nvPr>
-            <p:ph type="body" sz="quarter" idx="12"/>
-          </p:nvPr>
-        </p:nvSpPr>
-        <p:spPr/>
-        <p:txBody>
-          <a:bodyPr/>
-          <a:lstStyle/>
-          <a:p>
-            <a:r>
-              <a:rPr lang="en-US" dirty="0"/>
-              <a:t>Limitations</a:t>
-            </a:r>
-          </a:p>
-        </p:txBody>
-      </p:sp>
-    </p:spTree>
-    <p:extLst>
-      <p:ext uri="{BB962C8B-B14F-4D97-AF65-F5344CB8AC3E}">
-        <p14:creationId xmlns:p14="http://schemas.microsoft.com/office/powerpoint/2010/main" val="2823954424"/>
-      </p:ext>
-    </p:extLst>
-  </p:cSld>
-  <p:clrMapOvr>
-    <a:masterClrMapping/>
-  </p:clrMapOvr>
-</p:sld>
-</file>
-
-<file path=ppt/slides/slide18.xml><?xml version="1.0" encoding="utf-8"?>
-<p:sld xmlns:a="http://schemas.openxmlformats.org/drawingml/2006/main" xmlns:r="http://schemas.openxmlformats.org/officeDocument/2006/relationships" xmlns:p="http://schemas.openxmlformats.org/presentationml/2006/main">
-  <p:cSld>
-    <p:spTree>
-      <p:nvGrpSpPr>
-        <p:cNvPr id="1" name=""/>
-        <p:cNvGrpSpPr/>
-        <p:nvPr/>
-      </p:nvGrpSpPr>
-      <p:grpSpPr>
-        <a:xfrm>
-          <a:off x="0" y="0"/>
-          <a:ext cx="0" cy="0"/>
-          <a:chOff x="0" y="0"/>
-          <a:chExt cx="0" cy="0"/>
-        </a:xfrm>
-      </p:grpSpPr>
-      <p:sp>
-        <p:nvSpPr>
-          <p:cNvPr id="2" name="Title 1"/>
-          <p:cNvSpPr>
-            <a:spLocks noGrp="1"/>
-          </p:cNvSpPr>
-          <p:nvPr>
-            <p:ph type="title"/>
-          </p:nvPr>
-        </p:nvSpPr>
-        <p:spPr/>
-        <p:txBody>
-          <a:bodyPr/>
-          <a:lstStyle/>
-          <a:p>
-            <a:r>
-              <a:rPr lang="en-US" dirty="0"/>
-              <a:t>The Cox proportional hazards model</a:t>
-            </a:r>
-          </a:p>
-        </p:txBody>
-      </p:sp>
-      <p:sp>
-        <p:nvSpPr>
-          <p:cNvPr id="3" name="Text Placeholder 2"/>
-          <p:cNvSpPr>
-            <a:spLocks noGrp="1"/>
-          </p:cNvSpPr>
-          <p:nvPr>
-            <p:ph type="body" idx="1"/>
-          </p:nvPr>
-        </p:nvSpPr>
-        <p:spPr/>
-        <p:txBody>
-          <a:bodyPr/>
-          <a:lstStyle/>
-          <a:p>
-            <a:r>
-              <a:rPr lang="en-US" dirty="0"/>
-              <a:t>The Cox model overcomes all of these limitations. But the Cox model makes a critical assumption that is not strictly required for the log rank test, the assumption of proportional hazards.</a:t>
-            </a:r>
-          </a:p>
-          <a:p>
-            <a:r>
-              <a:rPr lang="en-US" dirty="0"/>
-              <a:t>In mathematical terms, the Cox model assumes that the hazard function for a set of predictor variables X</a:t>
-            </a:r>
-            <a:r>
-              <a:rPr lang="en-US" baseline="-25000" dirty="0"/>
-              <a:t>i1</a:t>
-            </a:r>
-            <a:r>
-              <a:rPr lang="en-US" dirty="0"/>
-              <a:t>, X</a:t>
-            </a:r>
-            <a:r>
-              <a:rPr lang="en-US" baseline="-25000" dirty="0"/>
-              <a:t>i2</a:t>
-            </a:r>
-            <a:r>
-              <a:rPr lang="en-US" dirty="0"/>
-              <a:t>, …, </a:t>
-            </a:r>
-            <a:r>
-              <a:rPr lang="en-US" dirty="0" err="1"/>
-              <a:t>X</a:t>
-            </a:r>
-            <a:r>
-              <a:rPr lang="en-US" baseline="-25000" dirty="0" err="1"/>
-              <a:t>ip</a:t>
-            </a:r>
-            <a:r>
-              <a:rPr lang="en-US" dirty="0"/>
-              <a:t>,</a:t>
-            </a:r>
-          </a:p>
-          <a:p>
-            <a:r>
-              <a:rPr lang="en-US" dirty="0"/>
-              <a:t>is proportional to a baseline hazard, </a:t>
-            </a:r>
-          </a:p>
-        </p:txBody>
-      </p:sp>
-      <p:sp>
-        <p:nvSpPr>
-          <p:cNvPr id="4" name="Footer Placeholder 3"/>
-          <p:cNvSpPr>
-            <a:spLocks noGrp="1"/>
-          </p:cNvSpPr>
-          <p:nvPr>
-            <p:ph type="ftr" sz="quarter" idx="10"/>
-          </p:nvPr>
-        </p:nvSpPr>
-        <p:spPr/>
-        <p:txBody>
-          <a:bodyPr/>
-          <a:lstStyle/>
-          <a:p>
-            <a:pPr>
-              <a:defRPr/>
-            </a:pPr>
-            <a:r>
-              <a:rPr lang="en-US" altLang="en-US" dirty="0"/>
-              <a:t>©2016 </a:t>
-            </a:r>
-            <a:r>
-              <a:rPr lang="en-US" altLang="en-US"/>
-              <a:t>Steve Simon    </a:t>
-            </a:r>
-            <a:r>
-              <a:rPr lang="en-US" altLang="en-US" dirty="0"/>
-              <a:t>http://TheAnalysisFactor.com</a:t>
-            </a:r>
-          </a:p>
-        </p:txBody>
-      </p:sp>
-      <p:sp>
-        <p:nvSpPr>
-          <p:cNvPr id="5" name="Slide Number Placeholder 4"/>
-          <p:cNvSpPr>
-            <a:spLocks noGrp="1"/>
-          </p:cNvSpPr>
-          <p:nvPr>
-            <p:ph type="sldNum" sz="quarter" idx="11"/>
-          </p:nvPr>
-        </p:nvSpPr>
-        <p:spPr/>
-        <p:txBody>
-          <a:bodyPr/>
-          <a:lstStyle/>
-          <a:p>
-            <a:pPr>
-              <a:defRPr/>
-            </a:pPr>
-            <a:endParaRPr lang="en-US"/>
-          </a:p>
-          <a:p>
-            <a:pPr>
-              <a:defRPr/>
-            </a:pPr>
-            <a:fld id="{E9A8CBA3-AA2B-46A6-BFA3-DCEBEAAB3F0A}" type="slidenum">
-              <a:rPr lang="en-US" smtClean="0"/>
-              <a:pPr>
-                <a:defRPr/>
-              </a:pPr>
-              <a:t>18</a:t>
             </a:fld>
             <a:endParaRPr lang="en-US"/>
           </a:p>
@@ -6464,7 +5443,7 @@
 </p:sld>
 </file>
 
-<file path=ppt/slides/slide19.xml><?xml version="1.0" encoding="utf-8"?>
+<file path=ppt/slides/slide16.xml><?xml version="1.0" encoding="utf-8"?>
 <p:sld xmlns:a="http://schemas.openxmlformats.org/drawingml/2006/main" xmlns:r="http://schemas.openxmlformats.org/officeDocument/2006/relationships" xmlns:p="http://schemas.openxmlformats.org/presentationml/2006/main">
   <p:cSld>
     <p:spTree>
@@ -6623,7 +5602,7 @@
               <a:pPr>
                 <a:defRPr/>
               </a:pPr>
-              <a:t>19</a:t>
+              <a:t>16</a:t>
             </a:fld>
             <a:endParaRPr lang="en-US"/>
           </a:p>
@@ -6772,6 +5751,632 @@
 </p:sld>
 </file>
 
+<file path=ppt/slides/slide17.xml><?xml version="1.0" encoding="utf-8"?>
+<p:sld xmlns:a="http://schemas.openxmlformats.org/drawingml/2006/main" xmlns:r="http://schemas.openxmlformats.org/officeDocument/2006/relationships" xmlns:p="http://schemas.openxmlformats.org/presentationml/2006/main">
+  <p:cSld>
+    <p:spTree>
+      <p:nvGrpSpPr>
+        <p:cNvPr id="1" name=""/>
+        <p:cNvGrpSpPr/>
+        <p:nvPr/>
+      </p:nvGrpSpPr>
+      <p:grpSpPr>
+        <a:xfrm>
+          <a:off x="0" y="0"/>
+          <a:ext cx="0" cy="0"/>
+          <a:chOff x="0" y="0"/>
+          <a:chExt cx="0" cy="0"/>
+        </a:xfrm>
+      </p:grpSpPr>
+      <p:sp>
+        <p:nvSpPr>
+          <p:cNvPr id="2" name="Title 1"/>
+          <p:cNvSpPr>
+            <a:spLocks noGrp="1"/>
+          </p:cNvSpPr>
+          <p:nvPr>
+            <p:ph type="title"/>
+          </p:nvPr>
+        </p:nvSpPr>
+        <p:spPr/>
+        <p:txBody>
+          <a:bodyPr/>
+          <a:lstStyle/>
+          <a:p>
+            <a:r>
+              <a:rPr lang="en-US" dirty="0"/>
+              <a:t>An example</a:t>
+            </a:r>
+          </a:p>
+        </p:txBody>
+      </p:sp>
+      <p:sp>
+        <p:nvSpPr>
+          <p:cNvPr id="3" name="Text Placeholder 2"/>
+          <p:cNvSpPr>
+            <a:spLocks noGrp="1"/>
+          </p:cNvSpPr>
+          <p:nvPr>
+            <p:ph type="body" idx="1"/>
+          </p:nvPr>
+        </p:nvSpPr>
+        <p:spPr/>
+        <p:txBody>
+          <a:bodyPr/>
+          <a:lstStyle/>
+          <a:p>
+            <a:r>
+              <a:rPr lang="en-US" dirty="0"/>
+              <a:t>On the Australian Data and Story Library website, you can find a data set on the amount of time that a patient spends in a rehabilitation clinic. You can read a description of the data at</a:t>
+            </a:r>
+          </a:p>
+          <a:p>
+            <a:pPr marL="342900" indent="-342900">
+              <a:buFont typeface="Arial" panose="020B0604020202020204" pitchFamily="34" charset="0"/>
+              <a:buChar char="•"/>
+            </a:pPr>
+            <a:r>
+              <a:rPr lang="en-US" dirty="0"/>
+              <a:t>http://www.statsci.org/data/oz/heroin.html</a:t>
+            </a:r>
+          </a:p>
+          <a:p>
+            <a:r>
+              <a:rPr lang="en-US" dirty="0"/>
+              <a:t>and the tab delimited data is at</a:t>
+            </a:r>
+          </a:p>
+          <a:p>
+            <a:pPr marL="342900" indent="-342900">
+              <a:buFont typeface="Arial" panose="020B0604020202020204" pitchFamily="34" charset="0"/>
+              <a:buChar char="•"/>
+            </a:pPr>
+            <a:r>
+              <a:rPr lang="en-US" dirty="0"/>
+              <a:t>http://www.statsci.org/data/oz/heroin.txt</a:t>
+            </a:r>
+          </a:p>
+        </p:txBody>
+      </p:sp>
+      <p:sp>
+        <p:nvSpPr>
+          <p:cNvPr id="4" name="Footer Placeholder 3"/>
+          <p:cNvSpPr>
+            <a:spLocks noGrp="1"/>
+          </p:cNvSpPr>
+          <p:nvPr>
+            <p:ph type="ftr" sz="quarter" idx="10"/>
+          </p:nvPr>
+        </p:nvSpPr>
+        <p:spPr/>
+        <p:txBody>
+          <a:bodyPr/>
+          <a:lstStyle/>
+          <a:p>
+            <a:pPr>
+              <a:defRPr/>
+            </a:pPr>
+            <a:r>
+              <a:rPr lang="en-US" altLang="en-US" dirty="0"/>
+              <a:t>©2016 </a:t>
+            </a:r>
+            <a:r>
+              <a:rPr lang="en-US" altLang="en-US"/>
+              <a:t>Steve Simon    </a:t>
+            </a:r>
+            <a:r>
+              <a:rPr lang="en-US" altLang="en-US" dirty="0"/>
+              <a:t>http://TheAnalysisFactor.com</a:t>
+            </a:r>
+          </a:p>
+        </p:txBody>
+      </p:sp>
+      <p:sp>
+        <p:nvSpPr>
+          <p:cNvPr id="5" name="Slide Number Placeholder 4"/>
+          <p:cNvSpPr>
+            <a:spLocks noGrp="1"/>
+          </p:cNvSpPr>
+          <p:nvPr>
+            <p:ph type="sldNum" sz="quarter" idx="11"/>
+          </p:nvPr>
+        </p:nvSpPr>
+        <p:spPr/>
+        <p:txBody>
+          <a:bodyPr/>
+          <a:lstStyle/>
+          <a:p>
+            <a:pPr>
+              <a:defRPr/>
+            </a:pPr>
+            <a:endParaRPr lang="en-US"/>
+          </a:p>
+          <a:p>
+            <a:pPr>
+              <a:defRPr/>
+            </a:pPr>
+            <a:fld id="{E9A8CBA3-AA2B-46A6-BFA3-DCEBEAAB3F0A}" type="slidenum">
+              <a:rPr lang="en-US" smtClean="0"/>
+              <a:pPr>
+                <a:defRPr/>
+              </a:pPr>
+              <a:t>17</a:t>
+            </a:fld>
+            <a:endParaRPr lang="en-US"/>
+          </a:p>
+        </p:txBody>
+      </p:sp>
+      <p:sp>
+        <p:nvSpPr>
+          <p:cNvPr id="6" name="Text Placeholder 5"/>
+          <p:cNvSpPr>
+            <a:spLocks noGrp="1"/>
+          </p:cNvSpPr>
+          <p:nvPr>
+            <p:ph type="body" sz="quarter" idx="12"/>
+          </p:nvPr>
+        </p:nvSpPr>
+        <p:spPr/>
+        <p:txBody>
+          <a:bodyPr/>
+          <a:lstStyle/>
+          <a:p>
+            <a:r>
+              <a:rPr lang="en-US" dirty="0"/>
+              <a:t>Methadone clinic discharge data</a:t>
+            </a:r>
+          </a:p>
+        </p:txBody>
+      </p:sp>
+    </p:spTree>
+    <p:extLst>
+      <p:ext uri="{BB962C8B-B14F-4D97-AF65-F5344CB8AC3E}">
+        <p14:creationId xmlns:p14="http://schemas.microsoft.com/office/powerpoint/2010/main" val="3173485417"/>
+      </p:ext>
+    </p:extLst>
+  </p:cSld>
+  <p:clrMapOvr>
+    <a:masterClrMapping/>
+  </p:clrMapOvr>
+</p:sld>
+</file>
+
+<file path=ppt/slides/slide18.xml><?xml version="1.0" encoding="utf-8"?>
+<p:sld xmlns:a="http://schemas.openxmlformats.org/drawingml/2006/main" xmlns:r="http://schemas.openxmlformats.org/officeDocument/2006/relationships" xmlns:p="http://schemas.openxmlformats.org/presentationml/2006/main">
+  <p:cSld>
+    <p:spTree>
+      <p:nvGrpSpPr>
+        <p:cNvPr id="1" name=""/>
+        <p:cNvGrpSpPr/>
+        <p:nvPr/>
+      </p:nvGrpSpPr>
+      <p:grpSpPr>
+        <a:xfrm>
+          <a:off x="0" y="0"/>
+          <a:ext cx="0" cy="0"/>
+          <a:chOff x="0" y="0"/>
+          <a:chExt cx="0" cy="0"/>
+        </a:xfrm>
+      </p:grpSpPr>
+      <p:sp>
+        <p:nvSpPr>
+          <p:cNvPr id="2" name="Title 1"/>
+          <p:cNvSpPr>
+            <a:spLocks noGrp="1"/>
+          </p:cNvSpPr>
+          <p:nvPr>
+            <p:ph type="title"/>
+          </p:nvPr>
+        </p:nvSpPr>
+        <p:spPr/>
+        <p:txBody>
+          <a:bodyPr/>
+          <a:lstStyle/>
+          <a:p>
+            <a:r>
+              <a:rPr lang="en-US" dirty="0"/>
+              <a:t>An example</a:t>
+            </a:r>
+          </a:p>
+        </p:txBody>
+      </p:sp>
+      <p:sp>
+        <p:nvSpPr>
+          <p:cNvPr id="3" name="Text Placeholder 2"/>
+          <p:cNvSpPr>
+            <a:spLocks noGrp="1"/>
+          </p:cNvSpPr>
+          <p:nvPr>
+            <p:ph type="body" idx="1"/>
+          </p:nvPr>
+        </p:nvSpPr>
+        <p:spPr/>
+        <p:txBody>
+          <a:bodyPr/>
+          <a:lstStyle/>
+          <a:p>
+            <a:r>
+              <a:rPr lang="en-US" dirty="0">
+                <a:latin typeface="Courier New" panose="02070309020205020404" pitchFamily="49" charset="0"/>
+                <a:cs typeface="Courier New" panose="02070309020205020404" pitchFamily="49" charset="0"/>
+              </a:rPr>
+              <a:t>Clinic  1 or 2</a:t>
+            </a:r>
+          </a:p>
+          <a:p>
+            <a:r>
+              <a:rPr lang="en-US" dirty="0">
+                <a:latin typeface="Courier New" panose="02070309020205020404" pitchFamily="49" charset="0"/>
+                <a:cs typeface="Courier New" panose="02070309020205020404" pitchFamily="49" charset="0"/>
+              </a:rPr>
+              <a:t>Status  0=still in clinic at end of study(censored)  </a:t>
+            </a:r>
+          </a:p>
+          <a:p>
+            <a:r>
+              <a:rPr lang="en-US" dirty="0">
+                <a:latin typeface="Courier New" panose="02070309020205020404" pitchFamily="49" charset="0"/>
+                <a:cs typeface="Courier New" panose="02070309020205020404" pitchFamily="49" charset="0"/>
+              </a:rPr>
+              <a:t>        or 1=departed from clinic</a:t>
+            </a:r>
+          </a:p>
+          <a:p>
+            <a:r>
+              <a:rPr lang="en-US" dirty="0">
+                <a:latin typeface="Courier New" panose="02070309020205020404" pitchFamily="49" charset="0"/>
+                <a:cs typeface="Courier New" panose="02070309020205020404" pitchFamily="49" charset="0"/>
+              </a:rPr>
+              <a:t>Time    days spent in clinic</a:t>
+            </a:r>
+          </a:p>
+          <a:p>
+            <a:r>
+              <a:rPr lang="en-US" dirty="0">
+                <a:latin typeface="Courier New" panose="02070309020205020404" pitchFamily="49" charset="0"/>
+                <a:cs typeface="Courier New" panose="02070309020205020404" pitchFamily="49" charset="0"/>
+              </a:rPr>
+              <a:t>Prison  1=prison record or 0=no record</a:t>
+            </a:r>
+          </a:p>
+          <a:p>
+            <a:r>
+              <a:rPr lang="en-US" dirty="0">
+                <a:latin typeface="Courier New" panose="02070309020205020404" pitchFamily="49" charset="0"/>
+                <a:cs typeface="Courier New" panose="02070309020205020404" pitchFamily="49" charset="0"/>
+              </a:rPr>
+              <a:t>Dose    methadone dosage (mg/day)</a:t>
+            </a:r>
+          </a:p>
+        </p:txBody>
+      </p:sp>
+      <p:sp>
+        <p:nvSpPr>
+          <p:cNvPr id="4" name="Footer Placeholder 3"/>
+          <p:cNvSpPr>
+            <a:spLocks noGrp="1"/>
+          </p:cNvSpPr>
+          <p:nvPr>
+            <p:ph type="ftr" sz="quarter" idx="10"/>
+          </p:nvPr>
+        </p:nvSpPr>
+        <p:spPr/>
+        <p:txBody>
+          <a:bodyPr/>
+          <a:lstStyle/>
+          <a:p>
+            <a:pPr>
+              <a:defRPr/>
+            </a:pPr>
+            <a:r>
+              <a:rPr lang="en-US" altLang="en-US" dirty="0"/>
+              <a:t>©2016 </a:t>
+            </a:r>
+            <a:r>
+              <a:rPr lang="en-US" altLang="en-US"/>
+              <a:t>Steve Simon    </a:t>
+            </a:r>
+            <a:r>
+              <a:rPr lang="en-US" altLang="en-US" dirty="0"/>
+              <a:t>http://TheAnalysisFactor.com</a:t>
+            </a:r>
+          </a:p>
+        </p:txBody>
+      </p:sp>
+      <p:sp>
+        <p:nvSpPr>
+          <p:cNvPr id="5" name="Slide Number Placeholder 4"/>
+          <p:cNvSpPr>
+            <a:spLocks noGrp="1"/>
+          </p:cNvSpPr>
+          <p:nvPr>
+            <p:ph type="sldNum" sz="quarter" idx="11"/>
+          </p:nvPr>
+        </p:nvSpPr>
+        <p:spPr/>
+        <p:txBody>
+          <a:bodyPr/>
+          <a:lstStyle/>
+          <a:p>
+            <a:pPr>
+              <a:defRPr/>
+            </a:pPr>
+            <a:endParaRPr lang="en-US"/>
+          </a:p>
+          <a:p>
+            <a:pPr>
+              <a:defRPr/>
+            </a:pPr>
+            <a:fld id="{E9A8CBA3-AA2B-46A6-BFA3-DCEBEAAB3F0A}" type="slidenum">
+              <a:rPr lang="en-US" smtClean="0"/>
+              <a:pPr>
+                <a:defRPr/>
+              </a:pPr>
+              <a:t>18</a:t>
+            </a:fld>
+            <a:endParaRPr lang="en-US"/>
+          </a:p>
+        </p:txBody>
+      </p:sp>
+      <p:sp>
+        <p:nvSpPr>
+          <p:cNvPr id="6" name="Text Placeholder 5"/>
+          <p:cNvSpPr>
+            <a:spLocks noGrp="1"/>
+          </p:cNvSpPr>
+          <p:nvPr>
+            <p:ph type="body" sz="quarter" idx="12"/>
+          </p:nvPr>
+        </p:nvSpPr>
+        <p:spPr/>
+        <p:txBody>
+          <a:bodyPr/>
+          <a:lstStyle/>
+          <a:p>
+            <a:r>
+              <a:rPr lang="en-US" dirty="0"/>
+              <a:t>Variables in the data set</a:t>
+            </a:r>
+          </a:p>
+        </p:txBody>
+      </p:sp>
+    </p:spTree>
+    <p:extLst>
+      <p:ext uri="{BB962C8B-B14F-4D97-AF65-F5344CB8AC3E}">
+        <p14:creationId xmlns:p14="http://schemas.microsoft.com/office/powerpoint/2010/main" val="2840833356"/>
+      </p:ext>
+    </p:extLst>
+  </p:cSld>
+  <p:clrMapOvr>
+    <a:masterClrMapping/>
+  </p:clrMapOvr>
+</p:sld>
+</file>
+
+<file path=ppt/slides/slide19.xml><?xml version="1.0" encoding="utf-8"?>
+<p:sld xmlns:a="http://schemas.openxmlformats.org/drawingml/2006/main" xmlns:r="http://schemas.openxmlformats.org/officeDocument/2006/relationships" xmlns:p="http://schemas.openxmlformats.org/presentationml/2006/main">
+  <p:cSld>
+    <p:spTree>
+      <p:nvGrpSpPr>
+        <p:cNvPr id="1" name=""/>
+        <p:cNvGrpSpPr/>
+        <p:nvPr/>
+      </p:nvGrpSpPr>
+      <p:grpSpPr>
+        <a:xfrm>
+          <a:off x="0" y="0"/>
+          <a:ext cx="0" cy="0"/>
+          <a:chOff x="0" y="0"/>
+          <a:chExt cx="0" cy="0"/>
+        </a:xfrm>
+      </p:grpSpPr>
+      <p:sp>
+        <p:nvSpPr>
+          <p:cNvPr id="2" name="Title 1"/>
+          <p:cNvSpPr>
+            <a:spLocks noGrp="1"/>
+          </p:cNvSpPr>
+          <p:nvPr>
+            <p:ph type="title"/>
+          </p:nvPr>
+        </p:nvSpPr>
+        <p:spPr/>
+        <p:txBody>
+          <a:bodyPr/>
+          <a:lstStyle/>
+          <a:p>
+            <a:r>
+              <a:rPr lang="en-US" dirty="0"/>
+              <a:t>An example</a:t>
+            </a:r>
+          </a:p>
+        </p:txBody>
+      </p:sp>
+      <p:sp>
+        <p:nvSpPr>
+          <p:cNvPr id="3" name="Text Placeholder 2"/>
+          <p:cNvSpPr>
+            <a:spLocks noGrp="1"/>
+          </p:cNvSpPr>
+          <p:nvPr>
+            <p:ph type="body" idx="1"/>
+          </p:nvPr>
+        </p:nvSpPr>
+        <p:spPr/>
+        <p:txBody>
+          <a:bodyPr/>
+          <a:lstStyle/>
+          <a:p>
+            <a:r>
+              <a:rPr lang="en-US" dirty="0">
+                <a:latin typeface="Courier New" panose="02070309020205020404" pitchFamily="49" charset="0"/>
+                <a:cs typeface="Courier New" panose="02070309020205020404" pitchFamily="49" charset="0"/>
+              </a:rPr>
+              <a:t>ID	Clinic	Status	Time	Prison?	Dose</a:t>
+            </a:r>
+          </a:p>
+          <a:p>
+            <a:r>
+              <a:rPr lang="en-US" dirty="0">
+                <a:latin typeface="Courier New" panose="02070309020205020404" pitchFamily="49" charset="0"/>
+                <a:cs typeface="Courier New" panose="02070309020205020404" pitchFamily="49" charset="0"/>
+              </a:rPr>
+              <a:t>1	1		1		428	0		50</a:t>
+            </a:r>
+          </a:p>
+          <a:p>
+            <a:r>
+              <a:rPr lang="en-US" dirty="0">
+                <a:latin typeface="Courier New" panose="02070309020205020404" pitchFamily="49" charset="0"/>
+                <a:cs typeface="Courier New" panose="02070309020205020404" pitchFamily="49" charset="0"/>
+              </a:rPr>
+              <a:t>2	1		1		275	1		55</a:t>
+            </a:r>
+          </a:p>
+          <a:p>
+            <a:r>
+              <a:rPr lang="en-US" dirty="0">
+                <a:latin typeface="Courier New" panose="02070309020205020404" pitchFamily="49" charset="0"/>
+                <a:cs typeface="Courier New" panose="02070309020205020404" pitchFamily="49" charset="0"/>
+              </a:rPr>
+              <a:t>3	1		1		262	0		55</a:t>
+            </a:r>
+          </a:p>
+          <a:p>
+            <a:r>
+              <a:rPr lang="en-US" dirty="0">
+                <a:latin typeface="Courier New" panose="02070309020205020404" pitchFamily="49" charset="0"/>
+                <a:cs typeface="Courier New" panose="02070309020205020404" pitchFamily="49" charset="0"/>
+              </a:rPr>
+              <a:t>4	1		1		183	0		30</a:t>
+            </a:r>
+          </a:p>
+          <a:p>
+            <a:pPr marL="457200" indent="-457200">
+              <a:buAutoNum type="arabicPlain" startAt="5"/>
+            </a:pPr>
+            <a:r>
+              <a:rPr lang="en-US" dirty="0">
+                <a:latin typeface="Courier New" panose="02070309020205020404" pitchFamily="49" charset="0"/>
+                <a:cs typeface="Courier New" panose="02070309020205020404" pitchFamily="49" charset="0"/>
+              </a:rPr>
+              <a:t>	1		1		259	1		65</a:t>
+            </a:r>
+          </a:p>
+          <a:p>
+            <a:r>
+              <a:rPr lang="en-US" dirty="0">
+                <a:latin typeface="Courier New" panose="02070309020205020404" pitchFamily="49" charset="0"/>
+                <a:cs typeface="Courier New" panose="02070309020205020404" pitchFamily="49" charset="0"/>
+              </a:rPr>
+              <a:t>...	</a:t>
+            </a:r>
+          </a:p>
+        </p:txBody>
+      </p:sp>
+      <p:sp>
+        <p:nvSpPr>
+          <p:cNvPr id="4" name="Footer Placeholder 3"/>
+          <p:cNvSpPr>
+            <a:spLocks noGrp="1"/>
+          </p:cNvSpPr>
+          <p:nvPr>
+            <p:ph type="ftr" sz="quarter" idx="10"/>
+          </p:nvPr>
+        </p:nvSpPr>
+        <p:spPr/>
+        <p:txBody>
+          <a:bodyPr/>
+          <a:lstStyle/>
+          <a:p>
+            <a:pPr>
+              <a:defRPr/>
+            </a:pPr>
+            <a:r>
+              <a:rPr lang="en-US" altLang="en-US" dirty="0"/>
+              <a:t>©2016 </a:t>
+            </a:r>
+            <a:r>
+              <a:rPr lang="en-US" altLang="en-US"/>
+              <a:t>Steve Simon    </a:t>
+            </a:r>
+            <a:r>
+              <a:rPr lang="en-US" altLang="en-US" dirty="0"/>
+              <a:t>http://TheAnalysisFactor.com</a:t>
+            </a:r>
+          </a:p>
+        </p:txBody>
+      </p:sp>
+      <p:sp>
+        <p:nvSpPr>
+          <p:cNvPr id="5" name="Slide Number Placeholder 4"/>
+          <p:cNvSpPr>
+            <a:spLocks noGrp="1"/>
+          </p:cNvSpPr>
+          <p:nvPr>
+            <p:ph type="sldNum" sz="quarter" idx="11"/>
+          </p:nvPr>
+        </p:nvSpPr>
+        <p:spPr/>
+        <p:txBody>
+          <a:bodyPr/>
+          <a:lstStyle/>
+          <a:p>
+            <a:pPr>
+              <a:defRPr/>
+            </a:pPr>
+            <a:endParaRPr lang="en-US"/>
+          </a:p>
+          <a:p>
+            <a:pPr>
+              <a:defRPr/>
+            </a:pPr>
+            <a:fld id="{E9A8CBA3-AA2B-46A6-BFA3-DCEBEAAB3F0A}" type="slidenum">
+              <a:rPr lang="en-US" smtClean="0"/>
+              <a:pPr>
+                <a:defRPr/>
+              </a:pPr>
+              <a:t>19</a:t>
+            </a:fld>
+            <a:endParaRPr lang="en-US"/>
+          </a:p>
+        </p:txBody>
+      </p:sp>
+      <p:sp>
+        <p:nvSpPr>
+          <p:cNvPr id="6" name="Text Placeholder 5"/>
+          <p:cNvSpPr>
+            <a:spLocks noGrp="1"/>
+          </p:cNvSpPr>
+          <p:nvPr>
+            <p:ph type="body" sz="quarter" idx="12"/>
+          </p:nvPr>
+        </p:nvSpPr>
+        <p:spPr/>
+        <p:txBody>
+          <a:bodyPr/>
+          <a:lstStyle/>
+          <a:p>
+            <a:r>
+              <a:rPr lang="en-US" dirty="0"/>
+              <a:t>First few rows of data</a:t>
+            </a:r>
+          </a:p>
+        </p:txBody>
+      </p:sp>
+    </p:spTree>
+    <p:extLst>
+      <p:ext uri="{BB962C8B-B14F-4D97-AF65-F5344CB8AC3E}">
+        <p14:creationId xmlns:p14="http://schemas.microsoft.com/office/powerpoint/2010/main" val="1432644606"/>
+      </p:ext>
+    </p:extLst>
+  </p:cSld>
+  <p:clrMapOvr>
+    <a:masterClrMapping/>
+  </p:clrMapOvr>
+</p:sld>
+</file>
+
 <file path=ppt/slides/slide2.xml><?xml version="1.0" encoding="utf-8"?>
 <p:sld xmlns:a="http://schemas.openxmlformats.org/drawingml/2006/main" xmlns:r="http://schemas.openxmlformats.org/officeDocument/2006/relationships" xmlns:p="http://schemas.openxmlformats.org/presentationml/2006/main">
   <p:cSld>
@@ -6988,34 +6593,56 @@
           <a:lstStyle/>
           <a:p>
             <a:r>
-              <a:rPr lang="en-US" dirty="0"/>
-              <a:t>On the Australian Data and Story Library website, you can find a data set on the amount of time that a patient spends in a rehabilitation clinic. You can read a description of the data at</a:t>
-            </a:r>
-          </a:p>
-          <a:p>
-            <a:pPr marL="342900" indent="-342900">
-              <a:buFont typeface="Arial" panose="020B0604020202020204" pitchFamily="34" charset="0"/>
-              <a:buChar char="•"/>
-            </a:pPr>
-            <a:r>
-              <a:rPr lang="en-US" dirty="0"/>
-              <a:t>http://www.statsci.org/data/oz/heroin.html</a:t>
-            </a:r>
-          </a:p>
-          <a:p>
-            <a:r>
-              <a:rPr lang="en-US" dirty="0"/>
-              <a:t>and the tab delimited data is at</a:t>
-            </a:r>
-          </a:p>
-          <a:p>
-            <a:pPr marL="342900" indent="-342900">
-              <a:buFont typeface="Arial" panose="020B0604020202020204" pitchFamily="34" charset="0"/>
-              <a:buChar char="•"/>
-            </a:pPr>
-            <a:r>
-              <a:rPr lang="en-US" dirty="0"/>
-              <a:t>http://www.statsci.org/data/oz/heroin.txt</a:t>
+              <a:rPr lang="en-US" dirty="0">
+                <a:latin typeface="Courier New" panose="02070309020205020404" pitchFamily="49" charset="0"/>
+                <a:cs typeface="Courier New" panose="02070309020205020404" pitchFamily="49" charset="0"/>
+              </a:rPr>
+              <a:t>Time</a:t>
+            </a:r>
+          </a:p>
+          <a:p>
+            <a:r>
+              <a:rPr lang="en-US" dirty="0">
+                <a:latin typeface="Courier New" panose="02070309020205020404" pitchFamily="49" charset="0"/>
+                <a:cs typeface="Courier New" panose="02070309020205020404" pitchFamily="49" charset="0"/>
+              </a:rPr>
+              <a:t>   Min. 1st Qu.  Median    Mean 3rd Qu.    Max. </a:t>
+            </a:r>
+          </a:p>
+          <a:p>
+            <a:r>
+              <a:rPr lang="en-US" dirty="0">
+                <a:latin typeface="Courier New" panose="02070309020205020404" pitchFamily="49" charset="0"/>
+                <a:cs typeface="Courier New" panose="02070309020205020404" pitchFamily="49" charset="0"/>
+              </a:rPr>
+              <a:t>    2.0   171.2   367.5   402.6   585.5  1076.0 </a:t>
+            </a:r>
+          </a:p>
+          <a:p>
+            <a:r>
+              <a:rPr lang="en-US" dirty="0">
+                <a:latin typeface="Courier New" panose="02070309020205020404" pitchFamily="49" charset="0"/>
+                <a:cs typeface="Courier New" panose="02070309020205020404" pitchFamily="49" charset="0"/>
+              </a:rPr>
+              <a:t>Dose</a:t>
+            </a:r>
+          </a:p>
+          <a:p>
+            <a:r>
+              <a:rPr lang="en-US" dirty="0">
+                <a:latin typeface="Courier New" panose="02070309020205020404" pitchFamily="49" charset="0"/>
+                <a:cs typeface="Courier New" panose="02070309020205020404" pitchFamily="49" charset="0"/>
+              </a:rPr>
+              <a:t>   Min. 1st Qu.  Median    Mean 3rd Qu.    Max. </a:t>
+            </a:r>
+          </a:p>
+          <a:p>
+            <a:r>
+              <a:rPr lang="en-US" dirty="0">
+                <a:latin typeface="Courier New" panose="02070309020205020404" pitchFamily="49" charset="0"/>
+                <a:cs typeface="Courier New" panose="02070309020205020404" pitchFamily="49" charset="0"/>
+              </a:rPr>
+              <a:t>   20.0    50.0    60.0    60.4    70.0   110.0 </a:t>
             </a:r>
           </a:p>
         </p:txBody>
@@ -7105,7 +6732,7 @@
           <a:p>
             <a:r>
               <a:rPr lang="en-US" dirty="0"/>
-              <a:t>Methadone clinic discharge data</a:t>
+              <a:t>Descriptive statistics for continuous data</a:t>
             </a:r>
           </a:p>
         </p:txBody>
@@ -7113,7 +6740,7 @@
     </p:spTree>
     <p:extLst>
       <p:ext uri="{BB962C8B-B14F-4D97-AF65-F5344CB8AC3E}">
-        <p14:creationId xmlns:p14="http://schemas.microsoft.com/office/powerpoint/2010/main" val="3173485417"/>
+        <p14:creationId xmlns:p14="http://schemas.microsoft.com/office/powerpoint/2010/main" val="1216130842"/>
       </p:ext>
     </p:extLst>
   </p:cSld>
@@ -7182,7 +6809,7 @@
                 <a:latin typeface="Courier New" panose="02070309020205020404" pitchFamily="49" charset="0"/>
                 <a:cs typeface="Courier New" panose="02070309020205020404" pitchFamily="49" charset="0"/>
               </a:rPr>
-              <a:t>Clinic  1 or 2</a:t>
+              <a:t>Clinic	  1   2 </a:t>
             </a:r>
           </a:p>
           <a:p>
@@ -7191,8 +6818,14 @@
                 <a:latin typeface="Courier New" panose="02070309020205020404" pitchFamily="49" charset="0"/>
                 <a:cs typeface="Courier New" panose="02070309020205020404" pitchFamily="49" charset="0"/>
               </a:rPr>
-              <a:t>Status  0=still in clinic at end of study(censored)  </a:t>
-            </a:r>
+              <a:t>		163  75 </a:t>
+            </a:r>
+          </a:p>
+          <a:p>
+            <a:endParaRPr lang="en-US" dirty="0">
+              <a:latin typeface="Courier New" panose="02070309020205020404" pitchFamily="49" charset="0"/>
+              <a:cs typeface="Courier New" panose="02070309020205020404" pitchFamily="49" charset="0"/>
+            </a:endParaRPr>
           </a:p>
           <a:p>
             <a:r>
@@ -7200,7 +6833,7 @@
                 <a:latin typeface="Courier New" panose="02070309020205020404" pitchFamily="49" charset="0"/>
                 <a:cs typeface="Courier New" panose="02070309020205020404" pitchFamily="49" charset="0"/>
               </a:rPr>
-              <a:t>        or 1=departed from clinic</a:t>
+              <a:t>Status	  0   1 </a:t>
             </a:r>
           </a:p>
           <a:p>
@@ -7209,8 +6842,14 @@
                 <a:latin typeface="Courier New" panose="02070309020205020404" pitchFamily="49" charset="0"/>
                 <a:cs typeface="Courier New" panose="02070309020205020404" pitchFamily="49" charset="0"/>
               </a:rPr>
-              <a:t>Time    days spent in clinic</a:t>
-            </a:r>
+              <a:t>		 88 150 </a:t>
+            </a:r>
+          </a:p>
+          <a:p>
+            <a:endParaRPr lang="en-US" dirty="0">
+              <a:latin typeface="Courier New" panose="02070309020205020404" pitchFamily="49" charset="0"/>
+              <a:cs typeface="Courier New" panose="02070309020205020404" pitchFamily="49" charset="0"/>
+            </a:endParaRPr>
           </a:p>
           <a:p>
             <a:r>
@@ -7218,7 +6857,7 @@
                 <a:latin typeface="Courier New" panose="02070309020205020404" pitchFamily="49" charset="0"/>
                 <a:cs typeface="Courier New" panose="02070309020205020404" pitchFamily="49" charset="0"/>
               </a:rPr>
-              <a:t>Prison  1=prison record or 0=no record</a:t>
+              <a:t>Prison	  0   1 </a:t>
             </a:r>
           </a:p>
           <a:p>
@@ -7227,7 +6866,7 @@
                 <a:latin typeface="Courier New" panose="02070309020205020404" pitchFamily="49" charset="0"/>
                 <a:cs typeface="Courier New" panose="02070309020205020404" pitchFamily="49" charset="0"/>
               </a:rPr>
-              <a:t>Dose    methadone dosage (mg/day)</a:t>
+              <a:t>		127 111</a:t>
             </a:r>
           </a:p>
         </p:txBody>
@@ -7317,7 +6956,7 @@
           <a:p>
             <a:r>
               <a:rPr lang="en-US" dirty="0"/>
-              <a:t>Variables in the data set</a:t>
+              <a:t>Descriptive statistics for categorical data</a:t>
             </a:r>
           </a:p>
         </p:txBody>
@@ -7325,7 +6964,7 @@
     </p:spTree>
     <p:extLst>
       <p:ext uri="{BB962C8B-B14F-4D97-AF65-F5344CB8AC3E}">
-        <p14:creationId xmlns:p14="http://schemas.microsoft.com/office/powerpoint/2010/main" val="2840833356"/>
+        <p14:creationId xmlns:p14="http://schemas.microsoft.com/office/powerpoint/2010/main" val="3860529503"/>
       </p:ext>
     </p:extLst>
   </p:cSld>
@@ -7376,88 +7015,6 @@
       </p:sp>
       <p:sp>
         <p:nvSpPr>
-          <p:cNvPr id="3" name="Text Placeholder 2"/>
-          <p:cNvSpPr>
-            <a:spLocks noGrp="1"/>
-          </p:cNvSpPr>
-          <p:nvPr>
-            <p:ph type="body" idx="1"/>
-          </p:nvPr>
-        </p:nvSpPr>
-        <p:spPr/>
-        <p:txBody>
-          <a:bodyPr/>
-          <a:lstStyle/>
-          <a:p>
-            <a:r>
-              <a:rPr lang="en-US" dirty="0">
-                <a:latin typeface="Courier New" panose="02070309020205020404" pitchFamily="49" charset="0"/>
-                <a:cs typeface="Courier New" panose="02070309020205020404" pitchFamily="49" charset="0"/>
-              </a:rPr>
-              <a:t>ID	Clinic	Status	Time	Prison?	Dose</a:t>
-            </a:r>
-          </a:p>
-          <a:p>
-            <a:r>
-              <a:rPr lang="en-US" dirty="0">
-                <a:latin typeface="Courier New" panose="02070309020205020404" pitchFamily="49" charset="0"/>
-                <a:cs typeface="Courier New" panose="02070309020205020404" pitchFamily="49" charset="0"/>
-              </a:rPr>
-              <a:t>1	1		1		428	0		50</a:t>
-            </a:r>
-          </a:p>
-          <a:p>
-            <a:r>
-              <a:rPr lang="en-US" dirty="0">
-                <a:latin typeface="Courier New" panose="02070309020205020404" pitchFamily="49" charset="0"/>
-                <a:cs typeface="Courier New" panose="02070309020205020404" pitchFamily="49" charset="0"/>
-              </a:rPr>
-              <a:t>2	1		1		275	1		55</a:t>
-            </a:r>
-          </a:p>
-          <a:p>
-            <a:r>
-              <a:rPr lang="en-US" dirty="0">
-                <a:latin typeface="Courier New" panose="02070309020205020404" pitchFamily="49" charset="0"/>
-                <a:cs typeface="Courier New" panose="02070309020205020404" pitchFamily="49" charset="0"/>
-              </a:rPr>
-              <a:t>3	1		1		262	0		55</a:t>
-            </a:r>
-          </a:p>
-          <a:p>
-            <a:r>
-              <a:rPr lang="en-US" dirty="0">
-                <a:latin typeface="Courier New" panose="02070309020205020404" pitchFamily="49" charset="0"/>
-                <a:cs typeface="Courier New" panose="02070309020205020404" pitchFamily="49" charset="0"/>
-              </a:rPr>
-              <a:t>4	1		1		183	0		30</a:t>
-            </a:r>
-          </a:p>
-          <a:p>
-            <a:pPr marL="457200" indent="-457200">
-              <a:buAutoNum type="arabicPlain" startAt="5"/>
-            </a:pPr>
-            <a:r>
-              <a:rPr lang="en-US" dirty="0">
-                <a:latin typeface="Courier New" panose="02070309020205020404" pitchFamily="49" charset="0"/>
-                <a:cs typeface="Courier New" panose="02070309020205020404" pitchFamily="49" charset="0"/>
-              </a:rPr>
-              <a:t>	1		1		259	1		65</a:t>
-            </a:r>
-          </a:p>
-          <a:p>
-            <a:r>
-              <a:rPr lang="en-US" dirty="0">
-                <a:latin typeface="Courier New" panose="02070309020205020404" pitchFamily="49" charset="0"/>
-                <a:cs typeface="Courier New" panose="02070309020205020404" pitchFamily="49" charset="0"/>
-              </a:rPr>
-              <a:t>...	</a:t>
-            </a:r>
-          </a:p>
-        </p:txBody>
-      </p:sp>
-      <p:sp>
-        <p:nvSpPr>
           <p:cNvPr id="4" name="Footer Placeholder 3"/>
           <p:cNvSpPr>
             <a:spLocks noGrp="1"/>
@@ -7519,584 +7076,6 @@
                 <a:defRPr/>
               </a:pPr>
               <a:t>22</a:t>
-            </a:fld>
-            <a:endParaRPr lang="en-US"/>
-          </a:p>
-        </p:txBody>
-      </p:sp>
-      <p:sp>
-        <p:nvSpPr>
-          <p:cNvPr id="6" name="Text Placeholder 5"/>
-          <p:cNvSpPr>
-            <a:spLocks noGrp="1"/>
-          </p:cNvSpPr>
-          <p:nvPr>
-            <p:ph type="body" sz="quarter" idx="12"/>
-          </p:nvPr>
-        </p:nvSpPr>
-        <p:spPr/>
-        <p:txBody>
-          <a:bodyPr/>
-          <a:lstStyle/>
-          <a:p>
-            <a:r>
-              <a:rPr lang="en-US" dirty="0"/>
-              <a:t>First few rows of data</a:t>
-            </a:r>
-          </a:p>
-        </p:txBody>
-      </p:sp>
-    </p:spTree>
-    <p:extLst>
-      <p:ext uri="{BB962C8B-B14F-4D97-AF65-F5344CB8AC3E}">
-        <p14:creationId xmlns:p14="http://schemas.microsoft.com/office/powerpoint/2010/main" val="1432644606"/>
-      </p:ext>
-    </p:extLst>
-  </p:cSld>
-  <p:clrMapOvr>
-    <a:masterClrMapping/>
-  </p:clrMapOvr>
-</p:sld>
-</file>
-
-<file path=ppt/slides/slide23.xml><?xml version="1.0" encoding="utf-8"?>
-<p:sld xmlns:a="http://schemas.openxmlformats.org/drawingml/2006/main" xmlns:r="http://schemas.openxmlformats.org/officeDocument/2006/relationships" xmlns:p="http://schemas.openxmlformats.org/presentationml/2006/main">
-  <p:cSld>
-    <p:spTree>
-      <p:nvGrpSpPr>
-        <p:cNvPr id="1" name=""/>
-        <p:cNvGrpSpPr/>
-        <p:nvPr/>
-      </p:nvGrpSpPr>
-      <p:grpSpPr>
-        <a:xfrm>
-          <a:off x="0" y="0"/>
-          <a:ext cx="0" cy="0"/>
-          <a:chOff x="0" y="0"/>
-          <a:chExt cx="0" cy="0"/>
-        </a:xfrm>
-      </p:grpSpPr>
-      <p:sp>
-        <p:nvSpPr>
-          <p:cNvPr id="2" name="Title 1"/>
-          <p:cNvSpPr>
-            <a:spLocks noGrp="1"/>
-          </p:cNvSpPr>
-          <p:nvPr>
-            <p:ph type="title"/>
-          </p:nvPr>
-        </p:nvSpPr>
-        <p:spPr/>
-        <p:txBody>
-          <a:bodyPr/>
-          <a:lstStyle/>
-          <a:p>
-            <a:r>
-              <a:rPr lang="en-US" dirty="0"/>
-              <a:t>An example</a:t>
-            </a:r>
-          </a:p>
-        </p:txBody>
-      </p:sp>
-      <p:sp>
-        <p:nvSpPr>
-          <p:cNvPr id="3" name="Text Placeholder 2"/>
-          <p:cNvSpPr>
-            <a:spLocks noGrp="1"/>
-          </p:cNvSpPr>
-          <p:nvPr>
-            <p:ph type="body" idx="1"/>
-          </p:nvPr>
-        </p:nvSpPr>
-        <p:spPr/>
-        <p:txBody>
-          <a:bodyPr/>
-          <a:lstStyle/>
-          <a:p>
-            <a:r>
-              <a:rPr lang="en-US" dirty="0">
-                <a:latin typeface="Courier New" panose="02070309020205020404" pitchFamily="49" charset="0"/>
-                <a:cs typeface="Courier New" panose="02070309020205020404" pitchFamily="49" charset="0"/>
-              </a:rPr>
-              <a:t>Time</a:t>
-            </a:r>
-          </a:p>
-          <a:p>
-            <a:r>
-              <a:rPr lang="en-US" dirty="0">
-                <a:latin typeface="Courier New" panose="02070309020205020404" pitchFamily="49" charset="0"/>
-                <a:cs typeface="Courier New" panose="02070309020205020404" pitchFamily="49" charset="0"/>
-              </a:rPr>
-              <a:t>   Min. 1st Qu.  Median    Mean 3rd Qu.    Max. </a:t>
-            </a:r>
-          </a:p>
-          <a:p>
-            <a:r>
-              <a:rPr lang="en-US" dirty="0">
-                <a:latin typeface="Courier New" panose="02070309020205020404" pitchFamily="49" charset="0"/>
-                <a:cs typeface="Courier New" panose="02070309020205020404" pitchFamily="49" charset="0"/>
-              </a:rPr>
-              <a:t>    2.0   171.2   367.5   402.6   585.5  1076.0 </a:t>
-            </a:r>
-          </a:p>
-          <a:p>
-            <a:r>
-              <a:rPr lang="en-US" dirty="0">
-                <a:latin typeface="Courier New" panose="02070309020205020404" pitchFamily="49" charset="0"/>
-                <a:cs typeface="Courier New" panose="02070309020205020404" pitchFamily="49" charset="0"/>
-              </a:rPr>
-              <a:t>Dose</a:t>
-            </a:r>
-          </a:p>
-          <a:p>
-            <a:r>
-              <a:rPr lang="en-US" dirty="0">
-                <a:latin typeface="Courier New" panose="02070309020205020404" pitchFamily="49" charset="0"/>
-                <a:cs typeface="Courier New" panose="02070309020205020404" pitchFamily="49" charset="0"/>
-              </a:rPr>
-              <a:t>   Min. 1st Qu.  Median    Mean 3rd Qu.    Max. </a:t>
-            </a:r>
-          </a:p>
-          <a:p>
-            <a:r>
-              <a:rPr lang="en-US" dirty="0">
-                <a:latin typeface="Courier New" panose="02070309020205020404" pitchFamily="49" charset="0"/>
-                <a:cs typeface="Courier New" panose="02070309020205020404" pitchFamily="49" charset="0"/>
-              </a:rPr>
-              <a:t>   20.0    50.0    60.0    60.4    70.0   110.0 </a:t>
-            </a:r>
-          </a:p>
-        </p:txBody>
-      </p:sp>
-      <p:sp>
-        <p:nvSpPr>
-          <p:cNvPr id="4" name="Footer Placeholder 3"/>
-          <p:cNvSpPr>
-            <a:spLocks noGrp="1"/>
-          </p:cNvSpPr>
-          <p:nvPr>
-            <p:ph type="ftr" sz="quarter" idx="10"/>
-          </p:nvPr>
-        </p:nvSpPr>
-        <p:spPr/>
-        <p:txBody>
-          <a:bodyPr/>
-          <a:lstStyle/>
-          <a:p>
-            <a:pPr>
-              <a:defRPr/>
-            </a:pPr>
-            <a:r>
-              <a:rPr lang="en-US" altLang="en-US" dirty="0"/>
-              <a:t>©2016 </a:t>
-            </a:r>
-            <a:r>
-              <a:rPr lang="en-US" altLang="en-US"/>
-              <a:t>Steve Simon    </a:t>
-            </a:r>
-            <a:r>
-              <a:rPr lang="en-US" altLang="en-US" dirty="0"/>
-              <a:t>http://TheAnalysisFactor.com</a:t>
-            </a:r>
-          </a:p>
-        </p:txBody>
-      </p:sp>
-      <p:sp>
-        <p:nvSpPr>
-          <p:cNvPr id="5" name="Slide Number Placeholder 4"/>
-          <p:cNvSpPr>
-            <a:spLocks noGrp="1"/>
-          </p:cNvSpPr>
-          <p:nvPr>
-            <p:ph type="sldNum" sz="quarter" idx="11"/>
-          </p:nvPr>
-        </p:nvSpPr>
-        <p:spPr/>
-        <p:txBody>
-          <a:bodyPr/>
-          <a:lstStyle/>
-          <a:p>
-            <a:pPr>
-              <a:defRPr/>
-            </a:pPr>
-            <a:endParaRPr lang="en-US"/>
-          </a:p>
-          <a:p>
-            <a:pPr>
-              <a:defRPr/>
-            </a:pPr>
-            <a:fld id="{E9A8CBA3-AA2B-46A6-BFA3-DCEBEAAB3F0A}" type="slidenum">
-              <a:rPr lang="en-US" smtClean="0"/>
-              <a:pPr>
-                <a:defRPr/>
-              </a:pPr>
-              <a:t>23</a:t>
-            </a:fld>
-            <a:endParaRPr lang="en-US"/>
-          </a:p>
-        </p:txBody>
-      </p:sp>
-      <p:sp>
-        <p:nvSpPr>
-          <p:cNvPr id="6" name="Text Placeholder 5"/>
-          <p:cNvSpPr>
-            <a:spLocks noGrp="1"/>
-          </p:cNvSpPr>
-          <p:nvPr>
-            <p:ph type="body" sz="quarter" idx="12"/>
-          </p:nvPr>
-        </p:nvSpPr>
-        <p:spPr/>
-        <p:txBody>
-          <a:bodyPr/>
-          <a:lstStyle/>
-          <a:p>
-            <a:r>
-              <a:rPr lang="en-US" dirty="0"/>
-              <a:t>Descriptive statistics for continuous data</a:t>
-            </a:r>
-          </a:p>
-        </p:txBody>
-      </p:sp>
-    </p:spTree>
-    <p:extLst>
-      <p:ext uri="{BB962C8B-B14F-4D97-AF65-F5344CB8AC3E}">
-        <p14:creationId xmlns:p14="http://schemas.microsoft.com/office/powerpoint/2010/main" val="1216130842"/>
-      </p:ext>
-    </p:extLst>
-  </p:cSld>
-  <p:clrMapOvr>
-    <a:masterClrMapping/>
-  </p:clrMapOvr>
-</p:sld>
-</file>
-
-<file path=ppt/slides/slide24.xml><?xml version="1.0" encoding="utf-8"?>
-<p:sld xmlns:a="http://schemas.openxmlformats.org/drawingml/2006/main" xmlns:r="http://schemas.openxmlformats.org/officeDocument/2006/relationships" xmlns:p="http://schemas.openxmlformats.org/presentationml/2006/main">
-  <p:cSld>
-    <p:spTree>
-      <p:nvGrpSpPr>
-        <p:cNvPr id="1" name=""/>
-        <p:cNvGrpSpPr/>
-        <p:nvPr/>
-      </p:nvGrpSpPr>
-      <p:grpSpPr>
-        <a:xfrm>
-          <a:off x="0" y="0"/>
-          <a:ext cx="0" cy="0"/>
-          <a:chOff x="0" y="0"/>
-          <a:chExt cx="0" cy="0"/>
-        </a:xfrm>
-      </p:grpSpPr>
-      <p:sp>
-        <p:nvSpPr>
-          <p:cNvPr id="2" name="Title 1"/>
-          <p:cNvSpPr>
-            <a:spLocks noGrp="1"/>
-          </p:cNvSpPr>
-          <p:nvPr>
-            <p:ph type="title"/>
-          </p:nvPr>
-        </p:nvSpPr>
-        <p:spPr/>
-        <p:txBody>
-          <a:bodyPr/>
-          <a:lstStyle/>
-          <a:p>
-            <a:r>
-              <a:rPr lang="en-US" dirty="0"/>
-              <a:t>An example</a:t>
-            </a:r>
-          </a:p>
-        </p:txBody>
-      </p:sp>
-      <p:sp>
-        <p:nvSpPr>
-          <p:cNvPr id="3" name="Text Placeholder 2"/>
-          <p:cNvSpPr>
-            <a:spLocks noGrp="1"/>
-          </p:cNvSpPr>
-          <p:nvPr>
-            <p:ph type="body" idx="1"/>
-          </p:nvPr>
-        </p:nvSpPr>
-        <p:spPr/>
-        <p:txBody>
-          <a:bodyPr/>
-          <a:lstStyle/>
-          <a:p>
-            <a:r>
-              <a:rPr lang="en-US" dirty="0">
-                <a:latin typeface="Courier New" panose="02070309020205020404" pitchFamily="49" charset="0"/>
-                <a:cs typeface="Courier New" panose="02070309020205020404" pitchFamily="49" charset="0"/>
-              </a:rPr>
-              <a:t>Clinic	  1   2 </a:t>
-            </a:r>
-          </a:p>
-          <a:p>
-            <a:r>
-              <a:rPr lang="en-US" dirty="0">
-                <a:latin typeface="Courier New" panose="02070309020205020404" pitchFamily="49" charset="0"/>
-                <a:cs typeface="Courier New" panose="02070309020205020404" pitchFamily="49" charset="0"/>
-              </a:rPr>
-              <a:t>		163  75 </a:t>
-            </a:r>
-          </a:p>
-          <a:p>
-            <a:endParaRPr lang="en-US" dirty="0">
-              <a:latin typeface="Courier New" panose="02070309020205020404" pitchFamily="49" charset="0"/>
-              <a:cs typeface="Courier New" panose="02070309020205020404" pitchFamily="49" charset="0"/>
-            </a:endParaRPr>
-          </a:p>
-          <a:p>
-            <a:r>
-              <a:rPr lang="en-US" dirty="0">
-                <a:latin typeface="Courier New" panose="02070309020205020404" pitchFamily="49" charset="0"/>
-                <a:cs typeface="Courier New" panose="02070309020205020404" pitchFamily="49" charset="0"/>
-              </a:rPr>
-              <a:t>Status	  0   1 </a:t>
-            </a:r>
-          </a:p>
-          <a:p>
-            <a:r>
-              <a:rPr lang="en-US" dirty="0">
-                <a:latin typeface="Courier New" panose="02070309020205020404" pitchFamily="49" charset="0"/>
-                <a:cs typeface="Courier New" panose="02070309020205020404" pitchFamily="49" charset="0"/>
-              </a:rPr>
-              <a:t>		 88 150 </a:t>
-            </a:r>
-          </a:p>
-          <a:p>
-            <a:endParaRPr lang="en-US" dirty="0">
-              <a:latin typeface="Courier New" panose="02070309020205020404" pitchFamily="49" charset="0"/>
-              <a:cs typeface="Courier New" panose="02070309020205020404" pitchFamily="49" charset="0"/>
-            </a:endParaRPr>
-          </a:p>
-          <a:p>
-            <a:r>
-              <a:rPr lang="en-US" dirty="0">
-                <a:latin typeface="Courier New" panose="02070309020205020404" pitchFamily="49" charset="0"/>
-                <a:cs typeface="Courier New" panose="02070309020205020404" pitchFamily="49" charset="0"/>
-              </a:rPr>
-              <a:t>Prison	  0   1 </a:t>
-            </a:r>
-          </a:p>
-          <a:p>
-            <a:r>
-              <a:rPr lang="en-US" dirty="0">
-                <a:latin typeface="Courier New" panose="02070309020205020404" pitchFamily="49" charset="0"/>
-                <a:cs typeface="Courier New" panose="02070309020205020404" pitchFamily="49" charset="0"/>
-              </a:rPr>
-              <a:t>		127 111</a:t>
-            </a:r>
-          </a:p>
-        </p:txBody>
-      </p:sp>
-      <p:sp>
-        <p:nvSpPr>
-          <p:cNvPr id="4" name="Footer Placeholder 3"/>
-          <p:cNvSpPr>
-            <a:spLocks noGrp="1"/>
-          </p:cNvSpPr>
-          <p:nvPr>
-            <p:ph type="ftr" sz="quarter" idx="10"/>
-          </p:nvPr>
-        </p:nvSpPr>
-        <p:spPr/>
-        <p:txBody>
-          <a:bodyPr/>
-          <a:lstStyle/>
-          <a:p>
-            <a:pPr>
-              <a:defRPr/>
-            </a:pPr>
-            <a:r>
-              <a:rPr lang="en-US" altLang="en-US" dirty="0"/>
-              <a:t>©2016 </a:t>
-            </a:r>
-            <a:r>
-              <a:rPr lang="en-US" altLang="en-US"/>
-              <a:t>Steve Simon    </a:t>
-            </a:r>
-            <a:r>
-              <a:rPr lang="en-US" altLang="en-US" dirty="0"/>
-              <a:t>http://TheAnalysisFactor.com</a:t>
-            </a:r>
-          </a:p>
-        </p:txBody>
-      </p:sp>
-      <p:sp>
-        <p:nvSpPr>
-          <p:cNvPr id="5" name="Slide Number Placeholder 4"/>
-          <p:cNvSpPr>
-            <a:spLocks noGrp="1"/>
-          </p:cNvSpPr>
-          <p:nvPr>
-            <p:ph type="sldNum" sz="quarter" idx="11"/>
-          </p:nvPr>
-        </p:nvSpPr>
-        <p:spPr/>
-        <p:txBody>
-          <a:bodyPr/>
-          <a:lstStyle/>
-          <a:p>
-            <a:pPr>
-              <a:defRPr/>
-            </a:pPr>
-            <a:endParaRPr lang="en-US"/>
-          </a:p>
-          <a:p>
-            <a:pPr>
-              <a:defRPr/>
-            </a:pPr>
-            <a:fld id="{E9A8CBA3-AA2B-46A6-BFA3-DCEBEAAB3F0A}" type="slidenum">
-              <a:rPr lang="en-US" smtClean="0"/>
-              <a:pPr>
-                <a:defRPr/>
-              </a:pPr>
-              <a:t>24</a:t>
-            </a:fld>
-            <a:endParaRPr lang="en-US"/>
-          </a:p>
-        </p:txBody>
-      </p:sp>
-      <p:sp>
-        <p:nvSpPr>
-          <p:cNvPr id="6" name="Text Placeholder 5"/>
-          <p:cNvSpPr>
-            <a:spLocks noGrp="1"/>
-          </p:cNvSpPr>
-          <p:nvPr>
-            <p:ph type="body" sz="quarter" idx="12"/>
-          </p:nvPr>
-        </p:nvSpPr>
-        <p:spPr/>
-        <p:txBody>
-          <a:bodyPr/>
-          <a:lstStyle/>
-          <a:p>
-            <a:r>
-              <a:rPr lang="en-US" dirty="0"/>
-              <a:t>Descriptive statistics for categorical data</a:t>
-            </a:r>
-          </a:p>
-        </p:txBody>
-      </p:sp>
-    </p:spTree>
-    <p:extLst>
-      <p:ext uri="{BB962C8B-B14F-4D97-AF65-F5344CB8AC3E}">
-        <p14:creationId xmlns:p14="http://schemas.microsoft.com/office/powerpoint/2010/main" val="3860529503"/>
-      </p:ext>
-    </p:extLst>
-  </p:cSld>
-  <p:clrMapOvr>
-    <a:masterClrMapping/>
-  </p:clrMapOvr>
-</p:sld>
-</file>
-
-<file path=ppt/slides/slide25.xml><?xml version="1.0" encoding="utf-8"?>
-<p:sld xmlns:a="http://schemas.openxmlformats.org/drawingml/2006/main" xmlns:r="http://schemas.openxmlformats.org/officeDocument/2006/relationships" xmlns:p="http://schemas.openxmlformats.org/presentationml/2006/main">
-  <p:cSld>
-    <p:spTree>
-      <p:nvGrpSpPr>
-        <p:cNvPr id="1" name=""/>
-        <p:cNvGrpSpPr/>
-        <p:nvPr/>
-      </p:nvGrpSpPr>
-      <p:grpSpPr>
-        <a:xfrm>
-          <a:off x="0" y="0"/>
-          <a:ext cx="0" cy="0"/>
-          <a:chOff x="0" y="0"/>
-          <a:chExt cx="0" cy="0"/>
-        </a:xfrm>
-      </p:grpSpPr>
-      <p:sp>
-        <p:nvSpPr>
-          <p:cNvPr id="2" name="Title 1"/>
-          <p:cNvSpPr>
-            <a:spLocks noGrp="1"/>
-          </p:cNvSpPr>
-          <p:nvPr>
-            <p:ph type="title"/>
-          </p:nvPr>
-        </p:nvSpPr>
-        <p:spPr/>
-        <p:txBody>
-          <a:bodyPr/>
-          <a:lstStyle/>
-          <a:p>
-            <a:r>
-              <a:rPr lang="en-US" dirty="0"/>
-              <a:t>An example</a:t>
-            </a:r>
-          </a:p>
-        </p:txBody>
-      </p:sp>
-      <p:sp>
-        <p:nvSpPr>
-          <p:cNvPr id="4" name="Footer Placeholder 3"/>
-          <p:cNvSpPr>
-            <a:spLocks noGrp="1"/>
-          </p:cNvSpPr>
-          <p:nvPr>
-            <p:ph type="ftr" sz="quarter" idx="10"/>
-          </p:nvPr>
-        </p:nvSpPr>
-        <p:spPr/>
-        <p:txBody>
-          <a:bodyPr/>
-          <a:lstStyle/>
-          <a:p>
-            <a:pPr>
-              <a:defRPr/>
-            </a:pPr>
-            <a:r>
-              <a:rPr lang="en-US" altLang="en-US" dirty="0"/>
-              <a:t>©2016 </a:t>
-            </a:r>
-            <a:r>
-              <a:rPr lang="en-US" altLang="en-US"/>
-              <a:t>Steve Simon    </a:t>
-            </a:r>
-            <a:r>
-              <a:rPr lang="en-US" altLang="en-US" dirty="0"/>
-              <a:t>http://TheAnalysisFactor.com</a:t>
-            </a:r>
-          </a:p>
-        </p:txBody>
-      </p:sp>
-      <p:sp>
-        <p:nvSpPr>
-          <p:cNvPr id="5" name="Slide Number Placeholder 4"/>
-          <p:cNvSpPr>
-            <a:spLocks noGrp="1"/>
-          </p:cNvSpPr>
-          <p:nvPr>
-            <p:ph type="sldNum" sz="quarter" idx="11"/>
-          </p:nvPr>
-        </p:nvSpPr>
-        <p:spPr/>
-        <p:txBody>
-          <a:bodyPr/>
-          <a:lstStyle/>
-          <a:p>
-            <a:pPr>
-              <a:defRPr/>
-            </a:pPr>
-            <a:endParaRPr lang="en-US"/>
-          </a:p>
-          <a:p>
-            <a:pPr>
-              <a:defRPr/>
-            </a:pPr>
-            <a:fld id="{E9A8CBA3-AA2B-46A6-BFA3-DCEBEAAB3F0A}" type="slidenum">
-              <a:rPr lang="en-US" smtClean="0"/>
-              <a:pPr>
-                <a:defRPr/>
-              </a:pPr>
-              <a:t>25</a:t>
             </a:fld>
             <a:endParaRPr lang="en-US"/>
           </a:p>
@@ -8329,7 +7308,7 @@
 </p:sld>
 </file>
 
-<file path=ppt/slides/slide26.xml><?xml version="1.0" encoding="utf-8"?>
+<file path=ppt/slides/slide23.xml><?xml version="1.0" encoding="utf-8"?>
 <p:sld xmlns:a="http://schemas.openxmlformats.org/drawingml/2006/main" xmlns:r="http://schemas.openxmlformats.org/officeDocument/2006/relationships" xmlns:p="http://schemas.openxmlformats.org/presentationml/2006/main">
   <p:cSld>
     <p:spTree>
@@ -8430,7 +7409,7 @@
               <a:pPr>
                 <a:defRPr/>
               </a:pPr>
-              <a:t>26</a:t>
+              <a:t>23</a:t>
             </a:fld>
             <a:endParaRPr lang="en-US"/>
           </a:p>
@@ -8596,7 +7575,7 @@
 </p:sld>
 </file>
 
-<file path=ppt/slides/slide27.xml><?xml version="1.0" encoding="utf-8"?>
+<file path=ppt/slides/slide24.xml><?xml version="1.0" encoding="utf-8"?>
 <p:sld xmlns:a="http://schemas.openxmlformats.org/drawingml/2006/main" xmlns:r="http://schemas.openxmlformats.org/officeDocument/2006/relationships" xmlns:p="http://schemas.openxmlformats.org/presentationml/2006/main">
   <p:cSld>
     <p:spTree>
@@ -8698,7 +7677,7 @@
               <a:pPr>
                 <a:defRPr/>
               </a:pPr>
-              <a:t>27</a:t>
+              <a:t>24</a:t>
             </a:fld>
             <a:endParaRPr lang="en-US"/>
           </a:p>
@@ -8864,7 +7843,7 @@
 </p:sld>
 </file>
 
-<file path=ppt/slides/slide28.xml><?xml version="1.0" encoding="utf-8"?>
+<file path=ppt/slides/slide25.xml><?xml version="1.0" encoding="utf-8"?>
 <p:sld xmlns:a="http://schemas.openxmlformats.org/drawingml/2006/main" xmlns:r="http://schemas.openxmlformats.org/officeDocument/2006/relationships" xmlns:p="http://schemas.openxmlformats.org/presentationml/2006/main">
   <p:cSld>
     <p:spTree>
@@ -9046,7 +8025,7 @@
               <a:pPr>
                 <a:defRPr/>
               </a:pPr>
-              <a:t>28</a:t>
+              <a:t>25</a:t>
             </a:fld>
             <a:endParaRPr lang="en-US"/>
           </a:p>
@@ -9087,7 +8066,7 @@
 </p:sld>
 </file>
 
-<file path=ppt/slides/slide29.xml><?xml version="1.0" encoding="utf-8"?>
+<file path=ppt/slides/slide26.xml><?xml version="1.0" encoding="utf-8"?>
 <p:sld xmlns:a="http://schemas.openxmlformats.org/drawingml/2006/main" xmlns:r="http://schemas.openxmlformats.org/officeDocument/2006/relationships" xmlns:p="http://schemas.openxmlformats.org/presentationml/2006/main">
   <p:cSld>
     <p:spTree>
@@ -9332,7 +8311,7 @@
               <a:pPr>
                 <a:defRPr/>
               </a:pPr>
-              <a:t>29</a:t>
+              <a:t>26</a:t>
             </a:fld>
             <a:endParaRPr lang="en-US"/>
           </a:p>
@@ -9373,7 +8352,7 @@
 </p:sld>
 </file>
 
-<file path=ppt/slides/slide3.xml><?xml version="1.0" encoding="utf-8"?>
+<file path=ppt/slides/slide27.xml><?xml version="1.0" encoding="utf-8"?>
 <p:sld xmlns:a="http://schemas.openxmlformats.org/drawingml/2006/main" xmlns:r="http://schemas.openxmlformats.org/officeDocument/2006/relationships" xmlns:p="http://schemas.openxmlformats.org/presentationml/2006/main">
   <p:cSld>
     <p:spTree>
@@ -9407,73 +8386,7 @@
           <a:p>
             <a:r>
               <a:rPr lang="en-US" dirty="0"/>
-              <a:t>Rates versus proportions</a:t>
-            </a:r>
-          </a:p>
-        </p:txBody>
-      </p:sp>
-      <p:sp>
-        <p:nvSpPr>
-          <p:cNvPr id="3" name="Text Placeholder 2"/>
-          <p:cNvSpPr>
-            <a:spLocks noGrp="1"/>
-          </p:cNvSpPr>
-          <p:nvPr>
-            <p:ph type="body" idx="1"/>
-          </p:nvPr>
-        </p:nvSpPr>
-        <p:spPr/>
-        <p:txBody>
-          <a:bodyPr/>
-          <a:lstStyle/>
-          <a:p>
-            <a:pPr marL="342900" indent="-342900">
-              <a:buFont typeface="Arial" panose="020B0604020202020204" pitchFamily="34" charset="0"/>
-              <a:buChar char="•"/>
-            </a:pPr>
-            <a:r>
-              <a:rPr lang="en-US" dirty="0"/>
-              <a:t>Both proportions and rates involve division.</a:t>
-            </a:r>
-          </a:p>
-          <a:p>
-            <a:pPr marL="342900" indent="-342900">
-              <a:buFont typeface="Arial" panose="020B0604020202020204" pitchFamily="34" charset="0"/>
-              <a:buChar char="•"/>
-            </a:pPr>
-            <a:r>
-              <a:rPr lang="en-US" dirty="0"/>
-              <a:t>A proportion is a count divided by another count.</a:t>
-            </a:r>
-          </a:p>
-          <a:p>
-            <a:pPr marL="800100" lvl="1" indent="-342900">
-              <a:buFont typeface="Arial" panose="020B0604020202020204" pitchFamily="34" charset="0"/>
-              <a:buChar char="•"/>
-            </a:pPr>
-            <a:r>
-              <a:rPr lang="en-US" dirty="0"/>
-              <a:t>It can never be larger than 1.</a:t>
-            </a:r>
-          </a:p>
-          <a:p>
-            <a:pPr marL="342900" indent="-342900">
-              <a:buFont typeface="Arial" panose="020B0604020202020204" pitchFamily="34" charset="0"/>
-              <a:buChar char="•"/>
-            </a:pPr>
-            <a:r>
-              <a:rPr lang="en-US" dirty="0"/>
-              <a:t>A rate is a count divided by a measure of time (or sometimes area).</a:t>
-            </a:r>
-          </a:p>
-          <a:p>
-            <a:pPr marL="800100" lvl="1" indent="-342900">
-              <a:buFont typeface="Arial" panose="020B0604020202020204" pitchFamily="34" charset="0"/>
-              <a:buChar char="•"/>
-            </a:pPr>
-            <a:r>
-              <a:rPr lang="en-US" dirty="0"/>
-              <a:t>It can sometimes be larger than 1.</a:t>
+              <a:t>An example</a:t>
             </a:r>
           </a:p>
         </p:txBody>
@@ -9540,149 +8453,7 @@
               <a:pPr>
                 <a:defRPr/>
               </a:pPr>
-              <a:t>3</a:t>
-            </a:fld>
-            <a:endParaRPr lang="en-US"/>
-          </a:p>
-        </p:txBody>
-      </p:sp>
-      <p:sp>
-        <p:nvSpPr>
-          <p:cNvPr id="6" name="Text Placeholder 5"/>
-          <p:cNvSpPr>
-            <a:spLocks noGrp="1"/>
-          </p:cNvSpPr>
-          <p:nvPr>
-            <p:ph type="body" sz="quarter" idx="12"/>
-          </p:nvPr>
-        </p:nvSpPr>
-        <p:spPr/>
-        <p:txBody>
-          <a:bodyPr/>
-          <a:lstStyle/>
-          <a:p>
-            <a:r>
-              <a:rPr lang="en-US" dirty="0"/>
-              <a:t>There is an important, but subtle distinction</a:t>
-            </a:r>
-          </a:p>
-        </p:txBody>
-      </p:sp>
-    </p:spTree>
-    <p:extLst>
-      <p:ext uri="{BB962C8B-B14F-4D97-AF65-F5344CB8AC3E}">
-        <p14:creationId xmlns:p14="http://schemas.microsoft.com/office/powerpoint/2010/main" val="848672673"/>
-      </p:ext>
-    </p:extLst>
-  </p:cSld>
-  <p:clrMapOvr>
-    <a:masterClrMapping/>
-  </p:clrMapOvr>
-</p:sld>
-</file>
-
-<file path=ppt/slides/slide30.xml><?xml version="1.0" encoding="utf-8"?>
-<p:sld xmlns:a="http://schemas.openxmlformats.org/drawingml/2006/main" xmlns:r="http://schemas.openxmlformats.org/officeDocument/2006/relationships" xmlns:p="http://schemas.openxmlformats.org/presentationml/2006/main">
-  <p:cSld>
-    <p:spTree>
-      <p:nvGrpSpPr>
-        <p:cNvPr id="1" name=""/>
-        <p:cNvGrpSpPr/>
-        <p:nvPr/>
-      </p:nvGrpSpPr>
-      <p:grpSpPr>
-        <a:xfrm>
-          <a:off x="0" y="0"/>
-          <a:ext cx="0" cy="0"/>
-          <a:chOff x="0" y="0"/>
-          <a:chExt cx="0" cy="0"/>
-        </a:xfrm>
-      </p:grpSpPr>
-      <p:sp>
-        <p:nvSpPr>
-          <p:cNvPr id="2" name="Title 1"/>
-          <p:cNvSpPr>
-            <a:spLocks noGrp="1"/>
-          </p:cNvSpPr>
-          <p:nvPr>
-            <p:ph type="title"/>
-          </p:nvPr>
-        </p:nvSpPr>
-        <p:spPr/>
-        <p:txBody>
-          <a:bodyPr/>
-          <a:lstStyle/>
-          <a:p>
-            <a:r>
-              <a:rPr lang="en-US" dirty="0"/>
-              <a:t>An example</a:t>
-            </a:r>
-          </a:p>
-        </p:txBody>
-      </p:sp>
-      <p:sp>
-        <p:nvSpPr>
-          <p:cNvPr id="4" name="Footer Placeholder 3"/>
-          <p:cNvSpPr>
-            <a:spLocks noGrp="1"/>
-          </p:cNvSpPr>
-          <p:nvPr>
-            <p:ph type="ftr" sz="quarter" idx="10"/>
-          </p:nvPr>
-        </p:nvSpPr>
-        <p:spPr/>
-        <p:txBody>
-          <a:bodyPr/>
-          <a:lstStyle/>
-          <a:p>
-            <a:pPr>
-              <a:defRPr/>
-            </a:pPr>
-            <a:r>
-              <a:rPr lang="en-US" altLang="en-US" dirty="0"/>
-              <a:t>©2016 </a:t>
-            </a:r>
-            <a:r>
-              <a:rPr lang="en-US" altLang="en-US"/>
-              <a:t>Steve Simon    </a:t>
-            </a:r>
-            <a:r>
-              <a:rPr lang="en-US" altLang="en-US" dirty="0"/>
-              <a:t>http://TheAnalysisFactor.com</a:t>
-            </a:r>
-          </a:p>
-        </p:txBody>
-      </p:sp>
-      <p:sp>
-        <p:nvSpPr>
-          <p:cNvPr id="5" name="Slide Number Placeholder 4"/>
-          <p:cNvSpPr>
-            <a:spLocks noGrp="1"/>
-          </p:cNvSpPr>
-          <p:nvPr>
-            <p:ph type="sldNum" sz="quarter" idx="11"/>
-          </p:nvPr>
-        </p:nvSpPr>
-        <p:spPr/>
-        <p:txBody>
-          <a:bodyPr/>
-          <a:lstStyle/>
-          <a:p>
-            <a:pPr>
-              <a:defRPr/>
-            </a:pPr>
-            <a:endParaRPr lang="en-US"/>
-          </a:p>
-          <a:p>
-            <a:pPr>
-              <a:defRPr/>
-            </a:pPr>
-            <a:fld id="{E9A8CBA3-AA2B-46A6-BFA3-DCEBEAAB3F0A}" type="slidenum">
-              <a:rPr lang="en-US" smtClean="0"/>
-              <a:pPr>
-                <a:defRPr/>
-              </a:pPr>
-              <a:t>30</a:t>
+              <a:t>27</a:t>
             </a:fld>
             <a:endParaRPr lang="en-US"/>
           </a:p>
@@ -9872,6 +8643,1114 @@
 </p:sld>
 </file>
 
+<file path=ppt/slides/slide28.xml><?xml version="1.0" encoding="utf-8"?>
+<p:sld xmlns:a="http://schemas.openxmlformats.org/drawingml/2006/main" xmlns:r="http://schemas.openxmlformats.org/officeDocument/2006/relationships" xmlns:p="http://schemas.openxmlformats.org/presentationml/2006/main">
+  <p:cSld>
+    <p:spTree>
+      <p:nvGrpSpPr>
+        <p:cNvPr id="1" name=""/>
+        <p:cNvGrpSpPr/>
+        <p:nvPr/>
+      </p:nvGrpSpPr>
+      <p:grpSpPr>
+        <a:xfrm>
+          <a:off x="0" y="0"/>
+          <a:ext cx="0" cy="0"/>
+          <a:chOff x="0" y="0"/>
+          <a:chExt cx="0" cy="0"/>
+        </a:xfrm>
+      </p:grpSpPr>
+      <p:sp>
+        <p:nvSpPr>
+          <p:cNvPr id="2" name="Title 1"/>
+          <p:cNvSpPr>
+            <a:spLocks noGrp="1"/>
+          </p:cNvSpPr>
+          <p:nvPr>
+            <p:ph type="title"/>
+          </p:nvPr>
+        </p:nvSpPr>
+        <p:spPr/>
+        <p:txBody>
+          <a:bodyPr/>
+          <a:lstStyle/>
+          <a:p>
+            <a:r>
+              <a:rPr lang="en-US" dirty="0"/>
+              <a:t>An example</a:t>
+            </a:r>
+          </a:p>
+        </p:txBody>
+      </p:sp>
+      <p:sp>
+        <p:nvSpPr>
+          <p:cNvPr id="3" name="Text Placeholder 2"/>
+          <p:cNvSpPr>
+            <a:spLocks noGrp="1"/>
+          </p:cNvSpPr>
+          <p:nvPr>
+            <p:ph type="body" idx="1"/>
+          </p:nvPr>
+        </p:nvSpPr>
+        <p:spPr/>
+        <p:txBody>
+          <a:bodyPr/>
+          <a:lstStyle/>
+          <a:p>
+            <a:r>
+              <a:rPr lang="en-US" dirty="0">
+                <a:latin typeface="Courier New" panose="02070309020205020404" pitchFamily="49" charset="0"/>
+                <a:cs typeface="Courier New" panose="02070309020205020404" pitchFamily="49" charset="0"/>
+              </a:rPr>
+              <a:t>Cox proportional hazards model</a:t>
+            </a:r>
+          </a:p>
+          <a:p>
+            <a:endParaRPr lang="en-US" dirty="0">
+              <a:latin typeface="Courier New" panose="02070309020205020404" pitchFamily="49" charset="0"/>
+              <a:cs typeface="Courier New" panose="02070309020205020404" pitchFamily="49" charset="0"/>
+            </a:endParaRPr>
+          </a:p>
+          <a:p>
+            <a:r>
+              <a:rPr lang="en-US" dirty="0">
+                <a:latin typeface="Courier New" panose="02070309020205020404" pitchFamily="49" charset="0"/>
+                <a:cs typeface="Courier New" panose="02070309020205020404" pitchFamily="49" charset="0"/>
+              </a:rPr>
+              <a:t>            </a:t>
+            </a:r>
+            <a:r>
+              <a:rPr lang="en-US" dirty="0" err="1">
+                <a:latin typeface="Courier New" panose="02070309020205020404" pitchFamily="49" charset="0"/>
+                <a:cs typeface="Courier New" panose="02070309020205020404" pitchFamily="49" charset="0"/>
+              </a:rPr>
+              <a:t>coef</a:t>
+            </a:r>
+            <a:r>
+              <a:rPr lang="en-US" dirty="0">
+                <a:latin typeface="Courier New" panose="02070309020205020404" pitchFamily="49" charset="0"/>
+                <a:cs typeface="Courier New" panose="02070309020205020404" pitchFamily="49" charset="0"/>
+              </a:rPr>
+              <a:t> </a:t>
+            </a:r>
+            <a:r>
+              <a:rPr lang="en-US" dirty="0" err="1">
+                <a:latin typeface="Courier New" panose="02070309020205020404" pitchFamily="49" charset="0"/>
+                <a:cs typeface="Courier New" panose="02070309020205020404" pitchFamily="49" charset="0"/>
+              </a:rPr>
+              <a:t>exp</a:t>
+            </a:r>
+            <a:r>
+              <a:rPr lang="en-US" dirty="0">
+                <a:latin typeface="Courier New" panose="02070309020205020404" pitchFamily="49" charset="0"/>
+                <a:cs typeface="Courier New" panose="02070309020205020404" pitchFamily="49" charset="0"/>
+              </a:rPr>
+              <a:t>(</a:t>
+            </a:r>
+            <a:r>
+              <a:rPr lang="en-US" dirty="0" err="1">
+                <a:latin typeface="Courier New" panose="02070309020205020404" pitchFamily="49" charset="0"/>
+                <a:cs typeface="Courier New" panose="02070309020205020404" pitchFamily="49" charset="0"/>
+              </a:rPr>
+              <a:t>coef</a:t>
+            </a:r>
+            <a:r>
+              <a:rPr lang="en-US" dirty="0">
+                <a:latin typeface="Courier New" panose="02070309020205020404" pitchFamily="49" charset="0"/>
+                <a:cs typeface="Courier New" panose="02070309020205020404" pitchFamily="49" charset="0"/>
+              </a:rPr>
+              <a:t>) se(</a:t>
+            </a:r>
+            <a:r>
+              <a:rPr lang="en-US" dirty="0" err="1">
+                <a:latin typeface="Courier New" panose="02070309020205020404" pitchFamily="49" charset="0"/>
+                <a:cs typeface="Courier New" panose="02070309020205020404" pitchFamily="49" charset="0"/>
+              </a:rPr>
+              <a:t>coef</a:t>
+            </a:r>
+            <a:r>
+              <a:rPr lang="en-US" dirty="0">
+                <a:latin typeface="Courier New" panose="02070309020205020404" pitchFamily="49" charset="0"/>
+                <a:cs typeface="Courier New" panose="02070309020205020404" pitchFamily="49" charset="0"/>
+              </a:rPr>
+              <a:t>)     z       p</a:t>
+            </a:r>
+          </a:p>
+          <a:p>
+            <a:r>
+              <a:rPr lang="en-US" dirty="0">
+                <a:latin typeface="Courier New" panose="02070309020205020404" pitchFamily="49" charset="0"/>
+                <a:cs typeface="Courier New" panose="02070309020205020404" pitchFamily="49" charset="0"/>
+              </a:rPr>
+              <a:t>(50,60]  -0.0412    0.9597   0.2004 -0.21    0.84</a:t>
+            </a:r>
+          </a:p>
+          <a:p>
+            <a:r>
+              <a:rPr lang="en-US" dirty="0">
+                <a:latin typeface="Courier New" panose="02070309020205020404" pitchFamily="49" charset="0"/>
+                <a:cs typeface="Courier New" panose="02070309020205020404" pitchFamily="49" charset="0"/>
+              </a:rPr>
+              <a:t>(60,70]  -0.3409    0.7111   0.2346 -1.45    0.15</a:t>
+            </a:r>
+          </a:p>
+          <a:p>
+            <a:r>
+              <a:rPr lang="en-US" dirty="0">
+                <a:latin typeface="Courier New" panose="02070309020205020404" pitchFamily="49" charset="0"/>
+                <a:cs typeface="Courier New" panose="02070309020205020404" pitchFamily="49" charset="0"/>
+              </a:rPr>
+              <a:t>(70,99]  -1.5304    0.2164   0.2928 -5.23 1.7e-07</a:t>
+            </a:r>
+          </a:p>
+          <a:p>
+            <a:r>
+              <a:rPr lang="en-US" dirty="0">
+                <a:latin typeface="Courier New" panose="02070309020205020404" pitchFamily="49" charset="0"/>
+                <a:cs typeface="Courier New" panose="02070309020205020404" pitchFamily="49" charset="0"/>
+              </a:rPr>
+              <a:t> </a:t>
+            </a:r>
+          </a:p>
+          <a:p>
+            <a:r>
+              <a:rPr lang="en-US" dirty="0">
+                <a:latin typeface="Courier New" panose="02070309020205020404" pitchFamily="49" charset="0"/>
+                <a:cs typeface="Courier New" panose="02070309020205020404" pitchFamily="49" charset="0"/>
+              </a:rPr>
+              <a:t>Likelihood ratio test=42.5  on 3 </a:t>
+            </a:r>
+            <a:r>
+              <a:rPr lang="en-US" dirty="0" err="1">
+                <a:latin typeface="Courier New" panose="02070309020205020404" pitchFamily="49" charset="0"/>
+                <a:cs typeface="Courier New" panose="02070309020205020404" pitchFamily="49" charset="0"/>
+              </a:rPr>
+              <a:t>df</a:t>
+            </a:r>
+            <a:r>
+              <a:rPr lang="en-US" dirty="0">
+                <a:latin typeface="Courier New" panose="02070309020205020404" pitchFamily="49" charset="0"/>
+                <a:cs typeface="Courier New" panose="02070309020205020404" pitchFamily="49" charset="0"/>
+              </a:rPr>
+              <a:t>, p=3.19e-09</a:t>
+            </a:r>
+          </a:p>
+          <a:p>
+            <a:r>
+              <a:rPr lang="en-US" dirty="0">
+                <a:latin typeface="Courier New" panose="02070309020205020404" pitchFamily="49" charset="0"/>
+                <a:cs typeface="Courier New" panose="02070309020205020404" pitchFamily="49" charset="0"/>
+              </a:rPr>
+              <a:t>n= 238, number of events= 150</a:t>
+            </a:r>
+            <a:endParaRPr lang="en-US" dirty="0"/>
+          </a:p>
+        </p:txBody>
+      </p:sp>
+      <p:sp>
+        <p:nvSpPr>
+          <p:cNvPr id="4" name="Footer Placeholder 3"/>
+          <p:cNvSpPr>
+            <a:spLocks noGrp="1"/>
+          </p:cNvSpPr>
+          <p:nvPr>
+            <p:ph type="ftr" sz="quarter" idx="10"/>
+          </p:nvPr>
+        </p:nvSpPr>
+        <p:spPr/>
+        <p:txBody>
+          <a:bodyPr/>
+          <a:lstStyle/>
+          <a:p>
+            <a:pPr>
+              <a:defRPr/>
+            </a:pPr>
+            <a:r>
+              <a:rPr lang="en-US" altLang="en-US" dirty="0"/>
+              <a:t>©2016 </a:t>
+            </a:r>
+            <a:r>
+              <a:rPr lang="en-US" altLang="en-US"/>
+              <a:t>Steve Simon    </a:t>
+            </a:r>
+            <a:r>
+              <a:rPr lang="en-US" altLang="en-US" dirty="0"/>
+              <a:t>http://TheAnalysisFactor.com</a:t>
+            </a:r>
+          </a:p>
+        </p:txBody>
+      </p:sp>
+      <p:sp>
+        <p:nvSpPr>
+          <p:cNvPr id="5" name="Slide Number Placeholder 4"/>
+          <p:cNvSpPr>
+            <a:spLocks noGrp="1"/>
+          </p:cNvSpPr>
+          <p:nvPr>
+            <p:ph type="sldNum" sz="quarter" idx="11"/>
+          </p:nvPr>
+        </p:nvSpPr>
+        <p:spPr/>
+        <p:txBody>
+          <a:bodyPr/>
+          <a:lstStyle/>
+          <a:p>
+            <a:pPr>
+              <a:defRPr/>
+            </a:pPr>
+            <a:endParaRPr lang="en-US"/>
+          </a:p>
+          <a:p>
+            <a:pPr>
+              <a:defRPr/>
+            </a:pPr>
+            <a:fld id="{E9A8CBA3-AA2B-46A6-BFA3-DCEBEAAB3F0A}" type="slidenum">
+              <a:rPr lang="en-US" smtClean="0"/>
+              <a:pPr>
+                <a:defRPr/>
+              </a:pPr>
+              <a:t>28</a:t>
+            </a:fld>
+            <a:endParaRPr lang="en-US"/>
+          </a:p>
+        </p:txBody>
+      </p:sp>
+      <p:sp>
+        <p:nvSpPr>
+          <p:cNvPr id="6" name="Text Placeholder 5"/>
+          <p:cNvSpPr>
+            <a:spLocks noGrp="1"/>
+          </p:cNvSpPr>
+          <p:nvPr>
+            <p:ph type="body" sz="quarter" idx="12"/>
+          </p:nvPr>
+        </p:nvSpPr>
+        <p:spPr/>
+        <p:txBody>
+          <a:bodyPr/>
+          <a:lstStyle/>
+          <a:p>
+            <a:r>
+              <a:rPr lang="en-US" dirty="0"/>
+              <a:t>Cox model for dose quartiles</a:t>
+            </a:r>
+          </a:p>
+        </p:txBody>
+      </p:sp>
+    </p:spTree>
+    <p:extLst>
+      <p:ext uri="{BB962C8B-B14F-4D97-AF65-F5344CB8AC3E}">
+        <p14:creationId xmlns:p14="http://schemas.microsoft.com/office/powerpoint/2010/main" val="771769254"/>
+      </p:ext>
+    </p:extLst>
+  </p:cSld>
+  <p:clrMapOvr>
+    <a:masterClrMapping/>
+  </p:clrMapOvr>
+</p:sld>
+</file>
+
+<file path=ppt/slides/slide29.xml><?xml version="1.0" encoding="utf-8"?>
+<p:sld xmlns:a="http://schemas.openxmlformats.org/drawingml/2006/main" xmlns:r="http://schemas.openxmlformats.org/officeDocument/2006/relationships" xmlns:p="http://schemas.openxmlformats.org/presentationml/2006/main">
+  <p:cSld>
+    <p:spTree>
+      <p:nvGrpSpPr>
+        <p:cNvPr id="1" name=""/>
+        <p:cNvGrpSpPr/>
+        <p:nvPr/>
+      </p:nvGrpSpPr>
+      <p:grpSpPr>
+        <a:xfrm>
+          <a:off x="0" y="0"/>
+          <a:ext cx="0" cy="0"/>
+          <a:chOff x="0" y="0"/>
+          <a:chExt cx="0" cy="0"/>
+        </a:xfrm>
+      </p:grpSpPr>
+      <p:sp>
+        <p:nvSpPr>
+          <p:cNvPr id="2" name="Title 1"/>
+          <p:cNvSpPr>
+            <a:spLocks noGrp="1"/>
+          </p:cNvSpPr>
+          <p:nvPr>
+            <p:ph type="title"/>
+          </p:nvPr>
+        </p:nvSpPr>
+        <p:spPr/>
+        <p:txBody>
+          <a:bodyPr/>
+          <a:lstStyle/>
+          <a:p>
+            <a:r>
+              <a:rPr lang="en-US" dirty="0"/>
+              <a:t>An example</a:t>
+            </a:r>
+          </a:p>
+        </p:txBody>
+      </p:sp>
+      <p:sp>
+        <p:nvSpPr>
+          <p:cNvPr id="3" name="Text Placeholder 2"/>
+          <p:cNvSpPr>
+            <a:spLocks noGrp="1"/>
+          </p:cNvSpPr>
+          <p:nvPr>
+            <p:ph type="body" idx="1"/>
+          </p:nvPr>
+        </p:nvSpPr>
+        <p:spPr/>
+        <p:txBody>
+          <a:bodyPr/>
+          <a:lstStyle/>
+          <a:p>
+            <a:r>
+              <a:rPr lang="en-US" dirty="0">
+                <a:latin typeface="Courier New" panose="02070309020205020404" pitchFamily="49" charset="0"/>
+                <a:cs typeface="Courier New" panose="02070309020205020404" pitchFamily="49" charset="0"/>
+              </a:rPr>
+              <a:t>         </a:t>
+            </a:r>
+            <a:r>
+              <a:rPr lang="en-US" dirty="0" err="1">
+                <a:latin typeface="Courier New" panose="02070309020205020404" pitchFamily="49" charset="0"/>
+                <a:cs typeface="Courier New" panose="02070309020205020404" pitchFamily="49" charset="0"/>
+              </a:rPr>
+              <a:t>coef</a:t>
+            </a:r>
+            <a:r>
+              <a:rPr lang="en-US" dirty="0">
+                <a:latin typeface="Courier New" panose="02070309020205020404" pitchFamily="49" charset="0"/>
+                <a:cs typeface="Courier New" panose="02070309020205020404" pitchFamily="49" charset="0"/>
+              </a:rPr>
+              <a:t> </a:t>
+            </a:r>
+            <a:r>
+              <a:rPr lang="en-US" dirty="0" err="1">
+                <a:latin typeface="Courier New" panose="02070309020205020404" pitchFamily="49" charset="0"/>
+                <a:cs typeface="Courier New" panose="02070309020205020404" pitchFamily="49" charset="0"/>
+              </a:rPr>
+              <a:t>exp</a:t>
+            </a:r>
+            <a:r>
+              <a:rPr lang="en-US" dirty="0">
+                <a:latin typeface="Courier New" panose="02070309020205020404" pitchFamily="49" charset="0"/>
+                <a:cs typeface="Courier New" panose="02070309020205020404" pitchFamily="49" charset="0"/>
+              </a:rPr>
+              <a:t>(</a:t>
+            </a:r>
+            <a:r>
+              <a:rPr lang="en-US" dirty="0" err="1">
+                <a:latin typeface="Courier New" panose="02070309020205020404" pitchFamily="49" charset="0"/>
+                <a:cs typeface="Courier New" panose="02070309020205020404" pitchFamily="49" charset="0"/>
+              </a:rPr>
+              <a:t>coef</a:t>
+            </a:r>
+            <a:r>
+              <a:rPr lang="en-US" dirty="0">
+                <a:latin typeface="Courier New" panose="02070309020205020404" pitchFamily="49" charset="0"/>
+                <a:cs typeface="Courier New" panose="02070309020205020404" pitchFamily="49" charset="0"/>
+              </a:rPr>
+              <a:t>) se(</a:t>
+            </a:r>
+            <a:r>
+              <a:rPr lang="en-US" dirty="0" err="1">
+                <a:latin typeface="Courier New" panose="02070309020205020404" pitchFamily="49" charset="0"/>
+                <a:cs typeface="Courier New" panose="02070309020205020404" pitchFamily="49" charset="0"/>
+              </a:rPr>
+              <a:t>coef</a:t>
+            </a:r>
+            <a:r>
+              <a:rPr lang="en-US" dirty="0">
+                <a:latin typeface="Courier New" panose="02070309020205020404" pitchFamily="49" charset="0"/>
+                <a:cs typeface="Courier New" panose="02070309020205020404" pitchFamily="49" charset="0"/>
+              </a:rPr>
+              <a:t>)     z       p</a:t>
+            </a:r>
+          </a:p>
+          <a:p>
+            <a:r>
+              <a:rPr lang="en-US" dirty="0">
+                <a:latin typeface="Courier New" panose="02070309020205020404" pitchFamily="49" charset="0"/>
+                <a:cs typeface="Courier New" panose="02070309020205020404" pitchFamily="49" charset="0"/>
+              </a:rPr>
+              <a:t>Dose -0.03590   0.96473  0.00598 -6.01 1.9e-09</a:t>
+            </a:r>
+          </a:p>
+          <a:p>
+            <a:r>
+              <a:rPr lang="en-US" dirty="0">
+                <a:latin typeface="Courier New" panose="02070309020205020404" pitchFamily="49" charset="0"/>
+                <a:cs typeface="Courier New" panose="02070309020205020404" pitchFamily="49" charset="0"/>
+              </a:rPr>
+              <a:t> </a:t>
+            </a:r>
+          </a:p>
+          <a:p>
+            <a:r>
+              <a:rPr lang="en-US" dirty="0">
+                <a:latin typeface="Courier New" panose="02070309020205020404" pitchFamily="49" charset="0"/>
+                <a:cs typeface="Courier New" panose="02070309020205020404" pitchFamily="49" charset="0"/>
+              </a:rPr>
+              <a:t>Likelihood ratio test=36.9  on 1 </a:t>
+            </a:r>
+            <a:r>
+              <a:rPr lang="en-US" dirty="0" err="1">
+                <a:latin typeface="Courier New" panose="02070309020205020404" pitchFamily="49" charset="0"/>
+                <a:cs typeface="Courier New" panose="02070309020205020404" pitchFamily="49" charset="0"/>
+              </a:rPr>
+              <a:t>df</a:t>
+            </a:r>
+            <a:r>
+              <a:rPr lang="en-US" dirty="0">
+                <a:latin typeface="Courier New" panose="02070309020205020404" pitchFamily="49" charset="0"/>
+                <a:cs typeface="Courier New" panose="02070309020205020404" pitchFamily="49" charset="0"/>
+              </a:rPr>
+              <a:t>, p=1.25e-09</a:t>
+            </a:r>
+          </a:p>
+          <a:p>
+            <a:r>
+              <a:rPr lang="en-US" dirty="0">
+                <a:latin typeface="Courier New" panose="02070309020205020404" pitchFamily="49" charset="0"/>
+                <a:cs typeface="Courier New" panose="02070309020205020404" pitchFamily="49" charset="0"/>
+              </a:rPr>
+              <a:t>n= 238, number of events= 15050</a:t>
+            </a:r>
+            <a:endParaRPr lang="en-US" dirty="0"/>
+          </a:p>
+        </p:txBody>
+      </p:sp>
+      <p:sp>
+        <p:nvSpPr>
+          <p:cNvPr id="4" name="Footer Placeholder 3"/>
+          <p:cNvSpPr>
+            <a:spLocks noGrp="1"/>
+          </p:cNvSpPr>
+          <p:nvPr>
+            <p:ph type="ftr" sz="quarter" idx="10"/>
+          </p:nvPr>
+        </p:nvSpPr>
+        <p:spPr/>
+        <p:txBody>
+          <a:bodyPr/>
+          <a:lstStyle/>
+          <a:p>
+            <a:pPr>
+              <a:defRPr/>
+            </a:pPr>
+            <a:r>
+              <a:rPr lang="en-US" altLang="en-US" dirty="0"/>
+              <a:t>©2016 </a:t>
+            </a:r>
+            <a:r>
+              <a:rPr lang="en-US" altLang="en-US"/>
+              <a:t>Steve Simon    </a:t>
+            </a:r>
+            <a:r>
+              <a:rPr lang="en-US" altLang="en-US" dirty="0"/>
+              <a:t>http://TheAnalysisFactor.com</a:t>
+            </a:r>
+          </a:p>
+        </p:txBody>
+      </p:sp>
+      <p:sp>
+        <p:nvSpPr>
+          <p:cNvPr id="5" name="Slide Number Placeholder 4"/>
+          <p:cNvSpPr>
+            <a:spLocks noGrp="1"/>
+          </p:cNvSpPr>
+          <p:nvPr>
+            <p:ph type="sldNum" sz="quarter" idx="11"/>
+          </p:nvPr>
+        </p:nvSpPr>
+        <p:spPr/>
+        <p:txBody>
+          <a:bodyPr/>
+          <a:lstStyle/>
+          <a:p>
+            <a:pPr>
+              <a:defRPr/>
+            </a:pPr>
+            <a:endParaRPr lang="en-US"/>
+          </a:p>
+          <a:p>
+            <a:pPr>
+              <a:defRPr/>
+            </a:pPr>
+            <a:fld id="{E9A8CBA3-AA2B-46A6-BFA3-DCEBEAAB3F0A}" type="slidenum">
+              <a:rPr lang="en-US" smtClean="0"/>
+              <a:pPr>
+                <a:defRPr/>
+              </a:pPr>
+              <a:t>29</a:t>
+            </a:fld>
+            <a:endParaRPr lang="en-US"/>
+          </a:p>
+        </p:txBody>
+      </p:sp>
+      <p:sp>
+        <p:nvSpPr>
+          <p:cNvPr id="6" name="Text Placeholder 5"/>
+          <p:cNvSpPr>
+            <a:spLocks noGrp="1"/>
+          </p:cNvSpPr>
+          <p:nvPr>
+            <p:ph type="body" sz="quarter" idx="12"/>
+          </p:nvPr>
+        </p:nvSpPr>
+        <p:spPr/>
+        <p:txBody>
+          <a:bodyPr/>
+          <a:lstStyle/>
+          <a:p>
+            <a:r>
+              <a:rPr lang="en-US" dirty="0"/>
+              <a:t>Cox model with a continuous predictor</a:t>
+            </a:r>
+          </a:p>
+        </p:txBody>
+      </p:sp>
+    </p:spTree>
+    <p:extLst>
+      <p:ext uri="{BB962C8B-B14F-4D97-AF65-F5344CB8AC3E}">
+        <p14:creationId xmlns:p14="http://schemas.microsoft.com/office/powerpoint/2010/main" val="472976223"/>
+      </p:ext>
+    </p:extLst>
+  </p:cSld>
+  <p:clrMapOvr>
+    <a:masterClrMapping/>
+  </p:clrMapOvr>
+</p:sld>
+</file>
+
+<file path=ppt/slides/slide3.xml><?xml version="1.0" encoding="utf-8"?>
+<p:sld xmlns:a="http://schemas.openxmlformats.org/drawingml/2006/main" xmlns:r="http://schemas.openxmlformats.org/officeDocument/2006/relationships" xmlns:p="http://schemas.openxmlformats.org/presentationml/2006/main">
+  <p:cSld>
+    <p:spTree>
+      <p:nvGrpSpPr>
+        <p:cNvPr id="1" name=""/>
+        <p:cNvGrpSpPr/>
+        <p:nvPr/>
+      </p:nvGrpSpPr>
+      <p:grpSpPr>
+        <a:xfrm>
+          <a:off x="0" y="0"/>
+          <a:ext cx="0" cy="0"/>
+          <a:chOff x="0" y="0"/>
+          <a:chExt cx="0" cy="0"/>
+        </a:xfrm>
+      </p:grpSpPr>
+      <p:sp>
+        <p:nvSpPr>
+          <p:cNvPr id="2" name="Title 1"/>
+          <p:cNvSpPr>
+            <a:spLocks noGrp="1"/>
+          </p:cNvSpPr>
+          <p:nvPr>
+            <p:ph type="title"/>
+          </p:nvPr>
+        </p:nvSpPr>
+        <p:spPr/>
+        <p:txBody>
+          <a:bodyPr/>
+          <a:lstStyle/>
+          <a:p>
+            <a:r>
+              <a:rPr lang="en-US" dirty="0"/>
+              <a:t>Rates versus proportions</a:t>
+            </a:r>
+          </a:p>
+        </p:txBody>
+      </p:sp>
+      <p:sp>
+        <p:nvSpPr>
+          <p:cNvPr id="3" name="Text Placeholder 2"/>
+          <p:cNvSpPr>
+            <a:spLocks noGrp="1"/>
+          </p:cNvSpPr>
+          <p:nvPr>
+            <p:ph type="body" idx="1"/>
+          </p:nvPr>
+        </p:nvSpPr>
+        <p:spPr/>
+        <p:txBody>
+          <a:bodyPr/>
+          <a:lstStyle/>
+          <a:p>
+            <a:pPr marL="342900" indent="-342900">
+              <a:buFont typeface="Arial" panose="020B0604020202020204" pitchFamily="34" charset="0"/>
+              <a:buChar char="•"/>
+            </a:pPr>
+            <a:r>
+              <a:rPr lang="en-US" dirty="0"/>
+              <a:t>Both proportions and rates involve division.</a:t>
+            </a:r>
+          </a:p>
+          <a:p>
+            <a:pPr marL="342900" indent="-342900">
+              <a:buFont typeface="Arial" panose="020B0604020202020204" pitchFamily="34" charset="0"/>
+              <a:buChar char="•"/>
+            </a:pPr>
+            <a:r>
+              <a:rPr lang="en-US" dirty="0"/>
+              <a:t>A proportion is a count divided by another count.</a:t>
+            </a:r>
+          </a:p>
+          <a:p>
+            <a:pPr marL="800100" lvl="1" indent="-342900">
+              <a:buFont typeface="Arial" panose="020B0604020202020204" pitchFamily="34" charset="0"/>
+              <a:buChar char="•"/>
+            </a:pPr>
+            <a:r>
+              <a:rPr lang="en-US" dirty="0"/>
+              <a:t>It can never be larger than 1.</a:t>
+            </a:r>
+          </a:p>
+          <a:p>
+            <a:pPr marL="342900" indent="-342900">
+              <a:buFont typeface="Arial" panose="020B0604020202020204" pitchFamily="34" charset="0"/>
+              <a:buChar char="•"/>
+            </a:pPr>
+            <a:r>
+              <a:rPr lang="en-US" dirty="0"/>
+              <a:t>A rate is a count divided by a measure of time (or sometimes area).</a:t>
+            </a:r>
+          </a:p>
+          <a:p>
+            <a:pPr marL="800100" lvl="1" indent="-342900">
+              <a:buFont typeface="Arial" panose="020B0604020202020204" pitchFamily="34" charset="0"/>
+              <a:buChar char="•"/>
+            </a:pPr>
+            <a:r>
+              <a:rPr lang="en-US" dirty="0"/>
+              <a:t>It can sometimes be larger than 1.</a:t>
+            </a:r>
+          </a:p>
+        </p:txBody>
+      </p:sp>
+      <p:sp>
+        <p:nvSpPr>
+          <p:cNvPr id="4" name="Footer Placeholder 3"/>
+          <p:cNvSpPr>
+            <a:spLocks noGrp="1"/>
+          </p:cNvSpPr>
+          <p:nvPr>
+            <p:ph type="ftr" sz="quarter" idx="10"/>
+          </p:nvPr>
+        </p:nvSpPr>
+        <p:spPr/>
+        <p:txBody>
+          <a:bodyPr/>
+          <a:lstStyle/>
+          <a:p>
+            <a:pPr>
+              <a:defRPr/>
+            </a:pPr>
+            <a:r>
+              <a:rPr lang="en-US" altLang="en-US" dirty="0"/>
+              <a:t>©2016 </a:t>
+            </a:r>
+            <a:r>
+              <a:rPr lang="en-US" altLang="en-US"/>
+              <a:t>Steve Simon    </a:t>
+            </a:r>
+            <a:r>
+              <a:rPr lang="en-US" altLang="en-US" dirty="0"/>
+              <a:t>http://TheAnalysisFactor.com</a:t>
+            </a:r>
+          </a:p>
+        </p:txBody>
+      </p:sp>
+      <p:sp>
+        <p:nvSpPr>
+          <p:cNvPr id="5" name="Slide Number Placeholder 4"/>
+          <p:cNvSpPr>
+            <a:spLocks noGrp="1"/>
+          </p:cNvSpPr>
+          <p:nvPr>
+            <p:ph type="sldNum" sz="quarter" idx="11"/>
+          </p:nvPr>
+        </p:nvSpPr>
+        <p:spPr/>
+        <p:txBody>
+          <a:bodyPr/>
+          <a:lstStyle/>
+          <a:p>
+            <a:pPr>
+              <a:defRPr/>
+            </a:pPr>
+            <a:endParaRPr lang="en-US"/>
+          </a:p>
+          <a:p>
+            <a:pPr>
+              <a:defRPr/>
+            </a:pPr>
+            <a:fld id="{E9A8CBA3-AA2B-46A6-BFA3-DCEBEAAB3F0A}" type="slidenum">
+              <a:rPr lang="en-US" smtClean="0"/>
+              <a:pPr>
+                <a:defRPr/>
+              </a:pPr>
+              <a:t>3</a:t>
+            </a:fld>
+            <a:endParaRPr lang="en-US"/>
+          </a:p>
+        </p:txBody>
+      </p:sp>
+      <p:sp>
+        <p:nvSpPr>
+          <p:cNvPr id="6" name="Text Placeholder 5"/>
+          <p:cNvSpPr>
+            <a:spLocks noGrp="1"/>
+          </p:cNvSpPr>
+          <p:nvPr>
+            <p:ph type="body" sz="quarter" idx="12"/>
+          </p:nvPr>
+        </p:nvSpPr>
+        <p:spPr/>
+        <p:txBody>
+          <a:bodyPr/>
+          <a:lstStyle/>
+          <a:p>
+            <a:r>
+              <a:rPr lang="en-US" dirty="0"/>
+              <a:t>There is an important, but subtle distinction</a:t>
+            </a:r>
+          </a:p>
+        </p:txBody>
+      </p:sp>
+    </p:spTree>
+    <p:extLst>
+      <p:ext uri="{BB962C8B-B14F-4D97-AF65-F5344CB8AC3E}">
+        <p14:creationId xmlns:p14="http://schemas.microsoft.com/office/powerpoint/2010/main" val="848672673"/>
+      </p:ext>
+    </p:extLst>
+  </p:cSld>
+  <p:clrMapOvr>
+    <a:masterClrMapping/>
+  </p:clrMapOvr>
+</p:sld>
+</file>
+
+<file path=ppt/slides/slide30.xml><?xml version="1.0" encoding="utf-8"?>
+<p:sld xmlns:a="http://schemas.openxmlformats.org/drawingml/2006/main" xmlns:r="http://schemas.openxmlformats.org/officeDocument/2006/relationships" xmlns:p="http://schemas.openxmlformats.org/presentationml/2006/main">
+  <p:cSld>
+    <p:spTree>
+      <p:nvGrpSpPr>
+        <p:cNvPr id="1" name=""/>
+        <p:cNvGrpSpPr/>
+        <p:nvPr/>
+      </p:nvGrpSpPr>
+      <p:grpSpPr>
+        <a:xfrm>
+          <a:off x="0" y="0"/>
+          <a:ext cx="0" cy="0"/>
+          <a:chOff x="0" y="0"/>
+          <a:chExt cx="0" cy="0"/>
+        </a:xfrm>
+      </p:grpSpPr>
+      <p:sp>
+        <p:nvSpPr>
+          <p:cNvPr id="2" name="Title 1"/>
+          <p:cNvSpPr>
+            <a:spLocks noGrp="1"/>
+          </p:cNvSpPr>
+          <p:nvPr>
+            <p:ph type="title"/>
+          </p:nvPr>
+        </p:nvSpPr>
+        <p:spPr/>
+        <p:txBody>
+          <a:bodyPr/>
+          <a:lstStyle/>
+          <a:p>
+            <a:r>
+              <a:rPr lang="en-US" dirty="0"/>
+              <a:t>An example</a:t>
+            </a:r>
+          </a:p>
+        </p:txBody>
+      </p:sp>
+      <p:sp>
+        <p:nvSpPr>
+          <p:cNvPr id="3" name="Text Placeholder 2"/>
+          <p:cNvSpPr>
+            <a:spLocks noGrp="1"/>
+          </p:cNvSpPr>
+          <p:nvPr>
+            <p:ph type="body" idx="1"/>
+          </p:nvPr>
+        </p:nvSpPr>
+        <p:spPr/>
+        <p:txBody>
+          <a:bodyPr/>
+          <a:lstStyle/>
+          <a:p>
+            <a:r>
+              <a:rPr lang="en-US" dirty="0" err="1">
+                <a:latin typeface="Courier New" panose="02070309020205020404" pitchFamily="49" charset="0"/>
+                <a:cs typeface="Courier New" panose="02070309020205020404" pitchFamily="49" charset="0"/>
+              </a:rPr>
+              <a:t>coxph</a:t>
+            </a:r>
+            <a:r>
+              <a:rPr lang="en-US" dirty="0">
+                <a:latin typeface="Courier New" panose="02070309020205020404" pitchFamily="49" charset="0"/>
+                <a:cs typeface="Courier New" panose="02070309020205020404" pitchFamily="49" charset="0"/>
+              </a:rPr>
+              <a:t>(formula = </a:t>
+            </a:r>
+            <a:r>
+              <a:rPr lang="en-US" dirty="0" err="1">
+                <a:latin typeface="Courier New" panose="02070309020205020404" pitchFamily="49" charset="0"/>
+                <a:cs typeface="Courier New" panose="02070309020205020404" pitchFamily="49" charset="0"/>
+              </a:rPr>
+              <a:t>su</a:t>
+            </a:r>
+            <a:r>
+              <a:rPr lang="en-US" dirty="0">
+                <a:latin typeface="Courier New" panose="02070309020205020404" pitchFamily="49" charset="0"/>
+                <a:cs typeface="Courier New" panose="02070309020205020404" pitchFamily="49" charset="0"/>
+              </a:rPr>
+              <a:t> ~ strata(Clinic) + Prison + Dose)</a:t>
+            </a:r>
+          </a:p>
+          <a:p>
+            <a:endParaRPr lang="en-US" dirty="0">
+              <a:latin typeface="Courier New" panose="02070309020205020404" pitchFamily="49" charset="0"/>
+              <a:cs typeface="Courier New" panose="02070309020205020404" pitchFamily="49" charset="0"/>
+            </a:endParaRPr>
+          </a:p>
+          <a:p>
+            <a:r>
+              <a:rPr lang="en-US" dirty="0">
+                <a:latin typeface="Courier New" panose="02070309020205020404" pitchFamily="49" charset="0"/>
+                <a:cs typeface="Courier New" panose="02070309020205020404" pitchFamily="49" charset="0"/>
+              </a:rPr>
+              <a:t>            </a:t>
+            </a:r>
+            <a:r>
+              <a:rPr lang="en-US" dirty="0" err="1">
+                <a:latin typeface="Courier New" panose="02070309020205020404" pitchFamily="49" charset="0"/>
+                <a:cs typeface="Courier New" panose="02070309020205020404" pitchFamily="49" charset="0"/>
+              </a:rPr>
+              <a:t>coef</a:t>
+            </a:r>
+            <a:r>
+              <a:rPr lang="en-US" dirty="0">
+                <a:latin typeface="Courier New" panose="02070309020205020404" pitchFamily="49" charset="0"/>
+                <a:cs typeface="Courier New" panose="02070309020205020404" pitchFamily="49" charset="0"/>
+              </a:rPr>
+              <a:t> </a:t>
+            </a:r>
+            <a:r>
+              <a:rPr lang="en-US" dirty="0" err="1">
+                <a:latin typeface="Courier New" panose="02070309020205020404" pitchFamily="49" charset="0"/>
+                <a:cs typeface="Courier New" panose="02070309020205020404" pitchFamily="49" charset="0"/>
+              </a:rPr>
+              <a:t>exp</a:t>
+            </a:r>
+            <a:r>
+              <a:rPr lang="en-US" dirty="0">
+                <a:latin typeface="Courier New" panose="02070309020205020404" pitchFamily="49" charset="0"/>
+                <a:cs typeface="Courier New" panose="02070309020205020404" pitchFamily="49" charset="0"/>
+              </a:rPr>
+              <a:t>(</a:t>
+            </a:r>
+            <a:r>
+              <a:rPr lang="en-US" dirty="0" err="1">
+                <a:latin typeface="Courier New" panose="02070309020205020404" pitchFamily="49" charset="0"/>
+                <a:cs typeface="Courier New" panose="02070309020205020404" pitchFamily="49" charset="0"/>
+              </a:rPr>
+              <a:t>coef</a:t>
+            </a:r>
+            <a:r>
+              <a:rPr lang="en-US" dirty="0">
+                <a:latin typeface="Courier New" panose="02070309020205020404" pitchFamily="49" charset="0"/>
+                <a:cs typeface="Courier New" panose="02070309020205020404" pitchFamily="49" charset="0"/>
+              </a:rPr>
+              <a:t>) se(</a:t>
+            </a:r>
+            <a:r>
+              <a:rPr lang="en-US" dirty="0" err="1">
+                <a:latin typeface="Courier New" panose="02070309020205020404" pitchFamily="49" charset="0"/>
+                <a:cs typeface="Courier New" panose="02070309020205020404" pitchFamily="49" charset="0"/>
+              </a:rPr>
+              <a:t>coef</a:t>
+            </a:r>
+            <a:r>
+              <a:rPr lang="en-US" dirty="0">
+                <a:latin typeface="Courier New" panose="02070309020205020404" pitchFamily="49" charset="0"/>
+                <a:cs typeface="Courier New" panose="02070309020205020404" pitchFamily="49" charset="0"/>
+              </a:rPr>
+              <a:t>)     z       p</a:t>
+            </a:r>
+          </a:p>
+          <a:p>
+            <a:r>
+              <a:rPr lang="en-US" dirty="0">
+                <a:latin typeface="Courier New" panose="02070309020205020404" pitchFamily="49" charset="0"/>
+                <a:cs typeface="Courier New" panose="02070309020205020404" pitchFamily="49" charset="0"/>
+              </a:rPr>
+              <a:t>Prison   0.38960   1.47640  0.16893  2.31   0.021</a:t>
+            </a:r>
+          </a:p>
+          <a:p>
+            <a:r>
+              <a:rPr lang="en-US" dirty="0">
+                <a:latin typeface="Courier New" panose="02070309020205020404" pitchFamily="49" charset="0"/>
+                <a:cs typeface="Courier New" panose="02070309020205020404" pitchFamily="49" charset="0"/>
+              </a:rPr>
+              <a:t>Dose    -0.03511   0.96549  0.00646 -5.43 5.6e-08</a:t>
+            </a:r>
+          </a:p>
+          <a:p>
+            <a:r>
+              <a:rPr lang="en-US" dirty="0">
+                <a:latin typeface="Courier New" panose="02070309020205020404" pitchFamily="49" charset="0"/>
+                <a:cs typeface="Courier New" panose="02070309020205020404" pitchFamily="49" charset="0"/>
+              </a:rPr>
+              <a:t> </a:t>
+            </a:r>
+          </a:p>
+          <a:p>
+            <a:r>
+              <a:rPr lang="en-US" dirty="0">
+                <a:latin typeface="Courier New" panose="02070309020205020404" pitchFamily="49" charset="0"/>
+                <a:cs typeface="Courier New" panose="02070309020205020404" pitchFamily="49" charset="0"/>
+              </a:rPr>
+              <a:t>Likelihood ratio test=33.9  on 2 </a:t>
+            </a:r>
+            <a:r>
+              <a:rPr lang="en-US" dirty="0" err="1">
+                <a:latin typeface="Courier New" panose="02070309020205020404" pitchFamily="49" charset="0"/>
+                <a:cs typeface="Courier New" panose="02070309020205020404" pitchFamily="49" charset="0"/>
+              </a:rPr>
+              <a:t>df</a:t>
+            </a:r>
+            <a:r>
+              <a:rPr lang="en-US" dirty="0">
+                <a:latin typeface="Courier New" panose="02070309020205020404" pitchFamily="49" charset="0"/>
+                <a:cs typeface="Courier New" panose="02070309020205020404" pitchFamily="49" charset="0"/>
+              </a:rPr>
+              <a:t>, p=4.32e-08</a:t>
+            </a:r>
+          </a:p>
+          <a:p>
+            <a:r>
+              <a:rPr lang="en-US" dirty="0">
+                <a:latin typeface="Courier New" panose="02070309020205020404" pitchFamily="49" charset="0"/>
+                <a:cs typeface="Courier New" panose="02070309020205020404" pitchFamily="49" charset="0"/>
+              </a:rPr>
+              <a:t>n= 238, number of events= 150</a:t>
+            </a:r>
+            <a:endParaRPr lang="en-US" dirty="0"/>
+          </a:p>
+        </p:txBody>
+      </p:sp>
+      <p:sp>
+        <p:nvSpPr>
+          <p:cNvPr id="4" name="Footer Placeholder 3"/>
+          <p:cNvSpPr>
+            <a:spLocks noGrp="1"/>
+          </p:cNvSpPr>
+          <p:nvPr>
+            <p:ph type="ftr" sz="quarter" idx="10"/>
+          </p:nvPr>
+        </p:nvSpPr>
+        <p:spPr/>
+        <p:txBody>
+          <a:bodyPr/>
+          <a:lstStyle/>
+          <a:p>
+            <a:pPr>
+              <a:defRPr/>
+            </a:pPr>
+            <a:r>
+              <a:rPr lang="en-US" altLang="en-US" dirty="0"/>
+              <a:t>©2016 </a:t>
+            </a:r>
+            <a:r>
+              <a:rPr lang="en-US" altLang="en-US"/>
+              <a:t>Steve Simon    </a:t>
+            </a:r>
+            <a:r>
+              <a:rPr lang="en-US" altLang="en-US" dirty="0"/>
+              <a:t>http://TheAnalysisFactor.com</a:t>
+            </a:r>
+          </a:p>
+        </p:txBody>
+      </p:sp>
+      <p:sp>
+        <p:nvSpPr>
+          <p:cNvPr id="5" name="Slide Number Placeholder 4"/>
+          <p:cNvSpPr>
+            <a:spLocks noGrp="1"/>
+          </p:cNvSpPr>
+          <p:nvPr>
+            <p:ph type="sldNum" sz="quarter" idx="11"/>
+          </p:nvPr>
+        </p:nvSpPr>
+        <p:spPr/>
+        <p:txBody>
+          <a:bodyPr/>
+          <a:lstStyle/>
+          <a:p>
+            <a:pPr>
+              <a:defRPr/>
+            </a:pPr>
+            <a:endParaRPr lang="en-US"/>
+          </a:p>
+          <a:p>
+            <a:pPr>
+              <a:defRPr/>
+            </a:pPr>
+            <a:fld id="{E9A8CBA3-AA2B-46A6-BFA3-DCEBEAAB3F0A}" type="slidenum">
+              <a:rPr lang="en-US" smtClean="0"/>
+              <a:pPr>
+                <a:defRPr/>
+              </a:pPr>
+              <a:t>30</a:t>
+            </a:fld>
+            <a:endParaRPr lang="en-US"/>
+          </a:p>
+        </p:txBody>
+      </p:sp>
+      <p:sp>
+        <p:nvSpPr>
+          <p:cNvPr id="6" name="Text Placeholder 5"/>
+          <p:cNvSpPr>
+            <a:spLocks noGrp="1"/>
+          </p:cNvSpPr>
+          <p:nvPr>
+            <p:ph type="body" sz="quarter" idx="12"/>
+          </p:nvPr>
+        </p:nvSpPr>
+        <p:spPr/>
+        <p:txBody>
+          <a:bodyPr/>
+          <a:lstStyle/>
+          <a:p>
+            <a:r>
+              <a:rPr lang="en-US" dirty="0"/>
+              <a:t>Cox model with stratification and multiple predictors</a:t>
+            </a:r>
+          </a:p>
+        </p:txBody>
+      </p:sp>
+    </p:spTree>
+    <p:extLst>
+      <p:ext uri="{BB962C8B-B14F-4D97-AF65-F5344CB8AC3E}">
+        <p14:creationId xmlns:p14="http://schemas.microsoft.com/office/powerpoint/2010/main" val="3904883576"/>
+      </p:ext>
+    </p:extLst>
+  </p:cSld>
+  <p:clrMapOvr>
+    <a:masterClrMapping/>
+  </p:clrMapOvr>
+</p:sld>
+</file>
+
 <file path=ppt/slides/slide31.xml><?xml version="1.0" encoding="utf-8"?>
 <p:sld xmlns:a="http://schemas.openxmlformats.org/drawingml/2006/main" xmlns:r="http://schemas.openxmlformats.org/officeDocument/2006/relationships" xmlns:p="http://schemas.openxmlformats.org/presentationml/2006/main">
   <p:cSld>
@@ -9906,7 +9785,7 @@
           <a:p>
             <a:r>
               <a:rPr lang="en-US" dirty="0"/>
-              <a:t>An example</a:t>
+              <a:t>Conclusion</a:t>
             </a:r>
           </a:p>
         </p:txBody>
@@ -9926,153 +9805,59 @@
           <a:bodyPr/>
           <a:lstStyle/>
           <a:p>
+            <a:pPr marL="457200" indent="-457200">
+              <a:buFont typeface="+mj-lt"/>
+              <a:buAutoNum type="arabicPeriod"/>
+            </a:pPr>
             <a:r>
               <a:rPr lang="en-US" dirty="0">
-                <a:latin typeface="Courier New" panose="02070309020205020404" pitchFamily="49" charset="0"/>
+                <a:latin typeface="+mj-lt"/>
                 <a:cs typeface="Courier New" panose="02070309020205020404" pitchFamily="49" charset="0"/>
               </a:rPr>
-              <a:t>Cox proportional hazards model</a:t>
-            </a:r>
-          </a:p>
-          <a:p>
+              <a:t>The hazard function is the short term death rate among those patients surviving to a specific time.</a:t>
+            </a:r>
+          </a:p>
+          <a:p>
+            <a:pPr marL="457200" indent="-457200">
+              <a:buFont typeface="+mj-lt"/>
+              <a:buAutoNum type="arabicPeriod"/>
+            </a:pPr>
+            <a:r>
+              <a:rPr lang="en-US" dirty="0">
+                <a:latin typeface="+mj-lt"/>
+                <a:cs typeface="Courier New" panose="02070309020205020404" pitchFamily="49" charset="0"/>
+              </a:rPr>
+              <a:t>The log rank test is a simple test for comparing two or more Kaplan-Meier curves.</a:t>
+            </a:r>
+          </a:p>
+          <a:p>
+            <a:pPr marL="457200" indent="-457200">
+              <a:buFont typeface="+mj-lt"/>
+              <a:buAutoNum type="arabicPeriod"/>
+            </a:pPr>
+            <a:r>
+              <a:rPr lang="en-US" dirty="0">
+                <a:latin typeface="+mj-lt"/>
+                <a:cs typeface="Courier New" panose="02070309020205020404" pitchFamily="49" charset="0"/>
+              </a:rPr>
+              <a:t>The Cox regression model allows for continuous predictors and risk adjustment. </a:t>
+            </a:r>
+          </a:p>
+          <a:p>
+            <a:pPr marL="457200" indent="-457200">
+              <a:buFont typeface="+mj-lt"/>
+              <a:buAutoNum type="arabicPeriod"/>
+            </a:pPr>
+            <a:r>
+              <a:rPr lang="en-US" dirty="0">
+                <a:latin typeface="+mj-lt"/>
+                <a:cs typeface="Courier New" panose="02070309020205020404" pitchFamily="49" charset="0"/>
+              </a:rPr>
+              <a:t>The Cox model assumes proportional hazard functions and compares groups using a hazard ratio.</a:t>
+            </a:r>
             <a:endParaRPr lang="en-US" dirty="0">
-              <a:latin typeface="Courier New" panose="02070309020205020404" pitchFamily="49" charset="0"/>
-              <a:cs typeface="Courier New" panose="02070309020205020404" pitchFamily="49" charset="0"/>
+              <a:latin typeface="+mj-lt"/>
             </a:endParaRPr>
-          </a:p>
-          <a:p>
-            <a:r>
-              <a:rPr lang="en-US" dirty="0">
-                <a:latin typeface="Courier New" panose="02070309020205020404" pitchFamily="49" charset="0"/>
-                <a:cs typeface="Courier New" panose="02070309020205020404" pitchFamily="49" charset="0"/>
-              </a:rPr>
-              <a:t>            </a:t>
-            </a:r>
-            <a:r>
-              <a:rPr lang="en-US" dirty="0" err="1">
-                <a:latin typeface="Courier New" panose="02070309020205020404" pitchFamily="49" charset="0"/>
-                <a:cs typeface="Courier New" panose="02070309020205020404" pitchFamily="49" charset="0"/>
-              </a:rPr>
-              <a:t>coef</a:t>
-            </a:r>
-            <a:r>
-              <a:rPr lang="en-US" dirty="0">
-                <a:latin typeface="Courier New" panose="02070309020205020404" pitchFamily="49" charset="0"/>
-                <a:cs typeface="Courier New" panose="02070309020205020404" pitchFamily="49" charset="0"/>
-              </a:rPr>
-              <a:t> </a:t>
-            </a:r>
-            <a:r>
-              <a:rPr lang="en-US" dirty="0" err="1">
-                <a:latin typeface="Courier New" panose="02070309020205020404" pitchFamily="49" charset="0"/>
-                <a:cs typeface="Courier New" panose="02070309020205020404" pitchFamily="49" charset="0"/>
-              </a:rPr>
-              <a:t>exp</a:t>
-            </a:r>
-            <a:r>
-              <a:rPr lang="en-US" dirty="0">
-                <a:latin typeface="Courier New" panose="02070309020205020404" pitchFamily="49" charset="0"/>
-                <a:cs typeface="Courier New" panose="02070309020205020404" pitchFamily="49" charset="0"/>
-              </a:rPr>
-              <a:t>(</a:t>
-            </a:r>
-            <a:r>
-              <a:rPr lang="en-US" dirty="0" err="1">
-                <a:latin typeface="Courier New" panose="02070309020205020404" pitchFamily="49" charset="0"/>
-                <a:cs typeface="Courier New" panose="02070309020205020404" pitchFamily="49" charset="0"/>
-              </a:rPr>
-              <a:t>coef</a:t>
-            </a:r>
-            <a:r>
-              <a:rPr lang="en-US" dirty="0">
-                <a:latin typeface="Courier New" panose="02070309020205020404" pitchFamily="49" charset="0"/>
-                <a:cs typeface="Courier New" panose="02070309020205020404" pitchFamily="49" charset="0"/>
-              </a:rPr>
-              <a:t>) se(</a:t>
-            </a:r>
-            <a:r>
-              <a:rPr lang="en-US" dirty="0" err="1">
-                <a:latin typeface="Courier New" panose="02070309020205020404" pitchFamily="49" charset="0"/>
-                <a:cs typeface="Courier New" panose="02070309020205020404" pitchFamily="49" charset="0"/>
-              </a:rPr>
-              <a:t>coef</a:t>
-            </a:r>
-            <a:r>
-              <a:rPr lang="en-US" dirty="0">
-                <a:latin typeface="Courier New" panose="02070309020205020404" pitchFamily="49" charset="0"/>
-                <a:cs typeface="Courier New" panose="02070309020205020404" pitchFamily="49" charset="0"/>
-              </a:rPr>
-              <a:t>)     z       p</a:t>
-            </a:r>
-          </a:p>
-          <a:p>
-            <a:r>
-              <a:rPr lang="en-US" dirty="0">
-                <a:latin typeface="Courier New" panose="02070309020205020404" pitchFamily="49" charset="0"/>
-                <a:cs typeface="Courier New" panose="02070309020205020404" pitchFamily="49" charset="0"/>
-              </a:rPr>
-              <a:t>(50,60]  -0.0412    0.9597   0.2004 -0.21    0.84</a:t>
-            </a:r>
-          </a:p>
-          <a:p>
-            <a:r>
-              <a:rPr lang="en-US" dirty="0">
-                <a:latin typeface="Courier New" panose="02070309020205020404" pitchFamily="49" charset="0"/>
-                <a:cs typeface="Courier New" panose="02070309020205020404" pitchFamily="49" charset="0"/>
-              </a:rPr>
-              <a:t>(60,70]  -0.3409    0.7111   0.2346 -1.45    0.15</a:t>
-            </a:r>
-          </a:p>
-          <a:p>
-            <a:r>
-              <a:rPr lang="en-US" dirty="0">
-                <a:latin typeface="Courier New" panose="02070309020205020404" pitchFamily="49" charset="0"/>
-                <a:cs typeface="Courier New" panose="02070309020205020404" pitchFamily="49" charset="0"/>
-              </a:rPr>
-              <a:t>(70,99]  -1.5304    0.2164   0.2928 -5.23 1.7e-07</a:t>
-            </a:r>
-          </a:p>
-          <a:p>
-            <a:r>
-              <a:rPr lang="en-US" dirty="0">
-                <a:latin typeface="Courier New" panose="02070309020205020404" pitchFamily="49" charset="0"/>
-                <a:cs typeface="Courier New" panose="02070309020205020404" pitchFamily="49" charset="0"/>
-              </a:rPr>
-              <a:t> </a:t>
-            </a:r>
-          </a:p>
-          <a:p>
-            <a:r>
-              <a:rPr lang="en-US" dirty="0">
-                <a:latin typeface="Courier New" panose="02070309020205020404" pitchFamily="49" charset="0"/>
-                <a:cs typeface="Courier New" panose="02070309020205020404" pitchFamily="49" charset="0"/>
-              </a:rPr>
-              <a:t>Likelihood ratio test=42.5  on 3 </a:t>
-            </a:r>
-            <a:r>
-              <a:rPr lang="en-US" dirty="0" err="1">
-                <a:latin typeface="Courier New" panose="02070309020205020404" pitchFamily="49" charset="0"/>
-                <a:cs typeface="Courier New" panose="02070309020205020404" pitchFamily="49" charset="0"/>
-              </a:rPr>
-              <a:t>df</a:t>
-            </a:r>
-            <a:r>
-              <a:rPr lang="en-US" dirty="0">
-                <a:latin typeface="Courier New" panose="02070309020205020404" pitchFamily="49" charset="0"/>
-                <a:cs typeface="Courier New" panose="02070309020205020404" pitchFamily="49" charset="0"/>
-              </a:rPr>
-              <a:t>, p=3.19e-09</a:t>
-            </a:r>
-          </a:p>
-          <a:p>
-            <a:r>
-              <a:rPr lang="en-US" dirty="0">
-                <a:latin typeface="Courier New" panose="02070309020205020404" pitchFamily="49" charset="0"/>
-                <a:cs typeface="Courier New" panose="02070309020205020404" pitchFamily="49" charset="0"/>
-              </a:rPr>
-              <a:t>n= 238, number of events= 150</a:t>
-            </a:r>
-            <a:endParaRPr lang="en-US" dirty="0"/>
           </a:p>
         </p:txBody>
       </p:sp>
@@ -10139,812 +9924,6 @@
                 <a:defRPr/>
               </a:pPr>
               <a:t>31</a:t>
-            </a:fld>
-            <a:endParaRPr lang="en-US"/>
-          </a:p>
-        </p:txBody>
-      </p:sp>
-      <p:sp>
-        <p:nvSpPr>
-          <p:cNvPr id="6" name="Text Placeholder 5"/>
-          <p:cNvSpPr>
-            <a:spLocks noGrp="1"/>
-          </p:cNvSpPr>
-          <p:nvPr>
-            <p:ph type="body" sz="quarter" idx="12"/>
-          </p:nvPr>
-        </p:nvSpPr>
-        <p:spPr/>
-        <p:txBody>
-          <a:bodyPr/>
-          <a:lstStyle/>
-          <a:p>
-            <a:r>
-              <a:rPr lang="en-US" dirty="0"/>
-              <a:t>Cox model for dose quartiles</a:t>
-            </a:r>
-          </a:p>
-        </p:txBody>
-      </p:sp>
-    </p:spTree>
-    <p:extLst>
-      <p:ext uri="{BB962C8B-B14F-4D97-AF65-F5344CB8AC3E}">
-        <p14:creationId xmlns:p14="http://schemas.microsoft.com/office/powerpoint/2010/main" val="771769254"/>
-      </p:ext>
-    </p:extLst>
-  </p:cSld>
-  <p:clrMapOvr>
-    <a:masterClrMapping/>
-  </p:clrMapOvr>
-</p:sld>
-</file>
-
-<file path=ppt/slides/slide32.xml><?xml version="1.0" encoding="utf-8"?>
-<p:sld xmlns:a="http://schemas.openxmlformats.org/drawingml/2006/main" xmlns:r="http://schemas.openxmlformats.org/officeDocument/2006/relationships" xmlns:p="http://schemas.openxmlformats.org/presentationml/2006/main">
-  <p:cSld>
-    <p:spTree>
-      <p:nvGrpSpPr>
-        <p:cNvPr id="1" name=""/>
-        <p:cNvGrpSpPr/>
-        <p:nvPr/>
-      </p:nvGrpSpPr>
-      <p:grpSpPr>
-        <a:xfrm>
-          <a:off x="0" y="0"/>
-          <a:ext cx="0" cy="0"/>
-          <a:chOff x="0" y="0"/>
-          <a:chExt cx="0" cy="0"/>
-        </a:xfrm>
-      </p:grpSpPr>
-      <p:sp>
-        <p:nvSpPr>
-          <p:cNvPr id="2" name="Title 1"/>
-          <p:cNvSpPr>
-            <a:spLocks noGrp="1"/>
-          </p:cNvSpPr>
-          <p:nvPr>
-            <p:ph type="title"/>
-          </p:nvPr>
-        </p:nvSpPr>
-        <p:spPr/>
-        <p:txBody>
-          <a:bodyPr/>
-          <a:lstStyle/>
-          <a:p>
-            <a:r>
-              <a:rPr lang="en-US" dirty="0"/>
-              <a:t>An example</a:t>
-            </a:r>
-          </a:p>
-        </p:txBody>
-      </p:sp>
-      <p:sp>
-        <p:nvSpPr>
-          <p:cNvPr id="3" name="Text Placeholder 2"/>
-          <p:cNvSpPr>
-            <a:spLocks noGrp="1"/>
-          </p:cNvSpPr>
-          <p:nvPr>
-            <p:ph type="body" idx="1"/>
-          </p:nvPr>
-        </p:nvSpPr>
-        <p:spPr/>
-        <p:txBody>
-          <a:bodyPr/>
-          <a:lstStyle/>
-          <a:p>
-            <a:r>
-              <a:rPr lang="en-US" dirty="0">
-                <a:latin typeface="Courier New" panose="02070309020205020404" pitchFamily="49" charset="0"/>
-                <a:cs typeface="Courier New" panose="02070309020205020404" pitchFamily="49" charset="0"/>
-              </a:rPr>
-              <a:t>         </a:t>
-            </a:r>
-            <a:r>
-              <a:rPr lang="en-US" dirty="0" err="1">
-                <a:latin typeface="Courier New" panose="02070309020205020404" pitchFamily="49" charset="0"/>
-                <a:cs typeface="Courier New" panose="02070309020205020404" pitchFamily="49" charset="0"/>
-              </a:rPr>
-              <a:t>coef</a:t>
-            </a:r>
-            <a:r>
-              <a:rPr lang="en-US" dirty="0">
-                <a:latin typeface="Courier New" panose="02070309020205020404" pitchFamily="49" charset="0"/>
-                <a:cs typeface="Courier New" panose="02070309020205020404" pitchFamily="49" charset="0"/>
-              </a:rPr>
-              <a:t> </a:t>
-            </a:r>
-            <a:r>
-              <a:rPr lang="en-US" dirty="0" err="1">
-                <a:latin typeface="Courier New" panose="02070309020205020404" pitchFamily="49" charset="0"/>
-                <a:cs typeface="Courier New" panose="02070309020205020404" pitchFamily="49" charset="0"/>
-              </a:rPr>
-              <a:t>exp</a:t>
-            </a:r>
-            <a:r>
-              <a:rPr lang="en-US" dirty="0">
-                <a:latin typeface="Courier New" panose="02070309020205020404" pitchFamily="49" charset="0"/>
-                <a:cs typeface="Courier New" panose="02070309020205020404" pitchFamily="49" charset="0"/>
-              </a:rPr>
-              <a:t>(</a:t>
-            </a:r>
-            <a:r>
-              <a:rPr lang="en-US" dirty="0" err="1">
-                <a:latin typeface="Courier New" panose="02070309020205020404" pitchFamily="49" charset="0"/>
-                <a:cs typeface="Courier New" panose="02070309020205020404" pitchFamily="49" charset="0"/>
-              </a:rPr>
-              <a:t>coef</a:t>
-            </a:r>
-            <a:r>
-              <a:rPr lang="en-US" dirty="0">
-                <a:latin typeface="Courier New" panose="02070309020205020404" pitchFamily="49" charset="0"/>
-                <a:cs typeface="Courier New" panose="02070309020205020404" pitchFamily="49" charset="0"/>
-              </a:rPr>
-              <a:t>) se(</a:t>
-            </a:r>
-            <a:r>
-              <a:rPr lang="en-US" dirty="0" err="1">
-                <a:latin typeface="Courier New" panose="02070309020205020404" pitchFamily="49" charset="0"/>
-                <a:cs typeface="Courier New" panose="02070309020205020404" pitchFamily="49" charset="0"/>
-              </a:rPr>
-              <a:t>coef</a:t>
-            </a:r>
-            <a:r>
-              <a:rPr lang="en-US" dirty="0">
-                <a:latin typeface="Courier New" panose="02070309020205020404" pitchFamily="49" charset="0"/>
-                <a:cs typeface="Courier New" panose="02070309020205020404" pitchFamily="49" charset="0"/>
-              </a:rPr>
-              <a:t>)     z       p</a:t>
-            </a:r>
-          </a:p>
-          <a:p>
-            <a:r>
-              <a:rPr lang="en-US" dirty="0">
-                <a:latin typeface="Courier New" panose="02070309020205020404" pitchFamily="49" charset="0"/>
-                <a:cs typeface="Courier New" panose="02070309020205020404" pitchFamily="49" charset="0"/>
-              </a:rPr>
-              <a:t>Dose -0.03590   0.96473  0.00598 -6.01 1.9e-09</a:t>
-            </a:r>
-          </a:p>
-          <a:p>
-            <a:r>
-              <a:rPr lang="en-US" dirty="0">
-                <a:latin typeface="Courier New" panose="02070309020205020404" pitchFamily="49" charset="0"/>
-                <a:cs typeface="Courier New" panose="02070309020205020404" pitchFamily="49" charset="0"/>
-              </a:rPr>
-              <a:t> </a:t>
-            </a:r>
-          </a:p>
-          <a:p>
-            <a:r>
-              <a:rPr lang="en-US" dirty="0">
-                <a:latin typeface="Courier New" panose="02070309020205020404" pitchFamily="49" charset="0"/>
-                <a:cs typeface="Courier New" panose="02070309020205020404" pitchFamily="49" charset="0"/>
-              </a:rPr>
-              <a:t>Likelihood ratio test=36.9  on 1 </a:t>
-            </a:r>
-            <a:r>
-              <a:rPr lang="en-US" dirty="0" err="1">
-                <a:latin typeface="Courier New" panose="02070309020205020404" pitchFamily="49" charset="0"/>
-                <a:cs typeface="Courier New" panose="02070309020205020404" pitchFamily="49" charset="0"/>
-              </a:rPr>
-              <a:t>df</a:t>
-            </a:r>
-            <a:r>
-              <a:rPr lang="en-US" dirty="0">
-                <a:latin typeface="Courier New" panose="02070309020205020404" pitchFamily="49" charset="0"/>
-                <a:cs typeface="Courier New" panose="02070309020205020404" pitchFamily="49" charset="0"/>
-              </a:rPr>
-              <a:t>, p=1.25e-09</a:t>
-            </a:r>
-          </a:p>
-          <a:p>
-            <a:r>
-              <a:rPr lang="en-US" dirty="0">
-                <a:latin typeface="Courier New" panose="02070309020205020404" pitchFamily="49" charset="0"/>
-                <a:cs typeface="Courier New" panose="02070309020205020404" pitchFamily="49" charset="0"/>
-              </a:rPr>
-              <a:t>n= 238, number of events= 15050</a:t>
-            </a:r>
-            <a:endParaRPr lang="en-US" dirty="0"/>
-          </a:p>
-        </p:txBody>
-      </p:sp>
-      <p:sp>
-        <p:nvSpPr>
-          <p:cNvPr id="4" name="Footer Placeholder 3"/>
-          <p:cNvSpPr>
-            <a:spLocks noGrp="1"/>
-          </p:cNvSpPr>
-          <p:nvPr>
-            <p:ph type="ftr" sz="quarter" idx="10"/>
-          </p:nvPr>
-        </p:nvSpPr>
-        <p:spPr/>
-        <p:txBody>
-          <a:bodyPr/>
-          <a:lstStyle/>
-          <a:p>
-            <a:pPr>
-              <a:defRPr/>
-            </a:pPr>
-            <a:r>
-              <a:rPr lang="en-US" altLang="en-US" dirty="0"/>
-              <a:t>©2016 </a:t>
-            </a:r>
-            <a:r>
-              <a:rPr lang="en-US" altLang="en-US"/>
-              <a:t>Steve Simon    </a:t>
-            </a:r>
-            <a:r>
-              <a:rPr lang="en-US" altLang="en-US" dirty="0"/>
-              <a:t>http://TheAnalysisFactor.com</a:t>
-            </a:r>
-          </a:p>
-        </p:txBody>
-      </p:sp>
-      <p:sp>
-        <p:nvSpPr>
-          <p:cNvPr id="5" name="Slide Number Placeholder 4"/>
-          <p:cNvSpPr>
-            <a:spLocks noGrp="1"/>
-          </p:cNvSpPr>
-          <p:nvPr>
-            <p:ph type="sldNum" sz="quarter" idx="11"/>
-          </p:nvPr>
-        </p:nvSpPr>
-        <p:spPr/>
-        <p:txBody>
-          <a:bodyPr/>
-          <a:lstStyle/>
-          <a:p>
-            <a:pPr>
-              <a:defRPr/>
-            </a:pPr>
-            <a:endParaRPr lang="en-US"/>
-          </a:p>
-          <a:p>
-            <a:pPr>
-              <a:defRPr/>
-            </a:pPr>
-            <a:fld id="{E9A8CBA3-AA2B-46A6-BFA3-DCEBEAAB3F0A}" type="slidenum">
-              <a:rPr lang="en-US" smtClean="0"/>
-              <a:pPr>
-                <a:defRPr/>
-              </a:pPr>
-              <a:t>32</a:t>
-            </a:fld>
-            <a:endParaRPr lang="en-US"/>
-          </a:p>
-        </p:txBody>
-      </p:sp>
-      <p:sp>
-        <p:nvSpPr>
-          <p:cNvPr id="6" name="Text Placeholder 5"/>
-          <p:cNvSpPr>
-            <a:spLocks noGrp="1"/>
-          </p:cNvSpPr>
-          <p:nvPr>
-            <p:ph type="body" sz="quarter" idx="12"/>
-          </p:nvPr>
-        </p:nvSpPr>
-        <p:spPr/>
-        <p:txBody>
-          <a:bodyPr/>
-          <a:lstStyle/>
-          <a:p>
-            <a:r>
-              <a:rPr lang="en-US" dirty="0"/>
-              <a:t>Cox model with a continuous predictor</a:t>
-            </a:r>
-          </a:p>
-        </p:txBody>
-      </p:sp>
-    </p:spTree>
-    <p:extLst>
-      <p:ext uri="{BB962C8B-B14F-4D97-AF65-F5344CB8AC3E}">
-        <p14:creationId xmlns:p14="http://schemas.microsoft.com/office/powerpoint/2010/main" val="472976223"/>
-      </p:ext>
-    </p:extLst>
-  </p:cSld>
-  <p:clrMapOvr>
-    <a:masterClrMapping/>
-  </p:clrMapOvr>
-</p:sld>
-</file>
-
-<file path=ppt/slides/slide33.xml><?xml version="1.0" encoding="utf-8"?>
-<p:sld xmlns:a="http://schemas.openxmlformats.org/drawingml/2006/main" xmlns:r="http://schemas.openxmlformats.org/officeDocument/2006/relationships" xmlns:p="http://schemas.openxmlformats.org/presentationml/2006/main">
-  <p:cSld>
-    <p:spTree>
-      <p:nvGrpSpPr>
-        <p:cNvPr id="1" name=""/>
-        <p:cNvGrpSpPr/>
-        <p:nvPr/>
-      </p:nvGrpSpPr>
-      <p:grpSpPr>
-        <a:xfrm>
-          <a:off x="0" y="0"/>
-          <a:ext cx="0" cy="0"/>
-          <a:chOff x="0" y="0"/>
-          <a:chExt cx="0" cy="0"/>
-        </a:xfrm>
-      </p:grpSpPr>
-      <p:sp>
-        <p:nvSpPr>
-          <p:cNvPr id="2" name="Title 1"/>
-          <p:cNvSpPr>
-            <a:spLocks noGrp="1"/>
-          </p:cNvSpPr>
-          <p:nvPr>
-            <p:ph type="title"/>
-          </p:nvPr>
-        </p:nvSpPr>
-        <p:spPr/>
-        <p:txBody>
-          <a:bodyPr/>
-          <a:lstStyle/>
-          <a:p>
-            <a:r>
-              <a:rPr lang="en-US" dirty="0"/>
-              <a:t>An example</a:t>
-            </a:r>
-          </a:p>
-        </p:txBody>
-      </p:sp>
-      <p:sp>
-        <p:nvSpPr>
-          <p:cNvPr id="3" name="Text Placeholder 2"/>
-          <p:cNvSpPr>
-            <a:spLocks noGrp="1"/>
-          </p:cNvSpPr>
-          <p:nvPr>
-            <p:ph type="body" idx="1"/>
-          </p:nvPr>
-        </p:nvSpPr>
-        <p:spPr/>
-        <p:txBody>
-          <a:bodyPr/>
-          <a:lstStyle/>
-          <a:p>
-            <a:r>
-              <a:rPr lang="en-US" dirty="0" err="1">
-                <a:latin typeface="Courier New" panose="02070309020205020404" pitchFamily="49" charset="0"/>
-                <a:cs typeface="Courier New" panose="02070309020205020404" pitchFamily="49" charset="0"/>
-              </a:rPr>
-              <a:t>coxph</a:t>
-            </a:r>
-            <a:r>
-              <a:rPr lang="en-US" dirty="0">
-                <a:latin typeface="Courier New" panose="02070309020205020404" pitchFamily="49" charset="0"/>
-                <a:cs typeface="Courier New" panose="02070309020205020404" pitchFamily="49" charset="0"/>
-              </a:rPr>
-              <a:t>(formula = </a:t>
-            </a:r>
-            <a:r>
-              <a:rPr lang="en-US" dirty="0" err="1">
-                <a:latin typeface="Courier New" panose="02070309020205020404" pitchFamily="49" charset="0"/>
-                <a:cs typeface="Courier New" panose="02070309020205020404" pitchFamily="49" charset="0"/>
-              </a:rPr>
-              <a:t>su</a:t>
-            </a:r>
-            <a:r>
-              <a:rPr lang="en-US" dirty="0">
-                <a:latin typeface="Courier New" panose="02070309020205020404" pitchFamily="49" charset="0"/>
-                <a:cs typeface="Courier New" panose="02070309020205020404" pitchFamily="49" charset="0"/>
-              </a:rPr>
-              <a:t> ~ strata(Clinic) + Prison + Dose)</a:t>
-            </a:r>
-          </a:p>
-          <a:p>
-            <a:endParaRPr lang="en-US" dirty="0">
-              <a:latin typeface="Courier New" panose="02070309020205020404" pitchFamily="49" charset="0"/>
-              <a:cs typeface="Courier New" panose="02070309020205020404" pitchFamily="49" charset="0"/>
-            </a:endParaRPr>
-          </a:p>
-          <a:p>
-            <a:r>
-              <a:rPr lang="en-US" dirty="0">
-                <a:latin typeface="Courier New" panose="02070309020205020404" pitchFamily="49" charset="0"/>
-                <a:cs typeface="Courier New" panose="02070309020205020404" pitchFamily="49" charset="0"/>
-              </a:rPr>
-              <a:t>            </a:t>
-            </a:r>
-            <a:r>
-              <a:rPr lang="en-US" dirty="0" err="1">
-                <a:latin typeface="Courier New" panose="02070309020205020404" pitchFamily="49" charset="0"/>
-                <a:cs typeface="Courier New" panose="02070309020205020404" pitchFamily="49" charset="0"/>
-              </a:rPr>
-              <a:t>coef</a:t>
-            </a:r>
-            <a:r>
-              <a:rPr lang="en-US" dirty="0">
-                <a:latin typeface="Courier New" panose="02070309020205020404" pitchFamily="49" charset="0"/>
-                <a:cs typeface="Courier New" panose="02070309020205020404" pitchFamily="49" charset="0"/>
-              </a:rPr>
-              <a:t> </a:t>
-            </a:r>
-            <a:r>
-              <a:rPr lang="en-US" dirty="0" err="1">
-                <a:latin typeface="Courier New" panose="02070309020205020404" pitchFamily="49" charset="0"/>
-                <a:cs typeface="Courier New" panose="02070309020205020404" pitchFamily="49" charset="0"/>
-              </a:rPr>
-              <a:t>exp</a:t>
-            </a:r>
-            <a:r>
-              <a:rPr lang="en-US" dirty="0">
-                <a:latin typeface="Courier New" panose="02070309020205020404" pitchFamily="49" charset="0"/>
-                <a:cs typeface="Courier New" panose="02070309020205020404" pitchFamily="49" charset="0"/>
-              </a:rPr>
-              <a:t>(</a:t>
-            </a:r>
-            <a:r>
-              <a:rPr lang="en-US" dirty="0" err="1">
-                <a:latin typeface="Courier New" panose="02070309020205020404" pitchFamily="49" charset="0"/>
-                <a:cs typeface="Courier New" panose="02070309020205020404" pitchFamily="49" charset="0"/>
-              </a:rPr>
-              <a:t>coef</a:t>
-            </a:r>
-            <a:r>
-              <a:rPr lang="en-US" dirty="0">
-                <a:latin typeface="Courier New" panose="02070309020205020404" pitchFamily="49" charset="0"/>
-                <a:cs typeface="Courier New" panose="02070309020205020404" pitchFamily="49" charset="0"/>
-              </a:rPr>
-              <a:t>) se(</a:t>
-            </a:r>
-            <a:r>
-              <a:rPr lang="en-US" dirty="0" err="1">
-                <a:latin typeface="Courier New" panose="02070309020205020404" pitchFamily="49" charset="0"/>
-                <a:cs typeface="Courier New" panose="02070309020205020404" pitchFamily="49" charset="0"/>
-              </a:rPr>
-              <a:t>coef</a:t>
-            </a:r>
-            <a:r>
-              <a:rPr lang="en-US" dirty="0">
-                <a:latin typeface="Courier New" panose="02070309020205020404" pitchFamily="49" charset="0"/>
-                <a:cs typeface="Courier New" panose="02070309020205020404" pitchFamily="49" charset="0"/>
-              </a:rPr>
-              <a:t>)     z       p</a:t>
-            </a:r>
-          </a:p>
-          <a:p>
-            <a:r>
-              <a:rPr lang="en-US" dirty="0">
-                <a:latin typeface="Courier New" panose="02070309020205020404" pitchFamily="49" charset="0"/>
-                <a:cs typeface="Courier New" panose="02070309020205020404" pitchFamily="49" charset="0"/>
-              </a:rPr>
-              <a:t>Prison   0.38960   1.47640  0.16893  2.31   0.021</a:t>
-            </a:r>
-          </a:p>
-          <a:p>
-            <a:r>
-              <a:rPr lang="en-US" dirty="0">
-                <a:latin typeface="Courier New" panose="02070309020205020404" pitchFamily="49" charset="0"/>
-                <a:cs typeface="Courier New" panose="02070309020205020404" pitchFamily="49" charset="0"/>
-              </a:rPr>
-              <a:t>Dose    -0.03511   0.96549  0.00646 -5.43 5.6e-08</a:t>
-            </a:r>
-          </a:p>
-          <a:p>
-            <a:r>
-              <a:rPr lang="en-US" dirty="0">
-                <a:latin typeface="Courier New" panose="02070309020205020404" pitchFamily="49" charset="0"/>
-                <a:cs typeface="Courier New" panose="02070309020205020404" pitchFamily="49" charset="0"/>
-              </a:rPr>
-              <a:t> </a:t>
-            </a:r>
-          </a:p>
-          <a:p>
-            <a:r>
-              <a:rPr lang="en-US" dirty="0">
-                <a:latin typeface="Courier New" panose="02070309020205020404" pitchFamily="49" charset="0"/>
-                <a:cs typeface="Courier New" panose="02070309020205020404" pitchFamily="49" charset="0"/>
-              </a:rPr>
-              <a:t>Likelihood ratio test=33.9  on 2 </a:t>
-            </a:r>
-            <a:r>
-              <a:rPr lang="en-US" dirty="0" err="1">
-                <a:latin typeface="Courier New" panose="02070309020205020404" pitchFamily="49" charset="0"/>
-                <a:cs typeface="Courier New" panose="02070309020205020404" pitchFamily="49" charset="0"/>
-              </a:rPr>
-              <a:t>df</a:t>
-            </a:r>
-            <a:r>
-              <a:rPr lang="en-US" dirty="0">
-                <a:latin typeface="Courier New" panose="02070309020205020404" pitchFamily="49" charset="0"/>
-                <a:cs typeface="Courier New" panose="02070309020205020404" pitchFamily="49" charset="0"/>
-              </a:rPr>
-              <a:t>, p=4.32e-08</a:t>
-            </a:r>
-          </a:p>
-          <a:p>
-            <a:r>
-              <a:rPr lang="en-US" dirty="0">
-                <a:latin typeface="Courier New" panose="02070309020205020404" pitchFamily="49" charset="0"/>
-                <a:cs typeface="Courier New" panose="02070309020205020404" pitchFamily="49" charset="0"/>
-              </a:rPr>
-              <a:t>n= 238, number of events= 150</a:t>
-            </a:r>
-            <a:endParaRPr lang="en-US" dirty="0"/>
-          </a:p>
-        </p:txBody>
-      </p:sp>
-      <p:sp>
-        <p:nvSpPr>
-          <p:cNvPr id="4" name="Footer Placeholder 3"/>
-          <p:cNvSpPr>
-            <a:spLocks noGrp="1"/>
-          </p:cNvSpPr>
-          <p:nvPr>
-            <p:ph type="ftr" sz="quarter" idx="10"/>
-          </p:nvPr>
-        </p:nvSpPr>
-        <p:spPr/>
-        <p:txBody>
-          <a:bodyPr/>
-          <a:lstStyle/>
-          <a:p>
-            <a:pPr>
-              <a:defRPr/>
-            </a:pPr>
-            <a:r>
-              <a:rPr lang="en-US" altLang="en-US" dirty="0"/>
-              <a:t>©2016 </a:t>
-            </a:r>
-            <a:r>
-              <a:rPr lang="en-US" altLang="en-US"/>
-              <a:t>Steve Simon    </a:t>
-            </a:r>
-            <a:r>
-              <a:rPr lang="en-US" altLang="en-US" dirty="0"/>
-              <a:t>http://TheAnalysisFactor.com</a:t>
-            </a:r>
-          </a:p>
-        </p:txBody>
-      </p:sp>
-      <p:sp>
-        <p:nvSpPr>
-          <p:cNvPr id="5" name="Slide Number Placeholder 4"/>
-          <p:cNvSpPr>
-            <a:spLocks noGrp="1"/>
-          </p:cNvSpPr>
-          <p:nvPr>
-            <p:ph type="sldNum" sz="quarter" idx="11"/>
-          </p:nvPr>
-        </p:nvSpPr>
-        <p:spPr/>
-        <p:txBody>
-          <a:bodyPr/>
-          <a:lstStyle/>
-          <a:p>
-            <a:pPr>
-              <a:defRPr/>
-            </a:pPr>
-            <a:endParaRPr lang="en-US"/>
-          </a:p>
-          <a:p>
-            <a:pPr>
-              <a:defRPr/>
-            </a:pPr>
-            <a:fld id="{E9A8CBA3-AA2B-46A6-BFA3-DCEBEAAB3F0A}" type="slidenum">
-              <a:rPr lang="en-US" smtClean="0"/>
-              <a:pPr>
-                <a:defRPr/>
-              </a:pPr>
-              <a:t>33</a:t>
-            </a:fld>
-            <a:endParaRPr lang="en-US"/>
-          </a:p>
-        </p:txBody>
-      </p:sp>
-      <p:sp>
-        <p:nvSpPr>
-          <p:cNvPr id="6" name="Text Placeholder 5"/>
-          <p:cNvSpPr>
-            <a:spLocks noGrp="1"/>
-          </p:cNvSpPr>
-          <p:nvPr>
-            <p:ph type="body" sz="quarter" idx="12"/>
-          </p:nvPr>
-        </p:nvSpPr>
-        <p:spPr/>
-        <p:txBody>
-          <a:bodyPr/>
-          <a:lstStyle/>
-          <a:p>
-            <a:r>
-              <a:rPr lang="en-US" dirty="0"/>
-              <a:t>Cox model with stratification and multiple predictors</a:t>
-            </a:r>
-          </a:p>
-        </p:txBody>
-      </p:sp>
-    </p:spTree>
-    <p:extLst>
-      <p:ext uri="{BB962C8B-B14F-4D97-AF65-F5344CB8AC3E}">
-        <p14:creationId xmlns:p14="http://schemas.microsoft.com/office/powerpoint/2010/main" val="3904883576"/>
-      </p:ext>
-    </p:extLst>
-  </p:cSld>
-  <p:clrMapOvr>
-    <a:masterClrMapping/>
-  </p:clrMapOvr>
-</p:sld>
-</file>
-
-<file path=ppt/slides/slide34.xml><?xml version="1.0" encoding="utf-8"?>
-<p:sld xmlns:a="http://schemas.openxmlformats.org/drawingml/2006/main" xmlns:r="http://schemas.openxmlformats.org/officeDocument/2006/relationships" xmlns:p="http://schemas.openxmlformats.org/presentationml/2006/main">
-  <p:cSld>
-    <p:spTree>
-      <p:nvGrpSpPr>
-        <p:cNvPr id="1" name=""/>
-        <p:cNvGrpSpPr/>
-        <p:nvPr/>
-      </p:nvGrpSpPr>
-      <p:grpSpPr>
-        <a:xfrm>
-          <a:off x="0" y="0"/>
-          <a:ext cx="0" cy="0"/>
-          <a:chOff x="0" y="0"/>
-          <a:chExt cx="0" cy="0"/>
-        </a:xfrm>
-      </p:grpSpPr>
-      <p:sp>
-        <p:nvSpPr>
-          <p:cNvPr id="2" name="Title 1"/>
-          <p:cNvSpPr>
-            <a:spLocks noGrp="1"/>
-          </p:cNvSpPr>
-          <p:nvPr>
-            <p:ph type="title"/>
-          </p:nvPr>
-        </p:nvSpPr>
-        <p:spPr/>
-        <p:txBody>
-          <a:bodyPr/>
-          <a:lstStyle/>
-          <a:p>
-            <a:r>
-              <a:rPr lang="en-US" dirty="0"/>
-              <a:t>Conclusion</a:t>
-            </a:r>
-          </a:p>
-        </p:txBody>
-      </p:sp>
-      <p:sp>
-        <p:nvSpPr>
-          <p:cNvPr id="3" name="Text Placeholder 2"/>
-          <p:cNvSpPr>
-            <a:spLocks noGrp="1"/>
-          </p:cNvSpPr>
-          <p:nvPr>
-            <p:ph type="body" idx="1"/>
-          </p:nvPr>
-        </p:nvSpPr>
-        <p:spPr/>
-        <p:txBody>
-          <a:bodyPr/>
-          <a:lstStyle/>
-          <a:p>
-            <a:pPr marL="457200" indent="-457200">
-              <a:buFont typeface="+mj-lt"/>
-              <a:buAutoNum type="arabicPeriod"/>
-            </a:pPr>
-            <a:r>
-              <a:rPr lang="en-US" dirty="0">
-                <a:latin typeface="+mj-lt"/>
-                <a:cs typeface="Courier New" panose="02070309020205020404" pitchFamily="49" charset="0"/>
-              </a:rPr>
-              <a:t>The hazard function is the short term death rate among those patients surviving to a specific time.</a:t>
-            </a:r>
-          </a:p>
-          <a:p>
-            <a:pPr marL="457200" indent="-457200">
-              <a:buFont typeface="+mj-lt"/>
-              <a:buAutoNum type="arabicPeriod"/>
-            </a:pPr>
-            <a:r>
-              <a:rPr lang="en-US" dirty="0">
-                <a:latin typeface="+mj-lt"/>
-                <a:cs typeface="Courier New" panose="02070309020205020404" pitchFamily="49" charset="0"/>
-              </a:rPr>
-              <a:t>The log rank test is a simple test for comparing two or more Kaplan-Meier curves.</a:t>
-            </a:r>
-          </a:p>
-          <a:p>
-            <a:pPr marL="457200" indent="-457200">
-              <a:buFont typeface="+mj-lt"/>
-              <a:buAutoNum type="arabicPeriod"/>
-            </a:pPr>
-            <a:r>
-              <a:rPr lang="en-US" dirty="0">
-                <a:latin typeface="+mj-lt"/>
-                <a:cs typeface="Courier New" panose="02070309020205020404" pitchFamily="49" charset="0"/>
-              </a:rPr>
-              <a:t>The Cox regression model allows for continuous predictors and risk adjustment. </a:t>
-            </a:r>
-          </a:p>
-          <a:p>
-            <a:pPr marL="457200" indent="-457200">
-              <a:buFont typeface="+mj-lt"/>
-              <a:buAutoNum type="arabicPeriod"/>
-            </a:pPr>
-            <a:r>
-              <a:rPr lang="en-US" dirty="0">
-                <a:latin typeface="+mj-lt"/>
-                <a:cs typeface="Courier New" panose="02070309020205020404" pitchFamily="49" charset="0"/>
-              </a:rPr>
-              <a:t>The Cox model assumes proportional hazard functions and compares groups using a hazard ratio.</a:t>
-            </a:r>
-            <a:endParaRPr lang="en-US" dirty="0">
-              <a:latin typeface="+mj-lt"/>
-            </a:endParaRPr>
-          </a:p>
-        </p:txBody>
-      </p:sp>
-      <p:sp>
-        <p:nvSpPr>
-          <p:cNvPr id="4" name="Footer Placeholder 3"/>
-          <p:cNvSpPr>
-            <a:spLocks noGrp="1"/>
-          </p:cNvSpPr>
-          <p:nvPr>
-            <p:ph type="ftr" sz="quarter" idx="10"/>
-          </p:nvPr>
-        </p:nvSpPr>
-        <p:spPr/>
-        <p:txBody>
-          <a:bodyPr/>
-          <a:lstStyle/>
-          <a:p>
-            <a:pPr>
-              <a:defRPr/>
-            </a:pPr>
-            <a:r>
-              <a:rPr lang="en-US" altLang="en-US" dirty="0"/>
-              <a:t>©2016 </a:t>
-            </a:r>
-            <a:r>
-              <a:rPr lang="en-US" altLang="en-US"/>
-              <a:t>Steve Simon    </a:t>
-            </a:r>
-            <a:r>
-              <a:rPr lang="en-US" altLang="en-US" dirty="0"/>
-              <a:t>http://TheAnalysisFactor.com</a:t>
-            </a:r>
-          </a:p>
-        </p:txBody>
-      </p:sp>
-      <p:sp>
-        <p:nvSpPr>
-          <p:cNvPr id="5" name="Slide Number Placeholder 4"/>
-          <p:cNvSpPr>
-            <a:spLocks noGrp="1"/>
-          </p:cNvSpPr>
-          <p:nvPr>
-            <p:ph type="sldNum" sz="quarter" idx="11"/>
-          </p:nvPr>
-        </p:nvSpPr>
-        <p:spPr/>
-        <p:txBody>
-          <a:bodyPr/>
-          <a:lstStyle/>
-          <a:p>
-            <a:pPr>
-              <a:defRPr/>
-            </a:pPr>
-            <a:endParaRPr lang="en-US"/>
-          </a:p>
-          <a:p>
-            <a:pPr>
-              <a:defRPr/>
-            </a:pPr>
-            <a:fld id="{E9A8CBA3-AA2B-46A6-BFA3-DCEBEAAB3F0A}" type="slidenum">
-              <a:rPr lang="en-US" smtClean="0"/>
-              <a:pPr>
-                <a:defRPr/>
-              </a:pPr>
-              <a:t>34</a:t>
             </a:fld>
             <a:endParaRPr lang="en-US"/>
           </a:p>

--- a/bin/survival lecture 2.pptx
+++ b/bin/survival lecture 2.pptx
@@ -5,43 +5,49 @@
     <p:sldMasterId id="2147483664" r:id="rId1"/>
   </p:sldMasterIdLst>
   <p:notesMasterIdLst>
-    <p:notesMasterId r:id="rId33"/>
+    <p:notesMasterId r:id="rId39"/>
   </p:notesMasterIdLst>
   <p:handoutMasterIdLst>
-    <p:handoutMasterId r:id="rId34"/>
+    <p:handoutMasterId r:id="rId40"/>
   </p:handoutMasterIdLst>
   <p:sldIdLst>
     <p:sldId id="256" r:id="rId2"/>
     <p:sldId id="258" r:id="rId3"/>
     <p:sldId id="259" r:id="rId4"/>
     <p:sldId id="260" r:id="rId5"/>
-    <p:sldId id="261" r:id="rId6"/>
-    <p:sldId id="264" r:id="rId7"/>
-    <p:sldId id="265" r:id="rId8"/>
-    <p:sldId id="266" r:id="rId9"/>
-    <p:sldId id="268" r:id="rId10"/>
+    <p:sldId id="295" r:id="rId6"/>
+    <p:sldId id="296" r:id="rId7"/>
+    <p:sldId id="297" r:id="rId8"/>
+    <p:sldId id="299" r:id="rId9"/>
+    <p:sldId id="298" r:id="rId10"/>
     <p:sldId id="269" r:id="rId11"/>
-    <p:sldId id="270" r:id="rId12"/>
-    <p:sldId id="271" r:id="rId13"/>
-    <p:sldId id="272" r:id="rId14"/>
+    <p:sldId id="272" r:id="rId12"/>
+    <p:sldId id="300" r:id="rId13"/>
+    <p:sldId id="301" r:id="rId14"/>
     <p:sldId id="276" r:id="rId15"/>
-    <p:sldId id="277" r:id="rId16"/>
-    <p:sldId id="278" r:id="rId17"/>
-    <p:sldId id="279" r:id="rId18"/>
-    <p:sldId id="281" r:id="rId19"/>
-    <p:sldId id="282" r:id="rId20"/>
-    <p:sldId id="283" r:id="rId21"/>
-    <p:sldId id="284" r:id="rId22"/>
-    <p:sldId id="285" r:id="rId23"/>
-    <p:sldId id="286" r:id="rId24"/>
-    <p:sldId id="287" r:id="rId25"/>
-    <p:sldId id="289" r:id="rId26"/>
-    <p:sldId id="290" r:id="rId27"/>
-    <p:sldId id="288" r:id="rId28"/>
-    <p:sldId id="291" r:id="rId29"/>
-    <p:sldId id="292" r:id="rId30"/>
-    <p:sldId id="293" r:id="rId31"/>
-    <p:sldId id="294" r:id="rId32"/>
+    <p:sldId id="307" r:id="rId16"/>
+    <p:sldId id="308" r:id="rId17"/>
+    <p:sldId id="310" r:id="rId18"/>
+    <p:sldId id="311" r:id="rId19"/>
+    <p:sldId id="312" r:id="rId20"/>
+    <p:sldId id="313" r:id="rId21"/>
+    <p:sldId id="314" r:id="rId22"/>
+    <p:sldId id="277" r:id="rId23"/>
+    <p:sldId id="304" r:id="rId24"/>
+    <p:sldId id="305" r:id="rId25"/>
+    <p:sldId id="306" r:id="rId26"/>
+    <p:sldId id="315" r:id="rId27"/>
+    <p:sldId id="316" r:id="rId28"/>
+    <p:sldId id="317" r:id="rId29"/>
+    <p:sldId id="318" r:id="rId30"/>
+    <p:sldId id="321" r:id="rId31"/>
+    <p:sldId id="322" r:id="rId32"/>
+    <p:sldId id="319" r:id="rId33"/>
+    <p:sldId id="320" r:id="rId34"/>
+    <p:sldId id="323" r:id="rId35"/>
+    <p:sldId id="324" r:id="rId36"/>
+    <p:sldId id="325" r:id="rId37"/>
+    <p:sldId id="294" r:id="rId38"/>
   </p:sldIdLst>
   <p:sldSz cx="9144000" cy="6858000" type="screen4x3"/>
   <p:notesSz cx="9601200" cy="7315200"/>
@@ -358,7 +364,7 @@
               <a:pPr>
                 <a:defRPr/>
               </a:pPr>
-              <a:t>4/8/2018</a:t>
+              <a:t>4/27/2018</a:t>
             </a:fld>
             <a:endParaRPr lang="en-US" altLang="en-US"/>
           </a:p>
@@ -666,7 +672,7 @@
               <a:pPr>
                 <a:defRPr/>
               </a:pPr>
-              <a:t>4/8/2018</a:t>
+              <a:t>4/27/2018</a:t>
             </a:fld>
             <a:endParaRPr lang="en-US" altLang="en-US"/>
           </a:p>
@@ -4072,41 +4078,7 @@
           <a:p>
             <a:r>
               <a:rPr lang="en-US" dirty="0"/>
-              <a:t>What is a hazard function?</a:t>
-            </a:r>
-          </a:p>
-        </p:txBody>
-      </p:sp>
-      <p:sp>
-        <p:nvSpPr>
-          <p:cNvPr id="7" name="Content Placeholder 6"/>
-          <p:cNvSpPr>
-            <a:spLocks noGrp="1"/>
-          </p:cNvSpPr>
-          <p:nvPr>
-            <p:ph sz="half" idx="2"/>
-          </p:nvPr>
-        </p:nvSpPr>
-        <p:spPr/>
-        <p:txBody>
-          <a:bodyPr/>
-          <a:lstStyle/>
-          <a:p>
-            <a:pPr marL="0" indent="0"/>
-            <a:r>
-              <a:rPr lang="en-US" sz="2000" dirty="0"/>
-              <a:t>With a little bit of basic Calculus, you can show that the hazard function is the density function divided by the survival function.</a:t>
-            </a:r>
-          </a:p>
-          <a:p>
-            <a:pPr marL="0" indent="0"/>
-            <a:endParaRPr lang="en-US" sz="2000" dirty="0"/>
-          </a:p>
-          <a:p>
-            <a:pPr marL="0" indent="0"/>
-            <a:r>
-              <a:rPr lang="en-US" sz="2000" dirty="0"/>
-              <a:t>The example we have been looking at is an example of an increasing hazard function. The death (or failure) rate increases with time.</a:t>
+              <a:t>Defining the hazard function</a:t>
             </a:r>
           </a:p>
         </p:txBody>
@@ -4173,88 +4145,34 @@
       </p:sp>
       <p:pic>
         <p:nvPicPr>
-          <p:cNvPr id="3074" name="Picture 2"/>
+          <p:cNvPr id="9" name="Picture 8">
+            <a:extLst>
+              <a:ext uri="{FF2B5EF4-FFF2-40B4-BE49-F238E27FC236}">
+                <a16:creationId xmlns:a16="http://schemas.microsoft.com/office/drawing/2014/main" id="{FEF66200-41EB-4E1C-8FBC-A1466684382A}"/>
+              </a:ext>
+            </a:extLst>
+          </p:cNvPr>
           <p:cNvPicPr>
-            <a:picLocks noChangeAspect="1" noChangeArrowheads="1"/>
+            <a:picLocks noChangeAspect="1"/>
           </p:cNvPicPr>
           <p:nvPr/>
         </p:nvPicPr>
         <p:blipFill>
-          <a:blip r:embed="rId2" cstate="print">
-            <a:extLst>
-              <a:ext uri="{28A0092B-C50C-407E-A947-70E740481C1C}">
-                <a14:useLocalDpi xmlns:a14="http://schemas.microsoft.com/office/drawing/2010/main" val="0"/>
-              </a:ext>
-            </a:extLst>
-          </a:blip>
-          <a:srcRect/>
+          <a:blip r:embed="rId2"/>
           <a:stretch>
             <a:fillRect/>
           </a:stretch>
         </p:blipFill>
-        <p:spPr bwMode="auto">
-          <a:xfrm>
-            <a:off x="4876800" y="1905000"/>
-            <a:ext cx="3486150" cy="4648200"/>
-          </a:xfrm>
-          <a:prstGeom prst="rect">
-            <a:avLst/>
-          </a:prstGeom>
-          <a:noFill/>
-          <a:ln>
-            <a:noFill/>
-          </a:ln>
-          <a:extLst>
-            <a:ext uri="{909E8E84-426E-40DD-AFC4-6F175D3DCCD1}">
-              <a14:hiddenFill xmlns:a14="http://schemas.microsoft.com/office/drawing/2010/main">
-                <a:solidFill>
-                  <a:schemeClr val="accent1"/>
-                </a:solidFill>
-              </a14:hiddenFill>
-            </a:ext>
-            <a:ext uri="{91240B29-F687-4F45-9708-019B960494DF}">
-              <a14:hiddenLine xmlns:a14="http://schemas.microsoft.com/office/drawing/2010/main" w="9525">
-                <a:solidFill>
-                  <a:schemeClr val="tx1"/>
-                </a:solidFill>
-                <a:miter lim="800000"/>
-                <a:headEnd/>
-                <a:tailEnd/>
-              </a14:hiddenLine>
-            </a:ext>
-          </a:extLst>
-        </p:spPr>
-      </p:pic>
-      <p:sp>
-        <p:nvSpPr>
-          <p:cNvPr id="8" name="Text Placeholder 5"/>
-          <p:cNvSpPr>
-            <a:spLocks noGrp="1"/>
-          </p:cNvSpPr>
-          <p:nvPr>
-            <p:ph type="body" sz="quarter" idx="4294967295"/>
-          </p:nvPr>
-        </p:nvSpPr>
         <p:spPr>
           <a:xfrm>
-            <a:off x="457200" y="1603248"/>
-            <a:ext cx="8229600" cy="533400"/>
+            <a:off x="457714" y="1143285"/>
+            <a:ext cx="8228571" cy="4571429"/>
           </a:xfrm>
           <a:prstGeom prst="rect">
             <a:avLst/>
           </a:prstGeom>
         </p:spPr>
-        <p:txBody>
-          <a:bodyPr/>
-          <a:lstStyle/>
-          <a:p>
-            <a:r>
-              <a:rPr lang="en-US" dirty="0"/>
-              <a:t>An increasing hazard</a:t>
-            </a:r>
-          </a:p>
-        </p:txBody>
-      </p:sp>
+      </p:pic>
     </p:spTree>
     <p:extLst>
       <p:ext uri="{BB962C8B-B14F-4D97-AF65-F5344CB8AC3E}">
@@ -4302,41 +4220,63 @@
           <a:p>
             <a:r>
               <a:rPr lang="en-US" dirty="0"/>
-              <a:t>What is a hazard function?</a:t>
-            </a:r>
-          </a:p>
-        </p:txBody>
-      </p:sp>
-      <p:sp>
-        <p:nvSpPr>
-          <p:cNvPr id="7" name="Content Placeholder 6"/>
-          <p:cNvSpPr>
-            <a:spLocks noGrp="1"/>
-          </p:cNvSpPr>
-          <p:nvPr>
-            <p:ph sz="half" idx="2"/>
-          </p:nvPr>
-        </p:nvSpPr>
-        <p:spPr/>
-        <p:txBody>
-          <a:bodyPr/>
-          <a:lstStyle/>
-          <a:p>
-            <a:pPr marL="0" indent="0"/>
-            <a:r>
-              <a:rPr lang="en-US" sz="2000" dirty="0"/>
-              <a:t>Here is a different density function. </a:t>
-            </a:r>
-          </a:p>
-          <a:p>
-            <a:pPr marL="0" indent="0"/>
-            <a:endParaRPr lang="en-US" sz="2000" dirty="0"/>
-          </a:p>
-          <a:p>
-            <a:pPr marL="0" indent="0"/>
-            <a:r>
-              <a:rPr lang="en-US" sz="2000" dirty="0"/>
-              <a:t>It illustrates a decreasing hazard function. It illustrates the saying “that which does not kill us makes us stronger.” In the context of manufacturing, it illustrates the concept of “used better than new.” </a:t>
+              <a:t>Defining the hazard function</a:t>
+            </a:r>
+          </a:p>
+        </p:txBody>
+      </p:sp>
+      <p:sp>
+        <p:nvSpPr>
+          <p:cNvPr id="3" name="Text Placeholder 2"/>
+          <p:cNvSpPr>
+            <a:spLocks noGrp="1"/>
+          </p:cNvSpPr>
+          <p:nvPr>
+            <p:ph type="body" idx="1"/>
+          </p:nvPr>
+        </p:nvSpPr>
+        <p:spPr/>
+        <p:txBody>
+          <a:bodyPr/>
+          <a:lstStyle/>
+          <a:p>
+            <a:pPr marL="457200" indent="-457200">
+              <a:buFont typeface="+mj-lt"/>
+              <a:buAutoNum type="arabicPeriod"/>
+            </a:pPr>
+            <a:r>
+              <a:rPr lang="en-US" dirty="0"/>
+              <a:t>Knowledge of the hazard function for an industrial product can help you decide on how and when to employ preventive maintenance.</a:t>
+            </a:r>
+          </a:p>
+          <a:p>
+            <a:pPr marL="457200" indent="-457200">
+              <a:buFont typeface="+mj-lt"/>
+              <a:buAutoNum type="arabicPeriod"/>
+            </a:pPr>
+            <a:r>
+              <a:rPr lang="en-US" dirty="0"/>
+              <a:t>It can also help you extrapolate survival patterns beyond the range of observed values, such as for long-term reliability testing.</a:t>
+            </a:r>
+          </a:p>
+          <a:p>
+            <a:pPr marL="457200" indent="-457200">
+              <a:buFont typeface="+mj-lt"/>
+              <a:buAutoNum type="arabicPeriod"/>
+            </a:pPr>
+            <a:r>
+              <a:rPr lang="en-US" dirty="0"/>
+              <a:t>If you are planning a new research study, the hazard function can help you decide how many patients to study and the length of follow-up for these patients.</a:t>
+            </a:r>
+          </a:p>
+          <a:p>
+            <a:pPr marL="457200" indent="-457200">
+              <a:buFont typeface="+mj-lt"/>
+              <a:buAutoNum type="arabicPeriod"/>
+            </a:pPr>
+            <a:r>
+              <a:rPr lang="en-US" dirty="0"/>
+              <a:t>Assumptions about the hazard function are critical for regression models of survival.</a:t>
             </a:r>
           </a:p>
         </p:txBody>
@@ -4361,7 +4301,15 @@
             </a:pPr>
             <a:r>
               <a:rPr lang="en-US" altLang="en-US" dirty="0"/>
-              <a:t>©2016 Steve Simon    http://TheAnalysisFactor.com</a:t>
+              <a:t>©2016 </a:t>
+            </a:r>
+            <a:r>
+              <a:rPr lang="en-US" altLang="en-US"/>
+              <a:t>Steve Simon    </a:t>
+            </a:r>
+            <a:r>
+              <a:rPr lang="en-US" altLang="en-US" dirty="0"/>
+              <a:t>http://TheAnalysisFactor.com</a:t>
             </a:r>
           </a:p>
         </p:txBody>
@@ -4401,86 +4349,24 @@
           </a:p>
         </p:txBody>
       </p:sp>
-      <p:pic>
-        <p:nvPicPr>
-          <p:cNvPr id="4098" name="Picture 2"/>
-          <p:cNvPicPr>
-            <a:picLocks noChangeAspect="1" noChangeArrowheads="1"/>
-          </p:cNvPicPr>
-          <p:nvPr/>
-        </p:nvPicPr>
-        <p:blipFill>
-          <a:blip r:embed="rId2" cstate="print">
-            <a:extLst>
-              <a:ext uri="{28A0092B-C50C-407E-A947-70E740481C1C}">
-                <a14:useLocalDpi xmlns:a14="http://schemas.microsoft.com/office/drawing/2010/main" val="0"/>
-              </a:ext>
-            </a:extLst>
-          </a:blip>
-          <a:srcRect/>
-          <a:stretch>
-            <a:fillRect/>
-          </a:stretch>
-        </p:blipFill>
-        <p:spPr bwMode="auto">
-          <a:xfrm>
-            <a:off x="4876800" y="1828800"/>
-            <a:ext cx="3543300" cy="4724400"/>
-          </a:xfrm>
-          <a:prstGeom prst="rect">
-            <a:avLst/>
-          </a:prstGeom>
-          <a:noFill/>
-          <a:ln>
-            <a:noFill/>
-          </a:ln>
-          <a:extLst>
-            <a:ext uri="{909E8E84-426E-40DD-AFC4-6F175D3DCCD1}">
-              <a14:hiddenFill xmlns:a14="http://schemas.microsoft.com/office/drawing/2010/main">
-                <a:solidFill>
-                  <a:schemeClr val="accent1"/>
-                </a:solidFill>
-              </a14:hiddenFill>
-            </a:ext>
-            <a:ext uri="{91240B29-F687-4F45-9708-019B960494DF}">
-              <a14:hiddenLine xmlns:a14="http://schemas.microsoft.com/office/drawing/2010/main" w="9525">
-                <a:solidFill>
-                  <a:schemeClr val="tx1"/>
-                </a:solidFill>
-                <a:miter lim="800000"/>
-                <a:headEnd/>
-                <a:tailEnd/>
-              </a14:hiddenLine>
-            </a:ext>
-          </a:extLst>
-        </p:spPr>
-      </p:pic>
-      <p:sp>
-        <p:nvSpPr>
-          <p:cNvPr id="8" name="Text Placeholder 5"/>
-          <p:cNvSpPr>
-            <a:spLocks noGrp="1"/>
-          </p:cNvSpPr>
-          <p:nvPr>
-            <p:ph type="body" sz="quarter" idx="4294967295"/>
-          </p:nvPr>
-        </p:nvSpPr>
-        <p:spPr>
-          <a:xfrm>
-            <a:off x="457200" y="1603248"/>
-            <a:ext cx="8229600" cy="533400"/>
-          </a:xfrm>
-          <a:prstGeom prst="rect">
-            <a:avLst/>
-          </a:prstGeom>
-        </p:spPr>
+      <p:sp>
+        <p:nvSpPr>
+          <p:cNvPr id="6" name="Text Placeholder 5"/>
+          <p:cNvSpPr>
+            <a:spLocks noGrp="1"/>
+          </p:cNvSpPr>
+          <p:nvPr>
+            <p:ph type="body" sz="quarter" idx="12"/>
+          </p:nvPr>
+        </p:nvSpPr>
+        <p:spPr/>
         <p:txBody>
           <a:bodyPr/>
           <a:lstStyle/>
           <a:p>
             <a:r>
               <a:rPr lang="en-US" dirty="0"/>
-              <a:t>A decreasing hazard</a:t>
+              <a:t>Why is the hazard function important?</a:t>
             </a:r>
           </a:p>
         </p:txBody>
@@ -4488,7 +4374,7 @@
     </p:spTree>
     <p:extLst>
       <p:ext uri="{BB962C8B-B14F-4D97-AF65-F5344CB8AC3E}">
-        <p14:creationId xmlns:p14="http://schemas.microsoft.com/office/powerpoint/2010/main" val="1881762000"/>
+        <p14:creationId xmlns:p14="http://schemas.microsoft.com/office/powerpoint/2010/main" val="2265929538"/>
       </p:ext>
     </p:extLst>
   </p:cSld>
@@ -4532,41 +4418,41 @@
           <a:p>
             <a:r>
               <a:rPr lang="en-US" dirty="0"/>
-              <a:t>What is a hazard function?</a:t>
-            </a:r>
-          </a:p>
-        </p:txBody>
-      </p:sp>
-      <p:sp>
-        <p:nvSpPr>
-          <p:cNvPr id="7" name="Content Placeholder 6"/>
-          <p:cNvSpPr>
-            <a:spLocks noGrp="1"/>
-          </p:cNvSpPr>
-          <p:nvPr>
-            <p:ph sz="half" idx="2"/>
-          </p:nvPr>
-        </p:nvSpPr>
-        <p:spPr/>
-        <p:txBody>
-          <a:bodyPr/>
-          <a:lstStyle/>
-          <a:p>
-            <a:pPr marL="0" indent="0"/>
-            <a:r>
-              <a:rPr lang="en-US" sz="2000" dirty="0"/>
-              <a:t>The last example is an exponential density. It illustrates a constant hazard function. </a:t>
-            </a:r>
-          </a:p>
-          <a:p>
-            <a:pPr marL="0" indent="0"/>
-            <a:endParaRPr lang="en-US" sz="2000" dirty="0"/>
-          </a:p>
-          <a:p>
-            <a:pPr marL="0" indent="0"/>
-            <a:r>
-              <a:rPr lang="en-US" sz="2000" dirty="0"/>
-              <a:t>The expected remaining life is independent of the age of the product.  This is sometimes called the “memoryless” property of the exponential distribution.</a:t>
+              <a:t>Defining the hazard function</a:t>
+            </a:r>
+          </a:p>
+        </p:txBody>
+      </p:sp>
+      <p:sp>
+        <p:nvSpPr>
+          <p:cNvPr id="3" name="Text Placeholder 2"/>
+          <p:cNvSpPr>
+            <a:spLocks noGrp="1"/>
+          </p:cNvSpPr>
+          <p:nvPr>
+            <p:ph type="body" idx="1"/>
+          </p:nvPr>
+        </p:nvSpPr>
+        <p:spPr/>
+        <p:txBody>
+          <a:bodyPr/>
+          <a:lstStyle/>
+          <a:p>
+            <a:r>
+              <a:rPr lang="en-US" dirty="0"/>
+              <a:t>The cumulative hazard function, H(t), is defined as</a:t>
+            </a:r>
+          </a:p>
+          <a:p>
+            <a:endParaRPr lang="en-US" dirty="0"/>
+          </a:p>
+          <a:p>
+            <a:endParaRPr lang="en-US" dirty="0"/>
+          </a:p>
+          <a:p>
+            <a:r>
+              <a:rPr lang="en-US" dirty="0"/>
+              <a:t>and it has an interesting relationship to the survival function.</a:t>
             </a:r>
           </a:p>
         </p:txBody>
@@ -4591,7 +4477,15 @@
             </a:pPr>
             <a:r>
               <a:rPr lang="en-US" altLang="en-US" dirty="0"/>
-              <a:t>©2016 Steve Simon    http://TheAnalysisFactor.com</a:t>
+              <a:t>©2016 </a:t>
+            </a:r>
+            <a:r>
+              <a:rPr lang="en-US" altLang="en-US"/>
+              <a:t>Steve Simon    </a:t>
+            </a:r>
+            <a:r>
+              <a:rPr lang="en-US" altLang="en-US" dirty="0"/>
+              <a:t>http://TheAnalysisFactor.com</a:t>
             </a:r>
           </a:p>
         </p:txBody>
@@ -4631,94 +4525,92 @@
           </a:p>
         </p:txBody>
       </p:sp>
+      <p:sp>
+        <p:nvSpPr>
+          <p:cNvPr id="6" name="Text Placeholder 5"/>
+          <p:cNvSpPr>
+            <a:spLocks noGrp="1"/>
+          </p:cNvSpPr>
+          <p:nvPr>
+            <p:ph type="body" sz="quarter" idx="12"/>
+          </p:nvPr>
+        </p:nvSpPr>
+        <p:spPr/>
+        <p:txBody>
+          <a:bodyPr/>
+          <a:lstStyle/>
+          <a:p>
+            <a:r>
+              <a:rPr lang="en-US" dirty="0"/>
+              <a:t>The cumulative hazard function</a:t>
+            </a:r>
+          </a:p>
+        </p:txBody>
+      </p:sp>
       <p:pic>
         <p:nvPicPr>
-          <p:cNvPr id="5122" name="Picture 2"/>
+          <p:cNvPr id="7" name="Picture 6">
+            <a:extLst>
+              <a:ext uri="{FF2B5EF4-FFF2-40B4-BE49-F238E27FC236}">
+                <a16:creationId xmlns:a16="http://schemas.microsoft.com/office/drawing/2014/main" id="{CFE2D47F-98B3-45CB-A779-E01D80F16735}"/>
+              </a:ext>
+            </a:extLst>
+          </p:cNvPr>
           <p:cNvPicPr>
-            <a:picLocks noChangeAspect="1" noChangeArrowheads="1"/>
+            <a:picLocks noChangeAspect="1"/>
           </p:cNvPicPr>
           <p:nvPr/>
         </p:nvPicPr>
         <p:blipFill>
-          <a:blip r:embed="rId2" cstate="print">
-            <a:extLst>
-              <a:ext uri="{28A0092B-C50C-407E-A947-70E740481C1C}">
-                <a14:useLocalDpi xmlns:a14="http://schemas.microsoft.com/office/drawing/2010/main" val="0"/>
-              </a:ext>
-            </a:extLst>
-          </a:blip>
-          <a:srcRect/>
+          <a:blip r:embed="rId2"/>
           <a:stretch>
             <a:fillRect/>
           </a:stretch>
         </p:blipFill>
-        <p:spPr bwMode="auto">
-          <a:xfrm>
-            <a:off x="4800600" y="1752600"/>
-            <a:ext cx="3600450" cy="4800600"/>
-          </a:xfrm>
-          <a:prstGeom prst="rect">
-            <a:avLst/>
-          </a:prstGeom>
-          <a:noFill/>
-          <a:ln>
-            <a:noFill/>
-          </a:ln>
-          <a:extLst>
-            <a:ext uri="{909E8E84-426E-40DD-AFC4-6F175D3DCCD1}">
-              <a14:hiddenFill xmlns:a14="http://schemas.microsoft.com/office/drawing/2010/main">
-                <a:solidFill>
-                  <a:schemeClr val="accent1"/>
-                </a:solidFill>
-              </a14:hiddenFill>
-            </a:ext>
-            <a:ext uri="{91240B29-F687-4F45-9708-019B960494DF}">
-              <a14:hiddenLine xmlns:a14="http://schemas.microsoft.com/office/drawing/2010/main" w="9525">
-                <a:solidFill>
-                  <a:schemeClr val="tx1"/>
-                </a:solidFill>
-                <a:miter lim="800000"/>
-                <a:headEnd/>
-                <a:tailEnd/>
-              </a14:hiddenLine>
-            </a:ext>
-          </a:extLst>
-        </p:spPr>
-      </p:pic>
-      <p:sp>
-        <p:nvSpPr>
-          <p:cNvPr id="9" name="Text Placeholder 5"/>
-          <p:cNvSpPr>
-            <a:spLocks noGrp="1"/>
-          </p:cNvSpPr>
-          <p:nvPr>
-            <p:ph type="body" sz="quarter" idx="4294967295"/>
-          </p:nvPr>
-        </p:nvSpPr>
         <p:spPr>
           <a:xfrm>
-            <a:off x="457200" y="1603248"/>
-            <a:ext cx="8229600" cy="533400"/>
+            <a:off x="533400" y="3101182"/>
+            <a:ext cx="2000250" cy="533400"/>
           </a:xfrm>
           <a:prstGeom prst="rect">
             <a:avLst/>
           </a:prstGeom>
         </p:spPr>
-        <p:txBody>
-          <a:bodyPr/>
-          <a:lstStyle/>
-          <a:p>
-            <a:r>
-              <a:rPr lang="en-US" dirty="0"/>
-              <a:t>A constant hazard</a:t>
-            </a:r>
-          </a:p>
-        </p:txBody>
-      </p:sp>
+      </p:pic>
+      <p:pic>
+        <p:nvPicPr>
+          <p:cNvPr id="8" name="Picture 7">
+            <a:extLst>
+              <a:ext uri="{FF2B5EF4-FFF2-40B4-BE49-F238E27FC236}">
+                <a16:creationId xmlns:a16="http://schemas.microsoft.com/office/drawing/2014/main" id="{0E68DAD9-1FE4-4DDE-BC22-2BFBF46A36F6}"/>
+              </a:ext>
+            </a:extLst>
+          </p:cNvPr>
+          <p:cNvPicPr>
+            <a:picLocks noChangeAspect="1"/>
+          </p:cNvPicPr>
+          <p:nvPr/>
+        </p:nvPicPr>
+        <p:blipFill>
+          <a:blip r:embed="rId3"/>
+          <a:stretch>
+            <a:fillRect/>
+          </a:stretch>
+        </p:blipFill>
+        <p:spPr>
+          <a:xfrm>
+            <a:off x="533400" y="4221164"/>
+            <a:ext cx="1438275" cy="438150"/>
+          </a:xfrm>
+          <a:prstGeom prst="rect">
+            <a:avLst/>
+          </a:prstGeom>
+        </p:spPr>
+      </p:pic>
     </p:spTree>
     <p:extLst>
       <p:ext uri="{BB962C8B-B14F-4D97-AF65-F5344CB8AC3E}">
-        <p14:creationId xmlns:p14="http://schemas.microsoft.com/office/powerpoint/2010/main" val="3370989881"/>
+        <p14:creationId xmlns:p14="http://schemas.microsoft.com/office/powerpoint/2010/main" val="2640022809"/>
       </p:ext>
     </p:extLst>
   </p:cSld>
@@ -4762,7 +4654,7 @@
           <a:p>
             <a:r>
               <a:rPr lang="en-US" dirty="0"/>
-              <a:t>What is a hazard function?</a:t>
+              <a:t>Defining the hazard function</a:t>
             </a:r>
           </a:p>
         </p:txBody>
@@ -4782,44 +4674,63 @@
           <a:bodyPr/>
           <a:lstStyle/>
           <a:p>
-            <a:pPr marL="457200" indent="-457200">
-              <a:buFont typeface="+mj-lt"/>
-              <a:buAutoNum type="arabicPeriod"/>
-            </a:pPr>
             <a:r>
               <a:rPr lang="en-US" dirty="0"/>
-              <a:t>Knowledge of the hazard function for an industrial product can help you decide on how and when to employ preventive maintenance.</a:t>
-            </a:r>
-          </a:p>
-          <a:p>
-            <a:pPr marL="457200" indent="-457200">
-              <a:buFont typeface="+mj-lt"/>
-              <a:buAutoNum type="arabicPeriod"/>
-            </a:pPr>
+              <a:t>Calculation of the hazard function, h(t), from a set of data is quite difficult. Fortunately, you can calculate the cumulative hazard function, H(t), without much difficulty.</a:t>
+            </a:r>
+          </a:p>
+          <a:p>
+            <a:endParaRPr lang="en-US" dirty="0"/>
+          </a:p>
+          <a:p>
+            <a:endParaRPr lang="en-US" dirty="0"/>
+          </a:p>
+          <a:p>
+            <a:endParaRPr lang="en-US" dirty="0"/>
+          </a:p>
+          <a:p>
             <a:r>
               <a:rPr lang="en-US" dirty="0"/>
-              <a:t>It can also help you extrapolate survival patterns beyond the range of observed values, such as for long-term reliability testing.</a:t>
-            </a:r>
-          </a:p>
-          <a:p>
-            <a:pPr marL="457200" indent="-457200">
-              <a:buFont typeface="+mj-lt"/>
-              <a:buAutoNum type="arabicPeriod"/>
-            </a:pPr>
+              <a:t>where d</a:t>
+            </a:r>
+            <a:r>
+              <a:rPr lang="en-US" baseline="-25000" dirty="0"/>
+              <a:t>i</a:t>
+            </a:r>
             <a:r>
               <a:rPr lang="en-US" dirty="0"/>
-              <a:t>If you are planning a new research study, the hazard function can help you decide how many patients to study and the length of follow-up for these patients.</a:t>
-            </a:r>
-          </a:p>
-          <a:p>
-            <a:pPr marL="457200" indent="-457200">
-              <a:buFont typeface="+mj-lt"/>
-              <a:buAutoNum type="arabicPeriod"/>
-            </a:pPr>
+              <a:t> and </a:t>
+            </a:r>
+            <a:r>
+              <a:rPr lang="en-US" dirty="0" err="1"/>
+              <a:t>n</a:t>
+            </a:r>
+            <a:r>
+              <a:rPr lang="en-US" baseline="-25000" dirty="0" err="1"/>
+              <a:t>i</a:t>
+            </a:r>
             <a:r>
               <a:rPr lang="en-US" dirty="0"/>
-              <a:t>Assumptions about the hazard function are critical for regression models of survival.</a:t>
-            </a:r>
+              <a:t> are the number of deaths and the number at risk at time </a:t>
+            </a:r>
+            <a:r>
+              <a:rPr lang="en-US" dirty="0" err="1"/>
+              <a:t>t</a:t>
+            </a:r>
+            <a:r>
+              <a:rPr lang="en-US" baseline="-25000" dirty="0" err="1"/>
+              <a:t>i</a:t>
+            </a:r>
+            <a:r>
+              <a:rPr lang="en-US" dirty="0"/>
+              <a:t>.</a:t>
+            </a:r>
+          </a:p>
+          <a:p>
+            <a:endParaRPr lang="en-US" dirty="0"/>
+          </a:p>
+          <a:p>
+            <a:endParaRPr lang="en-US" dirty="0"/>
           </a:p>
         </p:txBody>
       </p:sp>
@@ -4908,15 +4819,45 @@
           <a:p>
             <a:r>
               <a:rPr lang="en-US" dirty="0"/>
-              <a:t>Why is the hazard function important?</a:t>
-            </a:r>
-          </a:p>
-        </p:txBody>
-      </p:sp>
+              <a:t>The cumulative hazard function</a:t>
+            </a:r>
+          </a:p>
+        </p:txBody>
+      </p:sp>
+      <p:pic>
+        <p:nvPicPr>
+          <p:cNvPr id="9" name="Picture 8">
+            <a:extLst>
+              <a:ext uri="{FF2B5EF4-FFF2-40B4-BE49-F238E27FC236}">
+                <a16:creationId xmlns:a16="http://schemas.microsoft.com/office/drawing/2014/main" id="{0CD22522-2956-441E-AC74-560AA8D73F30}"/>
+              </a:ext>
+            </a:extLst>
+          </p:cNvPr>
+          <p:cNvPicPr>
+            <a:picLocks noChangeAspect="1"/>
+          </p:cNvPicPr>
+          <p:nvPr/>
+        </p:nvPicPr>
+        <p:blipFill>
+          <a:blip r:embed="rId2"/>
+          <a:stretch>
+            <a:fillRect/>
+          </a:stretch>
+        </p:blipFill>
+        <p:spPr>
+          <a:xfrm>
+            <a:off x="609600" y="3695700"/>
+            <a:ext cx="1714500" cy="561975"/>
+          </a:xfrm>
+          <a:prstGeom prst="rect">
+            <a:avLst/>
+          </a:prstGeom>
+        </p:spPr>
+      </p:pic>
     </p:spTree>
     <p:extLst>
       <p:ext uri="{BB962C8B-B14F-4D97-AF65-F5344CB8AC3E}">
-        <p14:creationId xmlns:p14="http://schemas.microsoft.com/office/powerpoint/2010/main" val="2265929538"/>
+        <p14:creationId xmlns:p14="http://schemas.microsoft.com/office/powerpoint/2010/main" val="3745678191"/>
       </p:ext>
     </p:extLst>
   </p:cSld>
@@ -4960,7 +4901,7 @@
           <a:p>
             <a:r>
               <a:rPr lang="en-US" dirty="0"/>
-              <a:t>The log rank test</a:t>
+              <a:t>A simple example of the Cox regression model</a:t>
             </a:r>
           </a:p>
         </p:txBody>
@@ -5165,73 +5106,41 @@
           <a:p>
             <a:r>
               <a:rPr lang="en-US" dirty="0"/>
-              <a:t>The Cox proportional hazards model</a:t>
-            </a:r>
-          </a:p>
-        </p:txBody>
-      </p:sp>
-      <p:sp>
-        <p:nvSpPr>
-          <p:cNvPr id="3" name="Text Placeholder 2"/>
-          <p:cNvSpPr>
-            <a:spLocks noGrp="1"/>
-          </p:cNvSpPr>
-          <p:nvPr>
-            <p:ph type="body" idx="1"/>
-          </p:nvPr>
-        </p:nvSpPr>
-        <p:spPr/>
-        <p:txBody>
-          <a:bodyPr/>
-          <a:lstStyle/>
-          <a:p>
-            <a:r>
-              <a:rPr lang="en-US" dirty="0"/>
-              <a:t>The Cox model overcomes all of these limitations. But the Cox model makes a critical assumption that is not strictly required for the log rank test, the assumption of proportional hazards.</a:t>
-            </a:r>
-          </a:p>
-          <a:p>
-            <a:r>
-              <a:rPr lang="en-US" dirty="0"/>
-              <a:t>In mathematical terms, the Cox model assumes that the hazard function for a set of predictor variables X</a:t>
-            </a:r>
-            <a:r>
-              <a:rPr lang="en-US" baseline="-25000" dirty="0"/>
-              <a:t>i1</a:t>
-            </a:r>
-            <a:r>
-              <a:rPr lang="en-US" dirty="0"/>
-              <a:t>, X</a:t>
-            </a:r>
-            <a:r>
-              <a:rPr lang="en-US" baseline="-25000" dirty="0"/>
-              <a:t>i2</a:t>
-            </a:r>
-            <a:r>
-              <a:rPr lang="en-US" dirty="0"/>
-              <a:t>, …, </a:t>
-            </a:r>
-            <a:r>
-              <a:rPr lang="en-US" dirty="0" err="1"/>
-              <a:t>X</a:t>
-            </a:r>
-            <a:r>
-              <a:rPr lang="en-US" baseline="-25000" dirty="0" err="1"/>
-              <a:t>ip</a:t>
-            </a:r>
-            <a:r>
-              <a:rPr lang="en-US" dirty="0"/>
-              <a:t>,</a:t>
-            </a:r>
-          </a:p>
-          <a:p>
-            <a:r>
-              <a:rPr lang="en-US" dirty="0"/>
-              <a:t>is proportional to a baseline hazard, </a:t>
-            </a:r>
-          </a:p>
-        </p:txBody>
-      </p:sp>
+              <a:t>A simple example of the Cox regression model.</a:t>
+            </a:r>
+          </a:p>
+        </p:txBody>
+      </p:sp>
+      <p:pic>
+        <p:nvPicPr>
+          <p:cNvPr id="7" name="Picture 6">
+            <a:extLst>
+              <a:ext uri="{FF2B5EF4-FFF2-40B4-BE49-F238E27FC236}">
+                <a16:creationId xmlns:a16="http://schemas.microsoft.com/office/drawing/2014/main" id="{44EED368-FCB7-4FFA-A47F-17697AE8DCD2}"/>
+              </a:ext>
+            </a:extLst>
+          </p:cNvPr>
+          <p:cNvPicPr>
+            <a:picLocks noChangeAspect="1"/>
+          </p:cNvPicPr>
+          <p:nvPr/>
+        </p:nvPicPr>
+        <p:blipFill>
+          <a:blip r:embed="rId2"/>
+          <a:stretch>
+            <a:fillRect/>
+          </a:stretch>
+        </p:blipFill>
+        <p:spPr>
+          <a:xfrm>
+            <a:off x="533400" y="2359025"/>
+            <a:ext cx="8228571" cy="3657143"/>
+          </a:xfrm>
+          <a:prstGeom prst="rect">
+            <a:avLst/>
+          </a:prstGeom>
+        </p:spPr>
+      </p:pic>
       <p:sp>
         <p:nvSpPr>
           <p:cNvPr id="4" name="Footer Placeholder 3"/>
@@ -5317,123 +5226,15 @@
           <a:p>
             <a:r>
               <a:rPr lang="en-US" dirty="0"/>
-              <a:t>Proportional hazards assumption</a:t>
-            </a:r>
-          </a:p>
-        </p:txBody>
-      </p:sp>
-      <p:pic>
-        <p:nvPicPr>
-          <p:cNvPr id="8195" name="Picture 3"/>
-          <p:cNvPicPr>
-            <a:picLocks noChangeAspect="1" noChangeArrowheads="1"/>
-          </p:cNvPicPr>
-          <p:nvPr/>
-        </p:nvPicPr>
-        <p:blipFill>
-          <a:blip r:embed="rId2">
-            <a:extLst>
-              <a:ext uri="{28A0092B-C50C-407E-A947-70E740481C1C}">
-                <a14:useLocalDpi xmlns:a14="http://schemas.microsoft.com/office/drawing/2010/main" val="0"/>
-              </a:ext>
-            </a:extLst>
-          </a:blip>
-          <a:srcRect/>
-          <a:stretch>
-            <a:fillRect/>
-          </a:stretch>
-        </p:blipFill>
-        <p:spPr bwMode="auto">
-          <a:xfrm>
-            <a:off x="4724400" y="3886200"/>
-            <a:ext cx="1501775" cy="250825"/>
-          </a:xfrm>
-          <a:prstGeom prst="rect">
-            <a:avLst/>
-          </a:prstGeom>
-          <a:noFill/>
-          <a:ln>
-            <a:noFill/>
-          </a:ln>
-          <a:extLst>
-            <a:ext uri="{909E8E84-426E-40DD-AFC4-6F175D3DCCD1}">
-              <a14:hiddenFill xmlns:a14="http://schemas.microsoft.com/office/drawing/2010/main">
-                <a:solidFill>
-                  <a:schemeClr val="accent1"/>
-                </a:solidFill>
-              </a14:hiddenFill>
-            </a:ext>
-            <a:ext uri="{91240B29-F687-4F45-9708-019B960494DF}">
-              <a14:hiddenLine xmlns:a14="http://schemas.microsoft.com/office/drawing/2010/main" w="9525">
-                <a:solidFill>
-                  <a:schemeClr val="tx1"/>
-                </a:solidFill>
-                <a:miter lim="800000"/>
-                <a:headEnd/>
-                <a:tailEnd/>
-              </a14:hiddenLine>
-            </a:ext>
-          </a:extLst>
-        </p:spPr>
-      </p:pic>
-      <p:pic>
-        <p:nvPicPr>
-          <p:cNvPr id="8196" name="Picture 4"/>
-          <p:cNvPicPr>
-            <a:picLocks noChangeAspect="1" noChangeArrowheads="1"/>
-          </p:cNvPicPr>
-          <p:nvPr/>
-        </p:nvPicPr>
-        <p:blipFill>
-          <a:blip r:embed="rId3">
-            <a:extLst>
-              <a:ext uri="{28A0092B-C50C-407E-A947-70E740481C1C}">
-                <a14:useLocalDpi xmlns:a14="http://schemas.microsoft.com/office/drawing/2010/main" val="0"/>
-              </a:ext>
-            </a:extLst>
-          </a:blip>
-          <a:srcRect/>
-          <a:stretch>
-            <a:fillRect/>
-          </a:stretch>
-        </p:blipFill>
-        <p:spPr bwMode="auto">
-          <a:xfrm>
-            <a:off x="4370387" y="4267200"/>
-            <a:ext cx="403225" cy="220663"/>
-          </a:xfrm>
-          <a:prstGeom prst="rect">
-            <a:avLst/>
-          </a:prstGeom>
-          <a:noFill/>
-          <a:ln>
-            <a:noFill/>
-          </a:ln>
-          <a:extLst>
-            <a:ext uri="{909E8E84-426E-40DD-AFC4-6F175D3DCCD1}">
-              <a14:hiddenFill xmlns:a14="http://schemas.microsoft.com/office/drawing/2010/main">
-                <a:solidFill>
-                  <a:schemeClr val="accent1"/>
-                </a:solidFill>
-              </a14:hiddenFill>
-            </a:ext>
-            <a:ext uri="{91240B29-F687-4F45-9708-019B960494DF}">
-              <a14:hiddenLine xmlns:a14="http://schemas.microsoft.com/office/drawing/2010/main" w="9525">
-                <a:solidFill>
-                  <a:schemeClr val="tx1"/>
-                </a:solidFill>
-                <a:miter lim="800000"/>
-                <a:headEnd/>
-                <a:tailEnd/>
-              </a14:hiddenLine>
-            </a:ext>
-          </a:extLst>
-        </p:spPr>
-      </p:pic>
+              <a:t>Always start with a plot of overall survival</a:t>
+            </a:r>
+          </a:p>
+        </p:txBody>
+      </p:sp>
     </p:spTree>
     <p:extLst>
       <p:ext uri="{BB962C8B-B14F-4D97-AF65-F5344CB8AC3E}">
-        <p14:creationId xmlns:p14="http://schemas.microsoft.com/office/powerpoint/2010/main" val="3834320799"/>
+        <p14:creationId xmlns:p14="http://schemas.microsoft.com/office/powerpoint/2010/main" val="1971605860"/>
       </p:ext>
     </p:extLst>
   </p:cSld>
@@ -5477,65 +5278,7 @@
           <a:p>
             <a:r>
               <a:rPr lang="en-US" dirty="0"/>
-              <a:t>The Cox proportional hazards model</a:t>
-            </a:r>
-          </a:p>
-        </p:txBody>
-      </p:sp>
-      <p:sp>
-        <p:nvSpPr>
-          <p:cNvPr id="3" name="Text Placeholder 2"/>
-          <p:cNvSpPr>
-            <a:spLocks noGrp="1"/>
-          </p:cNvSpPr>
-          <p:nvPr>
-            <p:ph type="body" idx="1"/>
-          </p:nvPr>
-        </p:nvSpPr>
-        <p:spPr/>
-        <p:txBody>
-          <a:bodyPr/>
-          <a:lstStyle/>
-          <a:p>
-            <a:endParaRPr lang="en-US" dirty="0"/>
-          </a:p>
-          <a:p>
-            <a:r>
-              <a:rPr lang="en-US" dirty="0"/>
-              <a:t>In other words,</a:t>
-            </a:r>
-          </a:p>
-          <a:p>
-            <a:endParaRPr lang="en-US" dirty="0"/>
-          </a:p>
-          <a:p>
-            <a:r>
-              <a:rPr lang="en-US" dirty="0"/>
-              <a:t>The likelihood that the failure will occur at time t in the </a:t>
-            </a:r>
-            <a:r>
-              <a:rPr lang="en-US" dirty="0" err="1"/>
-              <a:t>i</a:t>
-            </a:r>
-            <a:r>
-              <a:rPr lang="en-US" baseline="30000" dirty="0" err="1"/>
-              <a:t>th</a:t>
-            </a:r>
-            <a:r>
-              <a:rPr lang="en-US" dirty="0"/>
-              <a:t> observation is</a:t>
-            </a:r>
-          </a:p>
-          <a:p>
-            <a:endParaRPr lang="en-US" dirty="0"/>
-          </a:p>
-          <a:p>
-            <a:endParaRPr lang="en-US" dirty="0"/>
-          </a:p>
-          <a:p>
-            <a:r>
-              <a:rPr lang="en-US" dirty="0"/>
-              <a:t>where the summation in the denominator is across all patients at risk at time t. The baseline hazard cancels out, which greatly simplifies the problem.</a:t>
+              <a:t>A simple example of the Cox regression model.</a:t>
             </a:r>
           </a:p>
         </p:txBody>
@@ -5625,123 +5368,45 @@
           <a:p>
             <a:r>
               <a:rPr lang="en-US" dirty="0"/>
-              <a:t>Proportional hazards assumption</a:t>
+              <a:t>Then a Kaplan-Meier curve by groups</a:t>
             </a:r>
           </a:p>
         </p:txBody>
       </p:sp>
       <p:pic>
         <p:nvPicPr>
-          <p:cNvPr id="8194" name="Picture 2"/>
+          <p:cNvPr id="3" name="Picture 2">
+            <a:extLst>
+              <a:ext uri="{FF2B5EF4-FFF2-40B4-BE49-F238E27FC236}">
+                <a16:creationId xmlns:a16="http://schemas.microsoft.com/office/drawing/2014/main" id="{8442D676-6F03-4FF3-B6CB-E024AF25F7E5}"/>
+              </a:ext>
+            </a:extLst>
+          </p:cNvPr>
           <p:cNvPicPr>
-            <a:picLocks noChangeAspect="1" noChangeArrowheads="1"/>
+            <a:picLocks noChangeAspect="1"/>
           </p:cNvPicPr>
           <p:nvPr/>
         </p:nvPicPr>
         <p:blipFill>
-          <a:blip r:embed="rId2">
-            <a:extLst>
-              <a:ext uri="{28A0092B-C50C-407E-A947-70E740481C1C}">
-                <a14:useLocalDpi xmlns:a14="http://schemas.microsoft.com/office/drawing/2010/main" val="0"/>
-              </a:ext>
-            </a:extLst>
-          </a:blip>
-          <a:srcRect/>
+          <a:blip r:embed="rId2"/>
           <a:stretch>
             <a:fillRect/>
           </a:stretch>
         </p:blipFill>
-        <p:spPr bwMode="auto">
+        <p:spPr>
           <a:xfrm>
-            <a:off x="914400" y="3352800"/>
-            <a:ext cx="3856037" cy="274637"/>
+            <a:off x="457714" y="2209800"/>
+            <a:ext cx="8228571" cy="3657143"/>
           </a:xfrm>
           <a:prstGeom prst="rect">
             <a:avLst/>
           </a:prstGeom>
-          <a:noFill/>
-          <a:ln>
-            <a:noFill/>
-          </a:ln>
-          <a:extLst>
-            <a:ext uri="{909E8E84-426E-40DD-AFC4-6F175D3DCCD1}">
-              <a14:hiddenFill xmlns:a14="http://schemas.microsoft.com/office/drawing/2010/main">
-                <a:solidFill>
-                  <a:schemeClr val="accent1"/>
-                </a:solidFill>
-              </a14:hiddenFill>
-            </a:ext>
-            <a:ext uri="{91240B29-F687-4F45-9708-019B960494DF}">
-              <a14:hiddenLine xmlns:a14="http://schemas.microsoft.com/office/drawing/2010/main" w="9525">
-                <a:solidFill>
-                  <a:schemeClr val="tx1"/>
-                </a:solidFill>
-                <a:miter lim="800000"/>
-                <a:headEnd/>
-                <a:tailEnd/>
-              </a14:hiddenLine>
-            </a:ext>
-          </a:extLst>
-        </p:spPr>
-      </p:pic>
-      <p:pic>
-        <p:nvPicPr>
-          <p:cNvPr id="9218" name="Picture 2"/>
-          <p:cNvPicPr>
-            <a:picLocks noChangeAspect="1" noChangeArrowheads="1"/>
-          </p:cNvPicPr>
-          <p:nvPr/>
-        </p:nvPicPr>
-        <p:blipFill>
-          <a:blip r:embed="rId3">
-            <a:extLst>
-              <a:ext uri="{28A0092B-C50C-407E-A947-70E740481C1C}">
-                <a14:useLocalDpi xmlns:a14="http://schemas.microsoft.com/office/drawing/2010/main" val="0"/>
-              </a:ext>
-            </a:extLst>
-          </a:blip>
-          <a:srcRect/>
-          <a:stretch>
-            <a:fillRect/>
-          </a:stretch>
-        </p:blipFill>
-        <p:spPr bwMode="auto">
-          <a:xfrm>
-            <a:off x="914400" y="4114800"/>
-            <a:ext cx="1966913" cy="449263"/>
-          </a:xfrm>
-          <a:prstGeom prst="rect">
-            <a:avLst/>
-          </a:prstGeom>
-          <a:noFill/>
-          <a:ln>
-            <a:noFill/>
-          </a:ln>
-          <a:extLst>
-            <a:ext uri="{909E8E84-426E-40DD-AFC4-6F175D3DCCD1}">
-              <a14:hiddenFill xmlns:a14="http://schemas.microsoft.com/office/drawing/2010/main">
-                <a:solidFill>
-                  <a:schemeClr val="accent1"/>
-                </a:solidFill>
-              </a14:hiddenFill>
-            </a:ext>
-            <a:ext uri="{91240B29-F687-4F45-9708-019B960494DF}">
-              <a14:hiddenLine xmlns:a14="http://schemas.microsoft.com/office/drawing/2010/main" w="9525">
-                <a:solidFill>
-                  <a:schemeClr val="tx1"/>
-                </a:solidFill>
-                <a:miter lim="800000"/>
-                <a:headEnd/>
-                <a:tailEnd/>
-              </a14:hiddenLine>
-            </a:ext>
-          </a:extLst>
         </p:spPr>
       </p:pic>
     </p:spTree>
     <p:extLst>
       <p:ext uri="{BB962C8B-B14F-4D97-AF65-F5344CB8AC3E}">
-        <p14:creationId xmlns:p14="http://schemas.microsoft.com/office/powerpoint/2010/main" val="966012428"/>
+        <p14:creationId xmlns:p14="http://schemas.microsoft.com/office/powerpoint/2010/main" val="705544566"/>
       </p:ext>
     </p:extLst>
   </p:cSld>
@@ -5785,7 +5450,7 @@
           <a:p>
             <a:r>
               <a:rPr lang="en-US" dirty="0"/>
-              <a:t>An example</a:t>
+              <a:t>A simple example of the Cox regression model</a:t>
             </a:r>
           </a:p>
         </p:txBody>
@@ -5806,34 +5471,140 @@
           <a:lstStyle/>
           <a:p>
             <a:r>
-              <a:rPr lang="en-US" dirty="0"/>
-              <a:t>On the Australian Data and Story Library website, you can find a data set on the amount of time that a patient spends in a rehabilitation clinic. You can read a description of the data at</a:t>
-            </a:r>
-          </a:p>
-          <a:p>
-            <a:pPr marL="342900" indent="-342900">
-              <a:buFont typeface="Arial" panose="020B0604020202020204" pitchFamily="34" charset="0"/>
-              <a:buChar char="•"/>
-            </a:pPr>
-            <a:r>
-              <a:rPr lang="en-US" dirty="0"/>
-              <a:t>http://www.statsci.org/data/oz/heroin.html</a:t>
-            </a:r>
-          </a:p>
-          <a:p>
-            <a:r>
-              <a:rPr lang="en-US" dirty="0"/>
-              <a:t>and the tab delimited data is at</a:t>
-            </a:r>
-          </a:p>
-          <a:p>
-            <a:pPr marL="342900" indent="-342900">
-              <a:buFont typeface="Arial" panose="020B0604020202020204" pitchFamily="34" charset="0"/>
-              <a:buChar char="•"/>
-            </a:pPr>
-            <a:r>
-              <a:rPr lang="en-US" dirty="0"/>
-              <a:t>http://www.statsci.org/data/oz/heroin.txt</a:t>
+              <a:rPr lang="en-US" sz="1800" dirty="0">
+                <a:latin typeface="Courier New" panose="02070309020205020404" pitchFamily="49" charset="0"/>
+                <a:cs typeface="Courier New" panose="02070309020205020404" pitchFamily="49" charset="0"/>
+              </a:rPr>
+              <a:t>Call:</a:t>
+            </a:r>
+          </a:p>
+          <a:p>
+            <a:r>
+              <a:rPr lang="en-US" sz="1800" dirty="0" err="1">
+                <a:latin typeface="Courier New" panose="02070309020205020404" pitchFamily="49" charset="0"/>
+                <a:cs typeface="Courier New" panose="02070309020205020404" pitchFamily="49" charset="0"/>
+              </a:rPr>
+              <a:t>survdiff</a:t>
+            </a:r>
+            <a:r>
+              <a:rPr lang="en-US" sz="1800" dirty="0">
+                <a:latin typeface="Courier New" panose="02070309020205020404" pitchFamily="49" charset="0"/>
+                <a:cs typeface="Courier New" panose="02070309020205020404" pitchFamily="49" charset="0"/>
+              </a:rPr>
+              <a:t>(formula = </a:t>
+            </a:r>
+            <a:r>
+              <a:rPr lang="en-US" sz="1800" dirty="0" err="1">
+                <a:latin typeface="Courier New" panose="02070309020205020404" pitchFamily="49" charset="0"/>
+                <a:cs typeface="Courier New" panose="02070309020205020404" pitchFamily="49" charset="0"/>
+              </a:rPr>
+              <a:t>Surv</a:t>
+            </a:r>
+            <a:r>
+              <a:rPr lang="en-US" sz="1800" dirty="0">
+                <a:latin typeface="Courier New" panose="02070309020205020404" pitchFamily="49" charset="0"/>
+                <a:cs typeface="Courier New" panose="02070309020205020404" pitchFamily="49" charset="0"/>
+              </a:rPr>
+              <a:t>(</a:t>
+            </a:r>
+            <a:r>
+              <a:rPr lang="en-US" sz="1800" dirty="0" err="1">
+                <a:latin typeface="Courier New" panose="02070309020205020404" pitchFamily="49" charset="0"/>
+                <a:cs typeface="Courier New" panose="02070309020205020404" pitchFamily="49" charset="0"/>
+              </a:rPr>
+              <a:t>time_yrs</a:t>
+            </a:r>
+            <a:r>
+              <a:rPr lang="en-US" sz="1800" dirty="0">
+                <a:latin typeface="Courier New" panose="02070309020205020404" pitchFamily="49" charset="0"/>
+                <a:cs typeface="Courier New" panose="02070309020205020404" pitchFamily="49" charset="0"/>
+              </a:rPr>
+              <a:t>, </a:t>
+            </a:r>
+            <a:r>
+              <a:rPr lang="en-US" sz="1800" dirty="0" err="1">
+                <a:latin typeface="Courier New" panose="02070309020205020404" pitchFamily="49" charset="0"/>
+                <a:cs typeface="Courier New" panose="02070309020205020404" pitchFamily="49" charset="0"/>
+              </a:rPr>
+              <a:t>fstat</a:t>
+            </a:r>
+            <a:r>
+              <a:rPr lang="en-US" sz="1800" dirty="0">
+                <a:latin typeface="Courier New" panose="02070309020205020404" pitchFamily="49" charset="0"/>
+                <a:cs typeface="Courier New" panose="02070309020205020404" pitchFamily="49" charset="0"/>
+              </a:rPr>
+              <a:t> == "Dead") ~ gender, </a:t>
+            </a:r>
+          </a:p>
+          <a:p>
+            <a:r>
+              <a:rPr lang="en-US" sz="1800" dirty="0">
+                <a:latin typeface="Courier New" panose="02070309020205020404" pitchFamily="49" charset="0"/>
+                <a:cs typeface="Courier New" panose="02070309020205020404" pitchFamily="49" charset="0"/>
+              </a:rPr>
+              <a:t>    data = whas100)</a:t>
+            </a:r>
+          </a:p>
+          <a:p>
+            <a:endParaRPr lang="en-US" sz="1800" dirty="0">
+              <a:latin typeface="Courier New" panose="02070309020205020404" pitchFamily="49" charset="0"/>
+              <a:cs typeface="Courier New" panose="02070309020205020404" pitchFamily="49" charset="0"/>
+            </a:endParaRPr>
+          </a:p>
+          <a:p>
+            <a:r>
+              <a:rPr lang="en-US" sz="1800" dirty="0">
+                <a:latin typeface="Courier New" panose="02070309020205020404" pitchFamily="49" charset="0"/>
+                <a:cs typeface="Courier New" panose="02070309020205020404" pitchFamily="49" charset="0"/>
+              </a:rPr>
+              <a:t>               N Observed Expected (O-E)^2/E (O-E)^2/V</a:t>
+            </a:r>
+          </a:p>
+          <a:p>
+            <a:r>
+              <a:rPr lang="en-US" sz="1800" dirty="0">
+                <a:latin typeface="Courier New" panose="02070309020205020404" pitchFamily="49" charset="0"/>
+                <a:cs typeface="Courier New" panose="02070309020205020404" pitchFamily="49" charset="0"/>
+              </a:rPr>
+              <a:t>gender=Male   65       28     34.6      1.27      3.97</a:t>
+            </a:r>
+          </a:p>
+          <a:p>
+            <a:r>
+              <a:rPr lang="en-US" sz="1800" dirty="0">
+                <a:latin typeface="Courier New" panose="02070309020205020404" pitchFamily="49" charset="0"/>
+                <a:cs typeface="Courier New" panose="02070309020205020404" pitchFamily="49" charset="0"/>
+              </a:rPr>
+              <a:t>gender=Female 35       23     16.4      2.68      3.97</a:t>
+            </a:r>
+          </a:p>
+          <a:p>
+            <a:endParaRPr lang="en-US" sz="1800" dirty="0">
+              <a:latin typeface="Courier New" panose="02070309020205020404" pitchFamily="49" charset="0"/>
+              <a:cs typeface="Courier New" panose="02070309020205020404" pitchFamily="49" charset="0"/>
+            </a:endParaRPr>
+          </a:p>
+          <a:p>
+            <a:r>
+              <a:rPr lang="en-US" sz="1800" dirty="0">
+                <a:latin typeface="Courier New" panose="02070309020205020404" pitchFamily="49" charset="0"/>
+                <a:cs typeface="Courier New" panose="02070309020205020404" pitchFamily="49" charset="0"/>
+              </a:rPr>
+              <a:t> </a:t>
+            </a:r>
+            <a:r>
+              <a:rPr lang="en-US" sz="1800" dirty="0" err="1">
+                <a:latin typeface="Courier New" panose="02070309020205020404" pitchFamily="49" charset="0"/>
+                <a:cs typeface="Courier New" panose="02070309020205020404" pitchFamily="49" charset="0"/>
+              </a:rPr>
+              <a:t>Chisq</a:t>
+            </a:r>
+            <a:r>
+              <a:rPr lang="en-US" sz="1800" dirty="0">
+                <a:latin typeface="Courier New" panose="02070309020205020404" pitchFamily="49" charset="0"/>
+                <a:cs typeface="Courier New" panose="02070309020205020404" pitchFamily="49" charset="0"/>
+              </a:rPr>
+              <a:t>= 4  on 1 degrees of freedom, p= 0.0463</a:t>
             </a:r>
           </a:p>
         </p:txBody>
@@ -5923,7 +5694,7 @@
           <a:p>
             <a:r>
               <a:rPr lang="en-US" dirty="0"/>
-              <a:t>Methadone clinic discharge data</a:t>
+              <a:t>The log rank test</a:t>
             </a:r>
           </a:p>
         </p:txBody>
@@ -5931,7 +5702,7 @@
     </p:spTree>
     <p:extLst>
       <p:ext uri="{BB962C8B-B14F-4D97-AF65-F5344CB8AC3E}">
-        <p14:creationId xmlns:p14="http://schemas.microsoft.com/office/powerpoint/2010/main" val="3173485417"/>
+        <p14:creationId xmlns:p14="http://schemas.microsoft.com/office/powerpoint/2010/main" val="2780660727"/>
       </p:ext>
     </p:extLst>
   </p:cSld>
@@ -5975,7 +5746,7 @@
           <a:p>
             <a:r>
               <a:rPr lang="en-US" dirty="0"/>
-              <a:t>An example</a:t>
+              <a:t>A simple example of the Cox regression model</a:t>
             </a:r>
           </a:p>
         </p:txBody>
@@ -5996,56 +5767,180 @@
           <a:lstStyle/>
           <a:p>
             <a:r>
-              <a:rPr lang="en-US" dirty="0">
-                <a:latin typeface="Courier New" panose="02070309020205020404" pitchFamily="49" charset="0"/>
-                <a:cs typeface="Courier New" panose="02070309020205020404" pitchFamily="49" charset="0"/>
-              </a:rPr>
-              <a:t>Clinic  1 or 2</a:t>
-            </a:r>
-          </a:p>
-          <a:p>
-            <a:r>
-              <a:rPr lang="en-US" dirty="0">
-                <a:latin typeface="Courier New" panose="02070309020205020404" pitchFamily="49" charset="0"/>
-                <a:cs typeface="Courier New" panose="02070309020205020404" pitchFamily="49" charset="0"/>
-              </a:rPr>
-              <a:t>Status  0=still in clinic at end of study(censored)  </a:t>
-            </a:r>
-          </a:p>
-          <a:p>
-            <a:r>
-              <a:rPr lang="en-US" dirty="0">
-                <a:latin typeface="Courier New" panose="02070309020205020404" pitchFamily="49" charset="0"/>
-                <a:cs typeface="Courier New" panose="02070309020205020404" pitchFamily="49" charset="0"/>
-              </a:rPr>
-              <a:t>        or 1=departed from clinic</a:t>
-            </a:r>
-          </a:p>
-          <a:p>
-            <a:r>
-              <a:rPr lang="en-US" dirty="0">
-                <a:latin typeface="Courier New" panose="02070309020205020404" pitchFamily="49" charset="0"/>
-                <a:cs typeface="Courier New" panose="02070309020205020404" pitchFamily="49" charset="0"/>
-              </a:rPr>
-              <a:t>Time    days spent in clinic</a:t>
-            </a:r>
-          </a:p>
-          <a:p>
-            <a:r>
-              <a:rPr lang="en-US" dirty="0">
-                <a:latin typeface="Courier New" panose="02070309020205020404" pitchFamily="49" charset="0"/>
-                <a:cs typeface="Courier New" panose="02070309020205020404" pitchFamily="49" charset="0"/>
-              </a:rPr>
-              <a:t>Prison  1=prison record or 0=no record</a:t>
-            </a:r>
-          </a:p>
-          <a:p>
-            <a:r>
-              <a:rPr lang="en-US" dirty="0">
-                <a:latin typeface="Courier New" panose="02070309020205020404" pitchFamily="49" charset="0"/>
-                <a:cs typeface="Courier New" panose="02070309020205020404" pitchFamily="49" charset="0"/>
-              </a:rPr>
-              <a:t>Dose    methadone dosage (mg/day)</a:t>
+              <a:rPr lang="en-US" sz="1800" dirty="0">
+                <a:latin typeface="Courier New" panose="02070309020205020404" pitchFamily="49" charset="0"/>
+                <a:cs typeface="Courier New" panose="02070309020205020404" pitchFamily="49" charset="0"/>
+              </a:rPr>
+              <a:t>Call:</a:t>
+            </a:r>
+          </a:p>
+          <a:p>
+            <a:r>
+              <a:rPr lang="en-US" sz="1800" dirty="0" err="1">
+                <a:latin typeface="Courier New" panose="02070309020205020404" pitchFamily="49" charset="0"/>
+                <a:cs typeface="Courier New" panose="02070309020205020404" pitchFamily="49" charset="0"/>
+              </a:rPr>
+              <a:t>coxph</a:t>
+            </a:r>
+            <a:r>
+              <a:rPr lang="en-US" sz="1800" dirty="0">
+                <a:latin typeface="Courier New" panose="02070309020205020404" pitchFamily="49" charset="0"/>
+                <a:cs typeface="Courier New" panose="02070309020205020404" pitchFamily="49" charset="0"/>
+              </a:rPr>
+              <a:t>(formula = </a:t>
+            </a:r>
+            <a:r>
+              <a:rPr lang="en-US" sz="1800" dirty="0" err="1">
+                <a:latin typeface="Courier New" panose="02070309020205020404" pitchFamily="49" charset="0"/>
+                <a:cs typeface="Courier New" panose="02070309020205020404" pitchFamily="49" charset="0"/>
+              </a:rPr>
+              <a:t>Surv</a:t>
+            </a:r>
+            <a:r>
+              <a:rPr lang="en-US" sz="1800" dirty="0">
+                <a:latin typeface="Courier New" panose="02070309020205020404" pitchFamily="49" charset="0"/>
+                <a:cs typeface="Courier New" panose="02070309020205020404" pitchFamily="49" charset="0"/>
+              </a:rPr>
+              <a:t>(</a:t>
+            </a:r>
+            <a:r>
+              <a:rPr lang="en-US" sz="1800" dirty="0" err="1">
+                <a:latin typeface="Courier New" panose="02070309020205020404" pitchFamily="49" charset="0"/>
+                <a:cs typeface="Courier New" panose="02070309020205020404" pitchFamily="49" charset="0"/>
+              </a:rPr>
+              <a:t>time_yrs</a:t>
+            </a:r>
+            <a:r>
+              <a:rPr lang="en-US" sz="1800" dirty="0">
+                <a:latin typeface="Courier New" panose="02070309020205020404" pitchFamily="49" charset="0"/>
+                <a:cs typeface="Courier New" panose="02070309020205020404" pitchFamily="49" charset="0"/>
+              </a:rPr>
+              <a:t>, whas100$fstat == "Dead") ~ gender, </a:t>
+            </a:r>
+          </a:p>
+          <a:p>
+            <a:r>
+              <a:rPr lang="en-US" sz="1800" dirty="0">
+                <a:latin typeface="Courier New" panose="02070309020205020404" pitchFamily="49" charset="0"/>
+                <a:cs typeface="Courier New" panose="02070309020205020404" pitchFamily="49" charset="0"/>
+              </a:rPr>
+              <a:t>    data = whas100)</a:t>
+            </a:r>
+          </a:p>
+          <a:p>
+            <a:endParaRPr lang="en-US" sz="1800" dirty="0">
+              <a:latin typeface="Courier New" panose="02070309020205020404" pitchFamily="49" charset="0"/>
+              <a:cs typeface="Courier New" panose="02070309020205020404" pitchFamily="49" charset="0"/>
+            </a:endParaRPr>
+          </a:p>
+          <a:p>
+            <a:r>
+              <a:rPr lang="en-US" sz="1800" dirty="0">
+                <a:latin typeface="Courier New" panose="02070309020205020404" pitchFamily="49" charset="0"/>
+                <a:cs typeface="Courier New" panose="02070309020205020404" pitchFamily="49" charset="0"/>
+              </a:rPr>
+              <a:t>  n= 100, number of events= 51 </a:t>
+            </a:r>
+          </a:p>
+          <a:p>
+            <a:endParaRPr lang="en-US" sz="1800" dirty="0">
+              <a:latin typeface="Courier New" panose="02070309020205020404" pitchFamily="49" charset="0"/>
+              <a:cs typeface="Courier New" panose="02070309020205020404" pitchFamily="49" charset="0"/>
+            </a:endParaRPr>
+          </a:p>
+          <a:p>
+            <a:r>
+              <a:rPr lang="en-US" sz="1800" dirty="0">
+                <a:latin typeface="Courier New" panose="02070309020205020404" pitchFamily="49" charset="0"/>
+                <a:cs typeface="Courier New" panose="02070309020205020404" pitchFamily="49" charset="0"/>
+              </a:rPr>
+              <a:t>               </a:t>
+            </a:r>
+            <a:r>
+              <a:rPr lang="en-US" sz="1800" dirty="0" err="1">
+                <a:latin typeface="Courier New" panose="02070309020205020404" pitchFamily="49" charset="0"/>
+                <a:cs typeface="Courier New" panose="02070309020205020404" pitchFamily="49" charset="0"/>
+              </a:rPr>
+              <a:t>coef</a:t>
+            </a:r>
+            <a:r>
+              <a:rPr lang="en-US" sz="1800" dirty="0">
+                <a:latin typeface="Courier New" panose="02070309020205020404" pitchFamily="49" charset="0"/>
+                <a:cs typeface="Courier New" panose="02070309020205020404" pitchFamily="49" charset="0"/>
+              </a:rPr>
+              <a:t> </a:t>
+            </a:r>
+            <a:r>
+              <a:rPr lang="en-US" sz="1800" dirty="0" err="1">
+                <a:latin typeface="Courier New" panose="02070309020205020404" pitchFamily="49" charset="0"/>
+                <a:cs typeface="Courier New" panose="02070309020205020404" pitchFamily="49" charset="0"/>
+              </a:rPr>
+              <a:t>exp</a:t>
+            </a:r>
+            <a:r>
+              <a:rPr lang="en-US" sz="1800" dirty="0">
+                <a:latin typeface="Courier New" panose="02070309020205020404" pitchFamily="49" charset="0"/>
+                <a:cs typeface="Courier New" panose="02070309020205020404" pitchFamily="49" charset="0"/>
+              </a:rPr>
+              <a:t>(</a:t>
+            </a:r>
+            <a:r>
+              <a:rPr lang="en-US" sz="1800" dirty="0" err="1">
+                <a:latin typeface="Courier New" panose="02070309020205020404" pitchFamily="49" charset="0"/>
+                <a:cs typeface="Courier New" panose="02070309020205020404" pitchFamily="49" charset="0"/>
+              </a:rPr>
+              <a:t>coef</a:t>
+            </a:r>
+            <a:r>
+              <a:rPr lang="en-US" sz="1800" dirty="0">
+                <a:latin typeface="Courier New" panose="02070309020205020404" pitchFamily="49" charset="0"/>
+                <a:cs typeface="Courier New" panose="02070309020205020404" pitchFamily="49" charset="0"/>
+              </a:rPr>
+              <a:t>) se(</a:t>
+            </a:r>
+            <a:r>
+              <a:rPr lang="en-US" sz="1800" dirty="0" err="1">
+                <a:latin typeface="Courier New" panose="02070309020205020404" pitchFamily="49" charset="0"/>
+                <a:cs typeface="Courier New" panose="02070309020205020404" pitchFamily="49" charset="0"/>
+              </a:rPr>
+              <a:t>coef</a:t>
+            </a:r>
+            <a:r>
+              <a:rPr lang="en-US" sz="1800" dirty="0">
+                <a:latin typeface="Courier New" panose="02070309020205020404" pitchFamily="49" charset="0"/>
+                <a:cs typeface="Courier New" panose="02070309020205020404" pitchFamily="49" charset="0"/>
+              </a:rPr>
+              <a:t>)     z </a:t>
+            </a:r>
+            <a:r>
+              <a:rPr lang="en-US" sz="1800" dirty="0" err="1">
+                <a:latin typeface="Courier New" panose="02070309020205020404" pitchFamily="49" charset="0"/>
+                <a:cs typeface="Courier New" panose="02070309020205020404" pitchFamily="49" charset="0"/>
+              </a:rPr>
+              <a:t>Pr</a:t>
+            </a:r>
+            <a:r>
+              <a:rPr lang="en-US" sz="1800" dirty="0">
+                <a:latin typeface="Courier New" panose="02070309020205020404" pitchFamily="49" charset="0"/>
+                <a:cs typeface="Courier New" panose="02070309020205020404" pitchFamily="49" charset="0"/>
+              </a:rPr>
+              <a:t>(&gt;|z|)  </a:t>
+            </a:r>
+          </a:p>
+          <a:p>
+            <a:r>
+              <a:rPr lang="en-US" sz="1800" dirty="0" err="1">
+                <a:latin typeface="Courier New" panose="02070309020205020404" pitchFamily="49" charset="0"/>
+                <a:cs typeface="Courier New" panose="02070309020205020404" pitchFamily="49" charset="0"/>
+              </a:rPr>
+              <a:t>genderFemale</a:t>
+            </a:r>
+            <a:r>
+              <a:rPr lang="en-US" sz="1800" dirty="0">
+                <a:latin typeface="Courier New" panose="02070309020205020404" pitchFamily="49" charset="0"/>
+                <a:cs typeface="Courier New" panose="02070309020205020404" pitchFamily="49" charset="0"/>
+              </a:rPr>
+              <a:t> 0.5548    1.7416   0.2824 1.965   0.0494 *</a:t>
             </a:r>
           </a:p>
         </p:txBody>
@@ -6135,7 +6030,7 @@
           <a:p>
             <a:r>
               <a:rPr lang="en-US" dirty="0"/>
-              <a:t>Variables in the data set</a:t>
+              <a:t>The Cox regression model</a:t>
             </a:r>
           </a:p>
         </p:txBody>
@@ -6143,7 +6038,7 @@
     </p:spTree>
     <p:extLst>
       <p:ext uri="{BB962C8B-B14F-4D97-AF65-F5344CB8AC3E}">
-        <p14:creationId xmlns:p14="http://schemas.microsoft.com/office/powerpoint/2010/main" val="2840833356"/>
+        <p14:creationId xmlns:p14="http://schemas.microsoft.com/office/powerpoint/2010/main" val="3741387883"/>
       </p:ext>
     </p:extLst>
   </p:cSld>
@@ -6187,7 +6082,7 @@
           <a:p>
             <a:r>
               <a:rPr lang="en-US" dirty="0"/>
-              <a:t>An example</a:t>
+              <a:t>A simple example of the Cox regression model</a:t>
             </a:r>
           </a:p>
         </p:txBody>
@@ -6208,68 +6103,197 @@
           <a:lstStyle/>
           <a:p>
             <a:r>
-              <a:rPr lang="en-US" dirty="0">
-                <a:latin typeface="Courier New" panose="02070309020205020404" pitchFamily="49" charset="0"/>
-                <a:cs typeface="Courier New" panose="02070309020205020404" pitchFamily="49" charset="0"/>
-              </a:rPr>
-              <a:t>ID	Clinic	Status	Time	Prison?	Dose</a:t>
-            </a:r>
-          </a:p>
-          <a:p>
-            <a:r>
-              <a:rPr lang="en-US" dirty="0">
-                <a:latin typeface="Courier New" panose="02070309020205020404" pitchFamily="49" charset="0"/>
-                <a:cs typeface="Courier New" panose="02070309020205020404" pitchFamily="49" charset="0"/>
-              </a:rPr>
-              <a:t>1	1		1		428	0		50</a:t>
-            </a:r>
-          </a:p>
-          <a:p>
-            <a:r>
-              <a:rPr lang="en-US" dirty="0">
-                <a:latin typeface="Courier New" panose="02070309020205020404" pitchFamily="49" charset="0"/>
-                <a:cs typeface="Courier New" panose="02070309020205020404" pitchFamily="49" charset="0"/>
-              </a:rPr>
-              <a:t>2	1		1		275	1		55</a:t>
-            </a:r>
-          </a:p>
-          <a:p>
-            <a:r>
-              <a:rPr lang="en-US" dirty="0">
-                <a:latin typeface="Courier New" panose="02070309020205020404" pitchFamily="49" charset="0"/>
-                <a:cs typeface="Courier New" panose="02070309020205020404" pitchFamily="49" charset="0"/>
-              </a:rPr>
-              <a:t>3	1		1		262	0		55</a:t>
-            </a:r>
-          </a:p>
-          <a:p>
-            <a:r>
-              <a:rPr lang="en-US" dirty="0">
-                <a:latin typeface="Courier New" panose="02070309020205020404" pitchFamily="49" charset="0"/>
-                <a:cs typeface="Courier New" panose="02070309020205020404" pitchFamily="49" charset="0"/>
-              </a:rPr>
-              <a:t>4	1		1		183	0		30</a:t>
-            </a:r>
-          </a:p>
-          <a:p>
-            <a:pPr marL="457200" indent="-457200">
-              <a:buAutoNum type="arabicPlain" startAt="5"/>
-            </a:pPr>
-            <a:r>
-              <a:rPr lang="en-US" dirty="0">
-                <a:latin typeface="Courier New" panose="02070309020205020404" pitchFamily="49" charset="0"/>
-                <a:cs typeface="Courier New" panose="02070309020205020404" pitchFamily="49" charset="0"/>
-              </a:rPr>
-              <a:t>	1		1		259	1		65</a:t>
-            </a:r>
-          </a:p>
-          <a:p>
-            <a:r>
-              <a:rPr lang="en-US" dirty="0">
-                <a:latin typeface="Courier New" panose="02070309020205020404" pitchFamily="49" charset="0"/>
-                <a:cs typeface="Courier New" panose="02070309020205020404" pitchFamily="49" charset="0"/>
-              </a:rPr>
-              <a:t>...	</a:t>
+              <a:rPr lang="en-US" sz="1800" dirty="0">
+                <a:latin typeface="Courier New" panose="02070309020205020404" pitchFamily="49" charset="0"/>
+                <a:cs typeface="Courier New" panose="02070309020205020404" pitchFamily="49" charset="0"/>
+              </a:rPr>
+              <a:t>             </a:t>
+            </a:r>
+            <a:r>
+              <a:rPr lang="en-US" sz="1800" dirty="0" err="1">
+                <a:latin typeface="Courier New" panose="02070309020205020404" pitchFamily="49" charset="0"/>
+                <a:cs typeface="Courier New" panose="02070309020205020404" pitchFamily="49" charset="0"/>
+              </a:rPr>
+              <a:t>exp</a:t>
+            </a:r>
+            <a:r>
+              <a:rPr lang="en-US" sz="1800" dirty="0">
+                <a:latin typeface="Courier New" panose="02070309020205020404" pitchFamily="49" charset="0"/>
+                <a:cs typeface="Courier New" panose="02070309020205020404" pitchFamily="49" charset="0"/>
+              </a:rPr>
+              <a:t>(</a:t>
+            </a:r>
+            <a:r>
+              <a:rPr lang="en-US" sz="1800" dirty="0" err="1">
+                <a:latin typeface="Courier New" panose="02070309020205020404" pitchFamily="49" charset="0"/>
+                <a:cs typeface="Courier New" panose="02070309020205020404" pitchFamily="49" charset="0"/>
+              </a:rPr>
+              <a:t>coef</a:t>
+            </a:r>
+            <a:r>
+              <a:rPr lang="en-US" sz="1800" dirty="0">
+                <a:latin typeface="Courier New" panose="02070309020205020404" pitchFamily="49" charset="0"/>
+                <a:cs typeface="Courier New" panose="02070309020205020404" pitchFamily="49" charset="0"/>
+              </a:rPr>
+              <a:t>) </a:t>
+            </a:r>
+            <a:r>
+              <a:rPr lang="en-US" sz="1800" dirty="0" err="1">
+                <a:latin typeface="Courier New" panose="02070309020205020404" pitchFamily="49" charset="0"/>
+                <a:cs typeface="Courier New" panose="02070309020205020404" pitchFamily="49" charset="0"/>
+              </a:rPr>
+              <a:t>exp</a:t>
+            </a:r>
+            <a:r>
+              <a:rPr lang="en-US" sz="1800" dirty="0">
+                <a:latin typeface="Courier New" panose="02070309020205020404" pitchFamily="49" charset="0"/>
+                <a:cs typeface="Courier New" panose="02070309020205020404" pitchFamily="49" charset="0"/>
+              </a:rPr>
+              <a:t>(-</a:t>
+            </a:r>
+            <a:r>
+              <a:rPr lang="en-US" sz="1800" dirty="0" err="1">
+                <a:latin typeface="Courier New" panose="02070309020205020404" pitchFamily="49" charset="0"/>
+                <a:cs typeface="Courier New" panose="02070309020205020404" pitchFamily="49" charset="0"/>
+              </a:rPr>
+              <a:t>coef</a:t>
+            </a:r>
+            <a:r>
+              <a:rPr lang="en-US" sz="1800" dirty="0">
+                <a:latin typeface="Courier New" panose="02070309020205020404" pitchFamily="49" charset="0"/>
+                <a:cs typeface="Courier New" panose="02070309020205020404" pitchFamily="49" charset="0"/>
+              </a:rPr>
+              <a:t>) lower .95 upper .95</a:t>
+            </a:r>
+          </a:p>
+          <a:p>
+            <a:r>
+              <a:rPr lang="en-US" sz="1800" dirty="0" err="1">
+                <a:latin typeface="Courier New" panose="02070309020205020404" pitchFamily="49" charset="0"/>
+                <a:cs typeface="Courier New" panose="02070309020205020404" pitchFamily="49" charset="0"/>
+              </a:rPr>
+              <a:t>genderFemale</a:t>
+            </a:r>
+            <a:r>
+              <a:rPr lang="en-US" sz="1800" dirty="0">
+                <a:latin typeface="Courier New" panose="02070309020205020404" pitchFamily="49" charset="0"/>
+                <a:cs typeface="Courier New" panose="02070309020205020404" pitchFamily="49" charset="0"/>
+              </a:rPr>
+              <a:t>     1.742     0.5742     1.001     3.029</a:t>
+            </a:r>
+          </a:p>
+          <a:p>
+            <a:endParaRPr lang="en-US" sz="1800" dirty="0">
+              <a:latin typeface="Courier New" panose="02070309020205020404" pitchFamily="49" charset="0"/>
+              <a:cs typeface="Courier New" panose="02070309020205020404" pitchFamily="49" charset="0"/>
+            </a:endParaRPr>
+          </a:p>
+          <a:p>
+            <a:r>
+              <a:rPr lang="en-US" sz="1800" dirty="0">
+                <a:latin typeface="Courier New" panose="02070309020205020404" pitchFamily="49" charset="0"/>
+                <a:cs typeface="Courier New" panose="02070309020205020404" pitchFamily="49" charset="0"/>
+              </a:rPr>
+              <a:t>Concordance= 0.565  (se = 0.035 )</a:t>
+            </a:r>
+          </a:p>
+          <a:p>
+            <a:r>
+              <a:rPr lang="en-US" sz="1800" dirty="0" err="1">
+                <a:latin typeface="Courier New" panose="02070309020205020404" pitchFamily="49" charset="0"/>
+                <a:cs typeface="Courier New" panose="02070309020205020404" pitchFamily="49" charset="0"/>
+              </a:rPr>
+              <a:t>Rsquare</a:t>
+            </a:r>
+            <a:r>
+              <a:rPr lang="en-US" sz="1800" dirty="0">
+                <a:latin typeface="Courier New" panose="02070309020205020404" pitchFamily="49" charset="0"/>
+                <a:cs typeface="Courier New" panose="02070309020205020404" pitchFamily="49" charset="0"/>
+              </a:rPr>
+              <a:t>= 0.037   (max possible= 0.985 )</a:t>
+            </a:r>
+          </a:p>
+          <a:p>
+            <a:r>
+              <a:rPr lang="en-US" sz="1800" dirty="0">
+                <a:latin typeface="Courier New" panose="02070309020205020404" pitchFamily="49" charset="0"/>
+                <a:cs typeface="Courier New" panose="02070309020205020404" pitchFamily="49" charset="0"/>
+              </a:rPr>
+              <a:t>Likelihood ratio test= 3.75  on 1 </a:t>
+            </a:r>
+            <a:r>
+              <a:rPr lang="en-US" sz="1800" dirty="0" err="1">
+                <a:latin typeface="Courier New" panose="02070309020205020404" pitchFamily="49" charset="0"/>
+                <a:cs typeface="Courier New" panose="02070309020205020404" pitchFamily="49" charset="0"/>
+              </a:rPr>
+              <a:t>df</a:t>
+            </a:r>
+            <a:r>
+              <a:rPr lang="en-US" sz="1800" dirty="0">
+                <a:latin typeface="Courier New" panose="02070309020205020404" pitchFamily="49" charset="0"/>
+                <a:cs typeface="Courier New" panose="02070309020205020404" pitchFamily="49" charset="0"/>
+              </a:rPr>
+              <a:t>,   p=0.05293</a:t>
+            </a:r>
+          </a:p>
+          <a:p>
+            <a:r>
+              <a:rPr lang="en-US" sz="1800" dirty="0">
+                <a:latin typeface="Courier New" panose="02070309020205020404" pitchFamily="49" charset="0"/>
+                <a:cs typeface="Courier New" panose="02070309020205020404" pitchFamily="49" charset="0"/>
+              </a:rPr>
+              <a:t>Wald test            = 3.86  on 1 </a:t>
+            </a:r>
+            <a:r>
+              <a:rPr lang="en-US" sz="1800" dirty="0" err="1">
+                <a:latin typeface="Courier New" panose="02070309020205020404" pitchFamily="49" charset="0"/>
+                <a:cs typeface="Courier New" panose="02070309020205020404" pitchFamily="49" charset="0"/>
+              </a:rPr>
+              <a:t>df</a:t>
+            </a:r>
+            <a:r>
+              <a:rPr lang="en-US" sz="1800" dirty="0">
+                <a:latin typeface="Courier New" panose="02070309020205020404" pitchFamily="49" charset="0"/>
+                <a:cs typeface="Courier New" panose="02070309020205020404" pitchFamily="49" charset="0"/>
+              </a:rPr>
+              <a:t>,   p=0.04945</a:t>
+            </a:r>
+          </a:p>
+          <a:p>
+            <a:r>
+              <a:rPr lang="en-US" sz="1800" dirty="0">
+                <a:latin typeface="Courier New" panose="02070309020205020404" pitchFamily="49" charset="0"/>
+                <a:cs typeface="Courier New" panose="02070309020205020404" pitchFamily="49" charset="0"/>
+              </a:rPr>
+              <a:t>Score (</a:t>
+            </a:r>
+            <a:r>
+              <a:rPr lang="en-US" sz="1800" dirty="0" err="1">
+                <a:latin typeface="Courier New" panose="02070309020205020404" pitchFamily="49" charset="0"/>
+                <a:cs typeface="Courier New" panose="02070309020205020404" pitchFamily="49" charset="0"/>
+              </a:rPr>
+              <a:t>logrank</a:t>
+            </a:r>
+            <a:r>
+              <a:rPr lang="en-US" sz="1800" dirty="0">
+                <a:latin typeface="Courier New" panose="02070309020205020404" pitchFamily="49" charset="0"/>
+                <a:cs typeface="Courier New" panose="02070309020205020404" pitchFamily="49" charset="0"/>
+              </a:rPr>
+              <a:t>) test = 3.96  on 1 </a:t>
+            </a:r>
+            <a:r>
+              <a:rPr lang="en-US" sz="1800" dirty="0" err="1">
+                <a:latin typeface="Courier New" panose="02070309020205020404" pitchFamily="49" charset="0"/>
+                <a:cs typeface="Courier New" panose="02070309020205020404" pitchFamily="49" charset="0"/>
+              </a:rPr>
+              <a:t>df</a:t>
+            </a:r>
+            <a:r>
+              <a:rPr lang="en-US" sz="1800" dirty="0">
+                <a:latin typeface="Courier New" panose="02070309020205020404" pitchFamily="49" charset="0"/>
+                <a:cs typeface="Courier New" panose="02070309020205020404" pitchFamily="49" charset="0"/>
+              </a:rPr>
+              <a:t>,   p=0.04665</a:t>
             </a:r>
           </a:p>
         </p:txBody>
@@ -6359,7 +6383,7 @@
           <a:p>
             <a:r>
               <a:rPr lang="en-US" dirty="0"/>
-              <a:t>First few rows of data</a:t>
+              <a:t>The Cox regression model</a:t>
             </a:r>
           </a:p>
         </p:txBody>
@@ -6367,7 +6391,7 @@
     </p:spTree>
     <p:extLst>
       <p:ext uri="{BB962C8B-B14F-4D97-AF65-F5344CB8AC3E}">
-        <p14:creationId xmlns:p14="http://schemas.microsoft.com/office/powerpoint/2010/main" val="1432644606"/>
+        <p14:creationId xmlns:p14="http://schemas.microsoft.com/office/powerpoint/2010/main" val="3929432730"/>
       </p:ext>
     </p:extLst>
   </p:cSld>
@@ -6572,77 +6596,7 @@
           <a:p>
             <a:r>
               <a:rPr lang="en-US" dirty="0"/>
-              <a:t>An example</a:t>
-            </a:r>
-          </a:p>
-        </p:txBody>
-      </p:sp>
-      <p:sp>
-        <p:nvSpPr>
-          <p:cNvPr id="3" name="Text Placeholder 2"/>
-          <p:cNvSpPr>
-            <a:spLocks noGrp="1"/>
-          </p:cNvSpPr>
-          <p:nvPr>
-            <p:ph type="body" idx="1"/>
-          </p:nvPr>
-        </p:nvSpPr>
-        <p:spPr/>
-        <p:txBody>
-          <a:bodyPr/>
-          <a:lstStyle/>
-          <a:p>
-            <a:r>
-              <a:rPr lang="en-US" dirty="0">
-                <a:latin typeface="Courier New" panose="02070309020205020404" pitchFamily="49" charset="0"/>
-                <a:cs typeface="Courier New" panose="02070309020205020404" pitchFamily="49" charset="0"/>
-              </a:rPr>
-              <a:t>Time</a:t>
-            </a:r>
-          </a:p>
-          <a:p>
-            <a:r>
-              <a:rPr lang="en-US" dirty="0">
-                <a:latin typeface="Courier New" panose="02070309020205020404" pitchFamily="49" charset="0"/>
-                <a:cs typeface="Courier New" panose="02070309020205020404" pitchFamily="49" charset="0"/>
-              </a:rPr>
-              <a:t>   Min. 1st Qu.  Median    Mean 3rd Qu.    Max. </a:t>
-            </a:r>
-          </a:p>
-          <a:p>
-            <a:r>
-              <a:rPr lang="en-US" dirty="0">
-                <a:latin typeface="Courier New" panose="02070309020205020404" pitchFamily="49" charset="0"/>
-                <a:cs typeface="Courier New" panose="02070309020205020404" pitchFamily="49" charset="0"/>
-              </a:rPr>
-              <a:t>    2.0   171.2   367.5   402.6   585.5  1076.0 </a:t>
-            </a:r>
-          </a:p>
-          <a:p>
-            <a:r>
-              <a:rPr lang="en-US" dirty="0">
-                <a:latin typeface="Courier New" panose="02070309020205020404" pitchFamily="49" charset="0"/>
-                <a:cs typeface="Courier New" panose="02070309020205020404" pitchFamily="49" charset="0"/>
-              </a:rPr>
-              <a:t>Dose</a:t>
-            </a:r>
-          </a:p>
-          <a:p>
-            <a:r>
-              <a:rPr lang="en-US" dirty="0">
-                <a:latin typeface="Courier New" panose="02070309020205020404" pitchFamily="49" charset="0"/>
-                <a:cs typeface="Courier New" panose="02070309020205020404" pitchFamily="49" charset="0"/>
-              </a:rPr>
-              <a:t>   Min. 1st Qu.  Median    Mean 3rd Qu.    Max. </a:t>
-            </a:r>
-          </a:p>
-          <a:p>
-            <a:r>
-              <a:rPr lang="en-US" dirty="0">
-                <a:latin typeface="Courier New" panose="02070309020205020404" pitchFamily="49" charset="0"/>
-                <a:cs typeface="Courier New" panose="02070309020205020404" pitchFamily="49" charset="0"/>
-              </a:rPr>
-              <a:t>   20.0    50.0    60.0    60.4    70.0   110.0 </a:t>
+              <a:t>Mathematical details</a:t>
             </a:r>
           </a:p>
         </p:txBody>
@@ -6732,15 +6686,45 @@
           <a:p>
             <a:r>
               <a:rPr lang="en-US" dirty="0"/>
-              <a:t>Descriptive statistics for continuous data</a:t>
-            </a:r>
-          </a:p>
-        </p:txBody>
-      </p:sp>
+              <a:t>A full likelihood approach</a:t>
+            </a:r>
+          </a:p>
+        </p:txBody>
+      </p:sp>
+      <p:pic>
+        <p:nvPicPr>
+          <p:cNvPr id="8" name="Picture 7">
+            <a:extLst>
+              <a:ext uri="{FF2B5EF4-FFF2-40B4-BE49-F238E27FC236}">
+                <a16:creationId xmlns:a16="http://schemas.microsoft.com/office/drawing/2014/main" id="{2D7A772D-3942-4EF2-8572-9104AEE1AE93}"/>
+              </a:ext>
+            </a:extLst>
+          </p:cNvPr>
+          <p:cNvPicPr>
+            <a:picLocks noChangeAspect="1"/>
+          </p:cNvPicPr>
+          <p:nvPr/>
+        </p:nvPicPr>
+        <p:blipFill>
+          <a:blip r:embed="rId2"/>
+          <a:stretch>
+            <a:fillRect/>
+          </a:stretch>
+        </p:blipFill>
+        <p:spPr>
+          <a:xfrm>
+            <a:off x="464484" y="2286000"/>
+            <a:ext cx="8258175" cy="2000250"/>
+          </a:xfrm>
+          <a:prstGeom prst="rect">
+            <a:avLst/>
+          </a:prstGeom>
+        </p:spPr>
+      </p:pic>
     </p:spTree>
     <p:extLst>
       <p:ext uri="{BB962C8B-B14F-4D97-AF65-F5344CB8AC3E}">
-        <p14:creationId xmlns:p14="http://schemas.microsoft.com/office/powerpoint/2010/main" val="1216130842"/>
+        <p14:creationId xmlns:p14="http://schemas.microsoft.com/office/powerpoint/2010/main" val="2975556919"/>
       </p:ext>
     </p:extLst>
   </p:cSld>
@@ -6784,89 +6768,7 @@
           <a:p>
             <a:r>
               <a:rPr lang="en-US" dirty="0"/>
-              <a:t>An example</a:t>
-            </a:r>
-          </a:p>
-        </p:txBody>
-      </p:sp>
-      <p:sp>
-        <p:nvSpPr>
-          <p:cNvPr id="3" name="Text Placeholder 2"/>
-          <p:cNvSpPr>
-            <a:spLocks noGrp="1"/>
-          </p:cNvSpPr>
-          <p:nvPr>
-            <p:ph type="body" idx="1"/>
-          </p:nvPr>
-        </p:nvSpPr>
-        <p:spPr/>
-        <p:txBody>
-          <a:bodyPr/>
-          <a:lstStyle/>
-          <a:p>
-            <a:r>
-              <a:rPr lang="en-US" dirty="0">
-                <a:latin typeface="Courier New" panose="02070309020205020404" pitchFamily="49" charset="0"/>
-                <a:cs typeface="Courier New" panose="02070309020205020404" pitchFamily="49" charset="0"/>
-              </a:rPr>
-              <a:t>Clinic	  1   2 </a:t>
-            </a:r>
-          </a:p>
-          <a:p>
-            <a:r>
-              <a:rPr lang="en-US" dirty="0">
-                <a:latin typeface="Courier New" panose="02070309020205020404" pitchFamily="49" charset="0"/>
-                <a:cs typeface="Courier New" panose="02070309020205020404" pitchFamily="49" charset="0"/>
-              </a:rPr>
-              <a:t>		163  75 </a:t>
-            </a:r>
-          </a:p>
-          <a:p>
-            <a:endParaRPr lang="en-US" dirty="0">
-              <a:latin typeface="Courier New" panose="02070309020205020404" pitchFamily="49" charset="0"/>
-              <a:cs typeface="Courier New" panose="02070309020205020404" pitchFamily="49" charset="0"/>
-            </a:endParaRPr>
-          </a:p>
-          <a:p>
-            <a:r>
-              <a:rPr lang="en-US" dirty="0">
-                <a:latin typeface="Courier New" panose="02070309020205020404" pitchFamily="49" charset="0"/>
-                <a:cs typeface="Courier New" panose="02070309020205020404" pitchFamily="49" charset="0"/>
-              </a:rPr>
-              <a:t>Status	  0   1 </a:t>
-            </a:r>
-          </a:p>
-          <a:p>
-            <a:r>
-              <a:rPr lang="en-US" dirty="0">
-                <a:latin typeface="Courier New" panose="02070309020205020404" pitchFamily="49" charset="0"/>
-                <a:cs typeface="Courier New" panose="02070309020205020404" pitchFamily="49" charset="0"/>
-              </a:rPr>
-              <a:t>		 88 150 </a:t>
-            </a:r>
-          </a:p>
-          <a:p>
-            <a:endParaRPr lang="en-US" dirty="0">
-              <a:latin typeface="Courier New" panose="02070309020205020404" pitchFamily="49" charset="0"/>
-              <a:cs typeface="Courier New" panose="02070309020205020404" pitchFamily="49" charset="0"/>
-            </a:endParaRPr>
-          </a:p>
-          <a:p>
-            <a:r>
-              <a:rPr lang="en-US" dirty="0">
-                <a:latin typeface="Courier New" panose="02070309020205020404" pitchFamily="49" charset="0"/>
-                <a:cs typeface="Courier New" panose="02070309020205020404" pitchFamily="49" charset="0"/>
-              </a:rPr>
-              <a:t>Prison	  0   1 </a:t>
-            </a:r>
-          </a:p>
-          <a:p>
-            <a:r>
-              <a:rPr lang="en-US" dirty="0">
-                <a:latin typeface="Courier New" panose="02070309020205020404" pitchFamily="49" charset="0"/>
-                <a:cs typeface="Courier New" panose="02070309020205020404" pitchFamily="49" charset="0"/>
-              </a:rPr>
-              <a:t>		127 111</a:t>
+              <a:t>Mathematical details</a:t>
             </a:r>
           </a:p>
         </p:txBody>
@@ -6956,15 +6858,45 @@
           <a:p>
             <a:r>
               <a:rPr lang="en-US" dirty="0"/>
-              <a:t>Descriptive statistics for categorical data</a:t>
-            </a:r>
-          </a:p>
-        </p:txBody>
-      </p:sp>
+              <a:t>A full likelihood approach</a:t>
+            </a:r>
+          </a:p>
+        </p:txBody>
+      </p:sp>
+      <p:pic>
+        <p:nvPicPr>
+          <p:cNvPr id="7" name="Picture 6">
+            <a:extLst>
+              <a:ext uri="{FF2B5EF4-FFF2-40B4-BE49-F238E27FC236}">
+                <a16:creationId xmlns:a16="http://schemas.microsoft.com/office/drawing/2014/main" id="{3CB8E2EB-3AA0-4300-ADBD-879CDA974C03}"/>
+              </a:ext>
+            </a:extLst>
+          </p:cNvPr>
+          <p:cNvPicPr>
+            <a:picLocks noChangeAspect="1"/>
+          </p:cNvPicPr>
+          <p:nvPr/>
+        </p:nvPicPr>
+        <p:blipFill>
+          <a:blip r:embed="rId2"/>
+          <a:stretch>
+            <a:fillRect/>
+          </a:stretch>
+        </p:blipFill>
+        <p:spPr>
+          <a:xfrm>
+            <a:off x="439271" y="2209800"/>
+            <a:ext cx="8324850" cy="1866900"/>
+          </a:xfrm>
+          <a:prstGeom prst="rect">
+            <a:avLst/>
+          </a:prstGeom>
+        </p:spPr>
+      </p:pic>
     </p:spTree>
     <p:extLst>
       <p:ext uri="{BB962C8B-B14F-4D97-AF65-F5344CB8AC3E}">
-        <p14:creationId xmlns:p14="http://schemas.microsoft.com/office/powerpoint/2010/main" val="3860529503"/>
+        <p14:creationId xmlns:p14="http://schemas.microsoft.com/office/powerpoint/2010/main" val="2508120139"/>
       </p:ext>
     </p:extLst>
   </p:cSld>
@@ -7008,7 +6940,7 @@
           <a:p>
             <a:r>
               <a:rPr lang="en-US" dirty="0"/>
-              <a:t>An example</a:t>
+              <a:t>Mathematical details</a:t>
             </a:r>
           </a:p>
         </p:txBody>
@@ -7083,222 +7015,60 @@
       </p:sp>
       <p:sp>
         <p:nvSpPr>
-          <p:cNvPr id="6" name="Content Placeholder 5"/>
-          <p:cNvSpPr>
-            <a:spLocks noGrp="1"/>
-          </p:cNvSpPr>
-          <p:nvPr>
-            <p:ph sz="quarter" idx="4"/>
-          </p:nvPr>
-        </p:nvSpPr>
-        <p:spPr/>
-        <p:txBody>
-          <a:bodyPr/>
-          <a:lstStyle/>
-          <a:p>
-            <a:pPr marL="0" indent="0"/>
-            <a:r>
-              <a:rPr lang="en-US" sz="2000" dirty="0">
-                <a:latin typeface="Courier New" panose="02070309020205020404" pitchFamily="49" charset="0"/>
-                <a:cs typeface="Courier New" panose="02070309020205020404" pitchFamily="49" charset="0"/>
-              </a:rPr>
-              <a:t>## $quantile</a:t>
-            </a:r>
-          </a:p>
-          <a:p>
-            <a:pPr marL="0" indent="0"/>
-            <a:r>
-              <a:rPr lang="en-US" sz="2000" dirty="0">
-                <a:latin typeface="Courier New" panose="02070309020205020404" pitchFamily="49" charset="0"/>
-                <a:cs typeface="Courier New" panose="02070309020205020404" pitchFamily="49" charset="0"/>
-              </a:rPr>
-              <a:t>##  25  50  75 </a:t>
-            </a:r>
-          </a:p>
-          <a:p>
-            <a:pPr marL="0" indent="0"/>
-            <a:r>
-              <a:rPr lang="en-US" sz="2000" dirty="0">
-                <a:latin typeface="Courier New" panose="02070309020205020404" pitchFamily="49" charset="0"/>
-                <a:cs typeface="Courier New" panose="02070309020205020404" pitchFamily="49" charset="0"/>
-              </a:rPr>
-              <a:t>## 212 504 821 </a:t>
-            </a:r>
-          </a:p>
-          <a:p>
-            <a:pPr marL="0" indent="0"/>
-            <a:r>
-              <a:rPr lang="en-US" sz="2000" dirty="0">
-                <a:latin typeface="Courier New" panose="02070309020205020404" pitchFamily="49" charset="0"/>
-                <a:cs typeface="Courier New" panose="02070309020205020404" pitchFamily="49" charset="0"/>
-              </a:rPr>
-              <a:t>## </a:t>
-            </a:r>
-          </a:p>
-          <a:p>
-            <a:pPr marL="0" indent="0"/>
-            <a:r>
-              <a:rPr lang="en-US" sz="2000" dirty="0">
-                <a:latin typeface="Courier New" panose="02070309020205020404" pitchFamily="49" charset="0"/>
-                <a:cs typeface="Courier New" panose="02070309020205020404" pitchFamily="49" charset="0"/>
-              </a:rPr>
-              <a:t>## $lower</a:t>
-            </a:r>
-          </a:p>
-          <a:p>
-            <a:pPr marL="0" indent="0"/>
-            <a:r>
-              <a:rPr lang="en-US" sz="2000" dirty="0">
-                <a:latin typeface="Courier New" panose="02070309020205020404" pitchFamily="49" charset="0"/>
-                <a:cs typeface="Courier New" panose="02070309020205020404" pitchFamily="49" charset="0"/>
-              </a:rPr>
-              <a:t>##  25  50  75 </a:t>
-            </a:r>
-          </a:p>
-          <a:p>
-            <a:pPr marL="0" indent="0"/>
-            <a:r>
-              <a:rPr lang="en-US" sz="2000" dirty="0">
-                <a:latin typeface="Courier New" panose="02070309020205020404" pitchFamily="49" charset="0"/>
-                <a:cs typeface="Courier New" panose="02070309020205020404" pitchFamily="49" charset="0"/>
-              </a:rPr>
-              <a:t>## 180 399 739 </a:t>
-            </a:r>
-          </a:p>
-          <a:p>
-            <a:pPr marL="0" indent="0"/>
-            <a:r>
-              <a:rPr lang="en-US" sz="2000" dirty="0">
-                <a:latin typeface="Courier New" panose="02070309020205020404" pitchFamily="49" charset="0"/>
-                <a:cs typeface="Courier New" panose="02070309020205020404" pitchFamily="49" charset="0"/>
-              </a:rPr>
-              <a:t>## </a:t>
-            </a:r>
-          </a:p>
-          <a:p>
-            <a:pPr marL="0" indent="0"/>
-            <a:r>
-              <a:rPr lang="en-US" sz="2000" dirty="0">
-                <a:latin typeface="Courier New" panose="02070309020205020404" pitchFamily="49" charset="0"/>
-                <a:cs typeface="Courier New" panose="02070309020205020404" pitchFamily="49" charset="0"/>
-              </a:rPr>
-              <a:t>## $upper</a:t>
-            </a:r>
-          </a:p>
-          <a:p>
-            <a:pPr marL="0" indent="0"/>
-            <a:r>
-              <a:rPr lang="en-US" sz="2000" dirty="0">
-                <a:latin typeface="Courier New" panose="02070309020205020404" pitchFamily="49" charset="0"/>
-                <a:cs typeface="Courier New" panose="02070309020205020404" pitchFamily="49" charset="0"/>
-              </a:rPr>
-              <a:t>##  25  50  75 </a:t>
-            </a:r>
-          </a:p>
-          <a:p>
-            <a:pPr marL="0" indent="0"/>
-            <a:r>
-              <a:rPr lang="en-US" sz="2000" dirty="0">
-                <a:latin typeface="Courier New" panose="02070309020205020404" pitchFamily="49" charset="0"/>
-                <a:cs typeface="Courier New" panose="02070309020205020404" pitchFamily="49" charset="0"/>
-              </a:rPr>
-              <a:t>## 262 560 892</a:t>
-            </a:r>
-            <a:endParaRPr lang="en-US" dirty="0">
-              <a:latin typeface="Courier New" panose="02070309020205020404" pitchFamily="49" charset="0"/>
-              <a:cs typeface="Courier New" panose="02070309020205020404" pitchFamily="49" charset="0"/>
-            </a:endParaRPr>
+          <p:cNvPr id="6" name="Text Placeholder 5"/>
+          <p:cNvSpPr>
+            <a:spLocks noGrp="1"/>
+          </p:cNvSpPr>
+          <p:nvPr>
+            <p:ph type="body" sz="quarter" idx="12"/>
+          </p:nvPr>
+        </p:nvSpPr>
+        <p:spPr/>
+        <p:txBody>
+          <a:bodyPr/>
+          <a:lstStyle/>
+          <a:p>
+            <a:r>
+              <a:rPr lang="en-US" dirty="0"/>
+              <a:t>Proportional hazards assumption</a:t>
+            </a:r>
           </a:p>
         </p:txBody>
       </p:sp>
       <p:pic>
         <p:nvPicPr>
-          <p:cNvPr id="3074" name="Picture 2"/>
+          <p:cNvPr id="7" name="Picture 6">
+            <a:extLst>
+              <a:ext uri="{FF2B5EF4-FFF2-40B4-BE49-F238E27FC236}">
+                <a16:creationId xmlns:a16="http://schemas.microsoft.com/office/drawing/2014/main" id="{6B944258-11F7-4643-BC78-F6AA193818FA}"/>
+              </a:ext>
+            </a:extLst>
+          </p:cNvPr>
           <p:cNvPicPr>
-            <a:picLocks noChangeAspect="1" noChangeArrowheads="1"/>
+            <a:picLocks noChangeAspect="1"/>
           </p:cNvPicPr>
           <p:nvPr/>
         </p:nvPicPr>
         <p:blipFill>
-          <a:blip r:embed="rId2">
-            <a:extLst>
-              <a:ext uri="{28A0092B-C50C-407E-A947-70E740481C1C}">
-                <a14:useLocalDpi xmlns:a14="http://schemas.microsoft.com/office/drawing/2010/main" val="0"/>
-              </a:ext>
-            </a:extLst>
-          </a:blip>
-          <a:srcRect/>
+          <a:blip r:embed="rId2"/>
           <a:stretch>
             <a:fillRect/>
           </a:stretch>
         </p:blipFill>
-        <p:spPr bwMode="auto">
-          <a:xfrm>
-            <a:off x="609600" y="1981200"/>
-            <a:ext cx="4114800" cy="4114800"/>
-          </a:xfrm>
-          <a:prstGeom prst="rect">
-            <a:avLst/>
-          </a:prstGeom>
-          <a:noFill/>
-          <a:ln>
-            <a:noFill/>
-          </a:ln>
-          <a:extLst>
-            <a:ext uri="{909E8E84-426E-40DD-AFC4-6F175D3DCCD1}">
-              <a14:hiddenFill xmlns:a14="http://schemas.microsoft.com/office/drawing/2010/main">
-                <a:solidFill>
-                  <a:schemeClr val="accent1"/>
-                </a:solidFill>
-              </a14:hiddenFill>
-            </a:ext>
-            <a:ext uri="{91240B29-F687-4F45-9708-019B960494DF}">
-              <a14:hiddenLine xmlns:a14="http://schemas.microsoft.com/office/drawing/2010/main" w="9525">
-                <a:solidFill>
-                  <a:schemeClr val="tx1"/>
-                </a:solidFill>
-                <a:miter lim="800000"/>
-                <a:headEnd/>
-                <a:tailEnd/>
-              </a14:hiddenLine>
-            </a:ext>
-          </a:extLst>
-        </p:spPr>
-      </p:pic>
-      <p:sp>
-        <p:nvSpPr>
-          <p:cNvPr id="10" name="Text Placeholder 5"/>
-          <p:cNvSpPr>
-            <a:spLocks noGrp="1"/>
-          </p:cNvSpPr>
-          <p:nvPr>
-            <p:ph type="body" sz="quarter" idx="4294967295"/>
-          </p:nvPr>
-        </p:nvSpPr>
         <p:spPr>
           <a:xfrm>
-            <a:off x="457200" y="1600200"/>
-            <a:ext cx="8229600" cy="533400"/>
+            <a:off x="457200" y="2479675"/>
+            <a:ext cx="8096250" cy="2828925"/>
           </a:xfrm>
           <a:prstGeom prst="rect">
             <a:avLst/>
           </a:prstGeom>
         </p:spPr>
-        <p:txBody>
-          <a:bodyPr/>
-          <a:lstStyle/>
-          <a:p>
-            <a:r>
-              <a:rPr lang="en-US" dirty="0"/>
-              <a:t>Overall Kaplan-Meier curve</a:t>
-            </a:r>
-          </a:p>
-        </p:txBody>
-      </p:sp>
+      </p:pic>
     </p:spTree>
     <p:extLst>
       <p:ext uri="{BB962C8B-B14F-4D97-AF65-F5344CB8AC3E}">
-        <p14:creationId xmlns:p14="http://schemas.microsoft.com/office/powerpoint/2010/main" val="172417590"/>
+        <p14:creationId xmlns:p14="http://schemas.microsoft.com/office/powerpoint/2010/main" val="3834320799"/>
       </p:ext>
     </p:extLst>
   </p:cSld>
@@ -7342,7 +7112,7 @@
           <a:p>
             <a:r>
               <a:rPr lang="en-US" dirty="0"/>
-              <a:t>An example</a:t>
+              <a:t>Mathematical details</a:t>
             </a:r>
           </a:p>
         </p:txBody>
@@ -7417,155 +7187,60 @@
       </p:sp>
       <p:sp>
         <p:nvSpPr>
-          <p:cNvPr id="6" name="Content Placeholder 5"/>
-          <p:cNvSpPr>
-            <a:spLocks noGrp="1"/>
-          </p:cNvSpPr>
-          <p:nvPr>
-            <p:ph sz="quarter" idx="4"/>
-          </p:nvPr>
-        </p:nvSpPr>
-        <p:spPr/>
-        <p:txBody>
-          <a:bodyPr/>
-          <a:lstStyle/>
-          <a:p>
-            <a:pPr marL="0" indent="0"/>
-            <a:r>
-              <a:rPr lang="en-US" sz="2000" dirty="0">
-                <a:latin typeface="Courier New" panose="02070309020205020404" pitchFamily="49" charset="0"/>
-                <a:cs typeface="Courier New" panose="02070309020205020404" pitchFamily="49" charset="0"/>
-              </a:rPr>
-              <a:t>#</a:t>
-            </a:r>
-            <a:r>
-              <a:rPr lang="pt-BR" sz="2000" dirty="0">
-                <a:latin typeface="Courier New" panose="02070309020205020404" pitchFamily="49" charset="0"/>
-                <a:cs typeface="Courier New" panose="02070309020205020404" pitchFamily="49" charset="0"/>
-              </a:rPr>
-              <a:t># $quantile</a:t>
-            </a:r>
-          </a:p>
-          <a:p>
-            <a:pPr marL="0" indent="0"/>
-            <a:r>
-              <a:rPr lang="pt-BR" sz="2000" dirty="0">
-                <a:latin typeface="Courier New" panose="02070309020205020404" pitchFamily="49" charset="0"/>
-                <a:cs typeface="Courier New" panose="02070309020205020404" pitchFamily="49" charset="0"/>
-              </a:rPr>
-              <a:t>##           25  50  75</a:t>
-            </a:r>
-          </a:p>
-          <a:p>
-            <a:pPr marL="0" indent="0"/>
-            <a:r>
-              <a:rPr lang="pt-BR" sz="2000" dirty="0">
-                <a:latin typeface="Courier New" panose="02070309020205020404" pitchFamily="49" charset="0"/>
-                <a:cs typeface="Courier New" panose="02070309020205020404" pitchFamily="49" charset="0"/>
-              </a:rPr>
-              <a:t>## Clinic=1 192 428 652</a:t>
-            </a:r>
-          </a:p>
-          <a:p>
-            <a:pPr marL="0" indent="0"/>
-            <a:r>
-              <a:rPr lang="pt-BR" sz="2000" dirty="0">
-                <a:latin typeface="Courier New" panose="02070309020205020404" pitchFamily="49" charset="0"/>
-                <a:cs typeface="Courier New" panose="02070309020205020404" pitchFamily="49" charset="0"/>
-              </a:rPr>
-              <a:t>## Clinic=2 280  NA  NA</a:t>
+          <p:cNvPr id="6" name="Text Placeholder 5"/>
+          <p:cNvSpPr>
+            <a:spLocks noGrp="1"/>
+          </p:cNvSpPr>
+          <p:nvPr>
+            <p:ph type="body" sz="quarter" idx="12"/>
+          </p:nvPr>
+        </p:nvSpPr>
+        <p:spPr/>
+        <p:txBody>
+          <a:bodyPr/>
+          <a:lstStyle/>
+          <a:p>
+            <a:r>
+              <a:rPr lang="en-US" dirty="0"/>
+              <a:t>Estimation via partial likelihood</a:t>
             </a:r>
           </a:p>
         </p:txBody>
       </p:sp>
       <p:pic>
         <p:nvPicPr>
-          <p:cNvPr id="4098" name="Picture 2"/>
+          <p:cNvPr id="3" name="Picture 2">
+            <a:extLst>
+              <a:ext uri="{FF2B5EF4-FFF2-40B4-BE49-F238E27FC236}">
+                <a16:creationId xmlns:a16="http://schemas.microsoft.com/office/drawing/2014/main" id="{5933033A-38D6-4B14-A56C-C44429F3C4B9}"/>
+              </a:ext>
+            </a:extLst>
+          </p:cNvPr>
           <p:cNvPicPr>
-            <a:picLocks noChangeAspect="1" noChangeArrowheads="1"/>
+            <a:picLocks noChangeAspect="1"/>
           </p:cNvPicPr>
           <p:nvPr/>
         </p:nvPicPr>
         <p:blipFill>
-          <a:blip r:embed="rId2">
-            <a:extLst>
-              <a:ext uri="{28A0092B-C50C-407E-A947-70E740481C1C}">
-                <a14:useLocalDpi xmlns:a14="http://schemas.microsoft.com/office/drawing/2010/main" val="0"/>
-              </a:ext>
-            </a:extLst>
-          </a:blip>
-          <a:srcRect/>
+          <a:blip r:embed="rId2"/>
           <a:stretch>
             <a:fillRect/>
           </a:stretch>
         </p:blipFill>
-        <p:spPr bwMode="auto">
-          <a:xfrm>
-            <a:off x="533400" y="1981200"/>
-            <a:ext cx="4114800" cy="4114800"/>
-          </a:xfrm>
-          <a:prstGeom prst="rect">
-            <a:avLst/>
-          </a:prstGeom>
-          <a:noFill/>
-          <a:ln>
-            <a:noFill/>
-          </a:ln>
-          <a:extLst>
-            <a:ext uri="{909E8E84-426E-40DD-AFC4-6F175D3DCCD1}">
-              <a14:hiddenFill xmlns:a14="http://schemas.microsoft.com/office/drawing/2010/main">
-                <a:solidFill>
-                  <a:schemeClr val="accent1"/>
-                </a:solidFill>
-              </a14:hiddenFill>
-            </a:ext>
-            <a:ext uri="{91240B29-F687-4F45-9708-019B960494DF}">
-              <a14:hiddenLine xmlns:a14="http://schemas.microsoft.com/office/drawing/2010/main" w="9525">
-                <a:solidFill>
-                  <a:schemeClr val="tx1"/>
-                </a:solidFill>
-                <a:miter lim="800000"/>
-                <a:headEnd/>
-                <a:tailEnd/>
-              </a14:hiddenLine>
-            </a:ext>
-          </a:extLst>
-        </p:spPr>
-      </p:pic>
-      <p:sp>
-        <p:nvSpPr>
-          <p:cNvPr id="8" name="Text Placeholder 5"/>
-          <p:cNvSpPr>
-            <a:spLocks noGrp="1"/>
-          </p:cNvSpPr>
-          <p:nvPr>
-            <p:ph type="body" sz="quarter" idx="4294967295"/>
-          </p:nvPr>
-        </p:nvSpPr>
         <p:spPr>
           <a:xfrm>
-            <a:off x="457200" y="1600200"/>
-            <a:ext cx="8229600" cy="533400"/>
+            <a:off x="457200" y="2311400"/>
+            <a:ext cx="8229600" cy="1876425"/>
           </a:xfrm>
           <a:prstGeom prst="rect">
             <a:avLst/>
           </a:prstGeom>
         </p:spPr>
-        <p:txBody>
-          <a:bodyPr/>
-          <a:lstStyle/>
-          <a:p>
-            <a:r>
-              <a:rPr lang="en-US" dirty="0"/>
-              <a:t>Kaplan-Meier curve for clinic</a:t>
-            </a:r>
-          </a:p>
-        </p:txBody>
-      </p:sp>
+      </p:pic>
     </p:spTree>
     <p:extLst>
       <p:ext uri="{BB962C8B-B14F-4D97-AF65-F5344CB8AC3E}">
-        <p14:creationId xmlns:p14="http://schemas.microsoft.com/office/powerpoint/2010/main" val="1507866479"/>
+        <p14:creationId xmlns:p14="http://schemas.microsoft.com/office/powerpoint/2010/main" val="2956428624"/>
       </p:ext>
     </p:extLst>
   </p:cSld>
@@ -7608,10 +7283,9 @@
           <a:lstStyle/>
           <a:p>
             <a:r>
-              <a:rPr lang="en-US"/>
-              <a:t>An example</a:t>
-            </a:r>
-            <a:endParaRPr lang="en-US" dirty="0"/>
+              <a:rPr lang="en-US" dirty="0"/>
+              <a:t>Mathematical details</a:t>
+            </a:r>
           </a:p>
         </p:txBody>
       </p:sp>
@@ -7685,155 +7359,60 @@
       </p:sp>
       <p:sp>
         <p:nvSpPr>
-          <p:cNvPr id="6" name="Content Placeholder 5"/>
-          <p:cNvSpPr>
-            <a:spLocks noGrp="1"/>
-          </p:cNvSpPr>
-          <p:nvPr>
-            <p:ph sz="quarter" idx="4"/>
-          </p:nvPr>
-        </p:nvSpPr>
-        <p:spPr/>
-        <p:txBody>
-          <a:bodyPr/>
-          <a:lstStyle/>
-          <a:p>
-            <a:pPr marL="0" indent="0"/>
-            <a:r>
-              <a:rPr lang="en-US" sz="2000" dirty="0">
-                <a:latin typeface="Courier New" panose="02070309020205020404" pitchFamily="49" charset="0"/>
-                <a:cs typeface="Courier New" panose="02070309020205020404" pitchFamily="49" charset="0"/>
-              </a:rPr>
-              <a:t>#</a:t>
-            </a:r>
-            <a:r>
-              <a:rPr lang="fr-FR" sz="2000" dirty="0">
-                <a:latin typeface="Courier New" panose="02070309020205020404" pitchFamily="49" charset="0"/>
-                <a:cs typeface="Courier New" panose="02070309020205020404" pitchFamily="49" charset="0"/>
-              </a:rPr>
-              <a:t># $quantile</a:t>
-            </a:r>
-          </a:p>
-          <a:p>
-            <a:pPr marL="0" indent="0"/>
-            <a:r>
-              <a:rPr lang="fr-FR" sz="2000" dirty="0">
-                <a:latin typeface="Courier New" panose="02070309020205020404" pitchFamily="49" charset="0"/>
-                <a:cs typeface="Courier New" panose="02070309020205020404" pitchFamily="49" charset="0"/>
-              </a:rPr>
-              <a:t>##           25  50  75</a:t>
-            </a:r>
-          </a:p>
-          <a:p>
-            <a:pPr marL="0" indent="0"/>
-            <a:r>
-              <a:rPr lang="fr-FR" sz="2000" dirty="0">
-                <a:latin typeface="Courier New" panose="02070309020205020404" pitchFamily="49" charset="0"/>
-                <a:cs typeface="Courier New" panose="02070309020205020404" pitchFamily="49" charset="0"/>
-              </a:rPr>
-              <a:t>## Prison=0 262 523 821</a:t>
-            </a:r>
-          </a:p>
-          <a:p>
-            <a:pPr marL="0" indent="0"/>
-            <a:r>
-              <a:rPr lang="fr-FR" sz="2000" dirty="0">
-                <a:latin typeface="Courier New" panose="02070309020205020404" pitchFamily="49" charset="0"/>
-                <a:cs typeface="Courier New" panose="02070309020205020404" pitchFamily="49" charset="0"/>
-              </a:rPr>
-              <a:t>## Prison=1 181 394 774</a:t>
+          <p:cNvPr id="6" name="Text Placeholder 5"/>
+          <p:cNvSpPr>
+            <a:spLocks noGrp="1"/>
+          </p:cNvSpPr>
+          <p:nvPr>
+            <p:ph type="body" sz="quarter" idx="12"/>
+          </p:nvPr>
+        </p:nvSpPr>
+        <p:spPr/>
+        <p:txBody>
+          <a:bodyPr/>
+          <a:lstStyle/>
+          <a:p>
+            <a:r>
+              <a:rPr lang="en-US" dirty="0"/>
+              <a:t>The information matrix</a:t>
             </a:r>
           </a:p>
         </p:txBody>
       </p:sp>
       <p:pic>
         <p:nvPicPr>
-          <p:cNvPr id="5122" name="Picture 2"/>
+          <p:cNvPr id="7" name="Picture 6">
+            <a:extLst>
+              <a:ext uri="{FF2B5EF4-FFF2-40B4-BE49-F238E27FC236}">
+                <a16:creationId xmlns:a16="http://schemas.microsoft.com/office/drawing/2014/main" id="{D5273164-7F39-4EBC-BD1E-5B6EDE2D979C}"/>
+              </a:ext>
+            </a:extLst>
+          </p:cNvPr>
           <p:cNvPicPr>
-            <a:picLocks noChangeAspect="1" noChangeArrowheads="1"/>
+            <a:picLocks noChangeAspect="1"/>
           </p:cNvPicPr>
           <p:nvPr/>
         </p:nvPicPr>
         <p:blipFill>
-          <a:blip r:embed="rId2">
-            <a:extLst>
-              <a:ext uri="{28A0092B-C50C-407E-A947-70E740481C1C}">
-                <a14:useLocalDpi xmlns:a14="http://schemas.microsoft.com/office/drawing/2010/main" val="0"/>
-              </a:ext>
-            </a:extLst>
-          </a:blip>
-          <a:srcRect/>
+          <a:blip r:embed="rId2"/>
           <a:stretch>
             <a:fillRect/>
           </a:stretch>
         </p:blipFill>
-        <p:spPr bwMode="auto">
-          <a:xfrm>
-            <a:off x="533400" y="1905000"/>
-            <a:ext cx="4098925" cy="4098925"/>
-          </a:xfrm>
-          <a:prstGeom prst="rect">
-            <a:avLst/>
-          </a:prstGeom>
-          <a:noFill/>
-          <a:ln>
-            <a:noFill/>
-          </a:ln>
-          <a:extLst>
-            <a:ext uri="{909E8E84-426E-40DD-AFC4-6F175D3DCCD1}">
-              <a14:hiddenFill xmlns:a14="http://schemas.microsoft.com/office/drawing/2010/main">
-                <a:solidFill>
-                  <a:schemeClr val="accent1"/>
-                </a:solidFill>
-              </a14:hiddenFill>
-            </a:ext>
-            <a:ext uri="{91240B29-F687-4F45-9708-019B960494DF}">
-              <a14:hiddenLine xmlns:a14="http://schemas.microsoft.com/office/drawing/2010/main" w="9525">
-                <a:solidFill>
-                  <a:schemeClr val="tx1"/>
-                </a:solidFill>
-                <a:miter lim="800000"/>
-                <a:headEnd/>
-                <a:tailEnd/>
-              </a14:hiddenLine>
-            </a:ext>
-          </a:extLst>
-        </p:spPr>
-      </p:pic>
-      <p:sp>
-        <p:nvSpPr>
-          <p:cNvPr id="8" name="Text Placeholder 5"/>
-          <p:cNvSpPr>
-            <a:spLocks noGrp="1"/>
-          </p:cNvSpPr>
-          <p:nvPr>
-            <p:ph type="body" sz="quarter" idx="4294967295"/>
-          </p:nvPr>
-        </p:nvSpPr>
         <p:spPr>
           <a:xfrm>
-            <a:off x="457200" y="1600200"/>
-            <a:ext cx="8229600" cy="533400"/>
+            <a:off x="484094" y="2209800"/>
+            <a:ext cx="4762500" cy="2438400"/>
           </a:xfrm>
           <a:prstGeom prst="rect">
             <a:avLst/>
           </a:prstGeom>
         </p:spPr>
-        <p:txBody>
-          <a:bodyPr/>
-          <a:lstStyle/>
-          <a:p>
-            <a:r>
-              <a:rPr lang="en-US" dirty="0"/>
-              <a:t>Kaplan-Meier curve for prison</a:t>
-            </a:r>
-          </a:p>
-        </p:txBody>
-      </p:sp>
+      </p:pic>
     </p:spTree>
     <p:extLst>
       <p:ext uri="{BB962C8B-B14F-4D97-AF65-F5344CB8AC3E}">
-        <p14:creationId xmlns:p14="http://schemas.microsoft.com/office/powerpoint/2010/main" val="2331486600"/>
+        <p14:creationId xmlns:p14="http://schemas.microsoft.com/office/powerpoint/2010/main" val="344150015"/>
       </p:ext>
     </p:extLst>
   </p:cSld>
@@ -7877,89 +7456,8 @@
           <a:p>
             <a:r>
               <a:rPr lang="en-US" dirty="0"/>
-              <a:t>An example</a:t>
-            </a:r>
-          </a:p>
-        </p:txBody>
-      </p:sp>
-      <p:sp>
-        <p:nvSpPr>
-          <p:cNvPr id="3" name="Text Placeholder 2"/>
-          <p:cNvSpPr>
-            <a:spLocks noGrp="1"/>
-          </p:cNvSpPr>
-          <p:nvPr>
-            <p:ph type="body" idx="1"/>
-          </p:nvPr>
-        </p:nvSpPr>
-        <p:spPr/>
-        <p:txBody>
-          <a:bodyPr/>
-          <a:lstStyle/>
-          <a:p>
-            <a:r>
-              <a:rPr lang="en-US" dirty="0">
-                <a:latin typeface="Courier New" panose="02070309020205020404" pitchFamily="49" charset="0"/>
-                <a:cs typeface="Courier New" panose="02070309020205020404" pitchFamily="49" charset="0"/>
-              </a:rPr>
-              <a:t>Log rank test</a:t>
-            </a:r>
-          </a:p>
-          <a:p>
-            <a:endParaRPr lang="en-US" dirty="0">
-              <a:latin typeface="Courier New" panose="02070309020205020404" pitchFamily="49" charset="0"/>
-              <a:cs typeface="Courier New" panose="02070309020205020404" pitchFamily="49" charset="0"/>
-            </a:endParaRPr>
-          </a:p>
-          <a:p>
-            <a:r>
-              <a:rPr lang="en-US" dirty="0">
-                <a:latin typeface="Courier New" panose="02070309020205020404" pitchFamily="49" charset="0"/>
-                <a:cs typeface="Courier New" panose="02070309020205020404" pitchFamily="49" charset="0"/>
-              </a:rPr>
-              <a:t>           N Observed Expected (O-E)^2/E (O-E)^2/V</a:t>
-            </a:r>
-          </a:p>
-          <a:p>
-            <a:r>
-              <a:rPr lang="en-US" dirty="0">
-                <a:latin typeface="Courier New" panose="02070309020205020404" pitchFamily="49" charset="0"/>
-                <a:cs typeface="Courier New" panose="02070309020205020404" pitchFamily="49" charset="0"/>
-              </a:rPr>
-              <a:t>Prison=0 127       81     87.8     0.519      1.26</a:t>
-            </a:r>
-          </a:p>
-          <a:p>
-            <a:r>
-              <a:rPr lang="en-US" dirty="0">
-                <a:latin typeface="Courier New" panose="02070309020205020404" pitchFamily="49" charset="0"/>
-                <a:cs typeface="Courier New" panose="02070309020205020404" pitchFamily="49" charset="0"/>
-              </a:rPr>
-              <a:t>Prison=1 111       69     62.2     0.732      1.26</a:t>
-            </a:r>
-          </a:p>
-          <a:p>
-            <a:endParaRPr lang="en-US" dirty="0">
-              <a:latin typeface="Courier New" panose="02070309020205020404" pitchFamily="49" charset="0"/>
-              <a:cs typeface="Courier New" panose="02070309020205020404" pitchFamily="49" charset="0"/>
-            </a:endParaRPr>
-          </a:p>
-          <a:p>
-            <a:r>
-              <a:rPr lang="en-US" dirty="0" err="1">
-                <a:latin typeface="Courier New" panose="02070309020205020404" pitchFamily="49" charset="0"/>
-                <a:cs typeface="Courier New" panose="02070309020205020404" pitchFamily="49" charset="0"/>
-              </a:rPr>
-              <a:t>Chisq</a:t>
-            </a:r>
-            <a:r>
-              <a:rPr lang="en-US" dirty="0">
-                <a:latin typeface="Courier New" panose="02070309020205020404" pitchFamily="49" charset="0"/>
-                <a:cs typeface="Courier New" panose="02070309020205020404" pitchFamily="49" charset="0"/>
-              </a:rPr>
-              <a:t>= 1.3  on 1 degrees of freedom, p= 0.262</a:t>
-            </a:r>
-            <a:endParaRPr lang="en-US" dirty="0"/>
+              <a:t>Mathematical details</a:t>
+            </a:r>
           </a:p>
         </p:txBody>
       </p:sp>
@@ -8048,15 +7546,45 @@
           <a:p>
             <a:r>
               <a:rPr lang="en-US" dirty="0"/>
-              <a:t>Log rank test for prison</a:t>
-            </a:r>
-          </a:p>
-        </p:txBody>
-      </p:sp>
+              <a:t>The Wald, score, and likelihood ratio tests</a:t>
+            </a:r>
+          </a:p>
+        </p:txBody>
+      </p:sp>
+      <p:pic>
+        <p:nvPicPr>
+          <p:cNvPr id="3" name="Picture 2">
+            <a:extLst>
+              <a:ext uri="{FF2B5EF4-FFF2-40B4-BE49-F238E27FC236}">
+                <a16:creationId xmlns:a16="http://schemas.microsoft.com/office/drawing/2014/main" id="{1293D58A-658E-46F7-B929-42F270DB9543}"/>
+              </a:ext>
+            </a:extLst>
+          </p:cNvPr>
+          <p:cNvPicPr>
+            <a:picLocks noChangeAspect="1"/>
+          </p:cNvPicPr>
+          <p:nvPr/>
+        </p:nvPicPr>
+        <p:blipFill>
+          <a:blip r:embed="rId2"/>
+          <a:stretch>
+            <a:fillRect/>
+          </a:stretch>
+        </p:blipFill>
+        <p:spPr>
+          <a:xfrm>
+            <a:off x="457200" y="2209800"/>
+            <a:ext cx="8429625" cy="2762250"/>
+          </a:xfrm>
+          <a:prstGeom prst="rect">
+            <a:avLst/>
+          </a:prstGeom>
+        </p:spPr>
+      </p:pic>
     </p:spTree>
     <p:extLst>
       <p:ext uri="{BB962C8B-B14F-4D97-AF65-F5344CB8AC3E}">
-        <p14:creationId xmlns:p14="http://schemas.microsoft.com/office/powerpoint/2010/main" val="1340290829"/>
+        <p14:creationId xmlns:p14="http://schemas.microsoft.com/office/powerpoint/2010/main" val="2528957951"/>
       </p:ext>
     </p:extLst>
   </p:cSld>
@@ -8100,7 +7628,7 @@
           <a:p>
             <a:r>
               <a:rPr lang="en-US" dirty="0"/>
-              <a:t>An example</a:t>
+              <a:t>A simple example of the Cox regression model</a:t>
             </a:r>
           </a:p>
         </p:txBody>
@@ -8121,131 +7649,113 @@
           <a:lstStyle/>
           <a:p>
             <a:r>
-              <a:rPr lang="en-US" dirty="0">
-                <a:latin typeface="Courier New" panose="02070309020205020404" pitchFamily="49" charset="0"/>
-                <a:cs typeface="Courier New" panose="02070309020205020404" pitchFamily="49" charset="0"/>
-              </a:rPr>
-              <a:t>Cox proportional hazards model</a:t>
-            </a:r>
-          </a:p>
-          <a:p>
-            <a:endParaRPr lang="en-US" dirty="0">
+              <a:rPr lang="en-US" sz="1800" dirty="0">
+                <a:latin typeface="Courier New" panose="02070309020205020404" pitchFamily="49" charset="0"/>
+                <a:cs typeface="Courier New" panose="02070309020205020404" pitchFamily="49" charset="0"/>
+              </a:rPr>
+              <a:t>               </a:t>
+            </a:r>
+            <a:r>
+              <a:rPr lang="en-US" sz="1800" dirty="0" err="1">
+                <a:latin typeface="Courier New" panose="02070309020205020404" pitchFamily="49" charset="0"/>
+                <a:cs typeface="Courier New" panose="02070309020205020404" pitchFamily="49" charset="0"/>
+              </a:rPr>
+              <a:t>coef</a:t>
+            </a:r>
+            <a:r>
+              <a:rPr lang="en-US" sz="1800" dirty="0">
+                <a:latin typeface="Courier New" panose="02070309020205020404" pitchFamily="49" charset="0"/>
+                <a:cs typeface="Courier New" panose="02070309020205020404" pitchFamily="49" charset="0"/>
+              </a:rPr>
+              <a:t> </a:t>
+            </a:r>
+            <a:r>
+              <a:rPr lang="en-US" sz="1800" dirty="0" err="1">
+                <a:latin typeface="Courier New" panose="02070309020205020404" pitchFamily="49" charset="0"/>
+                <a:cs typeface="Courier New" panose="02070309020205020404" pitchFamily="49" charset="0"/>
+              </a:rPr>
+              <a:t>exp</a:t>
+            </a:r>
+            <a:r>
+              <a:rPr lang="en-US" sz="1800" dirty="0">
+                <a:latin typeface="Courier New" panose="02070309020205020404" pitchFamily="49" charset="0"/>
+                <a:cs typeface="Courier New" panose="02070309020205020404" pitchFamily="49" charset="0"/>
+              </a:rPr>
+              <a:t>(</a:t>
+            </a:r>
+            <a:r>
+              <a:rPr lang="en-US" sz="1800" dirty="0" err="1">
+                <a:latin typeface="Courier New" panose="02070309020205020404" pitchFamily="49" charset="0"/>
+                <a:cs typeface="Courier New" panose="02070309020205020404" pitchFamily="49" charset="0"/>
+              </a:rPr>
+              <a:t>coef</a:t>
+            </a:r>
+            <a:r>
+              <a:rPr lang="en-US" sz="1800" dirty="0">
+                <a:latin typeface="Courier New" panose="02070309020205020404" pitchFamily="49" charset="0"/>
+                <a:cs typeface="Courier New" panose="02070309020205020404" pitchFamily="49" charset="0"/>
+              </a:rPr>
+              <a:t>) se(</a:t>
+            </a:r>
+            <a:r>
+              <a:rPr lang="en-US" sz="1800" dirty="0" err="1">
+                <a:latin typeface="Courier New" panose="02070309020205020404" pitchFamily="49" charset="0"/>
+                <a:cs typeface="Courier New" panose="02070309020205020404" pitchFamily="49" charset="0"/>
+              </a:rPr>
+              <a:t>coef</a:t>
+            </a:r>
+            <a:r>
+              <a:rPr lang="en-US" sz="1800" dirty="0">
+                <a:latin typeface="Courier New" panose="02070309020205020404" pitchFamily="49" charset="0"/>
+                <a:cs typeface="Courier New" panose="02070309020205020404" pitchFamily="49" charset="0"/>
+              </a:rPr>
+              <a:t>)     z </a:t>
+            </a:r>
+            <a:r>
+              <a:rPr lang="en-US" sz="1800" dirty="0" err="1">
+                <a:latin typeface="Courier New" panose="02070309020205020404" pitchFamily="49" charset="0"/>
+                <a:cs typeface="Courier New" panose="02070309020205020404" pitchFamily="49" charset="0"/>
+              </a:rPr>
+              <a:t>Pr</a:t>
+            </a:r>
+            <a:r>
+              <a:rPr lang="en-US" sz="1800" dirty="0">
+                <a:latin typeface="Courier New" panose="02070309020205020404" pitchFamily="49" charset="0"/>
+                <a:cs typeface="Courier New" panose="02070309020205020404" pitchFamily="49" charset="0"/>
+              </a:rPr>
+              <a:t>(&gt;|z|)  </a:t>
+            </a:r>
+          </a:p>
+          <a:p>
+            <a:r>
+              <a:rPr lang="en-US" sz="1800" dirty="0" err="1">
+                <a:latin typeface="Courier New" panose="02070309020205020404" pitchFamily="49" charset="0"/>
+                <a:cs typeface="Courier New" panose="02070309020205020404" pitchFamily="49" charset="0"/>
+              </a:rPr>
+              <a:t>genderFemale</a:t>
+            </a:r>
+            <a:r>
+              <a:rPr lang="en-US" sz="1800" dirty="0">
+                <a:latin typeface="Courier New" panose="02070309020205020404" pitchFamily="49" charset="0"/>
+                <a:cs typeface="Courier New" panose="02070309020205020404" pitchFamily="49" charset="0"/>
+              </a:rPr>
+              <a:t> 0.5548    1.7416   0.2824 1.965   0.0494 *</a:t>
+            </a:r>
+          </a:p>
+          <a:p>
+            <a:endParaRPr lang="en-US" sz="1800" dirty="0">
               <a:latin typeface="Courier New" panose="02070309020205020404" pitchFamily="49" charset="0"/>
               <a:cs typeface="Courier New" panose="02070309020205020404" pitchFamily="49" charset="0"/>
             </a:endParaRPr>
           </a:p>
           <a:p>
             <a:r>
-              <a:rPr lang="en-US" dirty="0">
-                <a:latin typeface="Courier New" panose="02070309020205020404" pitchFamily="49" charset="0"/>
-                <a:cs typeface="Courier New" panose="02070309020205020404" pitchFamily="49" charset="0"/>
-              </a:rPr>
-              <a:t>        </a:t>
-            </a:r>
-            <a:r>
-              <a:rPr lang="en-US" dirty="0" err="1">
-                <a:latin typeface="Courier New" panose="02070309020205020404" pitchFamily="49" charset="0"/>
-                <a:cs typeface="Courier New" panose="02070309020205020404" pitchFamily="49" charset="0"/>
-              </a:rPr>
-              <a:t>coef</a:t>
-            </a:r>
-            <a:r>
-              <a:rPr lang="en-US" dirty="0">
-                <a:latin typeface="Courier New" panose="02070309020205020404" pitchFamily="49" charset="0"/>
-                <a:cs typeface="Courier New" panose="02070309020205020404" pitchFamily="49" charset="0"/>
-              </a:rPr>
-              <a:t> </a:t>
-            </a:r>
-            <a:r>
-              <a:rPr lang="en-US" dirty="0" err="1">
-                <a:latin typeface="Courier New" panose="02070309020205020404" pitchFamily="49" charset="0"/>
-                <a:cs typeface="Courier New" panose="02070309020205020404" pitchFamily="49" charset="0"/>
-              </a:rPr>
-              <a:t>exp</a:t>
-            </a:r>
-            <a:r>
-              <a:rPr lang="en-US" dirty="0">
-                <a:latin typeface="Courier New" panose="02070309020205020404" pitchFamily="49" charset="0"/>
-                <a:cs typeface="Courier New" panose="02070309020205020404" pitchFamily="49" charset="0"/>
-              </a:rPr>
-              <a:t>(</a:t>
-            </a:r>
-            <a:r>
-              <a:rPr lang="en-US" dirty="0" err="1">
-                <a:latin typeface="Courier New" panose="02070309020205020404" pitchFamily="49" charset="0"/>
-                <a:cs typeface="Courier New" panose="02070309020205020404" pitchFamily="49" charset="0"/>
-              </a:rPr>
-              <a:t>coef</a:t>
-            </a:r>
-            <a:r>
-              <a:rPr lang="en-US" dirty="0">
-                <a:latin typeface="Courier New" panose="02070309020205020404" pitchFamily="49" charset="0"/>
-                <a:cs typeface="Courier New" panose="02070309020205020404" pitchFamily="49" charset="0"/>
-              </a:rPr>
-              <a:t>) se(</a:t>
-            </a:r>
-            <a:r>
-              <a:rPr lang="en-US" dirty="0" err="1">
-                <a:latin typeface="Courier New" panose="02070309020205020404" pitchFamily="49" charset="0"/>
-                <a:cs typeface="Courier New" panose="02070309020205020404" pitchFamily="49" charset="0"/>
-              </a:rPr>
-              <a:t>coef</a:t>
-            </a:r>
-            <a:r>
-              <a:rPr lang="en-US" dirty="0">
-                <a:latin typeface="Courier New" panose="02070309020205020404" pitchFamily="49" charset="0"/>
-                <a:cs typeface="Courier New" panose="02070309020205020404" pitchFamily="49" charset="0"/>
-              </a:rPr>
-              <a:t>)    z    p</a:t>
-            </a:r>
-          </a:p>
-          <a:p>
-            <a:r>
-              <a:rPr lang="en-US" dirty="0">
-                <a:latin typeface="Courier New" panose="02070309020205020404" pitchFamily="49" charset="0"/>
-                <a:cs typeface="Courier New" panose="02070309020205020404" pitchFamily="49" charset="0"/>
-              </a:rPr>
-              <a:t>Prison 0.184     1.202    0.164 1.12 0.26</a:t>
-            </a:r>
-          </a:p>
-          <a:p>
-            <a:endParaRPr lang="en-US" dirty="0">
-              <a:latin typeface="Courier New" panose="02070309020205020404" pitchFamily="49" charset="0"/>
-              <a:cs typeface="Courier New" panose="02070309020205020404" pitchFamily="49" charset="0"/>
-            </a:endParaRPr>
-          </a:p>
-          <a:p>
-            <a:r>
-              <a:rPr lang="en-US" dirty="0">
-                <a:latin typeface="Courier New" panose="02070309020205020404" pitchFamily="49" charset="0"/>
-                <a:cs typeface="Courier New" panose="02070309020205020404" pitchFamily="49" charset="0"/>
-              </a:rPr>
-              <a:t>Likelihood ratio test=1.25  on 1 </a:t>
-            </a:r>
-            <a:r>
-              <a:rPr lang="en-US" dirty="0" err="1">
-                <a:latin typeface="Courier New" panose="02070309020205020404" pitchFamily="49" charset="0"/>
-                <a:cs typeface="Courier New" panose="02070309020205020404" pitchFamily="49" charset="0"/>
-              </a:rPr>
-              <a:t>df</a:t>
-            </a:r>
-            <a:r>
-              <a:rPr lang="en-US" dirty="0">
-                <a:latin typeface="Courier New" panose="02070309020205020404" pitchFamily="49" charset="0"/>
-                <a:cs typeface="Courier New" panose="02070309020205020404" pitchFamily="49" charset="0"/>
-              </a:rPr>
-              <a:t>, p=0.264</a:t>
-            </a:r>
-          </a:p>
-          <a:p>
-            <a:r>
-              <a:rPr lang="en-US" dirty="0">
-                <a:latin typeface="Courier New" panose="02070309020205020404" pitchFamily="49" charset="0"/>
-                <a:cs typeface="Courier New" panose="02070309020205020404" pitchFamily="49" charset="0"/>
-              </a:rPr>
-              <a:t>n= 238, number of events= 150</a:t>
-            </a:r>
-            <a:endParaRPr lang="en-US" dirty="0"/>
+              <a:rPr lang="en-US" sz="1800" dirty="0">
+                <a:latin typeface="Courier New" panose="02070309020205020404" pitchFamily="49" charset="0"/>
+                <a:cs typeface="Courier New" panose="02070309020205020404" pitchFamily="49" charset="0"/>
+              </a:rPr>
+              <a:t>The Wald test is 0.5548 / 0.284 = 1.965. Compare this to a normal distribution, to get a p-value of 0.0494. Reject the null hypothesis and conclude that there is an association between gender and mortality.</a:t>
+            </a:r>
           </a:p>
         </p:txBody>
       </p:sp>
@@ -8334,7 +7844,7 @@
           <a:p>
             <a:r>
               <a:rPr lang="en-US" dirty="0"/>
-              <a:t>Cox model for prison</a:t>
+              <a:t>Revisiting the Cox regression model</a:t>
             </a:r>
           </a:p>
         </p:txBody>
@@ -8342,7 +7852,7 @@
     </p:spTree>
     <p:extLst>
       <p:ext uri="{BB962C8B-B14F-4D97-AF65-F5344CB8AC3E}">
-        <p14:creationId xmlns:p14="http://schemas.microsoft.com/office/powerpoint/2010/main" val="1414436742"/>
+        <p14:creationId xmlns:p14="http://schemas.microsoft.com/office/powerpoint/2010/main" val="3443619885"/>
       </p:ext>
     </p:extLst>
   </p:cSld>
@@ -8386,7 +7896,119 @@
           <a:p>
             <a:r>
               <a:rPr lang="en-US" dirty="0"/>
-              <a:t>An example</a:t>
+              <a:t>A simple example of the Cox regression model</a:t>
+            </a:r>
+          </a:p>
+        </p:txBody>
+      </p:sp>
+      <p:sp>
+        <p:nvSpPr>
+          <p:cNvPr id="3" name="Text Placeholder 2"/>
+          <p:cNvSpPr>
+            <a:spLocks noGrp="1"/>
+          </p:cNvSpPr>
+          <p:nvPr>
+            <p:ph type="body" idx="1"/>
+          </p:nvPr>
+        </p:nvSpPr>
+        <p:spPr/>
+        <p:txBody>
+          <a:bodyPr/>
+          <a:lstStyle/>
+          <a:p>
+            <a:r>
+              <a:rPr lang="en-US" sz="1800" dirty="0">
+                <a:latin typeface="Courier New" panose="02070309020205020404" pitchFamily="49" charset="0"/>
+                <a:cs typeface="Courier New" panose="02070309020205020404" pitchFamily="49" charset="0"/>
+              </a:rPr>
+              <a:t>                 </a:t>
+            </a:r>
+            <a:r>
+              <a:rPr lang="en-US" sz="1800" dirty="0" err="1">
+                <a:latin typeface="Courier New" panose="02070309020205020404" pitchFamily="49" charset="0"/>
+                <a:cs typeface="Courier New" panose="02070309020205020404" pitchFamily="49" charset="0"/>
+              </a:rPr>
+              <a:t>exp</a:t>
+            </a:r>
+            <a:r>
+              <a:rPr lang="en-US" sz="1800" dirty="0">
+                <a:latin typeface="Courier New" panose="02070309020205020404" pitchFamily="49" charset="0"/>
+                <a:cs typeface="Courier New" panose="02070309020205020404" pitchFamily="49" charset="0"/>
+              </a:rPr>
+              <a:t>(</a:t>
+            </a:r>
+            <a:r>
+              <a:rPr lang="en-US" sz="1800" dirty="0" err="1">
+                <a:latin typeface="Courier New" panose="02070309020205020404" pitchFamily="49" charset="0"/>
+                <a:cs typeface="Courier New" panose="02070309020205020404" pitchFamily="49" charset="0"/>
+              </a:rPr>
+              <a:t>coef</a:t>
+            </a:r>
+            <a:r>
+              <a:rPr lang="en-US" sz="1800" dirty="0">
+                <a:latin typeface="Courier New" panose="02070309020205020404" pitchFamily="49" charset="0"/>
+                <a:cs typeface="Courier New" panose="02070309020205020404" pitchFamily="49" charset="0"/>
+              </a:rPr>
+              <a:t>) </a:t>
+            </a:r>
+            <a:r>
+              <a:rPr lang="en-US" sz="1800" dirty="0" err="1">
+                <a:latin typeface="Courier New" panose="02070309020205020404" pitchFamily="49" charset="0"/>
+                <a:cs typeface="Courier New" panose="02070309020205020404" pitchFamily="49" charset="0"/>
+              </a:rPr>
+              <a:t>exp</a:t>
+            </a:r>
+            <a:r>
+              <a:rPr lang="en-US" sz="1800" dirty="0">
+                <a:latin typeface="Courier New" panose="02070309020205020404" pitchFamily="49" charset="0"/>
+                <a:cs typeface="Courier New" panose="02070309020205020404" pitchFamily="49" charset="0"/>
+              </a:rPr>
+              <a:t>(-</a:t>
+            </a:r>
+            <a:r>
+              <a:rPr lang="en-US" sz="1800" dirty="0" err="1">
+                <a:latin typeface="Courier New" panose="02070309020205020404" pitchFamily="49" charset="0"/>
+                <a:cs typeface="Courier New" panose="02070309020205020404" pitchFamily="49" charset="0"/>
+              </a:rPr>
+              <a:t>coef</a:t>
+            </a:r>
+            <a:r>
+              <a:rPr lang="en-US" sz="1800" dirty="0">
+                <a:latin typeface="Courier New" panose="02070309020205020404" pitchFamily="49" charset="0"/>
+                <a:cs typeface="Courier New" panose="02070309020205020404" pitchFamily="49" charset="0"/>
+              </a:rPr>
+              <a:t>) lower .95 upper .95</a:t>
+            </a:r>
+          </a:p>
+          <a:p>
+            <a:r>
+              <a:rPr lang="en-US" sz="1800" dirty="0" err="1">
+                <a:latin typeface="Courier New" panose="02070309020205020404" pitchFamily="49" charset="0"/>
+                <a:cs typeface="Courier New" panose="02070309020205020404" pitchFamily="49" charset="0"/>
+              </a:rPr>
+              <a:t>genderFemale</a:t>
+            </a:r>
+            <a:r>
+              <a:rPr lang="en-US" sz="1800" dirty="0">
+                <a:latin typeface="Courier New" panose="02070309020205020404" pitchFamily="49" charset="0"/>
+                <a:cs typeface="Courier New" panose="02070309020205020404" pitchFamily="49" charset="0"/>
+              </a:rPr>
+              <a:t>     1.742     0.5742     1.001     3.029</a:t>
+            </a:r>
+          </a:p>
+          <a:p>
+            <a:endParaRPr lang="en-US" sz="1800" dirty="0">
+              <a:latin typeface="Courier New" panose="02070309020205020404" pitchFamily="49" charset="0"/>
+              <a:cs typeface="Courier New" panose="02070309020205020404" pitchFamily="49" charset="0"/>
+            </a:endParaRPr>
+          </a:p>
+          <a:p>
+            <a:r>
+              <a:rPr lang="en-US" sz="1800" dirty="0">
+                <a:latin typeface="Courier New" panose="02070309020205020404" pitchFamily="49" charset="0"/>
+                <a:cs typeface="Courier New" panose="02070309020205020404" pitchFamily="49" charset="0"/>
+              </a:rPr>
+              <a:t>Since you used an indicator variable for gender, the exponential of the coefficient, 1.742, is the hazard ratio. Women are at 74% greater risk of mortality in this data set than men.</a:t>
             </a:r>
           </a:p>
         </p:txBody>
@@ -8461,171 +8083,22 @@
       </p:sp>
       <p:sp>
         <p:nvSpPr>
-          <p:cNvPr id="6" name="Content Placeholder 5"/>
-          <p:cNvSpPr>
-            <a:spLocks noGrp="1"/>
-          </p:cNvSpPr>
-          <p:nvPr>
-            <p:ph sz="quarter" idx="4"/>
-          </p:nvPr>
-        </p:nvSpPr>
-        <p:spPr/>
-        <p:txBody>
-          <a:bodyPr/>
-          <a:lstStyle/>
-          <a:p>
-            <a:pPr marL="0" indent="0"/>
-            <a:r>
-              <a:rPr lang="en-US" sz="2000" dirty="0">
-                <a:latin typeface="Courier New" panose="02070309020205020404" pitchFamily="49" charset="0"/>
-                <a:cs typeface="Courier New" panose="02070309020205020404" pitchFamily="49" charset="0"/>
-              </a:rPr>
-              <a:t>## $quantile</a:t>
-            </a:r>
-          </a:p>
-          <a:p>
-            <a:pPr marL="0" indent="0"/>
-            <a:r>
-              <a:rPr lang="en-US" sz="2000" dirty="0">
-                <a:latin typeface="Courier New" panose="02070309020205020404" pitchFamily="49" charset="0"/>
-                <a:cs typeface="Courier New" panose="02070309020205020404" pitchFamily="49" charset="0"/>
-              </a:rPr>
-              <a:t>##            25  50  75</a:t>
-            </a:r>
-          </a:p>
-          <a:p>
-            <a:pPr marL="0" indent="0"/>
-            <a:r>
-              <a:rPr lang="en-US" sz="2000" dirty="0">
-                <a:latin typeface="Courier New" panose="02070309020205020404" pitchFamily="49" charset="0"/>
-                <a:cs typeface="Courier New" panose="02070309020205020404" pitchFamily="49" charset="0"/>
-              </a:rPr>
-              <a:t>##  (0,50]   129 286 679</a:t>
-            </a:r>
-          </a:p>
-          <a:p>
-            <a:pPr marL="0" indent="0"/>
-            <a:r>
-              <a:rPr lang="en-US" sz="2000" dirty="0">
-                <a:latin typeface="Courier New" panose="02070309020205020404" pitchFamily="49" charset="0"/>
-                <a:cs typeface="Courier New" panose="02070309020205020404" pitchFamily="49" charset="0"/>
-              </a:rPr>
-              <a:t>## (50,60]   180 376 646</a:t>
-            </a:r>
-          </a:p>
-          <a:p>
-            <a:pPr marL="0" indent="0"/>
-            <a:r>
-              <a:rPr lang="en-US" sz="2000" dirty="0">
-                <a:latin typeface="Courier New" panose="02070309020205020404" pitchFamily="49" charset="0"/>
-                <a:cs typeface="Courier New" panose="02070309020205020404" pitchFamily="49" charset="0"/>
-              </a:rPr>
-              <a:t>## (60,70]   268 518 749</a:t>
-            </a:r>
-          </a:p>
-          <a:p>
-            <a:pPr marL="0" indent="0"/>
-            <a:r>
-              <a:rPr lang="en-US" sz="2000" dirty="0">
-                <a:latin typeface="Courier New" panose="02070309020205020404" pitchFamily="49" charset="0"/>
-                <a:cs typeface="Courier New" panose="02070309020205020404" pitchFamily="49" charset="0"/>
-              </a:rPr>
-              <a:t>## (70,99]   540  NA  </a:t>
-            </a:r>
-            <a:r>
-              <a:rPr lang="en-US" sz="2000" dirty="0" err="1">
-                <a:latin typeface="Courier New" panose="02070309020205020404" pitchFamily="49" charset="0"/>
-                <a:cs typeface="Courier New" panose="02070309020205020404" pitchFamily="49" charset="0"/>
-              </a:rPr>
-              <a:t>NA</a:t>
-            </a:r>
-            <a:endParaRPr lang="fr-FR" sz="2000" dirty="0">
-              <a:latin typeface="Courier New" panose="02070309020205020404" pitchFamily="49" charset="0"/>
-              <a:cs typeface="Courier New" panose="02070309020205020404" pitchFamily="49" charset="0"/>
-            </a:endParaRPr>
-          </a:p>
-        </p:txBody>
-      </p:sp>
-      <p:pic>
-        <p:nvPicPr>
-          <p:cNvPr id="6146" name="Picture 2"/>
-          <p:cNvPicPr>
-            <a:picLocks noChangeAspect="1" noChangeArrowheads="1"/>
-          </p:cNvPicPr>
-          <p:nvPr/>
-        </p:nvPicPr>
-        <p:blipFill>
-          <a:blip r:embed="rId2">
-            <a:extLst>
-              <a:ext uri="{28A0092B-C50C-407E-A947-70E740481C1C}">
-                <a14:useLocalDpi xmlns:a14="http://schemas.microsoft.com/office/drawing/2010/main" val="0"/>
-              </a:ext>
-            </a:extLst>
-          </a:blip>
-          <a:srcRect/>
-          <a:stretch>
-            <a:fillRect/>
-          </a:stretch>
-        </p:blipFill>
-        <p:spPr bwMode="auto">
-          <a:xfrm>
-            <a:off x="533400" y="2057400"/>
-            <a:ext cx="3962400" cy="3962400"/>
-          </a:xfrm>
-          <a:prstGeom prst="rect">
-            <a:avLst/>
-          </a:prstGeom>
-          <a:noFill/>
-          <a:ln>
-            <a:noFill/>
-          </a:ln>
-          <a:extLst>
-            <a:ext uri="{909E8E84-426E-40DD-AFC4-6F175D3DCCD1}">
-              <a14:hiddenFill xmlns:a14="http://schemas.microsoft.com/office/drawing/2010/main">
-                <a:solidFill>
-                  <a:schemeClr val="accent1"/>
-                </a:solidFill>
-              </a14:hiddenFill>
-            </a:ext>
-            <a:ext uri="{91240B29-F687-4F45-9708-019B960494DF}">
-              <a14:hiddenLine xmlns:a14="http://schemas.microsoft.com/office/drawing/2010/main" w="9525">
-                <a:solidFill>
-                  <a:schemeClr val="tx1"/>
-                </a:solidFill>
-                <a:miter lim="800000"/>
-                <a:headEnd/>
-                <a:tailEnd/>
-              </a14:hiddenLine>
-            </a:ext>
-          </a:extLst>
-        </p:spPr>
-      </p:pic>
-      <p:sp>
-        <p:nvSpPr>
-          <p:cNvPr id="8" name="Text Placeholder 5"/>
-          <p:cNvSpPr>
-            <a:spLocks noGrp="1"/>
-          </p:cNvSpPr>
-          <p:nvPr>
-            <p:ph type="body" sz="quarter" idx="4294967295"/>
-          </p:nvPr>
-        </p:nvSpPr>
-        <p:spPr>
-          <a:xfrm>
-            <a:off x="457200" y="1600200"/>
-            <a:ext cx="8229600" cy="533400"/>
-          </a:xfrm>
-          <a:prstGeom prst="rect">
-            <a:avLst/>
-          </a:prstGeom>
-        </p:spPr>
+          <p:cNvPr id="6" name="Text Placeholder 5"/>
+          <p:cNvSpPr>
+            <a:spLocks noGrp="1"/>
+          </p:cNvSpPr>
+          <p:nvPr>
+            <p:ph type="body" sz="quarter" idx="12"/>
+          </p:nvPr>
+        </p:nvSpPr>
+        <p:spPr/>
         <p:txBody>
           <a:bodyPr/>
           <a:lstStyle/>
           <a:p>
             <a:r>
               <a:rPr lang="en-US" dirty="0"/>
-              <a:t>Kaplan-Meier curve for dose quartiles</a:t>
+              <a:t>Revisiting the Cox regression model</a:t>
             </a:r>
           </a:p>
         </p:txBody>
@@ -8633,7 +8106,7 @@
     </p:spTree>
     <p:extLst>
       <p:ext uri="{BB962C8B-B14F-4D97-AF65-F5344CB8AC3E}">
-        <p14:creationId xmlns:p14="http://schemas.microsoft.com/office/powerpoint/2010/main" val="422163920"/>
+        <p14:creationId xmlns:p14="http://schemas.microsoft.com/office/powerpoint/2010/main" val="3014493722"/>
       </p:ext>
     </p:extLst>
   </p:cSld>
@@ -8677,7 +8150,7 @@
           <a:p>
             <a:r>
               <a:rPr lang="en-US" dirty="0"/>
-              <a:t>An example</a:t>
+              <a:t>A simple example of the Cox regression model</a:t>
             </a:r>
           </a:p>
         </p:txBody>
@@ -8698,152 +8171,214 @@
           <a:lstStyle/>
           <a:p>
             <a:r>
-              <a:rPr lang="en-US" dirty="0">
-                <a:latin typeface="Courier New" panose="02070309020205020404" pitchFamily="49" charset="0"/>
-                <a:cs typeface="Courier New" panose="02070309020205020404" pitchFamily="49" charset="0"/>
-              </a:rPr>
-              <a:t>Cox proportional hazards model</a:t>
-            </a:r>
-          </a:p>
-          <a:p>
-            <a:endParaRPr lang="en-US" dirty="0">
+              <a:rPr lang="en-US" sz="1800" dirty="0">
+                <a:latin typeface="Courier New" panose="02070309020205020404" pitchFamily="49" charset="0"/>
+                <a:cs typeface="Courier New" panose="02070309020205020404" pitchFamily="49" charset="0"/>
+              </a:rPr>
+              <a:t>               </a:t>
+            </a:r>
+            <a:r>
+              <a:rPr lang="en-US" sz="1800" dirty="0" err="1">
+                <a:latin typeface="Courier New" panose="02070309020205020404" pitchFamily="49" charset="0"/>
+                <a:cs typeface="Courier New" panose="02070309020205020404" pitchFamily="49" charset="0"/>
+              </a:rPr>
+              <a:t>coef</a:t>
+            </a:r>
+            <a:r>
+              <a:rPr lang="en-US" sz="1800" dirty="0">
+                <a:latin typeface="Courier New" panose="02070309020205020404" pitchFamily="49" charset="0"/>
+                <a:cs typeface="Courier New" panose="02070309020205020404" pitchFamily="49" charset="0"/>
+              </a:rPr>
+              <a:t> </a:t>
+            </a:r>
+            <a:r>
+              <a:rPr lang="en-US" sz="1800" dirty="0" err="1">
+                <a:latin typeface="Courier New" panose="02070309020205020404" pitchFamily="49" charset="0"/>
+                <a:cs typeface="Courier New" panose="02070309020205020404" pitchFamily="49" charset="0"/>
+              </a:rPr>
+              <a:t>exp</a:t>
+            </a:r>
+            <a:r>
+              <a:rPr lang="en-US" sz="1800" dirty="0">
+                <a:latin typeface="Courier New" panose="02070309020205020404" pitchFamily="49" charset="0"/>
+                <a:cs typeface="Courier New" panose="02070309020205020404" pitchFamily="49" charset="0"/>
+              </a:rPr>
+              <a:t>(</a:t>
+            </a:r>
+            <a:r>
+              <a:rPr lang="en-US" sz="1800" dirty="0" err="1">
+                <a:latin typeface="Courier New" panose="02070309020205020404" pitchFamily="49" charset="0"/>
+                <a:cs typeface="Courier New" panose="02070309020205020404" pitchFamily="49" charset="0"/>
+              </a:rPr>
+              <a:t>coef</a:t>
+            </a:r>
+            <a:r>
+              <a:rPr lang="en-US" sz="1800" dirty="0">
+                <a:latin typeface="Courier New" panose="02070309020205020404" pitchFamily="49" charset="0"/>
+                <a:cs typeface="Courier New" panose="02070309020205020404" pitchFamily="49" charset="0"/>
+              </a:rPr>
+              <a:t>) se(</a:t>
+            </a:r>
+            <a:r>
+              <a:rPr lang="en-US" sz="1800" dirty="0" err="1">
+                <a:latin typeface="Courier New" panose="02070309020205020404" pitchFamily="49" charset="0"/>
+                <a:cs typeface="Courier New" panose="02070309020205020404" pitchFamily="49" charset="0"/>
+              </a:rPr>
+              <a:t>coef</a:t>
+            </a:r>
+            <a:r>
+              <a:rPr lang="en-US" sz="1800" dirty="0">
+                <a:latin typeface="Courier New" panose="02070309020205020404" pitchFamily="49" charset="0"/>
+                <a:cs typeface="Courier New" panose="02070309020205020404" pitchFamily="49" charset="0"/>
+              </a:rPr>
+              <a:t>)     z </a:t>
+            </a:r>
+            <a:r>
+              <a:rPr lang="en-US" sz="1800" dirty="0" err="1">
+                <a:latin typeface="Courier New" panose="02070309020205020404" pitchFamily="49" charset="0"/>
+                <a:cs typeface="Courier New" panose="02070309020205020404" pitchFamily="49" charset="0"/>
+              </a:rPr>
+              <a:t>Pr</a:t>
+            </a:r>
+            <a:r>
+              <a:rPr lang="en-US" sz="1800" dirty="0">
+                <a:latin typeface="Courier New" panose="02070309020205020404" pitchFamily="49" charset="0"/>
+                <a:cs typeface="Courier New" panose="02070309020205020404" pitchFamily="49" charset="0"/>
+              </a:rPr>
+              <a:t>(&gt;|z|)  </a:t>
+            </a:r>
+          </a:p>
+          <a:p>
+            <a:r>
+              <a:rPr lang="en-US" sz="1800" dirty="0" err="1">
+                <a:latin typeface="Courier New" panose="02070309020205020404" pitchFamily="49" charset="0"/>
+                <a:cs typeface="Courier New" panose="02070309020205020404" pitchFamily="49" charset="0"/>
+              </a:rPr>
+              <a:t>genderFemale</a:t>
+            </a:r>
+            <a:r>
+              <a:rPr lang="en-US" sz="1800" dirty="0">
+                <a:latin typeface="Courier New" panose="02070309020205020404" pitchFamily="49" charset="0"/>
+                <a:cs typeface="Courier New" panose="02070309020205020404" pitchFamily="49" charset="0"/>
+              </a:rPr>
+              <a:t> 0.5548    1.7416   0.2824 1.965   0.0494 *</a:t>
+            </a:r>
+          </a:p>
+          <a:p>
+            <a:endParaRPr lang="en-US" sz="1800" dirty="0">
               <a:latin typeface="Courier New" panose="02070309020205020404" pitchFamily="49" charset="0"/>
               <a:cs typeface="Courier New" panose="02070309020205020404" pitchFamily="49" charset="0"/>
             </a:endParaRPr>
           </a:p>
           <a:p>
             <a:r>
-              <a:rPr lang="en-US" dirty="0">
-                <a:latin typeface="Courier New" panose="02070309020205020404" pitchFamily="49" charset="0"/>
-                <a:cs typeface="Courier New" panose="02070309020205020404" pitchFamily="49" charset="0"/>
-              </a:rPr>
-              <a:t>            </a:t>
-            </a:r>
-            <a:r>
-              <a:rPr lang="en-US" dirty="0" err="1">
+              <a:rPr lang="en-US" sz="1800" dirty="0">
+                <a:latin typeface="Courier New" panose="02070309020205020404" pitchFamily="49" charset="0"/>
+                <a:cs typeface="Courier New" panose="02070309020205020404" pitchFamily="49" charset="0"/>
+              </a:rPr>
+              <a:t>                 </a:t>
+            </a:r>
+            <a:r>
+              <a:rPr lang="en-US" sz="1800" dirty="0" err="1">
+                <a:latin typeface="Courier New" panose="02070309020205020404" pitchFamily="49" charset="0"/>
+                <a:cs typeface="Courier New" panose="02070309020205020404" pitchFamily="49" charset="0"/>
+              </a:rPr>
+              <a:t>exp</a:t>
+            </a:r>
+            <a:r>
+              <a:rPr lang="en-US" sz="1800" dirty="0">
+                <a:latin typeface="Courier New" panose="02070309020205020404" pitchFamily="49" charset="0"/>
+                <a:cs typeface="Courier New" panose="02070309020205020404" pitchFamily="49" charset="0"/>
+              </a:rPr>
+              <a:t>(</a:t>
+            </a:r>
+            <a:r>
+              <a:rPr lang="en-US" sz="1800" dirty="0" err="1">
                 <a:latin typeface="Courier New" panose="02070309020205020404" pitchFamily="49" charset="0"/>
                 <a:cs typeface="Courier New" panose="02070309020205020404" pitchFamily="49" charset="0"/>
               </a:rPr>
               <a:t>coef</a:t>
             </a:r>
             <a:r>
-              <a:rPr lang="en-US" dirty="0">
-                <a:latin typeface="Courier New" panose="02070309020205020404" pitchFamily="49" charset="0"/>
-                <a:cs typeface="Courier New" panose="02070309020205020404" pitchFamily="49" charset="0"/>
-              </a:rPr>
-              <a:t> </a:t>
-            </a:r>
-            <a:r>
-              <a:rPr lang="en-US" dirty="0" err="1">
+              <a:rPr lang="en-US" sz="1800" dirty="0">
+                <a:latin typeface="Courier New" panose="02070309020205020404" pitchFamily="49" charset="0"/>
+                <a:cs typeface="Courier New" panose="02070309020205020404" pitchFamily="49" charset="0"/>
+              </a:rPr>
+              <a:t>) </a:t>
+            </a:r>
+            <a:r>
+              <a:rPr lang="en-US" sz="1800" dirty="0" err="1">
                 <a:latin typeface="Courier New" panose="02070309020205020404" pitchFamily="49" charset="0"/>
                 <a:cs typeface="Courier New" panose="02070309020205020404" pitchFamily="49" charset="0"/>
               </a:rPr>
               <a:t>exp</a:t>
             </a:r>
             <a:r>
-              <a:rPr lang="en-US" dirty="0">
-                <a:latin typeface="Courier New" panose="02070309020205020404" pitchFamily="49" charset="0"/>
-                <a:cs typeface="Courier New" panose="02070309020205020404" pitchFamily="49" charset="0"/>
-              </a:rPr>
-              <a:t>(</a:t>
-            </a:r>
-            <a:r>
-              <a:rPr lang="en-US" dirty="0" err="1">
+              <a:rPr lang="en-US" sz="1800" dirty="0">
+                <a:latin typeface="Courier New" panose="02070309020205020404" pitchFamily="49" charset="0"/>
+                <a:cs typeface="Courier New" panose="02070309020205020404" pitchFamily="49" charset="0"/>
+              </a:rPr>
+              <a:t>(-</a:t>
+            </a:r>
+            <a:r>
+              <a:rPr lang="en-US" sz="1800" dirty="0" err="1">
                 <a:latin typeface="Courier New" panose="02070309020205020404" pitchFamily="49" charset="0"/>
                 <a:cs typeface="Courier New" panose="02070309020205020404" pitchFamily="49" charset="0"/>
               </a:rPr>
               <a:t>coef</a:t>
             </a:r>
             <a:r>
-              <a:rPr lang="en-US" dirty="0">
-                <a:latin typeface="Courier New" panose="02070309020205020404" pitchFamily="49" charset="0"/>
-                <a:cs typeface="Courier New" panose="02070309020205020404" pitchFamily="49" charset="0"/>
-              </a:rPr>
-              <a:t>) se(</a:t>
-            </a:r>
-            <a:r>
-              <a:rPr lang="en-US" dirty="0" err="1">
-                <a:latin typeface="Courier New" panose="02070309020205020404" pitchFamily="49" charset="0"/>
-                <a:cs typeface="Courier New" panose="02070309020205020404" pitchFamily="49" charset="0"/>
-              </a:rPr>
-              <a:t>coef</a:t>
-            </a:r>
-            <a:r>
-              <a:rPr lang="en-US" dirty="0">
-                <a:latin typeface="Courier New" panose="02070309020205020404" pitchFamily="49" charset="0"/>
-                <a:cs typeface="Courier New" panose="02070309020205020404" pitchFamily="49" charset="0"/>
-              </a:rPr>
-              <a:t>)     z       p</a:t>
-            </a:r>
-          </a:p>
-          <a:p>
-            <a:r>
-              <a:rPr lang="en-US" dirty="0">
-                <a:latin typeface="Courier New" panose="02070309020205020404" pitchFamily="49" charset="0"/>
-                <a:cs typeface="Courier New" panose="02070309020205020404" pitchFamily="49" charset="0"/>
-              </a:rPr>
-              <a:t>(50,60]  -0.0412    0.9597   0.2004 -0.21    0.84</a:t>
-            </a:r>
-          </a:p>
-          <a:p>
-            <a:r>
-              <a:rPr lang="en-US" dirty="0">
-                <a:latin typeface="Courier New" panose="02070309020205020404" pitchFamily="49" charset="0"/>
-                <a:cs typeface="Courier New" panose="02070309020205020404" pitchFamily="49" charset="0"/>
-              </a:rPr>
-              <a:t>(60,70]  -0.3409    0.7111   0.2346 -1.45    0.15</a:t>
-            </a:r>
-          </a:p>
-          <a:p>
-            <a:r>
-              <a:rPr lang="en-US" dirty="0">
-                <a:latin typeface="Courier New" panose="02070309020205020404" pitchFamily="49" charset="0"/>
-                <a:cs typeface="Courier New" panose="02070309020205020404" pitchFamily="49" charset="0"/>
-              </a:rPr>
-              <a:t>(70,99]  -1.5304    0.2164   0.2928 -5.23 1.7e-07</a:t>
-            </a:r>
-          </a:p>
-          <a:p>
-            <a:r>
-              <a:rPr lang="en-US" dirty="0">
-                <a:latin typeface="Courier New" panose="02070309020205020404" pitchFamily="49" charset="0"/>
-                <a:cs typeface="Courier New" panose="02070309020205020404" pitchFamily="49" charset="0"/>
-              </a:rPr>
-              <a:t> </a:t>
-            </a:r>
-          </a:p>
-          <a:p>
-            <a:r>
-              <a:rPr lang="en-US" dirty="0">
-                <a:latin typeface="Courier New" panose="02070309020205020404" pitchFamily="49" charset="0"/>
-                <a:cs typeface="Courier New" panose="02070309020205020404" pitchFamily="49" charset="0"/>
-              </a:rPr>
-              <a:t>Likelihood ratio test=42.5  on 3 </a:t>
-            </a:r>
-            <a:r>
-              <a:rPr lang="en-US" dirty="0" err="1">
-                <a:latin typeface="Courier New" panose="02070309020205020404" pitchFamily="49" charset="0"/>
-                <a:cs typeface="Courier New" panose="02070309020205020404" pitchFamily="49" charset="0"/>
-              </a:rPr>
-              <a:t>df</a:t>
-            </a:r>
-            <a:r>
-              <a:rPr lang="en-US" dirty="0">
-                <a:latin typeface="Courier New" panose="02070309020205020404" pitchFamily="49" charset="0"/>
-                <a:cs typeface="Courier New" panose="02070309020205020404" pitchFamily="49" charset="0"/>
-              </a:rPr>
-              <a:t>, p=3.19e-09</a:t>
-            </a:r>
-          </a:p>
-          <a:p>
-            <a:r>
-              <a:rPr lang="en-US" dirty="0">
-                <a:latin typeface="Courier New" panose="02070309020205020404" pitchFamily="49" charset="0"/>
-                <a:cs typeface="Courier New" panose="02070309020205020404" pitchFamily="49" charset="0"/>
-              </a:rPr>
-              <a:t>n= 238, number of events= 150</a:t>
-            </a:r>
-            <a:endParaRPr lang="en-US" dirty="0"/>
+              <a:rPr lang="en-US" sz="1800" dirty="0">
+                <a:latin typeface="Courier New" panose="02070309020205020404" pitchFamily="49" charset="0"/>
+                <a:cs typeface="Courier New" panose="02070309020205020404" pitchFamily="49" charset="0"/>
+              </a:rPr>
+              <a:t>) lower .95 upper .95</a:t>
+            </a:r>
+          </a:p>
+          <a:p>
+            <a:r>
+              <a:rPr lang="en-US" sz="1800" dirty="0" err="1">
+                <a:latin typeface="Courier New" panose="02070309020205020404" pitchFamily="49" charset="0"/>
+                <a:cs typeface="Courier New" panose="02070309020205020404" pitchFamily="49" charset="0"/>
+              </a:rPr>
+              <a:t>genderFemale</a:t>
+            </a:r>
+            <a:r>
+              <a:rPr lang="en-US" sz="1800" dirty="0">
+                <a:latin typeface="Courier New" panose="02070309020205020404" pitchFamily="49" charset="0"/>
+                <a:cs typeface="Courier New" panose="02070309020205020404" pitchFamily="49" charset="0"/>
+              </a:rPr>
+              <a:t>     1.742     0.5742     1.001     3.029</a:t>
+            </a:r>
+          </a:p>
+          <a:p>
+            <a:endParaRPr lang="en-US" sz="1800" dirty="0">
+              <a:latin typeface="Courier New" panose="02070309020205020404" pitchFamily="49" charset="0"/>
+              <a:cs typeface="Courier New" panose="02070309020205020404" pitchFamily="49" charset="0"/>
+            </a:endParaRPr>
+          </a:p>
+          <a:p>
+            <a:r>
+              <a:rPr lang="en-US" sz="1800" dirty="0">
+                <a:latin typeface="Courier New" panose="02070309020205020404" pitchFamily="49" charset="0"/>
+                <a:cs typeface="Courier New" panose="02070309020205020404" pitchFamily="49" charset="0"/>
+              </a:rPr>
+              <a:t>The 95% confidence interval for the hazard ratio is </a:t>
+            </a:r>
+            <a:r>
+              <a:rPr lang="en-US" sz="1800" dirty="0" err="1">
+                <a:latin typeface="Courier New" panose="02070309020205020404" pitchFamily="49" charset="0"/>
+                <a:cs typeface="Courier New" panose="02070309020205020404" pitchFamily="49" charset="0"/>
+              </a:rPr>
+              <a:t>exp</a:t>
+            </a:r>
+            <a:r>
+              <a:rPr lang="en-US" sz="1800" dirty="0">
+                <a:latin typeface="Courier New" panose="02070309020205020404" pitchFamily="49" charset="0"/>
+                <a:cs typeface="Courier New" panose="02070309020205020404" pitchFamily="49" charset="0"/>
+              </a:rPr>
+              <a:t>(0.5548 +/- 1.96*0.2824) = 1.001 to 3.029.</a:t>
+            </a:r>
           </a:p>
         </p:txBody>
       </p:sp>
@@ -8932,7 +8467,7 @@
           <a:p>
             <a:r>
               <a:rPr lang="en-US" dirty="0"/>
-              <a:t>Cox model for dose quartiles</a:t>
+              <a:t>Revisiting the Cox regression model</a:t>
             </a:r>
           </a:p>
         </p:txBody>
@@ -8940,7 +8475,7 @@
     </p:spTree>
     <p:extLst>
       <p:ext uri="{BB962C8B-B14F-4D97-AF65-F5344CB8AC3E}">
-        <p14:creationId xmlns:p14="http://schemas.microsoft.com/office/powerpoint/2010/main" val="771769254"/>
+        <p14:creationId xmlns:p14="http://schemas.microsoft.com/office/powerpoint/2010/main" val="1158595875"/>
       </p:ext>
     </p:extLst>
   </p:cSld>
@@ -8984,7 +8519,7 @@
           <a:p>
             <a:r>
               <a:rPr lang="en-US" dirty="0"/>
-              <a:t>An example</a:t>
+              <a:t>A simple example of the Cox regression model</a:t>
             </a:r>
           </a:p>
         </p:txBody>
@@ -9005,119 +8540,101 @@
           <a:lstStyle/>
           <a:p>
             <a:r>
-              <a:rPr lang="en-US" dirty="0">
-                <a:latin typeface="Courier New" panose="02070309020205020404" pitchFamily="49" charset="0"/>
-                <a:cs typeface="Courier New" panose="02070309020205020404" pitchFamily="49" charset="0"/>
-              </a:rPr>
-              <a:t>         </a:t>
-            </a:r>
-            <a:r>
-              <a:rPr lang="en-US" dirty="0" err="1">
-                <a:latin typeface="Courier New" panose="02070309020205020404" pitchFamily="49" charset="0"/>
-                <a:cs typeface="Courier New" panose="02070309020205020404" pitchFamily="49" charset="0"/>
-              </a:rPr>
-              <a:t>coef</a:t>
-            </a:r>
-            <a:r>
-              <a:rPr lang="en-US" dirty="0">
-                <a:latin typeface="Courier New" panose="02070309020205020404" pitchFamily="49" charset="0"/>
-                <a:cs typeface="Courier New" panose="02070309020205020404" pitchFamily="49" charset="0"/>
-              </a:rPr>
-              <a:t> </a:t>
-            </a:r>
-            <a:r>
-              <a:rPr lang="en-US" dirty="0" err="1">
-                <a:latin typeface="Courier New" panose="02070309020205020404" pitchFamily="49" charset="0"/>
-                <a:cs typeface="Courier New" panose="02070309020205020404" pitchFamily="49" charset="0"/>
-              </a:rPr>
-              <a:t>exp</a:t>
-            </a:r>
-            <a:r>
-              <a:rPr lang="en-US" dirty="0">
-                <a:latin typeface="Courier New" panose="02070309020205020404" pitchFamily="49" charset="0"/>
-                <a:cs typeface="Courier New" panose="02070309020205020404" pitchFamily="49" charset="0"/>
-              </a:rPr>
-              <a:t>(</a:t>
-            </a:r>
-            <a:r>
-              <a:rPr lang="en-US" dirty="0" err="1">
-                <a:latin typeface="Courier New" panose="02070309020205020404" pitchFamily="49" charset="0"/>
-                <a:cs typeface="Courier New" panose="02070309020205020404" pitchFamily="49" charset="0"/>
-              </a:rPr>
-              <a:t>coef</a:t>
-            </a:r>
-            <a:r>
-              <a:rPr lang="en-US" dirty="0">
-                <a:latin typeface="Courier New" panose="02070309020205020404" pitchFamily="49" charset="0"/>
-                <a:cs typeface="Courier New" panose="02070309020205020404" pitchFamily="49" charset="0"/>
-              </a:rPr>
-              <a:t>) se(</a:t>
-            </a:r>
-            <a:r>
-              <a:rPr lang="en-US" dirty="0" err="1">
-                <a:latin typeface="Courier New" panose="02070309020205020404" pitchFamily="49" charset="0"/>
-                <a:cs typeface="Courier New" panose="02070309020205020404" pitchFamily="49" charset="0"/>
-              </a:rPr>
-              <a:t>coef</a:t>
-            </a:r>
-            <a:r>
-              <a:rPr lang="en-US" dirty="0">
-                <a:latin typeface="Courier New" panose="02070309020205020404" pitchFamily="49" charset="0"/>
-                <a:cs typeface="Courier New" panose="02070309020205020404" pitchFamily="49" charset="0"/>
-              </a:rPr>
-              <a:t>)     z       p</a:t>
-            </a:r>
-          </a:p>
-          <a:p>
-            <a:r>
-              <a:rPr lang="en-US" dirty="0">
-                <a:latin typeface="Courier New" panose="02070309020205020404" pitchFamily="49" charset="0"/>
-                <a:cs typeface="Courier New" panose="02070309020205020404" pitchFamily="49" charset="0"/>
-              </a:rPr>
-              <a:t>Dose -0.03590   0.96473  0.00598 -6.01 1.9e-09</a:t>
-            </a:r>
-          </a:p>
-          <a:p>
-            <a:r>
-              <a:rPr lang="en-US" dirty="0">
-                <a:latin typeface="Courier New" panose="02070309020205020404" pitchFamily="49" charset="0"/>
-                <a:cs typeface="Courier New" panose="02070309020205020404" pitchFamily="49" charset="0"/>
-              </a:rPr>
-              <a:t> </a:t>
-            </a:r>
-          </a:p>
-          <a:p>
-            <a:r>
-              <a:rPr lang="en-US" dirty="0">
-                <a:latin typeface="Courier New" panose="02070309020205020404" pitchFamily="49" charset="0"/>
-                <a:cs typeface="Courier New" panose="02070309020205020404" pitchFamily="49" charset="0"/>
-              </a:rPr>
-              <a:t>Likelihood ratio test=36.9  on 1 </a:t>
-            </a:r>
-            <a:r>
-              <a:rPr lang="en-US" dirty="0" err="1">
+              <a:rPr lang="en-US" sz="1800" dirty="0">
+                <a:latin typeface="Courier New" panose="02070309020205020404" pitchFamily="49" charset="0"/>
+                <a:cs typeface="Courier New" panose="02070309020205020404" pitchFamily="49" charset="0"/>
+              </a:rPr>
+              <a:t>Likelihood ratio test= 3.75  on 1 </a:t>
+            </a:r>
+            <a:r>
+              <a:rPr lang="en-US" sz="1800" dirty="0" err="1">
                 <a:latin typeface="Courier New" panose="02070309020205020404" pitchFamily="49" charset="0"/>
                 <a:cs typeface="Courier New" panose="02070309020205020404" pitchFamily="49" charset="0"/>
               </a:rPr>
               <a:t>df</a:t>
             </a:r>
             <a:r>
-              <a:rPr lang="en-US" dirty="0">
-                <a:latin typeface="Courier New" panose="02070309020205020404" pitchFamily="49" charset="0"/>
-                <a:cs typeface="Courier New" panose="02070309020205020404" pitchFamily="49" charset="0"/>
-              </a:rPr>
-              <a:t>, p=1.25e-09</a:t>
-            </a:r>
-          </a:p>
-          <a:p>
-            <a:r>
-              <a:rPr lang="en-US" dirty="0">
-                <a:latin typeface="Courier New" panose="02070309020205020404" pitchFamily="49" charset="0"/>
-                <a:cs typeface="Courier New" panose="02070309020205020404" pitchFamily="49" charset="0"/>
-              </a:rPr>
-              <a:t>n= 238, number of events= 15050</a:t>
-            </a:r>
-            <a:endParaRPr lang="en-US" dirty="0"/>
+              <a:rPr lang="en-US" sz="1800" dirty="0">
+                <a:latin typeface="Courier New" panose="02070309020205020404" pitchFamily="49" charset="0"/>
+                <a:cs typeface="Courier New" panose="02070309020205020404" pitchFamily="49" charset="0"/>
+              </a:rPr>
+              <a:t>,   p=0.05293</a:t>
+            </a:r>
+          </a:p>
+          <a:p>
+            <a:r>
+              <a:rPr lang="en-US" sz="1800" dirty="0">
+                <a:latin typeface="Courier New" panose="02070309020205020404" pitchFamily="49" charset="0"/>
+                <a:cs typeface="Courier New" panose="02070309020205020404" pitchFamily="49" charset="0"/>
+              </a:rPr>
+              <a:t>Wald test            = 3.86  on 1 </a:t>
+            </a:r>
+            <a:r>
+              <a:rPr lang="en-US" sz="1800" dirty="0" err="1">
+                <a:latin typeface="Courier New" panose="02070309020205020404" pitchFamily="49" charset="0"/>
+                <a:cs typeface="Courier New" panose="02070309020205020404" pitchFamily="49" charset="0"/>
+              </a:rPr>
+              <a:t>df</a:t>
+            </a:r>
+            <a:r>
+              <a:rPr lang="en-US" sz="1800" dirty="0">
+                <a:latin typeface="Courier New" panose="02070309020205020404" pitchFamily="49" charset="0"/>
+                <a:cs typeface="Courier New" panose="02070309020205020404" pitchFamily="49" charset="0"/>
+              </a:rPr>
+              <a:t>,   p=0.04945</a:t>
+            </a:r>
+          </a:p>
+          <a:p>
+            <a:r>
+              <a:rPr lang="en-US" sz="1800" dirty="0">
+                <a:latin typeface="Courier New" panose="02070309020205020404" pitchFamily="49" charset="0"/>
+                <a:cs typeface="Courier New" panose="02070309020205020404" pitchFamily="49" charset="0"/>
+              </a:rPr>
+              <a:t>Score (</a:t>
+            </a:r>
+            <a:r>
+              <a:rPr lang="en-US" sz="1800" dirty="0" err="1">
+                <a:latin typeface="Courier New" panose="02070309020205020404" pitchFamily="49" charset="0"/>
+                <a:cs typeface="Courier New" panose="02070309020205020404" pitchFamily="49" charset="0"/>
+              </a:rPr>
+              <a:t>logrank</a:t>
+            </a:r>
+            <a:r>
+              <a:rPr lang="en-US" sz="1800" dirty="0">
+                <a:latin typeface="Courier New" panose="02070309020205020404" pitchFamily="49" charset="0"/>
+                <a:cs typeface="Courier New" panose="02070309020205020404" pitchFamily="49" charset="0"/>
+              </a:rPr>
+              <a:t>) test = 3.96  on 1 </a:t>
+            </a:r>
+            <a:r>
+              <a:rPr lang="en-US" sz="1800" dirty="0" err="1">
+                <a:latin typeface="Courier New" panose="02070309020205020404" pitchFamily="49" charset="0"/>
+                <a:cs typeface="Courier New" panose="02070309020205020404" pitchFamily="49" charset="0"/>
+              </a:rPr>
+              <a:t>df</a:t>
+            </a:r>
+            <a:r>
+              <a:rPr lang="en-US" sz="1800" dirty="0">
+                <a:latin typeface="Courier New" panose="02070309020205020404" pitchFamily="49" charset="0"/>
+                <a:cs typeface="Courier New" panose="02070309020205020404" pitchFamily="49" charset="0"/>
+              </a:rPr>
+              <a:t>,   p=0.04665</a:t>
+            </a:r>
+          </a:p>
+          <a:p>
+            <a:endParaRPr lang="en-US" sz="1800" dirty="0">
+              <a:latin typeface="Courier New" panose="02070309020205020404" pitchFamily="49" charset="0"/>
+              <a:cs typeface="Courier New" panose="02070309020205020404" pitchFamily="49" charset="0"/>
+            </a:endParaRPr>
+          </a:p>
+          <a:p>
+            <a:r>
+              <a:rPr lang="en-US" sz="1800" dirty="0">
+                <a:latin typeface="Courier New" panose="02070309020205020404" pitchFamily="49" charset="0"/>
+                <a:cs typeface="Courier New" panose="02070309020205020404" pitchFamily="49" charset="0"/>
+              </a:rPr>
+              <a:t>The three different statistical tests all produce (more or less) the same result. Note that the Wald test here is a square of the Z value of 1.965, and you should compare this to a chi-squared distribution.</a:t>
+            </a:r>
           </a:p>
         </p:txBody>
       </p:sp>
@@ -9206,7 +8723,7 @@
           <a:p>
             <a:r>
               <a:rPr lang="en-US" dirty="0"/>
-              <a:t>Cox model with a continuous predictor</a:t>
+              <a:t>Revisiting the Cox regression model</a:t>
             </a:r>
           </a:p>
         </p:txBody>
@@ -9214,7 +8731,7 @@
     </p:spTree>
     <p:extLst>
       <p:ext uri="{BB962C8B-B14F-4D97-AF65-F5344CB8AC3E}">
-        <p14:creationId xmlns:p14="http://schemas.microsoft.com/office/powerpoint/2010/main" val="472976223"/>
+        <p14:creationId xmlns:p14="http://schemas.microsoft.com/office/powerpoint/2010/main" val="2559772645"/>
       </p:ext>
     </p:extLst>
   </p:cSld>
@@ -9258,7 +8775,7 @@
           <a:p>
             <a:r>
               <a:rPr lang="en-US" dirty="0"/>
-              <a:t>Rates versus proportions</a:t>
+              <a:t>Defining the hazard function</a:t>
             </a:r>
           </a:p>
         </p:txBody>
@@ -9277,6 +8794,12 @@
         <p:txBody>
           <a:bodyPr/>
           <a:lstStyle/>
+          <a:p>
+            <a:r>
+              <a:rPr lang="en-US" dirty="0"/>
+              <a:t>There is an important, but subtle distinction</a:t>
+            </a:r>
+          </a:p>
           <a:p>
             <a:pPr marL="342900" indent="-342900">
               <a:buFont typeface="Arial" panose="020B0604020202020204" pitchFamily="34" charset="0"/>
@@ -9414,7 +8937,7 @@
           <a:p>
             <a:r>
               <a:rPr lang="en-US" dirty="0"/>
-              <a:t>There is an important, but subtle distinction</a:t>
+              <a:t>Rates versus proportions</a:t>
             </a:r>
           </a:p>
         </p:txBody>
@@ -9466,185 +8989,8 @@
           <a:p>
             <a:r>
               <a:rPr lang="en-US" dirty="0"/>
-              <a:t>An example</a:t>
-            </a:r>
-          </a:p>
-        </p:txBody>
-      </p:sp>
-      <p:sp>
-        <p:nvSpPr>
-          <p:cNvPr id="3" name="Text Placeholder 2"/>
-          <p:cNvSpPr>
-            <a:spLocks noGrp="1"/>
-          </p:cNvSpPr>
-          <p:nvPr>
-            <p:ph type="body" idx="1"/>
-          </p:nvPr>
-        </p:nvSpPr>
-        <p:spPr/>
-        <p:txBody>
-          <a:bodyPr/>
-          <a:lstStyle/>
-          <a:p>
-            <a:r>
-              <a:rPr lang="en-US" dirty="0" err="1">
-                <a:latin typeface="Courier New" panose="02070309020205020404" pitchFamily="49" charset="0"/>
-                <a:cs typeface="Courier New" panose="02070309020205020404" pitchFamily="49" charset="0"/>
-              </a:rPr>
-              <a:t>coxph</a:t>
-            </a:r>
-            <a:r>
-              <a:rPr lang="en-US" dirty="0">
-                <a:latin typeface="Courier New" panose="02070309020205020404" pitchFamily="49" charset="0"/>
-                <a:cs typeface="Courier New" panose="02070309020205020404" pitchFamily="49" charset="0"/>
-              </a:rPr>
-              <a:t>(formula = </a:t>
-            </a:r>
-            <a:r>
-              <a:rPr lang="en-US" dirty="0" err="1">
-                <a:latin typeface="Courier New" panose="02070309020205020404" pitchFamily="49" charset="0"/>
-                <a:cs typeface="Courier New" panose="02070309020205020404" pitchFamily="49" charset="0"/>
-              </a:rPr>
-              <a:t>su</a:t>
-            </a:r>
-            <a:r>
-              <a:rPr lang="en-US" dirty="0">
-                <a:latin typeface="Courier New" panose="02070309020205020404" pitchFamily="49" charset="0"/>
-                <a:cs typeface="Courier New" panose="02070309020205020404" pitchFamily="49" charset="0"/>
-              </a:rPr>
-              <a:t> ~ strata(Clinic) + Prison + Dose)</a:t>
-            </a:r>
-          </a:p>
-          <a:p>
-            <a:endParaRPr lang="en-US" dirty="0">
-              <a:latin typeface="Courier New" panose="02070309020205020404" pitchFamily="49" charset="0"/>
-              <a:cs typeface="Courier New" panose="02070309020205020404" pitchFamily="49" charset="0"/>
-            </a:endParaRPr>
-          </a:p>
-          <a:p>
-            <a:r>
-              <a:rPr lang="en-US" dirty="0">
-                <a:latin typeface="Courier New" panose="02070309020205020404" pitchFamily="49" charset="0"/>
-                <a:cs typeface="Courier New" panose="02070309020205020404" pitchFamily="49" charset="0"/>
-              </a:rPr>
-              <a:t>            </a:t>
-            </a:r>
-            <a:r>
-              <a:rPr lang="en-US" dirty="0" err="1">
-                <a:latin typeface="Courier New" panose="02070309020205020404" pitchFamily="49" charset="0"/>
-                <a:cs typeface="Courier New" panose="02070309020205020404" pitchFamily="49" charset="0"/>
-              </a:rPr>
-              <a:t>coef</a:t>
-            </a:r>
-            <a:r>
-              <a:rPr lang="en-US" dirty="0">
-                <a:latin typeface="Courier New" panose="02070309020205020404" pitchFamily="49" charset="0"/>
-                <a:cs typeface="Courier New" panose="02070309020205020404" pitchFamily="49" charset="0"/>
-              </a:rPr>
-              <a:t> </a:t>
-            </a:r>
-            <a:r>
-              <a:rPr lang="en-US" dirty="0" err="1">
-                <a:latin typeface="Courier New" panose="02070309020205020404" pitchFamily="49" charset="0"/>
-                <a:cs typeface="Courier New" panose="02070309020205020404" pitchFamily="49" charset="0"/>
-              </a:rPr>
-              <a:t>exp</a:t>
-            </a:r>
-            <a:r>
-              <a:rPr lang="en-US" dirty="0">
-                <a:latin typeface="Courier New" panose="02070309020205020404" pitchFamily="49" charset="0"/>
-                <a:cs typeface="Courier New" panose="02070309020205020404" pitchFamily="49" charset="0"/>
-              </a:rPr>
-              <a:t>(</a:t>
-            </a:r>
-            <a:r>
-              <a:rPr lang="en-US" dirty="0" err="1">
-                <a:latin typeface="Courier New" panose="02070309020205020404" pitchFamily="49" charset="0"/>
-                <a:cs typeface="Courier New" panose="02070309020205020404" pitchFamily="49" charset="0"/>
-              </a:rPr>
-              <a:t>coef</a:t>
-            </a:r>
-            <a:r>
-              <a:rPr lang="en-US" dirty="0">
-                <a:latin typeface="Courier New" panose="02070309020205020404" pitchFamily="49" charset="0"/>
-                <a:cs typeface="Courier New" panose="02070309020205020404" pitchFamily="49" charset="0"/>
-              </a:rPr>
-              <a:t>) se(</a:t>
-            </a:r>
-            <a:r>
-              <a:rPr lang="en-US" dirty="0" err="1">
-                <a:latin typeface="Courier New" panose="02070309020205020404" pitchFamily="49" charset="0"/>
-                <a:cs typeface="Courier New" panose="02070309020205020404" pitchFamily="49" charset="0"/>
-              </a:rPr>
-              <a:t>coef</a:t>
-            </a:r>
-            <a:r>
-              <a:rPr lang="en-US" dirty="0">
-                <a:latin typeface="Courier New" panose="02070309020205020404" pitchFamily="49" charset="0"/>
-                <a:cs typeface="Courier New" panose="02070309020205020404" pitchFamily="49" charset="0"/>
-              </a:rPr>
-              <a:t>)     z       p</a:t>
-            </a:r>
-          </a:p>
-          <a:p>
-            <a:r>
-              <a:rPr lang="en-US" dirty="0">
-                <a:latin typeface="Courier New" panose="02070309020205020404" pitchFamily="49" charset="0"/>
-                <a:cs typeface="Courier New" panose="02070309020205020404" pitchFamily="49" charset="0"/>
-              </a:rPr>
-              <a:t>Prison   0.38960   1.47640  0.16893  2.31   0.021</a:t>
-            </a:r>
-          </a:p>
-          <a:p>
-            <a:r>
-              <a:rPr lang="en-US" dirty="0">
-                <a:latin typeface="Courier New" panose="02070309020205020404" pitchFamily="49" charset="0"/>
-                <a:cs typeface="Courier New" panose="02070309020205020404" pitchFamily="49" charset="0"/>
-              </a:rPr>
-              <a:t>Dose    -0.03511   0.96549  0.00646 -5.43 5.6e-08</a:t>
-            </a:r>
-          </a:p>
-          <a:p>
-            <a:r>
-              <a:rPr lang="en-US" dirty="0">
-                <a:latin typeface="Courier New" panose="02070309020205020404" pitchFamily="49" charset="0"/>
-                <a:cs typeface="Courier New" panose="02070309020205020404" pitchFamily="49" charset="0"/>
-              </a:rPr>
-              <a:t> </a:t>
-            </a:r>
-          </a:p>
-          <a:p>
-            <a:r>
-              <a:rPr lang="en-US" dirty="0">
-                <a:latin typeface="Courier New" panose="02070309020205020404" pitchFamily="49" charset="0"/>
-                <a:cs typeface="Courier New" panose="02070309020205020404" pitchFamily="49" charset="0"/>
-              </a:rPr>
-              <a:t>Likelihood ratio test=33.9  on 2 </a:t>
-            </a:r>
-            <a:r>
-              <a:rPr lang="en-US" dirty="0" err="1">
-                <a:latin typeface="Courier New" panose="02070309020205020404" pitchFamily="49" charset="0"/>
-                <a:cs typeface="Courier New" panose="02070309020205020404" pitchFamily="49" charset="0"/>
-              </a:rPr>
-              <a:t>df</a:t>
-            </a:r>
-            <a:r>
-              <a:rPr lang="en-US" dirty="0">
-                <a:latin typeface="Courier New" panose="02070309020205020404" pitchFamily="49" charset="0"/>
-                <a:cs typeface="Courier New" panose="02070309020205020404" pitchFamily="49" charset="0"/>
-              </a:rPr>
-              <a:t>, p=4.32e-08</a:t>
-            </a:r>
-          </a:p>
-          <a:p>
-            <a:r>
-              <a:rPr lang="en-US" dirty="0">
-                <a:latin typeface="Courier New" panose="02070309020205020404" pitchFamily="49" charset="0"/>
-                <a:cs typeface="Courier New" panose="02070309020205020404" pitchFamily="49" charset="0"/>
-              </a:rPr>
-              <a:t>n= 238, number of events= 150</a:t>
-            </a:r>
-            <a:endParaRPr lang="en-US" dirty="0"/>
+              <a:t>A simple example of the Cox regression model</a:t>
+            </a:r>
           </a:p>
         </p:txBody>
       </p:sp>
@@ -9733,15 +9079,45 @@
           <a:p>
             <a:r>
               <a:rPr lang="en-US" dirty="0"/>
-              <a:t>Cox model with stratification and multiple predictors</a:t>
-            </a:r>
-          </a:p>
-        </p:txBody>
-      </p:sp>
+              <a:t>You can plot the two estimated survival curves</a:t>
+            </a:r>
+          </a:p>
+        </p:txBody>
+      </p:sp>
+      <p:pic>
+        <p:nvPicPr>
+          <p:cNvPr id="7" name="Picture 6">
+            <a:extLst>
+              <a:ext uri="{FF2B5EF4-FFF2-40B4-BE49-F238E27FC236}">
+                <a16:creationId xmlns:a16="http://schemas.microsoft.com/office/drawing/2014/main" id="{4A42F84F-3186-4DBA-94C4-74956DA4E70D}"/>
+              </a:ext>
+            </a:extLst>
+          </p:cNvPr>
+          <p:cNvPicPr>
+            <a:picLocks noChangeAspect="1"/>
+          </p:cNvPicPr>
+          <p:nvPr/>
+        </p:nvPicPr>
+        <p:blipFill>
+          <a:blip r:embed="rId2"/>
+          <a:stretch>
+            <a:fillRect/>
+          </a:stretch>
+        </p:blipFill>
+        <p:spPr>
+          <a:xfrm>
+            <a:off x="448235" y="2359254"/>
+            <a:ext cx="8228571" cy="3657143"/>
+          </a:xfrm>
+          <a:prstGeom prst="rect">
+            <a:avLst/>
+          </a:prstGeom>
+        </p:spPr>
+      </p:pic>
     </p:spTree>
     <p:extLst>
       <p:ext uri="{BB962C8B-B14F-4D97-AF65-F5344CB8AC3E}">
-        <p14:creationId xmlns:p14="http://schemas.microsoft.com/office/powerpoint/2010/main" val="3904883576"/>
+        <p14:creationId xmlns:p14="http://schemas.microsoft.com/office/powerpoint/2010/main" val="316775377"/>
       </p:ext>
     </p:extLst>
   </p:cSld>
@@ -9785,79 +9161,8 @@
           <a:p>
             <a:r>
               <a:rPr lang="en-US" dirty="0"/>
-              <a:t>Conclusion</a:t>
-            </a:r>
-          </a:p>
-        </p:txBody>
-      </p:sp>
-      <p:sp>
-        <p:nvSpPr>
-          <p:cNvPr id="3" name="Text Placeholder 2"/>
-          <p:cNvSpPr>
-            <a:spLocks noGrp="1"/>
-          </p:cNvSpPr>
-          <p:nvPr>
-            <p:ph type="body" idx="1"/>
-          </p:nvPr>
-        </p:nvSpPr>
-        <p:spPr/>
-        <p:txBody>
-          <a:bodyPr/>
-          <a:lstStyle/>
-          <a:p>
-            <a:pPr marL="457200" indent="-457200">
-              <a:buFont typeface="+mj-lt"/>
-              <a:buAutoNum type="arabicPeriod"/>
-            </a:pPr>
-            <a:r>
-              <a:rPr lang="en-US" dirty="0">
-                <a:latin typeface="+mj-lt"/>
-                <a:cs typeface="Courier New" panose="02070309020205020404" pitchFamily="49" charset="0"/>
-              </a:rPr>
-              <a:t>The hazard function is the short term death rate among those patients surviving to a specific time.</a:t>
-            </a:r>
-          </a:p>
-          <a:p>
-            <a:pPr marL="457200" indent="-457200">
-              <a:buFont typeface="+mj-lt"/>
-              <a:buAutoNum type="arabicPeriod"/>
-            </a:pPr>
-            <a:r>
-              <a:rPr lang="en-US" dirty="0">
-                <a:latin typeface="+mj-lt"/>
-                <a:cs typeface="Courier New" panose="02070309020205020404" pitchFamily="49" charset="0"/>
-              </a:rPr>
-              <a:t>The log rank test is a simple test for comparing two or more Kaplan-Meier curves.</a:t>
-            </a:r>
-          </a:p>
-          <a:p>
-            <a:pPr marL="457200" indent="-457200">
-              <a:buFont typeface="+mj-lt"/>
-              <a:buAutoNum type="arabicPeriod"/>
-            </a:pPr>
-            <a:r>
-              <a:rPr lang="en-US" dirty="0">
-                <a:latin typeface="+mj-lt"/>
-                <a:cs typeface="Courier New" panose="02070309020205020404" pitchFamily="49" charset="0"/>
-              </a:rPr>
-              <a:t>The Cox regression model allows for continuous predictors and risk adjustment. </a:t>
-            </a:r>
-          </a:p>
-          <a:p>
-            <a:pPr marL="457200" indent="-457200">
-              <a:buFont typeface="+mj-lt"/>
-              <a:buAutoNum type="arabicPeriod"/>
-            </a:pPr>
-            <a:r>
-              <a:rPr lang="en-US" dirty="0">
-                <a:latin typeface="+mj-lt"/>
-                <a:cs typeface="Courier New" panose="02070309020205020404" pitchFamily="49" charset="0"/>
-              </a:rPr>
-              <a:t>The Cox model assumes proportional hazard functions and compares groups using a hazard ratio.</a:t>
-            </a:r>
-            <a:endParaRPr lang="en-US" dirty="0">
-              <a:latin typeface="+mj-lt"/>
-            </a:endParaRPr>
+              <a:t>A simple example of the Cox regression model</a:t>
+            </a:r>
           </a:p>
         </p:txBody>
       </p:sp>
@@ -9924,6 +9229,1608 @@
                 <a:defRPr/>
               </a:pPr>
               <a:t>31</a:t>
+            </a:fld>
+            <a:endParaRPr lang="en-US"/>
+          </a:p>
+        </p:txBody>
+      </p:sp>
+      <p:sp>
+        <p:nvSpPr>
+          <p:cNvPr id="6" name="Text Placeholder 5"/>
+          <p:cNvSpPr>
+            <a:spLocks noGrp="1"/>
+          </p:cNvSpPr>
+          <p:nvPr>
+            <p:ph type="body" sz="quarter" idx="12"/>
+          </p:nvPr>
+        </p:nvSpPr>
+        <p:spPr/>
+        <p:txBody>
+          <a:bodyPr/>
+          <a:lstStyle/>
+          <a:p>
+            <a:r>
+              <a:rPr lang="en-US" dirty="0"/>
+              <a:t>..and the estimated cumulative hazard functions</a:t>
+            </a:r>
+          </a:p>
+        </p:txBody>
+      </p:sp>
+      <p:pic>
+        <p:nvPicPr>
+          <p:cNvPr id="7" name="Picture 6">
+            <a:extLst>
+              <a:ext uri="{FF2B5EF4-FFF2-40B4-BE49-F238E27FC236}">
+                <a16:creationId xmlns:a16="http://schemas.microsoft.com/office/drawing/2014/main" id="{E29AE244-2575-40D6-861A-F0EFEDD555B9}"/>
+              </a:ext>
+            </a:extLst>
+          </p:cNvPr>
+          <p:cNvPicPr>
+            <a:picLocks noChangeAspect="1"/>
+          </p:cNvPicPr>
+          <p:nvPr/>
+        </p:nvPicPr>
+        <p:blipFill>
+          <a:blip r:embed="rId2"/>
+          <a:stretch>
+            <a:fillRect/>
+          </a:stretch>
+        </p:blipFill>
+        <p:spPr>
+          <a:xfrm>
+            <a:off x="458229" y="2359254"/>
+            <a:ext cx="8228571" cy="3657143"/>
+          </a:xfrm>
+          <a:prstGeom prst="rect">
+            <a:avLst/>
+          </a:prstGeom>
+        </p:spPr>
+      </p:pic>
+    </p:spTree>
+    <p:extLst>
+      <p:ext uri="{BB962C8B-B14F-4D97-AF65-F5344CB8AC3E}">
+        <p14:creationId xmlns:p14="http://schemas.microsoft.com/office/powerpoint/2010/main" val="2536661843"/>
+      </p:ext>
+    </p:extLst>
+  </p:cSld>
+  <p:clrMapOvr>
+    <a:masterClrMapping/>
+  </p:clrMapOvr>
+</p:sld>
+</file>
+
+<file path=ppt/slides/slide32.xml><?xml version="1.0" encoding="utf-8"?>
+<p:sld xmlns:a="http://schemas.openxmlformats.org/drawingml/2006/main" xmlns:r="http://schemas.openxmlformats.org/officeDocument/2006/relationships" xmlns:p="http://schemas.openxmlformats.org/presentationml/2006/main">
+  <p:cSld>
+    <p:spTree>
+      <p:nvGrpSpPr>
+        <p:cNvPr id="1" name=""/>
+        <p:cNvGrpSpPr/>
+        <p:nvPr/>
+      </p:nvGrpSpPr>
+      <p:grpSpPr>
+        <a:xfrm>
+          <a:off x="0" y="0"/>
+          <a:ext cx="0" cy="0"/>
+          <a:chOff x="0" y="0"/>
+          <a:chExt cx="0" cy="0"/>
+        </a:xfrm>
+      </p:grpSpPr>
+      <p:sp>
+        <p:nvSpPr>
+          <p:cNvPr id="2" name="Title 1"/>
+          <p:cNvSpPr>
+            <a:spLocks noGrp="1"/>
+          </p:cNvSpPr>
+          <p:nvPr>
+            <p:ph type="title"/>
+          </p:nvPr>
+        </p:nvSpPr>
+        <p:spPr/>
+        <p:txBody>
+          <a:bodyPr/>
+          <a:lstStyle/>
+          <a:p>
+            <a:r>
+              <a:rPr lang="en-US" dirty="0"/>
+              <a:t>A second example of the Cox regression model</a:t>
+            </a:r>
+          </a:p>
+        </p:txBody>
+      </p:sp>
+      <p:sp>
+        <p:nvSpPr>
+          <p:cNvPr id="4" name="Footer Placeholder 3"/>
+          <p:cNvSpPr>
+            <a:spLocks noGrp="1"/>
+          </p:cNvSpPr>
+          <p:nvPr>
+            <p:ph type="ftr" sz="quarter" idx="10"/>
+          </p:nvPr>
+        </p:nvSpPr>
+        <p:spPr/>
+        <p:txBody>
+          <a:bodyPr/>
+          <a:lstStyle/>
+          <a:p>
+            <a:pPr>
+              <a:defRPr/>
+            </a:pPr>
+            <a:r>
+              <a:rPr lang="en-US" altLang="en-US" dirty="0"/>
+              <a:t>©2016 </a:t>
+            </a:r>
+            <a:r>
+              <a:rPr lang="en-US" altLang="en-US"/>
+              <a:t>Steve Simon    </a:t>
+            </a:r>
+            <a:r>
+              <a:rPr lang="en-US" altLang="en-US" dirty="0"/>
+              <a:t>http://TheAnalysisFactor.com</a:t>
+            </a:r>
+          </a:p>
+        </p:txBody>
+      </p:sp>
+      <p:sp>
+        <p:nvSpPr>
+          <p:cNvPr id="5" name="Slide Number Placeholder 4"/>
+          <p:cNvSpPr>
+            <a:spLocks noGrp="1"/>
+          </p:cNvSpPr>
+          <p:nvPr>
+            <p:ph type="sldNum" sz="quarter" idx="11"/>
+          </p:nvPr>
+        </p:nvSpPr>
+        <p:spPr/>
+        <p:txBody>
+          <a:bodyPr/>
+          <a:lstStyle/>
+          <a:p>
+            <a:pPr>
+              <a:defRPr/>
+            </a:pPr>
+            <a:endParaRPr lang="en-US"/>
+          </a:p>
+          <a:p>
+            <a:pPr>
+              <a:defRPr/>
+            </a:pPr>
+            <a:fld id="{E9A8CBA3-AA2B-46A6-BFA3-DCEBEAAB3F0A}" type="slidenum">
+              <a:rPr lang="en-US" smtClean="0"/>
+              <a:pPr>
+                <a:defRPr/>
+              </a:pPr>
+              <a:t>32</a:t>
+            </a:fld>
+            <a:endParaRPr lang="en-US"/>
+          </a:p>
+        </p:txBody>
+      </p:sp>
+      <p:sp>
+        <p:nvSpPr>
+          <p:cNvPr id="6" name="Text Placeholder 5"/>
+          <p:cNvSpPr>
+            <a:spLocks noGrp="1"/>
+          </p:cNvSpPr>
+          <p:nvPr>
+            <p:ph type="body" sz="quarter" idx="12"/>
+          </p:nvPr>
+        </p:nvSpPr>
+        <p:spPr/>
+        <p:txBody>
+          <a:bodyPr/>
+          <a:lstStyle/>
+          <a:p>
+            <a:r>
+              <a:rPr lang="en-US" dirty="0"/>
+              <a:t>Start with the basic Kaplan-Meier curves</a:t>
+            </a:r>
+          </a:p>
+        </p:txBody>
+      </p:sp>
+      <p:pic>
+        <p:nvPicPr>
+          <p:cNvPr id="9" name="Picture 8">
+            <a:extLst>
+              <a:ext uri="{FF2B5EF4-FFF2-40B4-BE49-F238E27FC236}">
+                <a16:creationId xmlns:a16="http://schemas.microsoft.com/office/drawing/2014/main" id="{178C6E5D-BFD1-428C-A821-30D5AA21958E}"/>
+              </a:ext>
+            </a:extLst>
+          </p:cNvPr>
+          <p:cNvPicPr>
+            <a:picLocks noChangeAspect="1"/>
+          </p:cNvPicPr>
+          <p:nvPr/>
+        </p:nvPicPr>
+        <p:blipFill>
+          <a:blip r:embed="rId2"/>
+          <a:stretch>
+            <a:fillRect/>
+          </a:stretch>
+        </p:blipFill>
+        <p:spPr>
+          <a:xfrm>
+            <a:off x="485123" y="2359254"/>
+            <a:ext cx="8228571" cy="3657143"/>
+          </a:xfrm>
+          <a:prstGeom prst="rect">
+            <a:avLst/>
+          </a:prstGeom>
+        </p:spPr>
+      </p:pic>
+    </p:spTree>
+    <p:extLst>
+      <p:ext uri="{BB962C8B-B14F-4D97-AF65-F5344CB8AC3E}">
+        <p14:creationId xmlns:p14="http://schemas.microsoft.com/office/powerpoint/2010/main" val="4042319226"/>
+      </p:ext>
+    </p:extLst>
+  </p:cSld>
+  <p:clrMapOvr>
+    <a:masterClrMapping/>
+  </p:clrMapOvr>
+</p:sld>
+</file>
+
+<file path=ppt/slides/slide33.xml><?xml version="1.0" encoding="utf-8"?>
+<p:sld xmlns:a="http://schemas.openxmlformats.org/drawingml/2006/main" xmlns:r="http://schemas.openxmlformats.org/officeDocument/2006/relationships" xmlns:p="http://schemas.openxmlformats.org/presentationml/2006/main">
+  <p:cSld>
+    <p:spTree>
+      <p:nvGrpSpPr>
+        <p:cNvPr id="1" name=""/>
+        <p:cNvGrpSpPr/>
+        <p:nvPr/>
+      </p:nvGrpSpPr>
+      <p:grpSpPr>
+        <a:xfrm>
+          <a:off x="0" y="0"/>
+          <a:ext cx="0" cy="0"/>
+          <a:chOff x="0" y="0"/>
+          <a:chExt cx="0" cy="0"/>
+        </a:xfrm>
+      </p:grpSpPr>
+      <p:sp>
+        <p:nvSpPr>
+          <p:cNvPr id="2" name="Title 1"/>
+          <p:cNvSpPr>
+            <a:spLocks noGrp="1"/>
+          </p:cNvSpPr>
+          <p:nvPr>
+            <p:ph type="title"/>
+          </p:nvPr>
+        </p:nvSpPr>
+        <p:spPr/>
+        <p:txBody>
+          <a:bodyPr/>
+          <a:lstStyle/>
+          <a:p>
+            <a:r>
+              <a:rPr lang="en-US" dirty="0"/>
+              <a:t>A second example of the Cox regression model</a:t>
+            </a:r>
+          </a:p>
+        </p:txBody>
+      </p:sp>
+      <p:sp>
+        <p:nvSpPr>
+          <p:cNvPr id="3" name="Text Placeholder 2"/>
+          <p:cNvSpPr>
+            <a:spLocks noGrp="1"/>
+          </p:cNvSpPr>
+          <p:nvPr>
+            <p:ph type="body" idx="1"/>
+          </p:nvPr>
+        </p:nvSpPr>
+        <p:spPr/>
+        <p:txBody>
+          <a:bodyPr/>
+          <a:lstStyle/>
+          <a:p>
+            <a:r>
+              <a:rPr lang="en-US" sz="1800" dirty="0">
+                <a:latin typeface="Courier New" panose="02070309020205020404" pitchFamily="49" charset="0"/>
+                <a:cs typeface="Courier New" panose="02070309020205020404" pitchFamily="49" charset="0"/>
+              </a:rPr>
+              <a:t>                 N Observed Expected (O-E)^2/E (O-E)^2/V</a:t>
+            </a:r>
+          </a:p>
+          <a:p>
+            <a:r>
+              <a:rPr lang="en-US" sz="1800" dirty="0" err="1">
+                <a:latin typeface="Courier New" panose="02070309020205020404" pitchFamily="49" charset="0"/>
+                <a:cs typeface="Courier New" panose="02070309020205020404" pitchFamily="49" charset="0"/>
+              </a:rPr>
+              <a:t>age_group</a:t>
+            </a:r>
+            <a:r>
+              <a:rPr lang="en-US" sz="1800" dirty="0">
+                <a:latin typeface="Courier New" panose="02070309020205020404" pitchFamily="49" charset="0"/>
+                <a:cs typeface="Courier New" panose="02070309020205020404" pitchFamily="49" charset="0"/>
+              </a:rPr>
+              <a:t>=&lt;60   25        8     15.5      3.64      5.29</a:t>
+            </a:r>
+          </a:p>
+          <a:p>
+            <a:r>
+              <a:rPr lang="en-US" sz="1800" dirty="0" err="1">
+                <a:latin typeface="Courier New" panose="02070309020205020404" pitchFamily="49" charset="0"/>
+                <a:cs typeface="Courier New" panose="02070309020205020404" pitchFamily="49" charset="0"/>
+              </a:rPr>
+              <a:t>age_group</a:t>
+            </a:r>
+            <a:r>
+              <a:rPr lang="en-US" sz="1800" dirty="0">
+                <a:latin typeface="Courier New" panose="02070309020205020404" pitchFamily="49" charset="0"/>
+                <a:cs typeface="Courier New" panose="02070309020205020404" pitchFamily="49" charset="0"/>
+              </a:rPr>
+              <a:t>=60-69 23        7     12.9      2.71      3.68</a:t>
+            </a:r>
+          </a:p>
+          <a:p>
+            <a:r>
+              <a:rPr lang="en-US" sz="1800" dirty="0" err="1">
+                <a:latin typeface="Courier New" panose="02070309020205020404" pitchFamily="49" charset="0"/>
+                <a:cs typeface="Courier New" panose="02070309020205020404" pitchFamily="49" charset="0"/>
+              </a:rPr>
+              <a:t>age_group</a:t>
+            </a:r>
+            <a:r>
+              <a:rPr lang="en-US" sz="1800" dirty="0">
+                <a:latin typeface="Courier New" panose="02070309020205020404" pitchFamily="49" charset="0"/>
+                <a:cs typeface="Courier New" panose="02070309020205020404" pitchFamily="49" charset="0"/>
+              </a:rPr>
+              <a:t>=70-79 22       14     10.2      1.39      1.76</a:t>
+            </a:r>
+          </a:p>
+          <a:p>
+            <a:r>
+              <a:rPr lang="en-US" sz="1800" dirty="0" err="1">
+                <a:latin typeface="Courier New" panose="02070309020205020404" pitchFamily="49" charset="0"/>
+                <a:cs typeface="Courier New" panose="02070309020205020404" pitchFamily="49" charset="0"/>
+              </a:rPr>
+              <a:t>age_group</a:t>
+            </a:r>
+            <a:r>
+              <a:rPr lang="en-US" sz="1800" dirty="0">
+                <a:latin typeface="Courier New" panose="02070309020205020404" pitchFamily="49" charset="0"/>
+                <a:cs typeface="Courier New" panose="02070309020205020404" pitchFamily="49" charset="0"/>
+              </a:rPr>
+              <a:t>=&gt;=80  30       22     12.3      7.57     10.18</a:t>
+            </a:r>
+          </a:p>
+          <a:p>
+            <a:endParaRPr lang="en-US" sz="1800" dirty="0">
+              <a:latin typeface="Courier New" panose="02070309020205020404" pitchFamily="49" charset="0"/>
+              <a:cs typeface="Courier New" panose="02070309020205020404" pitchFamily="49" charset="0"/>
+            </a:endParaRPr>
+          </a:p>
+          <a:p>
+            <a:r>
+              <a:rPr lang="en-US" sz="1800" dirty="0">
+                <a:latin typeface="Courier New" panose="02070309020205020404" pitchFamily="49" charset="0"/>
+                <a:cs typeface="Courier New" panose="02070309020205020404" pitchFamily="49" charset="0"/>
+              </a:rPr>
+              <a:t> </a:t>
+            </a:r>
+            <a:r>
+              <a:rPr lang="en-US" sz="1800" dirty="0" err="1">
+                <a:latin typeface="Courier New" panose="02070309020205020404" pitchFamily="49" charset="0"/>
+                <a:cs typeface="Courier New" panose="02070309020205020404" pitchFamily="49" charset="0"/>
+              </a:rPr>
+              <a:t>Chisq</a:t>
+            </a:r>
+            <a:r>
+              <a:rPr lang="en-US" sz="1800" dirty="0">
+                <a:latin typeface="Courier New" panose="02070309020205020404" pitchFamily="49" charset="0"/>
+                <a:cs typeface="Courier New" panose="02070309020205020404" pitchFamily="49" charset="0"/>
+              </a:rPr>
+              <a:t>= 15.6  on 3 degrees of freedom, p= 0.00139</a:t>
+            </a:r>
+          </a:p>
+        </p:txBody>
+      </p:sp>
+      <p:sp>
+        <p:nvSpPr>
+          <p:cNvPr id="4" name="Footer Placeholder 3"/>
+          <p:cNvSpPr>
+            <a:spLocks noGrp="1"/>
+          </p:cNvSpPr>
+          <p:nvPr>
+            <p:ph type="ftr" sz="quarter" idx="10"/>
+          </p:nvPr>
+        </p:nvSpPr>
+        <p:spPr/>
+        <p:txBody>
+          <a:bodyPr/>
+          <a:lstStyle/>
+          <a:p>
+            <a:pPr>
+              <a:defRPr/>
+            </a:pPr>
+            <a:r>
+              <a:rPr lang="en-US" altLang="en-US" dirty="0"/>
+              <a:t>©2016 </a:t>
+            </a:r>
+            <a:r>
+              <a:rPr lang="en-US" altLang="en-US"/>
+              <a:t>Steve Simon    </a:t>
+            </a:r>
+            <a:r>
+              <a:rPr lang="en-US" altLang="en-US" dirty="0"/>
+              <a:t>http://TheAnalysisFactor.com</a:t>
+            </a:r>
+          </a:p>
+        </p:txBody>
+      </p:sp>
+      <p:sp>
+        <p:nvSpPr>
+          <p:cNvPr id="5" name="Slide Number Placeholder 4"/>
+          <p:cNvSpPr>
+            <a:spLocks noGrp="1"/>
+          </p:cNvSpPr>
+          <p:nvPr>
+            <p:ph type="sldNum" sz="quarter" idx="11"/>
+          </p:nvPr>
+        </p:nvSpPr>
+        <p:spPr/>
+        <p:txBody>
+          <a:bodyPr/>
+          <a:lstStyle/>
+          <a:p>
+            <a:pPr>
+              <a:defRPr/>
+            </a:pPr>
+            <a:endParaRPr lang="en-US"/>
+          </a:p>
+          <a:p>
+            <a:pPr>
+              <a:defRPr/>
+            </a:pPr>
+            <a:fld id="{E9A8CBA3-AA2B-46A6-BFA3-DCEBEAAB3F0A}" type="slidenum">
+              <a:rPr lang="en-US" smtClean="0"/>
+              <a:pPr>
+                <a:defRPr/>
+              </a:pPr>
+              <a:t>33</a:t>
+            </a:fld>
+            <a:endParaRPr lang="en-US"/>
+          </a:p>
+        </p:txBody>
+      </p:sp>
+      <p:sp>
+        <p:nvSpPr>
+          <p:cNvPr id="6" name="Text Placeholder 5"/>
+          <p:cNvSpPr>
+            <a:spLocks noGrp="1"/>
+          </p:cNvSpPr>
+          <p:nvPr>
+            <p:ph type="body" sz="quarter" idx="12"/>
+          </p:nvPr>
+        </p:nvSpPr>
+        <p:spPr/>
+        <p:txBody>
+          <a:bodyPr/>
+          <a:lstStyle/>
+          <a:p>
+            <a:r>
+              <a:rPr lang="en-US" dirty="0"/>
+              <a:t>…and the </a:t>
+            </a:r>
+            <a:r>
+              <a:rPr lang="en-US" dirty="0" err="1"/>
+              <a:t>logrank</a:t>
+            </a:r>
+            <a:r>
+              <a:rPr lang="en-US" dirty="0"/>
+              <a:t> test</a:t>
+            </a:r>
+          </a:p>
+        </p:txBody>
+      </p:sp>
+    </p:spTree>
+    <p:extLst>
+      <p:ext uri="{BB962C8B-B14F-4D97-AF65-F5344CB8AC3E}">
+        <p14:creationId xmlns:p14="http://schemas.microsoft.com/office/powerpoint/2010/main" val="2565861459"/>
+      </p:ext>
+    </p:extLst>
+  </p:cSld>
+  <p:clrMapOvr>
+    <a:masterClrMapping/>
+  </p:clrMapOvr>
+</p:sld>
+</file>
+
+<file path=ppt/slides/slide34.xml><?xml version="1.0" encoding="utf-8"?>
+<p:sld xmlns:a="http://schemas.openxmlformats.org/drawingml/2006/main" xmlns:r="http://schemas.openxmlformats.org/officeDocument/2006/relationships" xmlns:p="http://schemas.openxmlformats.org/presentationml/2006/main">
+  <p:cSld>
+    <p:spTree>
+      <p:nvGrpSpPr>
+        <p:cNvPr id="1" name=""/>
+        <p:cNvGrpSpPr/>
+        <p:nvPr/>
+      </p:nvGrpSpPr>
+      <p:grpSpPr>
+        <a:xfrm>
+          <a:off x="0" y="0"/>
+          <a:ext cx="0" cy="0"/>
+          <a:chOff x="0" y="0"/>
+          <a:chExt cx="0" cy="0"/>
+        </a:xfrm>
+      </p:grpSpPr>
+      <p:sp>
+        <p:nvSpPr>
+          <p:cNvPr id="2" name="Title 1"/>
+          <p:cNvSpPr>
+            <a:spLocks noGrp="1"/>
+          </p:cNvSpPr>
+          <p:nvPr>
+            <p:ph type="title"/>
+          </p:nvPr>
+        </p:nvSpPr>
+        <p:spPr/>
+        <p:txBody>
+          <a:bodyPr/>
+          <a:lstStyle/>
+          <a:p>
+            <a:r>
+              <a:rPr lang="en-US" dirty="0"/>
+              <a:t>A second example of the Cox regression model</a:t>
+            </a:r>
+          </a:p>
+        </p:txBody>
+      </p:sp>
+      <p:sp>
+        <p:nvSpPr>
+          <p:cNvPr id="3" name="Text Placeholder 2"/>
+          <p:cNvSpPr>
+            <a:spLocks noGrp="1"/>
+          </p:cNvSpPr>
+          <p:nvPr>
+            <p:ph type="body" idx="1"/>
+          </p:nvPr>
+        </p:nvSpPr>
+        <p:spPr/>
+        <p:txBody>
+          <a:bodyPr/>
+          <a:lstStyle/>
+          <a:p>
+            <a:r>
+              <a:rPr lang="en-US" sz="1800" dirty="0">
+                <a:latin typeface="Courier New" panose="02070309020205020404" pitchFamily="49" charset="0"/>
+                <a:cs typeface="Courier New" panose="02070309020205020404" pitchFamily="49" charset="0"/>
+              </a:rPr>
+              <a:t>                 </a:t>
+            </a:r>
+            <a:r>
+              <a:rPr lang="en-US" sz="1800" dirty="0" err="1">
+                <a:latin typeface="Courier New" panose="02070309020205020404" pitchFamily="49" charset="0"/>
+                <a:cs typeface="Courier New" panose="02070309020205020404" pitchFamily="49" charset="0"/>
+              </a:rPr>
+              <a:t>coef</a:t>
+            </a:r>
+            <a:r>
+              <a:rPr lang="en-US" sz="1800" dirty="0">
+                <a:latin typeface="Courier New" panose="02070309020205020404" pitchFamily="49" charset="0"/>
+                <a:cs typeface="Courier New" panose="02070309020205020404" pitchFamily="49" charset="0"/>
+              </a:rPr>
+              <a:t> </a:t>
+            </a:r>
+            <a:r>
+              <a:rPr lang="en-US" sz="1800" dirty="0" err="1">
+                <a:latin typeface="Courier New" panose="02070309020205020404" pitchFamily="49" charset="0"/>
+                <a:cs typeface="Courier New" panose="02070309020205020404" pitchFamily="49" charset="0"/>
+              </a:rPr>
+              <a:t>exp</a:t>
+            </a:r>
+            <a:r>
+              <a:rPr lang="en-US" sz="1800" dirty="0">
+                <a:latin typeface="Courier New" panose="02070309020205020404" pitchFamily="49" charset="0"/>
+                <a:cs typeface="Courier New" panose="02070309020205020404" pitchFamily="49" charset="0"/>
+              </a:rPr>
+              <a:t>(</a:t>
+            </a:r>
+            <a:r>
+              <a:rPr lang="en-US" sz="1800" dirty="0" err="1">
+                <a:latin typeface="Courier New" panose="02070309020205020404" pitchFamily="49" charset="0"/>
+                <a:cs typeface="Courier New" panose="02070309020205020404" pitchFamily="49" charset="0"/>
+              </a:rPr>
+              <a:t>coef</a:t>
+            </a:r>
+            <a:r>
+              <a:rPr lang="en-US" sz="1800" dirty="0">
+                <a:latin typeface="Courier New" panose="02070309020205020404" pitchFamily="49" charset="0"/>
+                <a:cs typeface="Courier New" panose="02070309020205020404" pitchFamily="49" charset="0"/>
+              </a:rPr>
+              <a:t>) se(</a:t>
+            </a:r>
+            <a:r>
+              <a:rPr lang="en-US" sz="1800" dirty="0" err="1">
+                <a:latin typeface="Courier New" panose="02070309020205020404" pitchFamily="49" charset="0"/>
+                <a:cs typeface="Courier New" panose="02070309020205020404" pitchFamily="49" charset="0"/>
+              </a:rPr>
+              <a:t>coef</a:t>
+            </a:r>
+            <a:r>
+              <a:rPr lang="en-US" sz="1800" dirty="0">
+                <a:latin typeface="Courier New" panose="02070309020205020404" pitchFamily="49" charset="0"/>
+                <a:cs typeface="Courier New" panose="02070309020205020404" pitchFamily="49" charset="0"/>
+              </a:rPr>
+              <a:t>)    z      p</a:t>
+            </a:r>
+          </a:p>
+          <a:p>
+            <a:r>
+              <a:rPr lang="en-US" sz="1800" dirty="0">
+                <a:latin typeface="Courier New" panose="02070309020205020404" pitchFamily="49" charset="0"/>
+                <a:cs typeface="Courier New" panose="02070309020205020404" pitchFamily="49" charset="0"/>
+              </a:rPr>
+              <a:t>age_group60-69 0.0472    1.0484   0.5186 0.09 0.9274</a:t>
+            </a:r>
+          </a:p>
+          <a:p>
+            <a:r>
+              <a:rPr lang="en-US" sz="1800" dirty="0">
+                <a:latin typeface="Courier New" panose="02070309020205020404" pitchFamily="49" charset="0"/>
+                <a:cs typeface="Courier New" panose="02070309020205020404" pitchFamily="49" charset="0"/>
+              </a:rPr>
+              <a:t>age_group70-79 0.9866    2.6820   0.4454 2.22 0.0267</a:t>
+            </a:r>
+          </a:p>
+          <a:p>
+            <a:r>
+              <a:rPr lang="en-US" sz="1800" dirty="0" err="1">
+                <a:latin typeface="Courier New" panose="02070309020205020404" pitchFamily="49" charset="0"/>
+                <a:cs typeface="Courier New" panose="02070309020205020404" pitchFamily="49" charset="0"/>
+              </a:rPr>
+              <a:t>age_group</a:t>
+            </a:r>
+            <a:r>
+              <a:rPr lang="en-US" sz="1800" dirty="0">
+                <a:latin typeface="Courier New" panose="02070309020205020404" pitchFamily="49" charset="0"/>
+                <a:cs typeface="Courier New" panose="02070309020205020404" pitchFamily="49" charset="0"/>
+              </a:rPr>
+              <a:t>&gt;=80  1.2634    3.5373   0.4155 3.04 0.0024</a:t>
+            </a:r>
+          </a:p>
+          <a:p>
+            <a:endParaRPr lang="en-US" sz="1800" dirty="0">
+              <a:latin typeface="Courier New" panose="02070309020205020404" pitchFamily="49" charset="0"/>
+              <a:cs typeface="Courier New" panose="02070309020205020404" pitchFamily="49" charset="0"/>
+            </a:endParaRPr>
+          </a:p>
+          <a:p>
+            <a:r>
+              <a:rPr lang="en-US" sz="1800" dirty="0">
+                <a:latin typeface="Courier New" panose="02070309020205020404" pitchFamily="49" charset="0"/>
+                <a:cs typeface="Courier New" panose="02070309020205020404" pitchFamily="49" charset="0"/>
+              </a:rPr>
+              <a:t>Likelihood ratio test=15.3  on 3 </a:t>
+            </a:r>
+            <a:r>
+              <a:rPr lang="en-US" sz="1800" dirty="0" err="1">
+                <a:latin typeface="Courier New" panose="02070309020205020404" pitchFamily="49" charset="0"/>
+                <a:cs typeface="Courier New" panose="02070309020205020404" pitchFamily="49" charset="0"/>
+              </a:rPr>
+              <a:t>df</a:t>
+            </a:r>
+            <a:r>
+              <a:rPr lang="en-US" sz="1800" dirty="0">
+                <a:latin typeface="Courier New" panose="02070309020205020404" pitchFamily="49" charset="0"/>
+                <a:cs typeface="Courier New" panose="02070309020205020404" pitchFamily="49" charset="0"/>
+              </a:rPr>
+              <a:t>, p=0.00155</a:t>
+            </a:r>
+          </a:p>
+          <a:p>
+            <a:r>
+              <a:rPr lang="en-US" sz="1800" dirty="0">
+                <a:latin typeface="Courier New" panose="02070309020205020404" pitchFamily="49" charset="0"/>
+                <a:cs typeface="Courier New" panose="02070309020205020404" pitchFamily="49" charset="0"/>
+              </a:rPr>
+              <a:t>n= 100, number of events= 5139</a:t>
+            </a:r>
+          </a:p>
+        </p:txBody>
+      </p:sp>
+      <p:sp>
+        <p:nvSpPr>
+          <p:cNvPr id="4" name="Footer Placeholder 3"/>
+          <p:cNvSpPr>
+            <a:spLocks noGrp="1"/>
+          </p:cNvSpPr>
+          <p:nvPr>
+            <p:ph type="ftr" sz="quarter" idx="10"/>
+          </p:nvPr>
+        </p:nvSpPr>
+        <p:spPr/>
+        <p:txBody>
+          <a:bodyPr/>
+          <a:lstStyle/>
+          <a:p>
+            <a:pPr>
+              <a:defRPr/>
+            </a:pPr>
+            <a:r>
+              <a:rPr lang="en-US" altLang="en-US" dirty="0"/>
+              <a:t>©2016 </a:t>
+            </a:r>
+            <a:r>
+              <a:rPr lang="en-US" altLang="en-US"/>
+              <a:t>Steve Simon    </a:t>
+            </a:r>
+            <a:r>
+              <a:rPr lang="en-US" altLang="en-US" dirty="0"/>
+              <a:t>http://TheAnalysisFactor.com</a:t>
+            </a:r>
+          </a:p>
+        </p:txBody>
+      </p:sp>
+      <p:sp>
+        <p:nvSpPr>
+          <p:cNvPr id="5" name="Slide Number Placeholder 4"/>
+          <p:cNvSpPr>
+            <a:spLocks noGrp="1"/>
+          </p:cNvSpPr>
+          <p:nvPr>
+            <p:ph type="sldNum" sz="quarter" idx="11"/>
+          </p:nvPr>
+        </p:nvSpPr>
+        <p:spPr/>
+        <p:txBody>
+          <a:bodyPr/>
+          <a:lstStyle/>
+          <a:p>
+            <a:pPr>
+              <a:defRPr/>
+            </a:pPr>
+            <a:endParaRPr lang="en-US"/>
+          </a:p>
+          <a:p>
+            <a:pPr>
+              <a:defRPr/>
+            </a:pPr>
+            <a:fld id="{E9A8CBA3-AA2B-46A6-BFA3-DCEBEAAB3F0A}" type="slidenum">
+              <a:rPr lang="en-US" smtClean="0"/>
+              <a:pPr>
+                <a:defRPr/>
+              </a:pPr>
+              <a:t>34</a:t>
+            </a:fld>
+            <a:endParaRPr lang="en-US"/>
+          </a:p>
+        </p:txBody>
+      </p:sp>
+      <p:sp>
+        <p:nvSpPr>
+          <p:cNvPr id="6" name="Text Placeholder 5"/>
+          <p:cNvSpPr>
+            <a:spLocks noGrp="1"/>
+          </p:cNvSpPr>
+          <p:nvPr>
+            <p:ph type="body" sz="quarter" idx="12"/>
+          </p:nvPr>
+        </p:nvSpPr>
+        <p:spPr/>
+        <p:txBody>
+          <a:bodyPr/>
+          <a:lstStyle/>
+          <a:p>
+            <a:r>
+              <a:rPr lang="en-US" dirty="0"/>
+              <a:t>Here are the Cox regression model results</a:t>
+            </a:r>
+          </a:p>
+        </p:txBody>
+      </p:sp>
+    </p:spTree>
+    <p:extLst>
+      <p:ext uri="{BB962C8B-B14F-4D97-AF65-F5344CB8AC3E}">
+        <p14:creationId xmlns:p14="http://schemas.microsoft.com/office/powerpoint/2010/main" val="2391209589"/>
+      </p:ext>
+    </p:extLst>
+  </p:cSld>
+  <p:clrMapOvr>
+    <a:masterClrMapping/>
+  </p:clrMapOvr>
+</p:sld>
+</file>
+
+<file path=ppt/slides/slide35.xml><?xml version="1.0" encoding="utf-8"?>
+<p:sld xmlns:a="http://schemas.openxmlformats.org/drawingml/2006/main" xmlns:r="http://schemas.openxmlformats.org/officeDocument/2006/relationships" xmlns:p="http://schemas.openxmlformats.org/presentationml/2006/main">
+  <p:cSld>
+    <p:spTree>
+      <p:nvGrpSpPr>
+        <p:cNvPr id="1" name=""/>
+        <p:cNvGrpSpPr/>
+        <p:nvPr/>
+      </p:nvGrpSpPr>
+      <p:grpSpPr>
+        <a:xfrm>
+          <a:off x="0" y="0"/>
+          <a:ext cx="0" cy="0"/>
+          <a:chOff x="0" y="0"/>
+          <a:chExt cx="0" cy="0"/>
+        </a:xfrm>
+      </p:grpSpPr>
+      <p:sp>
+        <p:nvSpPr>
+          <p:cNvPr id="2" name="Title 1"/>
+          <p:cNvSpPr>
+            <a:spLocks noGrp="1"/>
+          </p:cNvSpPr>
+          <p:nvPr>
+            <p:ph type="title"/>
+          </p:nvPr>
+        </p:nvSpPr>
+        <p:spPr/>
+        <p:txBody>
+          <a:bodyPr/>
+          <a:lstStyle/>
+          <a:p>
+            <a:r>
+              <a:rPr lang="en-US" dirty="0"/>
+              <a:t>A second example of the Cox regression model</a:t>
+            </a:r>
+          </a:p>
+        </p:txBody>
+      </p:sp>
+      <p:sp>
+        <p:nvSpPr>
+          <p:cNvPr id="3" name="Text Placeholder 2"/>
+          <p:cNvSpPr>
+            <a:spLocks noGrp="1"/>
+          </p:cNvSpPr>
+          <p:nvPr>
+            <p:ph type="body" idx="1"/>
+          </p:nvPr>
+        </p:nvSpPr>
+        <p:spPr/>
+        <p:txBody>
+          <a:bodyPr/>
+          <a:lstStyle/>
+          <a:p>
+            <a:r>
+              <a:rPr lang="en-US" sz="1800" dirty="0">
+                <a:latin typeface="Courier New" panose="02070309020205020404" pitchFamily="49" charset="0"/>
+                <a:cs typeface="Courier New" panose="02070309020205020404" pitchFamily="49" charset="0"/>
+              </a:rPr>
+              <a:t>               </a:t>
+            </a:r>
+            <a:r>
+              <a:rPr lang="en-US" sz="1800" dirty="0" err="1">
+                <a:latin typeface="Courier New" panose="02070309020205020404" pitchFamily="49" charset="0"/>
+                <a:cs typeface="Courier New" panose="02070309020205020404" pitchFamily="49" charset="0"/>
+              </a:rPr>
+              <a:t>exp</a:t>
+            </a:r>
+            <a:r>
+              <a:rPr lang="en-US" sz="1800" dirty="0">
+                <a:latin typeface="Courier New" panose="02070309020205020404" pitchFamily="49" charset="0"/>
+                <a:cs typeface="Courier New" panose="02070309020205020404" pitchFamily="49" charset="0"/>
+              </a:rPr>
+              <a:t>(</a:t>
+            </a:r>
+            <a:r>
+              <a:rPr lang="en-US" sz="1800" dirty="0" err="1">
+                <a:latin typeface="Courier New" panose="02070309020205020404" pitchFamily="49" charset="0"/>
+                <a:cs typeface="Courier New" panose="02070309020205020404" pitchFamily="49" charset="0"/>
+              </a:rPr>
+              <a:t>coef</a:t>
+            </a:r>
+            <a:r>
+              <a:rPr lang="en-US" sz="1800" dirty="0">
+                <a:latin typeface="Courier New" panose="02070309020205020404" pitchFamily="49" charset="0"/>
+                <a:cs typeface="Courier New" panose="02070309020205020404" pitchFamily="49" charset="0"/>
+              </a:rPr>
+              <a:t>) </a:t>
+            </a:r>
+            <a:r>
+              <a:rPr lang="en-US" sz="1800" dirty="0" err="1">
+                <a:latin typeface="Courier New" panose="02070309020205020404" pitchFamily="49" charset="0"/>
+                <a:cs typeface="Courier New" panose="02070309020205020404" pitchFamily="49" charset="0"/>
+              </a:rPr>
+              <a:t>exp</a:t>
+            </a:r>
+            <a:r>
+              <a:rPr lang="en-US" sz="1800" dirty="0">
+                <a:latin typeface="Courier New" panose="02070309020205020404" pitchFamily="49" charset="0"/>
+                <a:cs typeface="Courier New" panose="02070309020205020404" pitchFamily="49" charset="0"/>
+              </a:rPr>
+              <a:t>(-</a:t>
+            </a:r>
+            <a:r>
+              <a:rPr lang="en-US" sz="1800" dirty="0" err="1">
+                <a:latin typeface="Courier New" panose="02070309020205020404" pitchFamily="49" charset="0"/>
+                <a:cs typeface="Courier New" panose="02070309020205020404" pitchFamily="49" charset="0"/>
+              </a:rPr>
+              <a:t>coef</a:t>
+            </a:r>
+            <a:r>
+              <a:rPr lang="en-US" sz="1800" dirty="0">
+                <a:latin typeface="Courier New" panose="02070309020205020404" pitchFamily="49" charset="0"/>
+                <a:cs typeface="Courier New" panose="02070309020205020404" pitchFamily="49" charset="0"/>
+              </a:rPr>
+              <a:t>) lower .95 upper .95</a:t>
+            </a:r>
+          </a:p>
+          <a:p>
+            <a:r>
+              <a:rPr lang="en-US" sz="1800" dirty="0">
+                <a:latin typeface="Courier New" panose="02070309020205020404" pitchFamily="49" charset="0"/>
+                <a:cs typeface="Courier New" panose="02070309020205020404" pitchFamily="49" charset="0"/>
+              </a:rPr>
+              <a:t>age_group60-69     1.048     0.9539    0.3794     2.897</a:t>
+            </a:r>
+          </a:p>
+          <a:p>
+            <a:r>
+              <a:rPr lang="en-US" sz="1800" dirty="0">
+                <a:latin typeface="Courier New" panose="02070309020205020404" pitchFamily="49" charset="0"/>
+                <a:cs typeface="Courier New" panose="02070309020205020404" pitchFamily="49" charset="0"/>
+              </a:rPr>
+              <a:t>age_group70-79     2.682     0.3729    1.1204     6.420</a:t>
+            </a:r>
+          </a:p>
+          <a:p>
+            <a:r>
+              <a:rPr lang="en-US" sz="1800" dirty="0" err="1">
+                <a:latin typeface="Courier New" panose="02070309020205020404" pitchFamily="49" charset="0"/>
+                <a:cs typeface="Courier New" panose="02070309020205020404" pitchFamily="49" charset="0"/>
+              </a:rPr>
+              <a:t>age_group</a:t>
+            </a:r>
+            <a:r>
+              <a:rPr lang="en-US" sz="1800" dirty="0">
+                <a:latin typeface="Courier New" panose="02070309020205020404" pitchFamily="49" charset="0"/>
+                <a:cs typeface="Courier New" panose="02070309020205020404" pitchFamily="49" charset="0"/>
+              </a:rPr>
+              <a:t>&gt;=80      3.537     0.2827    1.5666     7.987</a:t>
+            </a:r>
+          </a:p>
+        </p:txBody>
+      </p:sp>
+      <p:sp>
+        <p:nvSpPr>
+          <p:cNvPr id="4" name="Footer Placeholder 3"/>
+          <p:cNvSpPr>
+            <a:spLocks noGrp="1"/>
+          </p:cNvSpPr>
+          <p:nvPr>
+            <p:ph type="ftr" sz="quarter" idx="10"/>
+          </p:nvPr>
+        </p:nvSpPr>
+        <p:spPr/>
+        <p:txBody>
+          <a:bodyPr/>
+          <a:lstStyle/>
+          <a:p>
+            <a:pPr>
+              <a:defRPr/>
+            </a:pPr>
+            <a:r>
+              <a:rPr lang="en-US" altLang="en-US" dirty="0"/>
+              <a:t>©2016 </a:t>
+            </a:r>
+            <a:r>
+              <a:rPr lang="en-US" altLang="en-US"/>
+              <a:t>Steve Simon    </a:t>
+            </a:r>
+            <a:r>
+              <a:rPr lang="en-US" altLang="en-US" dirty="0"/>
+              <a:t>http://TheAnalysisFactor.com</a:t>
+            </a:r>
+          </a:p>
+        </p:txBody>
+      </p:sp>
+      <p:sp>
+        <p:nvSpPr>
+          <p:cNvPr id="5" name="Slide Number Placeholder 4"/>
+          <p:cNvSpPr>
+            <a:spLocks noGrp="1"/>
+          </p:cNvSpPr>
+          <p:nvPr>
+            <p:ph type="sldNum" sz="quarter" idx="11"/>
+          </p:nvPr>
+        </p:nvSpPr>
+        <p:spPr/>
+        <p:txBody>
+          <a:bodyPr/>
+          <a:lstStyle/>
+          <a:p>
+            <a:pPr>
+              <a:defRPr/>
+            </a:pPr>
+            <a:endParaRPr lang="en-US"/>
+          </a:p>
+          <a:p>
+            <a:pPr>
+              <a:defRPr/>
+            </a:pPr>
+            <a:fld id="{E9A8CBA3-AA2B-46A6-BFA3-DCEBEAAB3F0A}" type="slidenum">
+              <a:rPr lang="en-US" smtClean="0"/>
+              <a:pPr>
+                <a:defRPr/>
+              </a:pPr>
+              <a:t>35</a:t>
+            </a:fld>
+            <a:endParaRPr lang="en-US"/>
+          </a:p>
+        </p:txBody>
+      </p:sp>
+      <p:sp>
+        <p:nvSpPr>
+          <p:cNvPr id="6" name="Text Placeholder 5"/>
+          <p:cNvSpPr>
+            <a:spLocks noGrp="1"/>
+          </p:cNvSpPr>
+          <p:nvPr>
+            <p:ph type="body" sz="quarter" idx="12"/>
+          </p:nvPr>
+        </p:nvSpPr>
+        <p:spPr/>
+        <p:txBody>
+          <a:bodyPr/>
+          <a:lstStyle/>
+          <a:p>
+            <a:r>
+              <a:rPr lang="en-US" dirty="0"/>
+              <a:t>Here are the Cox regression model results</a:t>
+            </a:r>
+          </a:p>
+        </p:txBody>
+      </p:sp>
+    </p:spTree>
+    <p:extLst>
+      <p:ext uri="{BB962C8B-B14F-4D97-AF65-F5344CB8AC3E}">
+        <p14:creationId xmlns:p14="http://schemas.microsoft.com/office/powerpoint/2010/main" val="2104024759"/>
+      </p:ext>
+    </p:extLst>
+  </p:cSld>
+  <p:clrMapOvr>
+    <a:masterClrMapping/>
+  </p:clrMapOvr>
+</p:sld>
+</file>
+
+<file path=ppt/slides/slide36.xml><?xml version="1.0" encoding="utf-8"?>
+<p:sld xmlns:a="http://schemas.openxmlformats.org/drawingml/2006/main" xmlns:r="http://schemas.openxmlformats.org/officeDocument/2006/relationships" xmlns:p="http://schemas.openxmlformats.org/presentationml/2006/main">
+  <p:cSld>
+    <p:spTree>
+      <p:nvGrpSpPr>
+        <p:cNvPr id="1" name=""/>
+        <p:cNvGrpSpPr/>
+        <p:nvPr/>
+      </p:nvGrpSpPr>
+      <p:grpSpPr>
+        <a:xfrm>
+          <a:off x="0" y="0"/>
+          <a:ext cx="0" cy="0"/>
+          <a:chOff x="0" y="0"/>
+          <a:chExt cx="0" cy="0"/>
+        </a:xfrm>
+      </p:grpSpPr>
+      <p:sp>
+        <p:nvSpPr>
+          <p:cNvPr id="2" name="Title 1"/>
+          <p:cNvSpPr>
+            <a:spLocks noGrp="1"/>
+          </p:cNvSpPr>
+          <p:nvPr>
+            <p:ph type="title"/>
+          </p:nvPr>
+        </p:nvSpPr>
+        <p:spPr/>
+        <p:txBody>
+          <a:bodyPr/>
+          <a:lstStyle/>
+          <a:p>
+            <a:r>
+              <a:rPr lang="en-US" dirty="0"/>
+              <a:t>A second example of the Cox regression model</a:t>
+            </a:r>
+          </a:p>
+        </p:txBody>
+      </p:sp>
+      <p:sp>
+        <p:nvSpPr>
+          <p:cNvPr id="3" name="Text Placeholder 2"/>
+          <p:cNvSpPr>
+            <a:spLocks noGrp="1"/>
+          </p:cNvSpPr>
+          <p:nvPr>
+            <p:ph type="body" idx="1"/>
+          </p:nvPr>
+        </p:nvSpPr>
+        <p:spPr/>
+        <p:txBody>
+          <a:bodyPr/>
+          <a:lstStyle/>
+          <a:p>
+            <a:r>
+              <a:rPr lang="en-US" sz="1800" dirty="0">
+                <a:latin typeface="Courier New" panose="02070309020205020404" pitchFamily="49" charset="0"/>
+                <a:cs typeface="Courier New" panose="02070309020205020404" pitchFamily="49" charset="0"/>
+              </a:rPr>
+              <a:t>       </a:t>
+            </a:r>
+            <a:r>
+              <a:rPr lang="en-US" sz="1800" dirty="0" err="1">
+                <a:latin typeface="Courier New" panose="02070309020205020404" pitchFamily="49" charset="0"/>
+                <a:cs typeface="Courier New" panose="02070309020205020404" pitchFamily="49" charset="0"/>
+              </a:rPr>
+              <a:t>coef</a:t>
+            </a:r>
+            <a:r>
+              <a:rPr lang="en-US" sz="1800" dirty="0">
+                <a:latin typeface="Courier New" panose="02070309020205020404" pitchFamily="49" charset="0"/>
+                <a:cs typeface="Courier New" panose="02070309020205020404" pitchFamily="49" charset="0"/>
+              </a:rPr>
+              <a:t> </a:t>
+            </a:r>
+            <a:r>
+              <a:rPr lang="en-US" sz="1800" dirty="0" err="1">
+                <a:latin typeface="Courier New" panose="02070309020205020404" pitchFamily="49" charset="0"/>
+                <a:cs typeface="Courier New" panose="02070309020205020404" pitchFamily="49" charset="0"/>
+              </a:rPr>
+              <a:t>exp</a:t>
+            </a:r>
+            <a:r>
+              <a:rPr lang="en-US" sz="1800" dirty="0">
+                <a:latin typeface="Courier New" panose="02070309020205020404" pitchFamily="49" charset="0"/>
+                <a:cs typeface="Courier New" panose="02070309020205020404" pitchFamily="49" charset="0"/>
+              </a:rPr>
+              <a:t>(</a:t>
+            </a:r>
+            <a:r>
+              <a:rPr lang="en-US" sz="1800" dirty="0" err="1">
+                <a:latin typeface="Courier New" panose="02070309020205020404" pitchFamily="49" charset="0"/>
+                <a:cs typeface="Courier New" panose="02070309020205020404" pitchFamily="49" charset="0"/>
+              </a:rPr>
+              <a:t>coef</a:t>
+            </a:r>
+            <a:r>
+              <a:rPr lang="en-US" sz="1800" dirty="0">
+                <a:latin typeface="Courier New" panose="02070309020205020404" pitchFamily="49" charset="0"/>
+                <a:cs typeface="Courier New" panose="02070309020205020404" pitchFamily="49" charset="0"/>
+              </a:rPr>
+              <a:t>) se(</a:t>
+            </a:r>
+            <a:r>
+              <a:rPr lang="en-US" sz="1800" dirty="0" err="1">
+                <a:latin typeface="Courier New" panose="02070309020205020404" pitchFamily="49" charset="0"/>
+                <a:cs typeface="Courier New" panose="02070309020205020404" pitchFamily="49" charset="0"/>
+              </a:rPr>
+              <a:t>coef</a:t>
+            </a:r>
+            <a:r>
+              <a:rPr lang="en-US" sz="1800" dirty="0">
+                <a:latin typeface="Courier New" panose="02070309020205020404" pitchFamily="49" charset="0"/>
+                <a:cs typeface="Courier New" panose="02070309020205020404" pitchFamily="49" charset="0"/>
+              </a:rPr>
+              <a:t>)     z </a:t>
+            </a:r>
+            <a:r>
+              <a:rPr lang="en-US" sz="1800" dirty="0" err="1">
+                <a:latin typeface="Courier New" panose="02070309020205020404" pitchFamily="49" charset="0"/>
+                <a:cs typeface="Courier New" panose="02070309020205020404" pitchFamily="49" charset="0"/>
+              </a:rPr>
+              <a:t>Pr</a:t>
+            </a:r>
+            <a:r>
+              <a:rPr lang="en-US" sz="1800" dirty="0">
+                <a:latin typeface="Courier New" panose="02070309020205020404" pitchFamily="49" charset="0"/>
+                <a:cs typeface="Courier New" panose="02070309020205020404" pitchFamily="49" charset="0"/>
+              </a:rPr>
+              <a:t>(&gt;|z|)    </a:t>
+            </a:r>
+          </a:p>
+          <a:p>
+            <a:r>
+              <a:rPr lang="en-US" sz="1800" dirty="0">
+                <a:latin typeface="Courier New" panose="02070309020205020404" pitchFamily="49" charset="0"/>
+                <a:cs typeface="Courier New" panose="02070309020205020404" pitchFamily="49" charset="0"/>
+              </a:rPr>
+              <a:t>age 0.04567   1.04673  0.01195 3.822 0.000132 ***</a:t>
+            </a:r>
+          </a:p>
+          <a:p>
+            <a:endParaRPr lang="en-US" sz="1800" dirty="0">
+              <a:latin typeface="Courier New" panose="02070309020205020404" pitchFamily="49" charset="0"/>
+              <a:cs typeface="Courier New" panose="02070309020205020404" pitchFamily="49" charset="0"/>
+            </a:endParaRPr>
+          </a:p>
+          <a:p>
+            <a:r>
+              <a:rPr lang="en-US" sz="1800" dirty="0">
+                <a:latin typeface="Courier New" panose="02070309020205020404" pitchFamily="49" charset="0"/>
+                <a:cs typeface="Courier New" panose="02070309020205020404" pitchFamily="49" charset="0"/>
+              </a:rPr>
+              <a:t>    </a:t>
+            </a:r>
+            <a:r>
+              <a:rPr lang="en-US" sz="1800" dirty="0" err="1">
+                <a:latin typeface="Courier New" panose="02070309020205020404" pitchFamily="49" charset="0"/>
+                <a:cs typeface="Courier New" panose="02070309020205020404" pitchFamily="49" charset="0"/>
+              </a:rPr>
+              <a:t>exp</a:t>
+            </a:r>
+            <a:r>
+              <a:rPr lang="en-US" sz="1800" dirty="0">
+                <a:latin typeface="Courier New" panose="02070309020205020404" pitchFamily="49" charset="0"/>
+                <a:cs typeface="Courier New" panose="02070309020205020404" pitchFamily="49" charset="0"/>
+              </a:rPr>
+              <a:t>(</a:t>
+            </a:r>
+            <a:r>
+              <a:rPr lang="en-US" sz="1800" dirty="0" err="1">
+                <a:latin typeface="Courier New" panose="02070309020205020404" pitchFamily="49" charset="0"/>
+                <a:cs typeface="Courier New" panose="02070309020205020404" pitchFamily="49" charset="0"/>
+              </a:rPr>
+              <a:t>coef</a:t>
+            </a:r>
+            <a:r>
+              <a:rPr lang="en-US" sz="1800" dirty="0">
+                <a:latin typeface="Courier New" panose="02070309020205020404" pitchFamily="49" charset="0"/>
+                <a:cs typeface="Courier New" panose="02070309020205020404" pitchFamily="49" charset="0"/>
+              </a:rPr>
+              <a:t>) </a:t>
+            </a:r>
+            <a:r>
+              <a:rPr lang="en-US" sz="1800" dirty="0" err="1">
+                <a:latin typeface="Courier New" panose="02070309020205020404" pitchFamily="49" charset="0"/>
+                <a:cs typeface="Courier New" panose="02070309020205020404" pitchFamily="49" charset="0"/>
+              </a:rPr>
+              <a:t>exp</a:t>
+            </a:r>
+            <a:r>
+              <a:rPr lang="en-US" sz="1800" dirty="0">
+                <a:latin typeface="Courier New" panose="02070309020205020404" pitchFamily="49" charset="0"/>
+                <a:cs typeface="Courier New" panose="02070309020205020404" pitchFamily="49" charset="0"/>
+              </a:rPr>
+              <a:t>(-</a:t>
+            </a:r>
+            <a:r>
+              <a:rPr lang="en-US" sz="1800" dirty="0" err="1">
+                <a:latin typeface="Courier New" panose="02070309020205020404" pitchFamily="49" charset="0"/>
+                <a:cs typeface="Courier New" panose="02070309020205020404" pitchFamily="49" charset="0"/>
+              </a:rPr>
+              <a:t>coef</a:t>
+            </a:r>
+            <a:r>
+              <a:rPr lang="en-US" sz="1800" dirty="0">
+                <a:latin typeface="Courier New" panose="02070309020205020404" pitchFamily="49" charset="0"/>
+                <a:cs typeface="Courier New" panose="02070309020205020404" pitchFamily="49" charset="0"/>
+              </a:rPr>
+              <a:t>) lower .95 upper .95</a:t>
+            </a:r>
+          </a:p>
+          <a:p>
+            <a:r>
+              <a:rPr lang="en-US" sz="1800" dirty="0">
+                <a:latin typeface="Courier New" panose="02070309020205020404" pitchFamily="49" charset="0"/>
+                <a:cs typeface="Courier New" panose="02070309020205020404" pitchFamily="49" charset="0"/>
+              </a:rPr>
+              <a:t>age     1.047     0.9554     1.022     1.072</a:t>
+            </a:r>
+          </a:p>
+          <a:p>
+            <a:endParaRPr lang="en-US" sz="1800" dirty="0">
+              <a:latin typeface="Courier New" panose="02070309020205020404" pitchFamily="49" charset="0"/>
+              <a:cs typeface="Courier New" panose="02070309020205020404" pitchFamily="49" charset="0"/>
+            </a:endParaRPr>
+          </a:p>
+          <a:p>
+            <a:r>
+              <a:rPr lang="en-US" sz="1800" dirty="0">
+                <a:latin typeface="Courier New" panose="02070309020205020404" pitchFamily="49" charset="0"/>
+                <a:cs typeface="Courier New" panose="02070309020205020404" pitchFamily="49" charset="0"/>
+              </a:rPr>
+              <a:t>Each additional year in age increases the risk of death by 4.7%. </a:t>
+            </a:r>
+          </a:p>
+          <a:p>
+            <a:endParaRPr lang="en-US" sz="1800" dirty="0">
+              <a:latin typeface="Courier New" panose="02070309020205020404" pitchFamily="49" charset="0"/>
+              <a:cs typeface="Courier New" panose="02070309020205020404" pitchFamily="49" charset="0"/>
+            </a:endParaRPr>
+          </a:p>
+          <a:p>
+            <a:r>
+              <a:rPr lang="en-US" sz="1800" dirty="0">
+                <a:latin typeface="Courier New" panose="02070309020205020404" pitchFamily="49" charset="0"/>
+                <a:cs typeface="Courier New" panose="02070309020205020404" pitchFamily="49" charset="0"/>
+              </a:rPr>
+              <a:t>Each additional decade increase </a:t>
+            </a:r>
+            <a:r>
+              <a:rPr lang="en-US" sz="1800">
+                <a:latin typeface="Courier New" panose="02070309020205020404" pitchFamily="49" charset="0"/>
+                <a:cs typeface="Courier New" panose="02070309020205020404" pitchFamily="49" charset="0"/>
+              </a:rPr>
+              <a:t>in age leads to a hazard ratio of 1.047^10 = 1.579.</a:t>
+            </a:r>
+            <a:endParaRPr lang="en-US" sz="1800" dirty="0">
+              <a:latin typeface="Courier New" panose="02070309020205020404" pitchFamily="49" charset="0"/>
+              <a:cs typeface="Courier New" panose="02070309020205020404" pitchFamily="49" charset="0"/>
+            </a:endParaRPr>
+          </a:p>
+        </p:txBody>
+      </p:sp>
+      <p:sp>
+        <p:nvSpPr>
+          <p:cNvPr id="4" name="Footer Placeholder 3"/>
+          <p:cNvSpPr>
+            <a:spLocks noGrp="1"/>
+          </p:cNvSpPr>
+          <p:nvPr>
+            <p:ph type="ftr" sz="quarter" idx="10"/>
+          </p:nvPr>
+        </p:nvSpPr>
+        <p:spPr/>
+        <p:txBody>
+          <a:bodyPr/>
+          <a:lstStyle/>
+          <a:p>
+            <a:pPr>
+              <a:defRPr/>
+            </a:pPr>
+            <a:r>
+              <a:rPr lang="en-US" altLang="en-US" dirty="0"/>
+              <a:t>©2016 </a:t>
+            </a:r>
+            <a:r>
+              <a:rPr lang="en-US" altLang="en-US"/>
+              <a:t>Steve Simon    </a:t>
+            </a:r>
+            <a:r>
+              <a:rPr lang="en-US" altLang="en-US" dirty="0"/>
+              <a:t>http://TheAnalysisFactor.com</a:t>
+            </a:r>
+          </a:p>
+        </p:txBody>
+      </p:sp>
+      <p:sp>
+        <p:nvSpPr>
+          <p:cNvPr id="5" name="Slide Number Placeholder 4"/>
+          <p:cNvSpPr>
+            <a:spLocks noGrp="1"/>
+          </p:cNvSpPr>
+          <p:nvPr>
+            <p:ph type="sldNum" sz="quarter" idx="11"/>
+          </p:nvPr>
+        </p:nvSpPr>
+        <p:spPr/>
+        <p:txBody>
+          <a:bodyPr/>
+          <a:lstStyle/>
+          <a:p>
+            <a:pPr>
+              <a:defRPr/>
+            </a:pPr>
+            <a:endParaRPr lang="en-US"/>
+          </a:p>
+          <a:p>
+            <a:pPr>
+              <a:defRPr/>
+            </a:pPr>
+            <a:fld id="{E9A8CBA3-AA2B-46A6-BFA3-DCEBEAAB3F0A}" type="slidenum">
+              <a:rPr lang="en-US" smtClean="0"/>
+              <a:pPr>
+                <a:defRPr/>
+              </a:pPr>
+              <a:t>36</a:t>
+            </a:fld>
+            <a:endParaRPr lang="en-US"/>
+          </a:p>
+        </p:txBody>
+      </p:sp>
+      <p:sp>
+        <p:nvSpPr>
+          <p:cNvPr id="6" name="Text Placeholder 5"/>
+          <p:cNvSpPr>
+            <a:spLocks noGrp="1"/>
+          </p:cNvSpPr>
+          <p:nvPr>
+            <p:ph type="body" sz="quarter" idx="12"/>
+          </p:nvPr>
+        </p:nvSpPr>
+        <p:spPr/>
+        <p:txBody>
+          <a:bodyPr/>
+          <a:lstStyle/>
+          <a:p>
+            <a:r>
+              <a:rPr lang="en-US" dirty="0"/>
+              <a:t>But you can include age as a continuous covariate</a:t>
+            </a:r>
+          </a:p>
+        </p:txBody>
+      </p:sp>
+    </p:spTree>
+    <p:extLst>
+      <p:ext uri="{BB962C8B-B14F-4D97-AF65-F5344CB8AC3E}">
+        <p14:creationId xmlns:p14="http://schemas.microsoft.com/office/powerpoint/2010/main" val="1435470651"/>
+      </p:ext>
+    </p:extLst>
+  </p:cSld>
+  <p:clrMapOvr>
+    <a:masterClrMapping/>
+  </p:clrMapOvr>
+</p:sld>
+</file>
+
+<file path=ppt/slides/slide37.xml><?xml version="1.0" encoding="utf-8"?>
+<p:sld xmlns:a="http://schemas.openxmlformats.org/drawingml/2006/main" xmlns:r="http://schemas.openxmlformats.org/officeDocument/2006/relationships" xmlns:p="http://schemas.openxmlformats.org/presentationml/2006/main">
+  <p:cSld>
+    <p:spTree>
+      <p:nvGrpSpPr>
+        <p:cNvPr id="1" name=""/>
+        <p:cNvGrpSpPr/>
+        <p:nvPr/>
+      </p:nvGrpSpPr>
+      <p:grpSpPr>
+        <a:xfrm>
+          <a:off x="0" y="0"/>
+          <a:ext cx="0" cy="0"/>
+          <a:chOff x="0" y="0"/>
+          <a:chExt cx="0" cy="0"/>
+        </a:xfrm>
+      </p:grpSpPr>
+      <p:sp>
+        <p:nvSpPr>
+          <p:cNvPr id="2" name="Title 1"/>
+          <p:cNvSpPr>
+            <a:spLocks noGrp="1"/>
+          </p:cNvSpPr>
+          <p:nvPr>
+            <p:ph type="title"/>
+          </p:nvPr>
+        </p:nvSpPr>
+        <p:spPr/>
+        <p:txBody>
+          <a:bodyPr/>
+          <a:lstStyle/>
+          <a:p>
+            <a:r>
+              <a:rPr lang="en-US" dirty="0"/>
+              <a:t>Conclusion</a:t>
+            </a:r>
+          </a:p>
+        </p:txBody>
+      </p:sp>
+      <p:sp>
+        <p:nvSpPr>
+          <p:cNvPr id="3" name="Text Placeholder 2"/>
+          <p:cNvSpPr>
+            <a:spLocks noGrp="1"/>
+          </p:cNvSpPr>
+          <p:nvPr>
+            <p:ph type="body" idx="1"/>
+          </p:nvPr>
+        </p:nvSpPr>
+        <p:spPr/>
+        <p:txBody>
+          <a:bodyPr/>
+          <a:lstStyle/>
+          <a:p>
+            <a:pPr marL="457200" indent="-457200">
+              <a:buFont typeface="+mj-lt"/>
+              <a:buAutoNum type="arabicPeriod"/>
+            </a:pPr>
+            <a:r>
+              <a:rPr lang="en-US" dirty="0">
+                <a:latin typeface="+mj-lt"/>
+                <a:cs typeface="Courier New" panose="02070309020205020404" pitchFamily="49" charset="0"/>
+              </a:rPr>
+              <a:t>The hazard function is the short term death rate among those patients surviving to a specific time.</a:t>
+            </a:r>
+          </a:p>
+          <a:p>
+            <a:pPr marL="457200" indent="-457200">
+              <a:buFont typeface="+mj-lt"/>
+              <a:buAutoNum type="arabicPeriod"/>
+            </a:pPr>
+            <a:r>
+              <a:rPr lang="en-US" dirty="0">
+                <a:latin typeface="+mj-lt"/>
+                <a:cs typeface="Courier New" panose="02070309020205020404" pitchFamily="49" charset="0"/>
+              </a:rPr>
+              <a:t>The log rank test is a simple test for comparing two or more Kaplan-Meier curves.</a:t>
+            </a:r>
+          </a:p>
+          <a:p>
+            <a:pPr marL="457200" indent="-457200">
+              <a:buFont typeface="+mj-lt"/>
+              <a:buAutoNum type="arabicPeriod"/>
+            </a:pPr>
+            <a:r>
+              <a:rPr lang="en-US" dirty="0">
+                <a:latin typeface="+mj-lt"/>
+                <a:cs typeface="Courier New" panose="02070309020205020404" pitchFamily="49" charset="0"/>
+              </a:rPr>
+              <a:t>The Cox regression model allows for continuous predictors and risk adjustment. </a:t>
+            </a:r>
+          </a:p>
+          <a:p>
+            <a:pPr marL="457200" indent="-457200">
+              <a:buFont typeface="+mj-lt"/>
+              <a:buAutoNum type="arabicPeriod"/>
+            </a:pPr>
+            <a:r>
+              <a:rPr lang="en-US" dirty="0">
+                <a:latin typeface="+mj-lt"/>
+                <a:cs typeface="Courier New" panose="02070309020205020404" pitchFamily="49" charset="0"/>
+              </a:rPr>
+              <a:t>The Cox model assumes proportional hazard functions and compares groups using a hazard ratio.</a:t>
+            </a:r>
+            <a:endParaRPr lang="en-US" dirty="0">
+              <a:latin typeface="+mj-lt"/>
+            </a:endParaRPr>
+          </a:p>
+        </p:txBody>
+      </p:sp>
+      <p:sp>
+        <p:nvSpPr>
+          <p:cNvPr id="4" name="Footer Placeholder 3"/>
+          <p:cNvSpPr>
+            <a:spLocks noGrp="1"/>
+          </p:cNvSpPr>
+          <p:nvPr>
+            <p:ph type="ftr" sz="quarter" idx="10"/>
+          </p:nvPr>
+        </p:nvSpPr>
+        <p:spPr/>
+        <p:txBody>
+          <a:bodyPr/>
+          <a:lstStyle/>
+          <a:p>
+            <a:pPr>
+              <a:defRPr/>
+            </a:pPr>
+            <a:r>
+              <a:rPr lang="en-US" altLang="en-US" dirty="0"/>
+              <a:t>©2016 </a:t>
+            </a:r>
+            <a:r>
+              <a:rPr lang="en-US" altLang="en-US"/>
+              <a:t>Steve Simon    </a:t>
+            </a:r>
+            <a:r>
+              <a:rPr lang="en-US" altLang="en-US" dirty="0"/>
+              <a:t>http://TheAnalysisFactor.com</a:t>
+            </a:r>
+          </a:p>
+        </p:txBody>
+      </p:sp>
+      <p:sp>
+        <p:nvSpPr>
+          <p:cNvPr id="5" name="Slide Number Placeholder 4"/>
+          <p:cNvSpPr>
+            <a:spLocks noGrp="1"/>
+          </p:cNvSpPr>
+          <p:nvPr>
+            <p:ph type="sldNum" sz="quarter" idx="11"/>
+          </p:nvPr>
+        </p:nvSpPr>
+        <p:spPr/>
+        <p:txBody>
+          <a:bodyPr/>
+          <a:lstStyle/>
+          <a:p>
+            <a:pPr>
+              <a:defRPr/>
+            </a:pPr>
+            <a:endParaRPr lang="en-US"/>
+          </a:p>
+          <a:p>
+            <a:pPr>
+              <a:defRPr/>
+            </a:pPr>
+            <a:fld id="{E9A8CBA3-AA2B-46A6-BFA3-DCEBEAAB3F0A}" type="slidenum">
+              <a:rPr lang="en-US" smtClean="0"/>
+              <a:pPr>
+                <a:defRPr/>
+              </a:pPr>
+              <a:t>37</a:t>
             </a:fld>
             <a:endParaRPr lang="en-US"/>
           </a:p>
@@ -9998,67 +10905,41 @@
           <a:p>
             <a:r>
               <a:rPr lang="en-US" dirty="0"/>
-              <a:t>What is a hazard function?</a:t>
-            </a:r>
-          </a:p>
-        </p:txBody>
-      </p:sp>
-      <p:sp>
-        <p:nvSpPr>
-          <p:cNvPr id="3" name="Text Placeholder 2"/>
-          <p:cNvSpPr>
-            <a:spLocks noGrp="1"/>
-          </p:cNvSpPr>
-          <p:nvPr>
-            <p:ph type="body" idx="1"/>
-          </p:nvPr>
-        </p:nvSpPr>
-        <p:spPr/>
-        <p:txBody>
-          <a:bodyPr/>
-          <a:lstStyle/>
-          <a:p>
-            <a:pPr marL="342900" indent="-342900">
-              <a:buFont typeface="Arial" panose="020B0604020202020204" pitchFamily="34" charset="0"/>
-              <a:buChar char="•"/>
-            </a:pPr>
-            <a:r>
-              <a:rPr lang="en-US" dirty="0"/>
-              <a:t>Consider a hypothetical survival distribution.</a:t>
-            </a:r>
-          </a:p>
-          <a:p>
-            <a:pPr marL="342900" indent="-342900">
-              <a:buFont typeface="Arial" panose="020B0604020202020204" pitchFamily="34" charset="0"/>
-              <a:buChar char="•"/>
-            </a:pPr>
-            <a:r>
-              <a:rPr lang="en-US" dirty="0"/>
-              <a:t>Simple from a mathematical perspective.</a:t>
-            </a:r>
-          </a:p>
-          <a:p>
-            <a:pPr marL="342900" indent="-342900">
-              <a:buFont typeface="Arial" panose="020B0604020202020204" pitchFamily="34" charset="0"/>
-              <a:buChar char="•"/>
-            </a:pPr>
-            <a:r>
-              <a:rPr lang="en-US" dirty="0"/>
-              <a:t>But not too realistic (hence the “hypothetical”)</a:t>
-            </a:r>
-          </a:p>
-          <a:p>
-            <a:pPr marL="342900" indent="-342900">
-              <a:buFont typeface="Arial" panose="020B0604020202020204" pitchFamily="34" charset="0"/>
-              <a:buChar char="•"/>
-            </a:pPr>
-            <a:r>
-              <a:rPr lang="en-US" dirty="0"/>
-              <a:t>For those who are curious, this is a Weibull distribution</a:t>
-            </a:r>
-          </a:p>
-        </p:txBody>
-      </p:sp>
+              <a:t>Defining the hazard function</a:t>
+            </a:r>
+          </a:p>
+        </p:txBody>
+      </p:sp>
+      <p:pic>
+        <p:nvPicPr>
+          <p:cNvPr id="7" name="Picture 6">
+            <a:extLst>
+              <a:ext uri="{FF2B5EF4-FFF2-40B4-BE49-F238E27FC236}">
+                <a16:creationId xmlns:a16="http://schemas.microsoft.com/office/drawing/2014/main" id="{B55E4D91-5F08-4F26-9784-10AF382DFC58}"/>
+              </a:ext>
+            </a:extLst>
+          </p:cNvPr>
+          <p:cNvPicPr>
+            <a:picLocks noChangeAspect="1"/>
+          </p:cNvPicPr>
+          <p:nvPr/>
+        </p:nvPicPr>
+        <p:blipFill>
+          <a:blip r:embed="rId2"/>
+          <a:stretch>
+            <a:fillRect/>
+          </a:stretch>
+        </p:blipFill>
+        <p:spPr>
+          <a:xfrm>
+            <a:off x="457714" y="1143285"/>
+            <a:ext cx="8228571" cy="4571429"/>
+          </a:xfrm>
+          <a:prstGeom prst="rect">
+            <a:avLst/>
+          </a:prstGeom>
+        </p:spPr>
+      </p:pic>
       <p:sp>
         <p:nvSpPr>
           <p:cNvPr id="4" name="Footer Placeholder 3"/>
@@ -10124,28 +11005,6 @@
               <a:t>4</a:t>
             </a:fld>
             <a:endParaRPr lang="en-US"/>
-          </a:p>
-        </p:txBody>
-      </p:sp>
-      <p:sp>
-        <p:nvSpPr>
-          <p:cNvPr id="6" name="Text Placeholder 5"/>
-          <p:cNvSpPr>
-            <a:spLocks noGrp="1"/>
-          </p:cNvSpPr>
-          <p:nvPr>
-            <p:ph type="body" sz="quarter" idx="12"/>
-          </p:nvPr>
-        </p:nvSpPr>
-        <p:spPr/>
-        <p:txBody>
-          <a:bodyPr/>
-          <a:lstStyle/>
-          <a:p>
-            <a:r>
-              <a:rPr lang="en-US" dirty="0"/>
-              <a:t>Start with a hypothetical example</a:t>
-            </a:r>
           </a:p>
         </p:txBody>
       </p:sp>
@@ -10181,6 +11040,28 @@
       </p:grpSpPr>
       <p:sp>
         <p:nvSpPr>
+          <p:cNvPr id="2" name="Title 1"/>
+          <p:cNvSpPr>
+            <a:spLocks noGrp="1"/>
+          </p:cNvSpPr>
+          <p:nvPr>
+            <p:ph type="title"/>
+          </p:nvPr>
+        </p:nvSpPr>
+        <p:spPr/>
+        <p:txBody>
+          <a:bodyPr/>
+          <a:lstStyle/>
+          <a:p>
+            <a:r>
+              <a:rPr lang="en-US" dirty="0"/>
+              <a:t>Defining the hazard function</a:t>
+            </a:r>
+          </a:p>
+        </p:txBody>
+      </p:sp>
+      <p:sp>
+        <p:nvSpPr>
           <p:cNvPr id="4" name="Footer Placeholder 3"/>
           <p:cNvSpPr>
             <a:spLocks noGrp="1"/>
@@ -10247,103 +11128,40 @@
           </a:p>
         </p:txBody>
       </p:sp>
-      <p:sp>
-        <p:nvSpPr>
-          <p:cNvPr id="9" name="AutoShape 2" descr="data:image/png;base64,iVBORw0KGgoAAAANSUhEUgAABUAAAAPACAMAAADDuCPrAAAAUVBMVEUAAAAAADoAAGYAOpAAZpAAZrY6AAA6kJA6kLY6kNtmAABmOpBmZjpmtv+QOgCQkDqQ29uQ2/+2ZgC2///bkDrb////tmb/25D//7b//9v///9KUXNaAAAACXBIWXMAAB2HAAAdhwGP5fFlAAAgAElEQVR4nO3dYWPaRhegUdJuspvspruhlCT+/z90EQYsDLGtQZq5d3TOl77NG+MZgZ5KSAybJwCKbFoPACArAQUoJKAAhQQUoJCAAhQSUIBCAgpQSEABCgkoQCEBBSgkoACFBBSgkIACFBJQgEICClBIQAEKCShAIQEFKCSgAIUEFKCQgAIUElCAQgIKUEhAAQoJKEAhAQUoJKAAhQQUoJCAAhQSUIBCAgpQSEABCgkoQCEBBSgkoACFBBSgkIACFBJQgEICClBIQAEKCShAIQEFKCSgAIUEFKCQgAIUElCAQgIKUEhAAQoJKEAhAQUoJKAAhQQUoJCAAhQSUIBCAgpQSEABCgkoQCEBBSgkoACFBBSgkIACFBJQgEICClBIQAEKCShAIQEFKCSgAIUEFKCQgAIUElCAQgIKUEhAAQoJKEAhAQUoJKAAhQQUoJCAAhQSUIBCAgpQSEABCgkoQCEBBSgkoACFBBSgkIACFBJQgEICClBIQAEKCShAIQEFKCSgAIUEFKCQgAIUElCAQgIKUEhAAQoJKEAhAQUoJKAAhQQUoJCAAhQSUIBCAgpQSEABCgkoQCEBBSgkoACFBBSgkIACFBJQgEICClBIQAEKCShAIQEFKCSgAIUEFKCQgAIUElCAQgIKUEhAAQoJKEAhAQUoJKAAhQQUoJCAAhQSUIBCAgpQSEABClUJ6K9vm4O//6vxuwBqWSygh2iei7ndnHxe6pcBNFAhoJd+OggFurJ8QPeHcH49/YljUKAjiwf08M+//j392W7z6cdSvw+gtsUDuj8dfw5+/+MQFOjH4gG9OurceRcU6MfiAd2OA7p/OZ0HyK5CQEfNFFCgI3VP4QUU6EiNi0jfL3+49R4o0I/FAzq+8j6+Ig+Q3ZIB3Rxvob9U85BSZ/BAR5YO6NExm8dPdH5/9+cAslhyNaZLQ48B3ekn0Jfll7P7+eV8Od6nkICuWFAZoJCAAhQSUIBCiwb055frRZR//+M+JqAfSwb0vBT95eKRgAI9WTCgL1/lcT4IFVCgJ8sFdDh/H+773L0UVECBniwX0MtCoMNHOJ8LKqBATxYL6HgRke3msrCIgALdWPKz8ONl7I4FFVCgJ3UCOhT0s4ACfakU0OF90K/TA7oBmM3cmavzHujzv26+Tw1o660N9GXuzi13FX53vXrdzy+bT/9vckDnHhSwXpkCOtwHOv4Cj/3xPwACCjSSKaDHO+jHp/F7AQUaShXQY0HHx6DDMamAAo3kCuhw5ej6Wzh3Agq0kiygjxJQYD4CClAoX0Bf1rQr+Eo5AQXmkyygu1c3sU5tqIAC80kV0OMXelx78xJSjc8NAOuVKaDDhzfHxfz1bXP1BUm3QxFQYEGZArq/yeXx8/BTHkJAgflkCuj29oT9cBA66W1QAQXmkyigNzfRD3ZvnsPfEFBgPokCer0e6MneJ5GAVgQUoFCigDqFB2JJFFAXkYBYMgX0/m1Mt0elbxBQYD6ZAnr3Rvqp3yk3+6iA1coU0OdiXvv0Y9IjCOh7bCD4uFQBHS/FZDGROfnAK5RIFtAny9nN7N56ASoKH5MvoA9RhZE/x1JE4UMEdK3eTaSGwnsEdJ0+mEYRhbcI6BpNiaKEwh8lD+jPLz4LP9n0IEoo3CWga1MWQwmFOwR0XcpDKKFwI3lAp1p7Ah6KoITCKwK6Ig8HUELhioCuxiz1k1AYEdC1mKt8CgoX+QLqs/Al5syehMJJsoDuXq13YTWmj5m3ec7j4VmqgP788nrBoInrKa80oPP3TkJhkCmgd1ekn/SdcusM6CKxU1DIFdD734l0+1XHb1jhTr9Y6RQUMgXUt3IWWPBI0UEoq5cooL4XvsCijVNQ1i5RQA9Hm7en63ufhX/D4oVTUNZNQDtW4QhRQVm1RAF1Cj9Rlbg5jWfNEgXURaRpKpVNQVmxTAG9fxvT7VHpG1a0r9frmoKyWpkCevdG+mkfRVrPrl6zagrKWmUK6HMxr336MekRVrOn122agrJSqQI6XorJYiJvqjxRBWWdkgX0yXJ2H1J9ni4lsUr5AvqQlezlDWqmoKyRgHaoTcsUlPUR0P60KpmCsjoC2p12HVNQ1kZAe9OyYgrKyghoZ9o2TEFZFwHtS+uCtf79UJWA9qX5BBWUNRHQrgSYn4KyIgLakxDxcks96yGgHQlSLgVlNQS0H3G6FWcksCgB7UakakUaCyxHQLsRam4KyioIaC+CTU1BWQMB7US4YIUbEMxPQPsQMFfxRgRzE9A+RJxYxDHBrAS0CyHnFfCoGOYloD0Imqqgw4LZCGgHwoYq7MBgHgLagbizUlD6JqD5RZ5U5LHBwwQ0vdhHeaEHBw8S0Oxi9zP68OAhAppd9CkpKB0T0OTiz0hB6ZeA5pahThnGCEUENLUcbUoxSCggoKklmU+SYcJUAppZlunkOFCGyQQ0sTxdyjNSmEJAE0s0GwWlSwKaV6rJKCg9EtC0kiUp12jhQwQ0rWxzyTZeeF++gG43Z5+n/3BHO3G6qSQ7YoYPSBbQ3eba1IZ2tA/nm4qC0p1UAf35ZfPaX/9OeoR+duGMM1FQepMpoL//uS7mr2+Hf//7vykP0c0enLNFOUcNf5QpoPubXA5J/T7lIbrZgZNOREHpS6aAbm9P2A8HoZPeBu1l/007j7QDh3sSBfRwuPn15g93087hO9l/Ex/I5R053EoU0MPR5u3p+n7aZaROdt/E00jcfrghoAmlnoWC0pFEAXUKf5Z7FgpKPxIF1EWkk+yTUFC6kSmg929juj0qfUMPu27+/qSfAJxkCujdG+mnfRSph123gzl0MAUYZAroczGvffox6RE62HM7mEIHB9FwlCqg46WYVruYSAdTUFB6kSygT6tfzi7/DI4UlC7kC+hD8u+2+WfwrJd5sG4Cmkv6CVz0MxNWTEBzST+BCyfxdCBZQI9LKo9uBv39z7o+ypl9/GM9zYW1yhXQ7evLRwKaWFeTYZ1SBfTlAvz5IHRlAU0+/FecxJNepoAO5+/Deky7l4IKaGadTYcVyhTQ7flzR8NnOp8Luq6A5h79Hd1NiLVJFNBDLC/vfW5PBRXQ1JzEk1yigF4tqHwq6KoCmnrw93U4JVYla0CHgn4W0PR6nBMrkjagz0uBrimgmcf+R07iSS1RQMfvgT6dvhNeQLPrc1asRaKADrcvjb9V7ueXzaf/t56AJh76m3qdF6uQKaDDfaDjL/DYH++pX0lAuz3X7XZirEGmgB7voB+fxu9XFdDWI1hKvzOjf6kCeizo+Bh0OCZdR0DTDvwDep4bncsV0Nvvht8JaHpO4kkrWUAflXVXzTruj1FQshLQFLKO+4M6nx79yhfQNX6pXNJhf1z3E6RTyQK6W+fXGicd9sc5iSenVAE9fqHHtTcvId387aT7ac5RT7KCKdKjTAEdPrw5Luavb9dfkHQ7FAFNYw1zpD+ZArq/yeXx8/BTHiLlbppy0FMl/W8bK5cpoNvbE/bDQeikt0FT7qUpBz2ZgpJQooDe3EQ/2L15Dn8j406accwl1jJPepIooNfrgZ7s+/8kUsYxF1nNROmHgEaXcMiFnMSTTqKArvQUPuGQS61oqnQiUUDXeREp34gfsKrJ0oNMAb1/G9PtUekb8u2h+Ub8ACfxJJMpoHdvpJ/0Fmi+HKUb8GNWNl3SyxTQ52Je+/Rj0iOk20HTDfhBa5svyaUK6HgppnUsJpJtvA9zEk8qyQL6tK7l7FaYk/XNmMzyBfQhyXbPZMOdxRrnTFoCGlmy4c5ihUfd5CWggeUa7VwUlDwENLBco53NSqdNRskD+vNLx5+FTzXYOa124qQjoHGlGuycnMSThYCGlWmsM1vx1MkleUCnyrRnZhrr3NY8dzIR0LAyjXVuTuLJQUCjSjTUBax79qQhoFElGuoSVj59ksgX0JV8Fj7PSJex9vmTQ7KA7lazGlOekS5k9RuADFIF9OeXm/VAp62nnGevTDPQxbiORAKZAnp3RfpJ3ymXp0tpBrocm4D4MgX0/nci3X7V8RvS7JRpBrog24DwMgV0Rd/KmWWci3IST3iJArqm74XPMs5l2QpElyigh6PN29P1fZefhU8yzMXZDgQnoBElGebibAeCSxTQ9ZzC5xhlDbYEsSUK6HouIuUYZQ2uIxFbpoDev43p9qj0DSn2xxSDrMS2ILRMAb17I/20jyKl2B9TDLIWG4PIMgX0uZjXPv2Y9AgpdscUg6zFSTyRpQroeCmmfhcTyTDGimwOAksW0KcVLGeXYYw12R7ElS+gD0mwMyYYYl02CHEJaDQJhliZLUJYAhpNgiFW5joSYQloMPFHWJ9tQlQCGkz8ETZgoxCUgMYSfoBNOIknKAGNJfwA27BZiElAQ4k+vmZsGEIS0FCij68ZG4aQBDSU6ONrx5YhIgGNJPjwWnIdiYgENJLgw2vKtiEgAQ0k9uhas3WIR0ADiT261pzEE4+ABhJ7dM3ZPIQjoHGEHlwENhDRCGgcoQcXgZN4ohHQMCKPLQibiGAENIzIY4vCNiIWAY0i8NDicBJPLAIaReChBWIrEYqARhF4aJHYTEQioEHEHVksTuKJRECDiDuyYBSUQAQ0hrADi8emIg4BjSHswAKyrQhDQGMIO7CAnMQThoCGEHVcMdlaRCGgIUQdV1A2F0EIaARBhxWWk3iCENAIgg4rLhuMGAQ0gqDDCswWIwQBDSDmqEKzyQhBQAOIOarYbDMiEND2Qg4qOteRiEBA2ws5qPBsNQJIGtBf3w5HIJu//5v6cyH3upCDis9mo71EAT1E81zM7ebk88THiLjTRRxTBrYb7aUM6KWfkw9CI+50EceUgg1HcxkDuj+E8+vpTyYegwbc5wIOKQlbjuYSBvTwz7/+Pf3ZbvPpx5THCLjPBRxSFjYdrSUM6P50/Dn4/c+0Q9CAu1zAIWXhViZaSxjQq6PO3bR3QePtcfFGlIiNR2MJA7odB3T/cjr/EfH2uHgjysTWo62UAR01M3tAww0oF5uPthIGdNfTEWi4ASVj+9FUwoDuN5vvlz/c5n4PNNp40nEdiaYSBnR85X18Rf4jou1u0caTjy1IS7kCujneQn+p5iGl087gw+1u0caTkE1IQ/kCenTM5vETnd/f/bmxYHtbsOGkZBvSUKKAPo0aegzobnI/o+1twYaTk41IO7kC+uznl/Pl+KmLMUXb2YINJyfXkWgnY0AfEGtfizWatGxGmhHQhmKNJi/bkVYEtKFYo8nLdqQVAW0n1GBSsyVpREDbCTWY1GxJGhHQdkINJjebkjYEtJlIY8nOrUy0kSig408ibV59KOnDgwu0n0UaS3o2Jk0IaCuBhtIDm5MWEgV0+ASSgHKfzUkLmQJ6PAadtHrdjUC7WaChdMH2pIFUAR0KOu1rjF+Ls5fFGUknXEeigVwBvawjUirOThZnJL2wRakvWUCHJewmrmB3Jc5OFmck3bBJqS5bQM/f61EozD4WZiAdcRJPddkC+uAhaJhdLMxAemKjUlu6gD4mzC4WZiBdsVWpTECbiDKOzjiJpzIBbSLKOHpju1KXgDYRZRzdsWGpKl9At5cPcU7+Srkw+1eQYXTIlqWqZAHdvfog/NSGBtm/ggyjRzYtNaUK6J3VRN5cSuTe2iPLje7jYoyiT0GeYlYiU0B//3NdzOP6dm/dVi+gK2TjUlGmgO5vcjkkddJt9TH2rhij6JWtSz2ZArq9PWE/HIROehs0xM4VYhD9CnKawSokCujhcPN2MdDdtI/Gh9i3QgyiY7Yv1SQK6OFo8/Z0fZ9wRfoQg+iZDUwtAlpdhDH0zUk8tSQKaC+n8BHG0DmbmEoSBbSXi0gRxtA725g6MgX0/m1Mk75lLsCOFWAI/bORqSNTQO/eSD/pLdAIO1aAIayArUwVmQL6XMxrE7+kM8B+FWAIK+A6ElWkCuh4Kaasi4m0H8E62M7UUCOgv/73I99E/Fry5ezaj2AlbGgqqBLQb0WxW0L7var9CFbCSTwV1AroZuLl8oU036maD2A9bGqWV+c90PM6yA98IfE8mu9UzQewIrY1i6t2EWn7gQWQl9d8n2o+gBWxrVlcxavwx9s431kCeaqfX3J9Fr71718XW5ul1b2N6Xwj52yXlASUP3MdiaVVvw/0dBw68Qb4PxFQ3mBzs7DKAR19q2aTG5sa71F26MpscJZVM6C7y3Wk42Foi9uaBHRdnMSzrGoBfXUn069vTS7IC+jK2OIsqu59oKODzjuLe1bQdn+yN9dnm7Okip9Eurp96XASX3g7U+LPwtuZ67PNWVKtgM501X10ESrhakx25gZsdBZUJ6AzfYTz55eb9UAnvg/QdG+yK7fgOhILyrQe6N0V6ae9ESCg62Ozs5w6R6BXJ/Db0nc/738n0qSj25Y7kx25ERuexTQJaOH19+Tfymk/bsSGZzH1A1p8B2j274W3H7diy7OUhQP6+qr5I+sxHcp7e7q+T/NZeHtxMzY9S1k4oHe+R7P4Q5wCSiHbnoUsfQq/n62f2U/h7cTtuJWJhTS4iFQs9UUku3BLtj7LyBTQ+7cxTTqeFdCVsvlZRPob6add0RfQlbL5WUSmgN67JDXx2LbZfmQHbswTwBKWDehQvO+33StfyG776pHSLCZi/23MdSSWkCygT1mXs7P7tuYZYAH5AvrY4BrtRfbe9jwHzC/Ve6CPE9D1chLP/AS069/LiCeB2Qlox7+Wa54G5lY3oMOS8oWLgc5DQNfMSTxzqxTQX9+Gbj5/JcdMX49UREBXzfPAzOoEdH+88n78JFHTi/CN9iD7bRSeCeZVJaDDkefhuPPwj0M7d8XLMc1AQNfNSTzzqhLQ3fNN76d0bkvugJ+JgK6cgjKrGgE9nLoP74Ae/nF8+3PiGsizarL72GcD8WQwpzrL2R2Xkj9/GZKA0pBngxlVDOj+9Ol1AaUhJ/HMqGJAt6fvcJ/4LRyzarHz2GFj8Xwwn0rvgX59eQt06rdwzEpA8YQwnypX4bdDOnfPH0Iabmm6/XLNWgQUJ/HMp9p9oIPvz6t5NvwwZ4Ndx94ajqeEudT5JNLu2M8hnLumH0QSUAaeE2ZS6bPw+83lEny78/cnAeXIc8JMLGfX3W/kfZ4V5iGg3f1G3uc6EvMQ0M5+IR/ieWEWlQJ6vg7fej07AeWZJ4Y51LwKL6CE4SSeOVQJ6H69X2tsN43KM8MMKn0SqenNnyO19xp7aVyeGx5X6bPwQfopoFx4bnhcpdWY2n2JxzUB5cKTw8MEtKNfxySuI/GwesvZhSCgvPD08KhKXyrXcAGmKwLKiOeHB1UJaJxz+Lp7jP0zOCfxPKjOjfQ/vwQ5BhVQxjxDPKbSRaR13khv9wzPU8RDBLSTX0YRJ/E8REA7+WWU8STxCMvZdfLLKORZ4gH5Arq9HMgWfDtyzb3FnpmCk3gekCygr9bFm9xQAeU1zxPlqgV0eCN0+Hb4R25nul6WueTtVAHlhieKYpUC+nwdaQjopvxrOX//c13M44NOC7KAcsNJPMXqBPR0Hf4Q0OEdzNKC7m9yOSR10qNV3FXslWl4qihVJaBD5/7+7+eXQ0AfWVx5e/uThzJPehtUQLnDc0WhWl/p8XV4B3MI6HASX/bB+LuLOk1cp0RAucNJPIUqfaXHULlTQA8dLLuQdDjavD1d3087nq23o9glM/FsUabieqCngB4OGsvO4QWUxXi6KFLpo5xD+c4Bndi8i1yn8PbIVJzEUyRRQFNdRLI/JuMJo0SDU/ht6dqg929jmnRFSkD5A88YBSpdRBoOHU8BnXrQ+OLujfTTjmYFlD9wEk+BWrcxfT4HdPK97yM36+Id782fNLhKO4mdMR/PGdPV+STS8e75Y0B3kz99+fqBUiwmYmdMyJPGZFU/yjnLcsoplrOzLybkJJ7JKi0mcnz7svVy9E/VwmZPTMnTxlTVlrM7JbRpPgWUN3nemCjZgsqPElDe4CSeiQQ08a9hbgrKNAKa9rewAE8dkwho2t/CEjx3TLFsQO/c+b6G74W3E+blJJ4pEgV0jgersnfYBTPz7DGBgM7PLpiap4+Pq/Me6P7yofWhgqUfhb/zrcYCytycxPNxVQJ6KN/LonP7qQuAvBjqW/Z9SmcCyrs8f3xYpeXsPv/x3yY5FLS4vkc19g37X3aeQT6q4or0Z8Ur0j8dj2UfWMtJQPkIJ/F8VLKADsvhlb6FOhBQPkBB+aBKX+lxfQr/wEHkIcaPHIJW2DHsex3wJPIxld4DHR027ooW8hz/+AOHoALKh3gW+ZBaV+HPp+3D/3zsOtBDBJQPcRLPh9S5D3R3defmI29iPmj53cKO1wfPIx9RaTGR/Us+Gx5/Cigf5onkA6qtxnT6IGb3K9Lb7zrhJJ4PyLecXfAvlbPb9UJBeV+ygF6/mRrwa43tdP3wXPKuVAG9s5rIm28J3Ft7ZLnRnX7lwr+AejyZvCdTQI9f7Dkq5vFt1bduqxdQHuEknvdkCuj+JpdDUifdFLX0HmGP64qnk3dkCuj29oT9cBA66W1QAWUKzydvSxTQw+Hm7WKgu2kfjRdQpnASz9sSBfTVok7PJi7tJKBM4gnlTQI6J7tbdzylvCVRQBOcwtvbuuMknrckCmiCi0h2tv54TnlDpoDev41p0rfMLbs32Nd65FnlzzIF9O6N9NNWJxFQpnISz59lCuh5RaexiYvjCSiTeVr5o1QBHS/FFHAxETtapzyx/EmygD5FXs7OftYpJ/H8Sb6APkRAKeCZ5Q8ENMmD05KnlvsENMVj05aTeO4T0BSPTWMKyl3JA/rzS5zPwtvFeubZ5R4BnYs9rG+eX+4Q0LnYwfrmJJ47kgd0KgGllIJyS0DDPzJBeIq5IaDhH5koPMe8JqDhH5konMTzWr6AxvwsvF1rDRSUV5IFdBd1NSZ71iooKNdSBfTnl5v1QKetpyygPMbzzJVMAb27Iv2k75Rb7PVvv1oLzzRjmQJ6/zuRbr/q+A0CymOcxDOWKaCBv5XTXrUaCspIooBG/l54O9V6KCgvEgX0cLR5e7q+D/FZeLvUmni2uRDQOdilVsXTzVmigAY+hbdHrYqTeM4SBTTuRST708ooKCeZAnr/Nqbbo9I3CChz8IzzLFNA795IP+2jSALKLDzlHGUK6HMxr336MekRFnnd25nWx0k8R6kCOl6KKdBiIvalFVJQBskC+hRxOTu70hp51nnKGNCHLPGqtyetk+cdAQ36mMTnJB4BDfqYJKCgCGjEhyQHBUVAAz4kSXjuV09AAz4kWXjy105Awz0ieTiJXzsBDfeIJKKgKyeg4R6RTDz/6yag4R6RVLwAVk1Agz0gyTiJXzUBDfaAZKOgayagwR6QdLwGVkxAQz0eGXkVrJeAhno8MnISv14CGurxSElBV0tAQz0eOSnoWglooIcjLQVdKQEN9HDkpaDrJKCBHo7EFHSVBDTMo5GbV8MaCWiYRyM5L4cVEtAwj0ZyTuJXSEDDPBrZKej6CGiQB6MDCro6AhrkweiBgq6NgAZ5MLqgoCsjoCEei14o6LoIaIjHohsKuioCGuKx6IfXxZoIaIjHoiNeGCsioAEeiq44iV8RAQ3wUPRFQddDQAM8FJ1R0NUQ0OaPRH8UdC2SBvTXt8NLdPP3f1N/TkCpwstjJRIF9BDNczG3m5PPEx9DQKnD62MdUgb00s/JB6ECSh1O4tchY0D3hxfn19OfTDwGnW26dg/epqCrkDCgh3/+9e/pz3abTz+mPIaAUouCrkHCgO5Px5+D3/9MOwQVUKpR0BVIGNCro87dtHdB55quXYP3KWj/EgZ0Ow7o/uV0/iMElIoUtHspAzpqpoASmIL2LmFAd45AycILpXMJA7rfbL5f/nDb5D1QuwUf5KXSt4QBHV95H1+R/wgBpS4n8X3LFdDN8Rb6SzUPKZ12Bi+g1KagXcsX0KNjNo+f6Pz+7s+NCSi1KWjPEgX0adTQY0B3k/s503TtEUygoB3LFdBnP7+cL8dPXYxJQGlAQfuVMaAPEFAaUNBuCWizR2E9FLRX+QL6shjo5BP4maZrZ2AqBe1UsoDuNtearEhvX2AyBe1TqoD+/LJ5bdptoAJKKxsJ7VGmgA73zY+Lebypadp3eswxXfsBJRS0R5kCur/J5ZDUSXeCCijtKGh/MgV0e3vCfjgIrb4ivb2AQgranUQBPRxu3i4c0mBFejsBpRS0N4kCejjavD1dr78eqF2AcgraGQGdyh7AAxS0L4kCGuQU3g7AIxS0K4kCGuQiktc/D1HQnmQK6P3bmCqvSO/Vz4MUtCOZAnr3RvraK9J78fMoBe1HpoBerUl/MvqCzo8QUAJQ0G6kCuh4KaZGi4l45TMDBe1FsoA+tV7OzgufOShoJ/IF9CECSgwK2gcBrfwAcKSgXcgX0Kan8F70zEVBe5AsoK1XpPeaZzYK2oFUAZ26Iv3N3374Jeslz3wUNL9MAZ28Ir2AEpqCppcpoO1XpPd6Z1aP/yedtjIFtP1iIl7tzEtBk0sU0ADL2XmxMzcFTS1RQNsvqOylzvwUNDMBrfbTcJeCJpYooO1P4b3QWYKC5pUooO0vInmdswgFTStTQFuvSO9VzkJcjM8qU0Bbr0jvNc5SFDSpTAFtvSK9lzjLUdCUUgW07Yr0XuAsSUEzShbQp4bL2Xl9syin8QnlC+hDBJS4FDQfAa3ys/ARCpqNgFb4UfggBU1GQCv8KHyUguaSPKA/v1T7LLwXNjUoaCoCuvhPwhQuJWUioIv/JEyioIkkD+hUAkoCCpqGgC78gzCdgmYhoAv/IBRQ0CQEdOEfhBIKmkO+gLb5LLyXM3W5lJRCsoDuGq3G5LVMbQqaQaqA/vxysx7otPWUBZREFDS+TAG9uyL9pO+UE1AycRAaXqaA3v9OpNuvOn5D4XS9jGlCQaPLFNB238rpVUwjEhpbooA2/F54r2FaUdDQEgX0cLR5e7q+r/FZeEjvQvUAAA2USURBVK9gGlLQwAR0sZ+CeTgIjStRQNudwnv50pSChpUooO0uInn10piEBpUpoPdvY7o9Kn1D0XS9dGlOQWPKFNC7N9JP+yiSgJKVhEaUKaDPxbz26cekRxBQ0lLQgFIFdLwUU73FRLxqCUJBw0kW0KcGy9l50RKFg9Bo8gX0IQJKagoajIAu8COwGAkNRUAX+BFYjoJGIqAL/AgsSULjENAFfgQWpaBhCOjsPwGLk9AgBHT2n4DlbSQ0BAGd/SegBgWNQEBn/wmoQ0LbE9CZfwCqcR7fnIDO/ANQkYQ2JqAz/wBUJaFNCejMPwCVKWhDAjrr34cGJLQZAZ3170MLzuNbEdBZ/z60oaBtCOiMfx3akdAWBHTGvw4NOY9vQEBn/OvQlIRWJ6Az/nVoTEIrE9DZ/jYEIKFVCehsfxtCkNCKBHS2vw1BSGg1Ajrb34YwJLQSAZ3pL0MoGw2tQUBn+ssQjIRWIKAz/WWIR0KXJqCz/F2ISUKXJaCz/F2ISkKXJKCz/F2IS0KXI6Cz/F2ITEKXIqAz/FWITkKXIaAz/FWIT0KXIKAz/FXIwI2h8xPQGf4q5CChcxPQh/8mJKKhs8oX0O3m7PP0HxZQVm+jofNJFtDd5trUhgooOAydT6qA/vyyee2vfyc9woen69VF3zR0FpkC+vuf62L++nb497//m/IQXjFw4lR+BpkCur/J5ZDU71MewssFXmjoozIFdHt7wn44CJ30NqjXClzZiOgjEgX0cLj59eYPd9PO4b1O4DUNLZcooIejzdvT9f20y0heJHCPhJYRUGCgoQUSBdQpPCxKQidLFFAXkWBpGjpNpoDev43p9qj0DV4a8DaXlKbIFNC7N9JP+yiSlwW8S0M/LFNAn4t57dOPSY/gNQEfIqIfkiqg46WYll5MBNbuZT9rPZK4kgX0qdpydsA4onade/IF9CFeBTCZhv6RgAIfIKL35AuoU3hoQ0NvJAtovRXpgTuczl9JFdCKK9IDfzDeAVuPpbVMAbUiPUShokeZAmpFeohl9RXNFFCLiUBAa65oooBazg7CWmlFEwXUgsoQ2/oqKqDAnFZ1eSlRQJ3CQxY3Nxy2HtBCEgXURSTI5Saj3aU0U0CtSA9J9VrRTAG1Ij2k11dGMwXUivTQh7vn9hmjmiqgVqSHjryR0SwtTRbQJ8vZQc+SpTRfQB8S+JkArmQ4QBVQILj3UtouqvkC6hQemFLVBQObLKBWpAf+qCiqj5Q2VUCnrkhf479AQBqrDujkFekFFFhSpoBakR4IJVNALSYChJIooJazA2JJFFALKgOxCChAoUQBdQoPxJIooC4iAbFkCqgV6YFQMgXUivRAKJkCakV6IJRUAbUiPRBJsoA+Wc4OCCNfQB8ioMB8BBSgkIACFBJQgELJA/rzi8/CA60IKEAhAQUolDygUwkoMJ/VBRRgPrM3au4HnFPrjQ30ZfZGzf2AFfV1ht/XbEwnNNOZ7Vcv/PgPfRb+HX29CvqajemEZjqz/eolH3z36vB55ob29SroazamE5rpzParl3von19u3oCYtp7ye/p6FfQ1G9MJzXRm+9WLPfLdFeknfafce/p6FfQ1G9MJzXRm+9WLPfL970S6/arjcn29CvqajemEZjqz/erFHnmGb+V8R1+vgr5mYzqhmc5sv3qpB57je+Hf0deroK/ZmE5opjPbr17qgQ9Hm7en6/tZLyP19SroazamE5rpzParl3pgAZ2or9mYTmimM9uvXuqBncJP1NdsTCc005ntVy/2yC4iTdPXbEwnNNOZ7Vcv9sj3b2O6PSot19eroK/ZmE5opjPbr17ske/eSD/rR5H6ehX0NRvTCc10ZvvVyz30sZjXPv2Y8xf09SroazamE5rpzParl3zw7at+WkzkDX3NxnRCM53ZfvXCj285u4/qazamE5rpzParm/3mx/X1KuhrNqYTmunM9qub/ebH9fUq6Gs2phOa6cz2q5v9ZoDkBBSgkIACFBJQgEICClBIQAEKCShAIQEFKCSgAIUEFKCQgAIUElCAQgIKUEhAAQoJKEAhAQUoJKAAhQQUoJCAAhQSUIBCAgpQSEABCgkoQCEBBSgkoACFBBSgkIACFEob0F/fNgdfWw/jMT+/DJP49OPlT/JP6zCn75d/yT2d/TD40WxyT+f5xfZ59CdZp/Pr21//jv/t9SxqzitrQLebZ+P4ZPP8PA8ur4f80xomdUlO6uk8B6eXZ+f3P+cXW/pn5zCVUUBvZ1F1XkkDuju/GsabMpmXfl5m0cG0tqNdNPV0Lv3cbP7+7/gnqaezvQz+/PSknc52POLbWdSdV86ADi/u4VU9nGN9fv+vx7Q7n2Zsz7PoYFr70R6aejrDf96O4bw8Tamncx70MK3nrmSdzvFQ+pLG21lUnlfOgG5HWyvbCcjZ6Fx3d3pF5J/W81H1aVqpp7O7HHjuT/8r9XS25/cELy+7pNN5PjEYv6vyahaV55UyoIcXweh4Pd+b4Ef7l/9ADv9R/d7DtIZ3p/7vOaCpp3OYyXnvO/3P1NM5ZOU8ndPgc07n+B/o//HyHujtLGrPK2VAD/9t+fzyP08HCtmMn97tMTr5p3WY0/fdOaCppzMa/O2f5JvOdUCH5yfndIb3U76PLiLdzqL2vFIGdNSe6ytyWT2/vNNP6/CK/fp0CWjq6exvjl5ST+dl9OdD65zT2Q11HI33dha155U1oOcLvaNTrbwOpx3DfyqzT+sw6MM0xgHNO53j4J9v/fk++pNn+aZzPPf9PPpn5ulcB/TVLGrPK2VAt1c3s6V68u86/Vcz+7S216/g1NMZBry7uhsm9XTGN809n+Emns4ooLezqD2vpAEd3zWb6sm/5/xeTfJpnc56RwFNPJ3DgP/P9f2Eqacz2F7dBZp4OlcBfT2L2vPqIKDjz9pldOjn+Rgn87RO70P8KaC5pvN88n6cz/l+wszTeRrfSH++2yftdP4Y0GEWtefVQUBT/dfz1v5yV1vuaW1P0+jiCPQY0NPFiNP9hJmn89zPYT7DxI5jTzwdR6CPSvzk33jpZ+5p3V47Sj2d7eblFph7hzbJpjO6qfz0CYHE0xHQRyW+gvjaeEfNPK2X2+/6uAq/Hd3G9PzmburpXN/c0+Jq9YxchX/UPuU9bHcMJ1Qv92tnntbLCg7PvuaeztXHHPb5pzM+FntOTOLpjMZ7O4va80oZ0Jyforg1fK7369W/pp3WnYBmns74g7anfTL1dG4Dmng6Pon0qJyf473xerWDzNO6E9DM03m5NeLp/B5o6ulcn8Inn85vn4V/VNKVZK4dnupXY+9iWrvRrYaJp3MZ/KWlmaez34wvIiWfzvjU3GpMRbKuZTh2OhIY62Fao4Cmns558MfRp18P9HJb1sv9WXmnMw6o9UDLpF1N+8X++pz3GJ0OpjW+DJp6OqM3JTpYkX60vn766VxdHLIifZms3+dy8fIdNaOA5p/WVUBzT+fyX7jxDaFpp/PyWfj00/GdSHPI+o2CZ+NvRHoJaPppXQc0+XS2rw9jUk/n1VruT2mn8+r2JN/KCZCSgAIUElCAQgIKUEhAAQoJKEAhAQUoJKAAhQQUoJCAAhQSUIBCAgpQSEABCgkoQCEBBSgkoACFBBSgkIACFBJQgEICClBIQAEKCShAIQEFKCSgAIUEFKCQgAIUElCAQgIKUEhAAQoJKEAhAQUoJKAAhQQUoJCAAhQSUIBCAgpQSEABCgkoQCEBBSgkoACFBBSgkIACFBJQgEICClBIQAEKCShAIQEFKCSgAIUEFKCQgAIUElCAQgIKUEhAAQoJKEAhAQUoJKAAhQQUoJCAAhQSUIBCAgpQSEDJZbsZfPpx/vdf3w7/+te/h3/8/d/zn+yPf+N7qwGyJgJKJrvN2SmX5z/4n+eA/vxy+pO//m06UlZBQEnkpZ+bzdfhD/ajPzgG9NJPBaUCASWP4XT96/l/DL0c/jl0cn8O6O9/Tqf3w598bjxc+ieg5LG/RPFwoDmEc7cZnbgP/2t/Obc/tPXljVJYhoCS0SGPQ0C3l4tFp5RuX6q5Px2twnIElHyGE/UhoKeMDg6HoIeAjq7FD3/iHJ6FCSip7MfXiEa9fP6fx3uaXl1WguUIKImMrrEPAX0+7Dx6Duj4/xdQlieg5HE+wDzeN3/vCHRUVKhAQMljd7m58xLQm/dA3f1JRQJKGr//uVxj3x9TOlxMuroKP/oDqEBASeMloOcb6C/3gZ7vrH85RnUbExUIKHlsT3ncndcTOYf0ePHo/NGk52PQ7caN9CxOQMlj/Mn3l09sXl1zH/+BA1CWJqAksj238X+d3+z882pM+snyBJRMnvP4dfSx+NN6oKPPHT031aeQqEBA6YIPbtKCgJLYy2IiW6fsNCCgJHa51O6aO00IKImNP/vuAJT6BJTM9vpJSwJKblvX3GlHQAEKCShAIQEFKCSgAIUEFKCQgAIUElCAQgIKUEhAAQoJKEAhAQUoJKAAhQQUoJCAAhQSUIBCAgpQSEABCgkoQCEBBSgkoACFBBSgkIACFBJQgEICClBIQAEKCShAIQEFKCSgAIUEFKCQgAIUElCAQgIKUEhAAQoJKEAhAQUoJKAAhQQUoJCAAhQSUIBCAgpQSEABCgkoQCEBBSj0/wFTjj3IUdsr3QAAAABJRU5ErkJggg=="/>
-          <p:cNvSpPr>
-            <a:spLocks noChangeAspect="1" noChangeArrowheads="1"/>
-          </p:cNvSpPr>
+      <p:pic>
+        <p:nvPicPr>
+          <p:cNvPr id="3" name="Picture 2">
+            <a:extLst>
+              <a:ext uri="{FF2B5EF4-FFF2-40B4-BE49-F238E27FC236}">
+                <a16:creationId xmlns:a16="http://schemas.microsoft.com/office/drawing/2014/main" id="{BBC57B5A-ADE8-4CA4-B3B8-66DEC4E8BACE}"/>
+              </a:ext>
+            </a:extLst>
+          </p:cNvPr>
+          <p:cNvPicPr>
+            <a:picLocks noChangeAspect="1"/>
+          </p:cNvPicPr>
           <p:nvPr/>
-        </p:nvSpPr>
-        <p:spPr bwMode="auto">
+        </p:nvPicPr>
+        <p:blipFill>
+          <a:blip r:embed="rId2"/>
+          <a:stretch>
+            <a:fillRect/>
+          </a:stretch>
+        </p:blipFill>
+        <p:spPr>
           <a:xfrm>
-            <a:off x="155575" y="-3070225"/>
-            <a:ext cx="6400800" cy="6400800"/>
+            <a:off x="457714" y="1143285"/>
+            <a:ext cx="8228571" cy="4571429"/>
           </a:xfrm>
           <a:prstGeom prst="rect">
             <a:avLst/>
           </a:prstGeom>
-          <a:noFill/>
-          <a:extLst>
-            <a:ext uri="{909E8E84-426E-40DD-AFC4-6F175D3DCCD1}">
-              <a14:hiddenFill xmlns:a14="http://schemas.microsoft.com/office/drawing/2010/main">
-                <a:solidFill>
-                  <a:srgbClr val="FFFFFF"/>
-                </a:solidFill>
-              </a14:hiddenFill>
-            </a:ext>
-          </a:extLst>
-        </p:spPr>
-        <p:txBody>
-          <a:bodyPr vert="horz" wrap="square" lIns="91440" tIns="45720" rIns="91440" bIns="45720" numCol="1" anchor="t" anchorCtr="0" compatLnSpc="1">
-            <a:prstTxWarp prst="textNoShape">
-              <a:avLst/>
-            </a:prstTxWarp>
-          </a:bodyPr>
-          <a:lstStyle/>
-          <a:p>
-            <a:endParaRPr lang="en-US"/>
-          </a:p>
-        </p:txBody>
-      </p:sp>
-      <p:pic>
-        <p:nvPicPr>
-          <p:cNvPr id="2051" name="Picture 3"/>
-          <p:cNvPicPr>
-            <a:picLocks noChangeAspect="1" noChangeArrowheads="1"/>
-          </p:cNvPicPr>
-          <p:nvPr/>
-        </p:nvPicPr>
-        <p:blipFill>
-          <a:blip r:embed="rId2">
-            <a:extLst>
-              <a:ext uri="{28A0092B-C50C-407E-A947-70E740481C1C}">
-                <a14:useLocalDpi xmlns:a14="http://schemas.microsoft.com/office/drawing/2010/main" val="0"/>
-              </a:ext>
-            </a:extLst>
-          </a:blip>
-          <a:srcRect/>
-          <a:stretch>
-            <a:fillRect/>
-          </a:stretch>
-        </p:blipFill>
-        <p:spPr bwMode="auto">
-          <a:xfrm>
-            <a:off x="304800" y="-8965"/>
-            <a:ext cx="8534400" cy="6096000"/>
-          </a:xfrm>
-          <a:prstGeom prst="rect">
-            <a:avLst/>
-          </a:prstGeom>
-          <a:noFill/>
-          <a:ln>
-            <a:noFill/>
-          </a:ln>
-          <a:extLst>
-            <a:ext uri="{909E8E84-426E-40DD-AFC4-6F175D3DCCD1}">
-              <a14:hiddenFill xmlns:a14="http://schemas.microsoft.com/office/drawing/2010/main">
-                <a:solidFill>
-                  <a:schemeClr val="accent1"/>
-                </a:solidFill>
-              </a14:hiddenFill>
-            </a:ext>
-            <a:ext uri="{91240B29-F687-4F45-9708-019B960494DF}">
-              <a14:hiddenLine xmlns:a14="http://schemas.microsoft.com/office/drawing/2010/main" w="9525">
-                <a:solidFill>
-                  <a:schemeClr val="tx1"/>
-                </a:solidFill>
-                <a:miter lim="800000"/>
-                <a:headEnd/>
-                <a:tailEnd/>
-              </a14:hiddenLine>
-            </a:ext>
-          </a:extLst>
         </p:spPr>
       </p:pic>
     </p:spTree>
     <p:extLst>
       <p:ext uri="{BB962C8B-B14F-4D97-AF65-F5344CB8AC3E}">
-        <p14:creationId xmlns:p14="http://schemas.microsoft.com/office/powerpoint/2010/main" val="2873795100"/>
+        <p14:creationId xmlns:p14="http://schemas.microsoft.com/office/powerpoint/2010/main" val="3848343228"/>
       </p:ext>
     </p:extLst>
   </p:cSld>
@@ -10387,51 +11205,8 @@
           <a:p>
             <a:r>
               <a:rPr lang="en-US" dirty="0"/>
-              <a:t>What is a hazard function?</a:t>
-            </a:r>
-          </a:p>
-        </p:txBody>
-      </p:sp>
-      <p:sp>
-        <p:nvSpPr>
-          <p:cNvPr id="7" name="Content Placeholder 6"/>
-          <p:cNvSpPr>
-            <a:spLocks noGrp="1"/>
-          </p:cNvSpPr>
-          <p:nvPr>
-            <p:ph sz="half" idx="2"/>
-          </p:nvPr>
-        </p:nvSpPr>
-        <p:spPr/>
-        <p:txBody>
-          <a:bodyPr/>
-          <a:lstStyle/>
-          <a:p>
-            <a:pPr>
-              <a:buFont typeface="Arial" panose="020B0604020202020204" pitchFamily="34" charset="0"/>
-              <a:buChar char="•"/>
-            </a:pPr>
-            <a:r>
-              <a:rPr lang="en-US" dirty="0"/>
-              <a:t>The probability that you will die young (20-30 years old) is 24%</a:t>
-            </a:r>
-          </a:p>
-          <a:p>
-            <a:pPr>
-              <a:buFont typeface="Arial" panose="020B0604020202020204" pitchFamily="34" charset="0"/>
-              <a:buChar char="•"/>
-            </a:pPr>
-            <a:r>
-              <a:rPr lang="en-US" dirty="0"/>
-              <a:t>The probability that you will die middle-aged (40-70 years old) is 25%.</a:t>
-            </a:r>
-          </a:p>
-          <a:p>
-            <a:pPr>
-              <a:buFont typeface="Arial" panose="020B0604020202020204" pitchFamily="34" charset="0"/>
-              <a:buChar char="•"/>
-            </a:pPr>
-            <a:endParaRPr lang="en-US" dirty="0"/>
+              <a:t>Defining the hazard function</a:t>
+            </a:r>
           </a:p>
         </p:txBody>
       </p:sp>
@@ -10503,216 +11278,40 @@
           </a:p>
         </p:txBody>
       </p:sp>
-      <p:sp>
-        <p:nvSpPr>
-          <p:cNvPr id="6" name="Content Placeholder 5"/>
-          <p:cNvSpPr>
-            <a:spLocks noGrp="1"/>
-          </p:cNvSpPr>
-          <p:nvPr>
-            <p:ph sz="quarter" idx="4"/>
-          </p:nvPr>
-        </p:nvSpPr>
-        <p:spPr/>
-        <p:txBody>
-          <a:bodyPr/>
-          <a:lstStyle/>
-          <a:p>
-            <a:endParaRPr lang="en-US"/>
-          </a:p>
-        </p:txBody>
-      </p:sp>
-      <p:sp>
-        <p:nvSpPr>
-          <p:cNvPr id="8" name="AutoShape 2" descr="data:image/png;base64,iVBORw0KGgoAAAANSUhEUgAAAwAAAAYACAMAAAD2Z98bAAAAkFBMVEUAAAAAACsAADoAAEwAAGYAK2sAOpAATIcAZpAAZrYrAAArKwAra6M6AAA6kJA6kLY6kNtMAABMh75mAABmOpBmZjpmtv9rKwBraytro76HTACHvr6QOgCQkDqQ29uQ2/+jayujvr62ZgC2//++h0y+o2u+voe+vqO+vr7bkDrb////tmb/25D//7b//9v///8XC2sPAAAACXBIWXMAAB2HAAAdhwGP5fFlAAAgAElEQVR4nO2df8ObRna2tdlsUu8bt96kdd9108arZLeryMnz/b9dQYCEBPoBzBnu4b6uf/xY9sOgc84FwzAMuzcAY3Zr7wDAmiAAWIMAYA0CgDUIANYgAFiDAGANAoA1CADWIABYgwBgDQKANQgA1iAAWIMAYA0CgDUIANYgAFiDAGANAoA1CADWIABYgwBgDQKANQgA1iAAWIMAYA0CgDUIANYgAFiDAGANAoA1CADWIABYgwBgDQKANQgA1iAAWIMAYA0CgDUIANYgAFiDAGANAoA1CADWIABYgwBgDQKANQgA1iAAWIMAYA0CgDUIANYgAFiDAGANAoA1CADWIABYgwBgDQKANQgA1iAAWIMAYA0CgDUIANYgAFiDAGANAoA1CADWIABYgwBgDQKANQgA1iAAWIMAYA0CgDUIANYgAFiDAGANAoA1CADWIABYgwBgDQKANQgA1iAAWIMAYA0CgDUIANYgAFiDAGANAoA1CADWIABYgwBgDQKANQgA1iAAWIMAYA0CgDUIANYgAFiDAGANAoA1CADWIABYgwBgDQKANQgA1iAAWIMAYA0CgDUIANYgAFiDAGANAoA1CADWIABYgwBgDQKANQgA1iAAWIMAYA0CgDUIANYgAFiDAGANAoA1CADWIABYgwBgDQKANQgA1iAAWIMAYA0CgDUIANYgAFiDAGANAoA1CADWIABYgwBgDQKANQgA1iAAWIMAYA0CgDUIANYgAFiDAGANAoA1CADWIABYgwBgDQKANQgA1iAAWIMAYA0CgDUIANYgAFiDAGCNkAC7IWvvEmweoRobEUBo72CbSJcYAkA00iWGABCNdIkhAEQjXWIIANFIlxgCQDTSJaYkgNCuQEKk8yoiAKOyG0Y6p+tX3Kns/9mBAttDOqNr11uv9nFgo0inc+ViG6n/kwKr7hSkRTqbq9baePmfFFhxryAx0slcU4C75c9JYFNIp3K9Qrt/+MeAbSGdydXq7En9Y8B2kE7kWmX2tP65ENgM0nlcSYAXyp+TwFaQzuI6NfbK8R8DtoJ0ElcpsVfrHwM2gXQO1xHg1frHgC0gncI1CmxC/WPABpDO4Ar1Nan+MaB8pBOYv7wm1j8GFI90/goQAAMKRzp92Yvr9RGgngDSIYQnSGcvd23tEMAO6exlrq3dLAHWfmoBFiGdvOwCzLkGeOMcUDLSuctbWXVrcwTAgJKRTl3WwtrNFgADCkY6c5kFeJsrAJcB5SKduZx11bQ1UwAMKBbpxJUkgHQg4S7SectYVW1TcwXAgFKRTltBAtAJKhTptOUrqq6l+QJgQJlIZ60wAaRjCeNIJy1bSZ0bWiAAp4AikU5arpLaJREAA0okOmf789r676b/cj4Bzj8hgBmhOTvcvPV3qgOZKqrXzCIBMKBAAlP25f3gvddf/zxpC+UJgAGlEZex33+8rvjffqj+/s2vUzaRp576rSwTgFNAecRl7Dgo91qJj1M2UZwAGFAccQnbDzs81Ulg0mVAlnK6amS5ABhQFmH5qg73HwYfHqb1gcoTgFNAaYTlqzraD7s7x2mXwTmq6bqNxQJgQGEgAAJY494FumliuQAYUBbuF8EIYE7uYdDhWeEBRQqAAUWR+UbYtFvB8aV02wICuBGYrFPFX/PVT5O2UKYAGFASobna39S/3GS4QQOJBMCAYvCeDh0jAKeAgpBOVXQhDbefRgAMKAfpTCEARCOdqeA6Gtl8IgEwoBhCE3V6JKZ3M+D3H6WmQiAAhAqwv7381RJgbOupBMCAUgjM02UAqDsJIACoEZenuv9Tzwc9XAwwEgADCiFyMlx737eeE9EYICXA6MYRwI3I6dDnvv++NcBJAAwogzwPxLQGIACokemJsP1pLEhJgPFtJxQAA4ogkwDNowAIAGpkuQZ4a9cEEhLgzqZTCoABJRCXo8P1Klhf3u+++h8EADFi7wP0H4A8Tl8dtHABMKAAAlN0uHkK4CgkwL0tI4AbkSmqDeifA+pzgpUAGKBPaIYGawMdRAS4u2EEcEM6Q8ULgAHySCcIASAay4fi7283tQAYoE5oflTfEYYA0BGYn6nvCBv877D1dTIKgAHixKVn8jvCsgnwYLMI4EZcenTfEZZVAAzQJvKJMNXl0REAzkTOBhV9QcajrQYIgAHSZHoeoEXiFUkIABcQ4PrfAgTAAGX8ukAPN4oAbvhdBOcXAAOEyT0Muvo7wh5vEwHcyHwjbP13hK0hAAboEpgZzXeEIQD0Cc2M4jvCVhEAA2Rxmw79ZJMI4IZ0YrYjAAaoIp0XBIBopPOSvmqebTFMAAwQRTotCADRZE3Ll/drzwVaTwAM0MRLgKcbRAA3EOD6P8QJgAGSSCcFASAa6aSkLpnn24sUAAMUkc4JAkA00jnZmAAYIIjTXKAXNocAboSmRGxpRASAAYEpmbo04pCtCYABemR+ImzSM/EIAOHkfiZ4xaURX9lasAAYIIfRqhAIAEOM1gVSEAAD1AjLh9zKcC9tDAHcQIDr/xQtAAaI4dMFQgAYweciWEQADNAi9zDoaksjvrYtBHAj842w9ZZGRAAYIzAbWksjygiAAVKEJkNoacQXN4UAbrhMhxYSAAOUkM4FAkA00rlIVymvbimLABgghHQqEACikU4FAkA00qnYqgAYoIN0JpLVycsbQgA3pDOxWQEwQAbpRCAARCOdCASAaKQTkapMXt9OLgEwQAXpPCAARCOdhw0LgAEiSKchUZFM2AwCuCGdhi0LgAEaSGcBASAa6SxsWgAMkEA6CWlKZMpWEMAN6SRsWwAMUEA6BwgA0UjnIEmFTNoIArghnYONC4ABAkinAAEgGukUbF0ADFgf6QykqI9p20AAN6QzsHkBMGB1pBOAABCNdAK2LwAGrI10/BNUx8RNIIAb0vE3EAADVkY6/AgA0UiHHwEgmmH4f/v3KS9yDGV5cUzdQn4BMGBdRgT4YdbLLCJAAIhmXIDdxNc5BmEhAAasyljwD+1LjYZves8MAkA0d4Lfvtpr2ltNk7O4NCZvYA0BMGBN7sb+9Jrf3eBl11lBAIjmUey7F/2udkmMABDNk9i354GJL7ieuSsjLN3i5N9YQwAMWJGHoT9cKjHDWQABID/3Q384XwefTgNrDIu6CIAB63En8jcjodXVwBoDQggA0Ty6D9A76O9LFGDGryOAG3fvBF8Nf1adoDWGQ20EwIDVGBcgy6jPcxAAohkTYPUpEB0+AmDAWkjHfVlVzPltBHBj7Axw1QHarzgZwkgADFiJFwRYb0YcAkA0zwRY6Q5Ag5MAGLAOV1E/3M5EWHk+6KKamPXLCODGVdS76Z/XrPdsmJUAGLAK10E/StU/AkA4Ty+C1wQBIJrNCjDvd9cUAAPWQDrmCADRSMfcTAAMWIF+yOtBoI/DoaAy7wMgALzCVgWY+avrCoAB+UGA619DADOkI24nAAZkRzrgCADRSAfcTwAMyM2jeH95v+7KiAuqYe5vIoAbo/H+7Ye67uv6X/fxYASAaMbifbwsh7XqIJCjABiQmZFw10f+6rhf/VHV/qHM6dAIAK8xEu5DsxJoW/r7Fd+XNLsY5v/i6gJgQF6G0W4Xwar+OHX/jyXeCEMAeJHRhbE+vl0eBkaAzAJgQFbuCnBsl0RHAATYMncF2LdLQx8KfCh+wcUzApgxeg3w4XIJUOlQ3kXw7BL6chr4/cNfb4r873/efd/9/Kn6D9+e/+WX3S794QEDMjIS631d+ofmJnA9JLreUqGZBbjMg/3jf/Xr/x9/2XUC/O9/Xv17/dd5u/gIBMjInfsA7csx9qsuC5RZgP488CsD6oN+K8Dn+vRQCfFtdwL4NqJYMSAfY6E+nNfDOqz7quC5M9rm/drpaw97OXU3pxOgOuJ/d/qk6SX94y9/+CsClM1oqOvlgdohoFWXSs8qwOlxoF17nO+dAuoOUCdAezFQffR98/++DbgIRoCcSIc6qwCncd/duWvfXfVWP//x/18EOB36KwG+a08AIQJgQD6iI70/d6tnDCZlFeA09WN37vV3AlRng+8/jwtQnwAQoHBCI3272O5UB2au7LBkLYlOgG4otOr0fPfPzzddoOaPf/yl7ifFBBADcjEa6G4caNl86OutzNnUWgJUR/g//a3rAFU/fR69CP50+hkByub+KNBSAU7PE/R+9zTKOG1MdS0BqoL/rn8q+NwbBq1+aoZB//7n04VyUKViQCZG4ny7RPRMAY6Dcq+VmDSqtJIAVQ+nPQH8sms7+yM3wpoTAAIUzuid4CSD/yPvVpo6r2IdAar6bwdBu67QRYDTz6ebBM0JoPq/QbfKMSAPo3OBUtR/M6Xohokz6+atcL6kcnano353E+BT+1NfgI5P9Ue/zB7ger4nCJCF0dmgKR6CbCeVXjNxbvUaAvTq/1z3IwL8Up8b6jPErr5kijgHYEAWEOD6lz/tuv5/3b359p93BKiuBb5vRoN2UU+NIkAW7k2HXkyRXaDf+7OAPt8MBnx3ewKo/sef/rarv1XIhCkMyMHoQ/FJJoCudRG8oG7qOxeXMn8gQHMCqK4DTgIEPTSHADkYCXKiPtD4MOikLc960++y+u89C/NAgM/NeeJT6BkAA3IwFuOqEBKcA0ZvhE2rlLwCVDv41fgjkbfXAKdZcP+M7gIhQA5GL4KT3Agbe+vwxHUWswpwuk33mgDtCaC9CK5+MeapUQTIQKAA/amg88bLswpwcwP8+/sCdCeA2GHQNwzIQagAb/mnQy86AbwowOfzSNHpRnDc4pEIEI90iHMKcOv9fQHaWXDdOSBw1QAEiEc6xDkFaH999BrgEaEBxIBwpCOMANLp2QR3Ilx3COrVgVZ9QQwCIEA4oxFu+sPN8lhrLgsxPf9LK0ZMAAwIZyzA7fVgJcA+8hLvOQiAANGMBLgeEPzm1y/v67tWiR6OmQkCYEA0449EfqjnQ5xu285+RdLIfeDJNxUQAAGiGX0kslkW9yRA+76Y6awiwOJykRMAA4K5+zxAK8D8mV4jq6IgwIw9QoBQRqdC1Ne9nQDzJ7vX54BlkwQQ4A0DggkU4DS/eNFrthHgDQGCedoF2i94NmDpgwUIcNonDAhk9CK4Pua3Aix7RdLCG2lTU7+8VBDAjfFh0HedAJMXc7um0mfJKQABTvuEAIGMBfd09+skQL1K6KJOzLJTAAI0O4UBcTyYCpHgcZiFIECzUwgQx2hse09HrVn/CNDtFQaEcSe0rQKrlv/kxCeoEwRwQzq0CNDtlnSaiiY6sjkfikcAmExoZDO/I2y7AmBAGIGBnfqOsLG5c1PaS1EkCOBGP7ApZjBfmPyOMAR4tGMYEEOcANnfEbZxATAghDgBsi+PvmkBOAUEMRbW43kV21qJmVMZ8r8gY9sCYEAMI1GtLl4vpXucO6U/+yuSkhQIArgxOh363d2/vQ4CpAYDIrj7RFjH3CfCsneBEABmECZA9ovgzQuAARGMPhJ53QWa+UBA5neEpakOBHBj9Bqgdwo4zH4PeuZ3hBkIgAEBjI8CdYVa/zh7YYe87whDAJjDWEiv57AteKQx5zvCHATAgPSMRvQ4+5g9INt0aASAOdyJaNt9KeeJsESlIS4ABiRHOqAIMNg/6XyViHRAEWC4g9IJKxDpeCLAcAelE1YgWeP55X3YXCAXATAgMRsRIFVZIIAbCHC9HXkBMCAt0tFEgLFdxICUSAcTAUb3UTpnpSEdzJdTnawmShAAA1IiHUsEGN9J6aQVRnQs88wF8hIAAxISGspsSyMiAMwkMJRTl0YcggD3dhMDUhEXyclLIw55Nc/p6gEB3IiLZMalEe0EwIBkxAUy46oQjgJgQBrC4phzXSA/ATgFpCIsjhlXhktYDMUIgAGJQIDrTSGAGVvoAlkKgAFp2MJFMALAbHIPg0YsjegpAAYkIfONsIilEVMWAgK4ERjEXEsjugqAASkIjWGepRGNBcCAxWxgOrStAJwCEiAdQgR4trvS6SsC6Qi+lN+kRYAAbkhHEAGe7q90/kpAOoAI8HR/MWAh0vFDgOc7LJ3AApCOHwK8sMdr70DhSIfvleSmLYASBVh7D8pGOnoI8Mour74HRSMdPQR4aZ/X34WCkQ4eAry0z+vvQsFIBw8BXttpgX0oFunYvZDZxMkvVACBnSgV6dAhwGsgwHykQ4cAL4IBs5GOHAK8CJ2g2UgHDgFeBQHmIh2452lNnfhSBcCAuUjHDQFeBgFmIh03BHgdDJiHdNgQ4HW4Dp6HdNQQYAIIMAvpqD3NafKkFywABsxCOmgIMAU6QXOQjhkCTAIBZiAdMwSYBgZMRzpkCDANOkHTkY7Ys3ymz3fZAmDAdKQDhgBTQYCpSAcMASaDARORjhcCTIZO0ESkw4UA00GAaUiH60kyA3JdvgAYMA3paCHADOgETUI6WAgwBwyYgnSsEGAWCDAB6VghwDww4HWkQ/U4kRFp3ooAinuliXSkEGAmGPAyQoEavFb7SRoR4D4I8CpCgUKAhGDAi0jHCQFmQyfoRaTD9DCJIRnejAAY8CLSUUKABWDAS0gHCQGWgAGvIB0jBFgEAryAdIwQYBkY8BzpECHAMugEPUc6QgiwEAx4inSAHqUvJrUbEwADniIdHwRYDAY8QTo8CLAcBHiMdHgQIAEY8BDp6CBAAugEPUQ6OAiQAgx4hHRsHmQuKKlbFAADHiEdGgRIAwbcRzoyCJAIDLiLdGAQIBUYcA/puCBAMjDgDtJhQYB0YMA40lG5n7OobG5XAAwYRzooCJASDBhDOiYIkBQMGEE6JAiQFgwYIh0RBEgMBgyQDggCpAYDbpGOx91shaVx6wJgwC3S4UCA9GDANdLRQIAAMOAK6WAgQAQY0Ec6FggQAgb0kA7FvUTFJdBCgLdnb15wQjoQCBAEBpyRjgMChIEBLdJhQIA4MKBBOgoIEAjdoBPSMbiTocDEGQmAASekQ4AAsWBAvAD78xtP303/ZQQIBgNiBTjcvPV3qgMIEA3doMCv/+X94L3XX/88aQsIEI69AXHf/vcfryv+tx+qv3/z65RNjOcmMmN2AtgrEPfdj4Nyr5X4OGUTCJADbwPivvp+2OGpTgKTLgMQIA/OCoR98epw/2Hw4WFaHwgBMrHzVSDsa1dH+2F35zjtMhgBsmFrQHkChCbKVgBbBcrrAiFAEJ4GlHcRjABhOCqQexh0eFZ4AAJkxtCAzDfCpt0KRoDs2CkQ+G1PFX/NVz9N2sJYLmLzYy+AnQGhX3Z/U/+JJsMFggBuCpQ4HToQBHgzuy0m/UURYCV2Pg5If0sEWA0bBegCXbeIAGc8DCjxibBAEKCPgwIlPhEWCAJcYdAPKvCJsEgQ4IbNXwsU+ERYJAgw4Hz6XntHYihvMlwoCDDGlhUobzp0KAhwl406UN4DMaEgwAM2qQACXLeIAA/ZngN0ga5bRIAnbO2amIvg6xYR4Dm9Gztr78pyynsiLBQEeJWtWFDeE2GhIMAkNmBBcU+ExYIA0ynbAp4Iu24RAeZRrAVMh75uEQEWcHvCX3t/XkF6JxGgQAb9Xm0VhHcNAQqnCBXoAl23iAARjKqg4QRPhF23iACxPFZhBTOEnghTODggQH62KsDkJ8IkBJjaol6nFiYh/UQYQDTSk+EAopGeDg0QjfQDMQDRIABYQxcIrOEiGKyRfiIMIBrpJ8IAopF+IgwgGuknwgCikZ4ODRANc7nAmrIEuD9zFjZIlpLK0Ugi1s4HZCZLUeVoJBEZJuubNiG5UxsU4Mv7RTcCtpElxSYkdwoBbtlGlhSbkNwpBLhlG1lSbEJypzYowEK2kSXFJiR3CgFu2UaWFJuQ3CkEuGUbWVJsQnKnEOCWbWRJsQnJndqGACnnAm0jS4pNSO7UBgRYujTiDdvIkmITkjtVvABTl0Z8yjaypNiE5E6VLsDkpRGfso0sKTYhuVOlC5B+acRtZEmxCcmdKl2A9KtCbCNLik1I7lThAgSsC7SNLCk2IblThQsQsDLcNrKk2ITkTiHALdvIkmITkjtVuAB0gQpqQnKnCheAi+CCmpDcqdIFYGlEKIDMN8JYGhG0CDzNsDQi6BPaz2JpRFAn+kKDpRFBmixX2gCqIABYgwBgDQKANQgA1iAAWIMAYA0CgDUIANYgAFiDAGANAoA1CADWIABYgwBgDQKANQgA1iAAWIMAYA0CgDUIANYgAFhTjADNMlsRKys27zLrr9kV01bVzmW97PRNHE+Lz/RW5E7eRBOo/vI2KZv47Yf+soHDLQcVQCkCdOsLJV9b7rJ+3Tn+MW3VDZ3LM3kT5zcShn2L01KX15KlbKLafE+A4ZajCqAQAS4vXE28umh//cZ200Ft7Xulk7yJ3hs52xWJkzfRW+av/RpJm9j3tzLcclgBlCFAnd86sfVpPu0Kc4futLrvNh3U1rFXOcmbqDU+Ff756yRvottQ3VRTgymbuF5JebjluAIoQ4B9LxBJz4G9fsmhzUBMW82Zpm0qeROH84G/W5Q+eRP7rv99DlnCJpoTWL/3drPlsAIoQ4Aq5r1TYeIrx+6A0r7ENaatuof7350AyZuott5VRftj+m+xPzfRbjBdE6eDw79crgGGW44rgDIEqLR/d/lx0cu2b+iHc38q0Ji2qnY+HjoBkjfR2+Dwk0Tf4kqAj0mbqPttH3sXwcMtxxVAGQL0yvR6sCApTYpD2qqy9uHtLEDyJo6Do2L6b3HeYne6SdfEoa7u3jaGWw4sgFIE6MZPemf7xFSn2frQEtFWtaFq030B0jZx2mAzTPmx90nKJk79lHe9P1M3cS3AzZYDC6AIAfZXY89BArRHmYi29tdZTN5EvZHD1ShhwLe4DBi/ewtooifAcMuBBVCIAP0bIjECdH3LgLbaHkpPgMRNVBv5j+tx8pCI7a/uAiRu4kqA2y0HFkCBAoy8gHs5Vf13x87UbbV9q3sCLG+i6fyc2ujGyQMidrkR1o1MJm3irgD1lgMLoEABIs4Ax/ModPq2uhcmh50BTgK0F4ntOHnEt2jaqBs7bY8zQD7CBbjUf/q2hte+AV2gy9Dg2CEzQRO9G1DtXTcEyEf0KFC/gFK3dRnCjhsF2veGQZsLjoiBpt5AZMDIDKNADziG3geoT+qX+0ip27rM4mr4EPB1DgMBkjfRP+425Zi4id42hlsOLIAiBAi8EdjMQ/lw9dekbY0IkPzr9CZ0tLWSvImhAImb4E7wAwKnggxmV6Vua0SA5F/nPIT11l0DJG/iugsU0MTvzAV6QNxkwCq0NxsMa+vQG0JPP1WzPUJ2LqRu4rjrXwQHNNHv2jAb9Jaw6eDt0SxLWxcBkjfRbfC0xZDnAc5DrZcx17RN9AXgeYABUQ8EHa/7Jx8j2+oNZSRvotfRCnoirPfMWUgTVxe3PBE2IOaR0Mtzrj0Boh4/7QmQvomzyf0bAkmbuMwFCmmCZ4KfELIoQP+J4IsAQQsQ9AUIaGJ/e3gMWhUiqImb4U1WhQDIAQKANQgA1iAAWIMAYA0CgDUIANYgAFiDAGANAoA1CADWIABYgwBgDQKANQgA1iAAWIMAYA0CgDUIANYgAFiDAGANAoA1CADWIABYgwBgDQKANQgA1iAAWIMAYA0CgDUIANYgAFiDAGANAoA1CADWIABYgwBgDQKANQgA1iAAWIMAYA0CgDUIANYgAFiDAGANAoA1CADWIABYgwBgDQKANQgA1iAAWIMAYA0CgDUIANYgAFiDAGANAoA1CADWIABYgwBq7Hc1X/3U/f23H6q/fv1z9cc3vzafHE//4+NaO7gtEECLw66jLffug3/tBPjyvv3k659X3dONgABSXOp/t/tQf3DsfXAS4Fz/GJAEBFCi7u586H6o673+s67zYyfA7z+23aP6k3cr7+4WQAAljueirg70deEfdr2OT/3T8dw3qty4XCjAXBBAk6q8awH254vdVoX9peqP7dkCloAAitQdnVqAVoOa6hRQCdAbC6o/oQ+0GAQQ49i/xu3Ve/PjaUz05rIYloAAUvTGeGoBmsP+iUaA/r8jQAoQQInuAH+67zV2BugZAUlAACUO58H9swCDawBG/5OCAEJU177dGM/xpEJ9MXw1CtT7AJKAAEJcBOhugJ3vA3R3xi7nCIZBk4AASuzb8j508+E6EU4Xv92t4eYcsN9xIywBCKBEf+bPZcbD1ZhP/wNOAMtBACn2XW3/W9fZvz8blPpPAQJo0ZT3h960oPZ5gN5938YJ7gInAQEKgYkPMSCANJfJcHu6PCEggDTnoR7GfIJAAGn6c384AUSAANocqf9YEECdPWM+kSAAWIMAYA0CgDUIANYgAFiDAGANAoA1CADWIABYgwBgDQKANQgA1iAAWIMAYA0CgDUIANYgAFiDAGANAoA1CADWIABYgwBgDQKANQgA1iAAWIMAYA0CgDUIANYgAFiDAGANAoA1CADWIABYgwBgDQKANQgA1iAAWIMAYA0CgDUIANYgAFiDAGANAoA1CADWIABYgwBgDQKANQgA1iAAWIMAYA0CgDUIANYgAFiDAGANAoA1CADWIABYgwBgDQKANQgA1iAAWIMAYA0CgDUIANYgAFiDAGANAoA1CADWIABYgwBgDQKANQgA1iAAWIMAYA0CgDUIANYgAFiDAGANAoA1CADWIABYgwBgDQKANQgA1iAAWIMAYA0CgDUIANYgAFiDAGANAoA1CADWIABYgwBgDQKANQgA1iAAWIMAYA0CgDUIANYgAFiDAGANAoA1CADWIABYgwBgDQKANQgA1iAAWIMAYA0CgDUIANYgAFiDAGANAoA1CADWIABYgwBgDQKANQgA1iAAWIMAYA0CgDUIANYgAFiDAGANAoA1CADWIABYgwBgDQKANQgA1iAAWIMAYA0CgDUIANYgAFiDAGANAoA1CADWIABYgwBgDQKANQgA1iAAWIMAYA0CgDUIANYgAFiDAGANAoA1CADWIJ6++VAAABy/SURBVABYgwBgDQKANQgA1iAAWIMAYA0CgDUIANYgAFiDAGANAoA1CADWIABYgwBgDQKANQgA1iAAWIMAYA0CgDUIANYgAFiDAGANAoA1CADWIABYgwBgDQKANQgA1iAAWIMAYA0CgDUIANYgAFiDAGANAoA1CADWIABYgwBgDQKANQgA1iAAWIMAYA0CgDUIANYgAFiDAGANAoA1CADWIABYgwBgDQKANQgA1iAAWIMAYA0CgDVCAuyGrL1LsHmEamxEAKG9g20iXWIIANFIlxgCQDTSJYYAEI10iSEARCNdYggA0UiXmJIAQrsCCZHOq4gAjMpuGOmcrl9x3JjYOtIZXbvebqseB7aHdDpXLraRaseArSGdzVVr7V6pY8CmkE7mmqV2/1DPSWBLSKdyvUJ7WOQYsCGkM7lanT0rcQzYDNKJXKvMntc3BmwF6TyuVGWvVDfdoI0gncV1auy10saAbSCdxFVK7OXCxoAtIJ3DlQR4/X9KRw9eQTqFaxTYlDYxoHykM7hCfU2raQwoHukE5i+vqRWNAaUjnb81BJj8C9IRhGdIpy97cc1oEAPKRjp7uWtrVjEjQNFIZy9zbc08mGNAyUgnL7sAM39NOojwEOnc5a2s2a1hQMFIpy5rYS0oYwwoF+nMZRZgnd+FVZHOXM66WtYWBpSKdOJKEkA6kHAX6bxlrKqlTWFAoUinrSAB6AQVinTa8hVVgpYwoEiks1aYANKxhHGkk5atpJI0hAAlIp20XCWV6OCNAQUSnbP9eWHxd9N/OZ8ASpuBnITm7HCzuP5UBzJVVLJmMKA8AlP25f3g9RJf/zxpC+UJgAGlEZex33+8rvjffqj+/s2vUzaRp54StoIAxRGXseOg3GslPk7ZRHECYEBxxCVsP+zwVCeBSZcBWcopaSN0gkojLF/V4f7D4MPDtD5QeQJwCiiNsHxVR/thd+c47TI4RzWlbgMDygIBEMAa9y5Q+iYwoCjcL4IRwJzcw6DDs8IDihQAA4oi842wabeC40spogUEKInAZJ0q/pqvfpq0hTIFwICSCM3V/qb+5SbDxTTA3bCC8J4OHdQAApSDdKqiCyls+xhQDNKZQgCIRjpTwXUUuHkMKIXQRJ0eiendDPj9R6mpEAgAoQLsby9/tQQI3ToGFEJgni4DQN1JAAFAjbg81f2fej7o4WKAkQAYUAiRk+Ha+771nIjGACkByr3AgIREToc+9/33rQFOAmBAGeR5IKY1AAFAjUxPhO1PY0FKAhQ60Q4Sk0mA5lEABAA1slwDvLVrAgkJUOLjxhBAXI4O16tgfXm/++p/EADEiL0P0H8A8jh9ddDCBcCAAghM0eHmKYCjkADlLboIMUSmqDagfw6ozwlWAmCAPqEZGqwNdBARoLA3b0Ac0hkqXgAMkEc6QQgA0Vg+FF/SC7ghltD8qL4jDAGgIzA/U98RNvjfYevr5KxKDNAm89KIjxaHziZA1ppEAG1yL46r8I6wvDWJAdI4Lo+OAHAmcjao6AsyclckBiiT6XmAFolXJCEAXECAeDBAGL8uUP5yRABh/C6CVyhHDNAl9zDo6u8IW6MYEUCXzDfC1n9H2CrFiAGyBGZG8x1hCAB9QjOj+I6wdWoRA1Rxmw69UiUigCrSidmOABiginReEACikc5L+qpZrw4xQBPptCAARJM1LV/erz0XaMUyxABJvARYswgRQBIEyAYGKCKdFASAaKSTkrpkVi5BDBBEOicIANFI52RjAqzePgxxmgu0ev2tvgMwwGlpxNXrb/UdgAFCSyMO2ZoAAnsANwgtjTgEASAao6URFapPYR+gj9GqEArFp7AP0MdoXSCJ4pPYCbjgszKcRulp7AWcQYDMiOwGtPh0gUQqT2Q3oMXnIlil8lT2A07YLI0oU3cyOwI1NksjytSdzI5Ajc3SiDJ1t/unyp7Am8/SiDL1jwBauEyHVhIAA4SQzgUCQDTSuUhXtTr1XwuAATpIpwIBIBrpVCAARCOdis0KgAEySGciWdkK1T8CaCGdie0KgAEqSCcCASAa6UQgAEQjnYhUdatU/60AGCCCdB4QAKKRzsOWBcAADaTTkKhwpeofAbSQTsOmBcAACaSzgAAQjXQWti0ABiggnYQ0latV/wighXQSNi4ABgggnQMEgGikc5CkdMXqHwG0kM7B1gXAgPWRTgECQDTSKdi8ABiwOtIZSFG7avWPAFpIZ2D7AmDA2kgnAAEgGukEGAiAASsjHf8ExStX/wighXT8HQTAgHWRDj8CQDTS4UcAiGYY/t/+fcqLHENZXr169T8QAANWZUSAH2a9zCICBIBoxgXYTXydYxAeAmDAmowF/9C+1Gj4pvfMIABEcyf47au9pr3VNDmLy1ew/kcEwIAVuRv702t+d4OXXWcFASCaR7HvXvS72iUxAkA0T2LfngcmvuB65q6MsHSLafYsKSMCYMB6PAz94VKJGc4CCAD5uR/6w/k6+HQaWGNY1EYADFiNO5G/GQmtrgbWGBBCAIjm0X2A3kF/X6IAkvWPAFrcvRN8NfxZdYLWGA71EQAD1mJcgCyjPs9BAIhmTIDVp0B0GAmAASshHfdlFaxZ/wigxdgZ4KoDtF9xMoSTABiwDi8IsN6MOASAaJ4JsNIdgAYrATBgFa6ifridibDyfNBFJSxa/wigxVXUu+mf16z3bJiXABiwBtdBP0rVPwJAOE8vgtcEASCazQqgWv8PBMCAFZCOOQJANNIxdxMAA/LTD3k9CPRxOBRU5n0ABIBX2KoAsvX/UAAMyA4C5AYBpJCOuJ8AGJAb6YAjAEQjHXBDATAgM4/i/eX9uisjLqhi3fpHAC1G4/3bD3Xd1/W/7uPBCADRjMX7eFkOa9VBIEsBMCAvI+Guj/zVcb/6o6r9Q5nToREAXmMk3IdmJdC29Pcrvi9pdhkL1/9TATAgK8Not4tgVX+cuv/HEm+EIQC8yOjCWB/fLg8DI0BingqAATm5K8CxXRIdARKDAFLcFWDfLg19KPCheOX6RwAtRq8BPlwuASodyrsILlwADMjISKz3dekfmpvA9ZDoekuFIgBEc+c+QPtyjP2qywLZCoAB+RgL9eG8HtZh3VcFzyxk6fpHAC1GQ10vD9QOAa26VDoCQDTSobYVAAOyER3p/fnJyhmDSQgA0YRG+nax3akOzKtk7fp/TQAMyMVooLtxoGXzoa+3MmdTCADR3B8FWirA6XmC3u+eVpuYNqZqLAAGZGIkzrdLRM8U4Dgo91qJSaNKCADRjN4JTjL4P/JupanzKpwFwIA8jM4FSlH/zZSiGybOrJtVyuL1jwBajM4GTfEQZDup9JqJc6utBcCALCBAbhBAinvToRdDF+gOLwuAATkYfSg+yQTQtS6CEQAmMBLkRH2g8WHQSVueU8vq9T9BAAzIwFiMv7xPcQ4YvRE2bXwJASCa0YvgNO8HGHnr8MR1FhEAogkUoD8VNN9kuC0JgAHxhArwln86tHz9I4AW0iFGgLV3dvtIh9heAAwIRzrCCCD/bYrnToTrC4F6daBVXxCDAAgQzmiEm+vgZnmsNZeFmF7N+vU/TQAMiGYswO04UCVAPYazogEIgADRjAS4voX7za9f3td3rRI9HDMTBMCAaMYfifxQz4c43bad/YqkkfvAk28qIAACRDP6SGSzLO5JgPZ9MdNZRYAC6n+qABgQy93nAVoBqlPAzD7QyKooCPCGAGKMToWor3s7Aea/IaY+ByybV40AGBBNoAD1lpa9ZhsBECCap12g/YJnA5Y+WIAAGBDN6EVwfcxvBVj2iqSFN9Km1nMJ9Y8AWowPg77rBJi8mNs1lT5LTgEIgADRjAX3dPfrJEC9SuiiTsyyUwACYEA0D6ZCJHgcZiEIgADRjMb29Dz7+vWPABgQzp3QtgqsWv6TC7qI+kcALaRDiwAYEE10ZHM+FI8AMJnQyGZ+R9iGBcCAKAIDO/UdYWNz56a0V0b9I4AW/cCmmMF8YfI7whAAA/ITJ0D2d4RtXIAyvl1xxAmQfXn0QkpkpgCcAmIYC+vxvIptrcTMqQz5X5CxcQEwIISRqFYXr5fSPc6d0p/9FUmF1D8CaDE6Hfrd3b+9DgLcYbYAGBDB3SfCOuY+EZa9C4QAMIMwAbJfBG9fAAwIYPSRyOsu0MwHAjK/I6yU+kcALUavAXqngMOsSTw1md8R5iAABqRnfBSoK9T6x9kLO+R9RxgCwBzGQno9h23BI4053xFmIQAGJGc0osfZx+wB2aZDIwDM4U5E2+5LOU+EFVP/ywTAgNRIBxQBECAa6YAiAAZEIx1PBECAaLLG88v7sLlANgJgQFo2IkA59Y8AWiBAbpYKgAFJkY4mAowKUM53LQDpYCIAp4BopIP5clkXVP8JBMCAhEjHEgEQIJptLI1oJgAGpGMbSyMiAMxEaGnEIQiAAdHERXLy0ohDXq3rkuofAbSIi2TGpRH9BMCAVMQFMuOqEI4ClPSVlQmLY851gYqqhjQCcApIRFgcM64MV1T9pxIAA9KAALlBACm20AXyFAADkrCFi2AEgNnkHgaNWBrRVAAMSEHmG2ERSyOWVf8IoEVgEHMtjWgrAAYkIDSGeZZGNBagrG8uyQamQxdWBgkF4BSwHOkQIgAGRCMdwZdKu7D6RwAtpCOIABgQjXQAEQADopGOHwIgQDTS8UMADIhGOnyv1HZp9Z9egNICoIV09BDgJQPW/kZFIx09BMCAaKSDhwAIEI108BAAA6KRjt0LxV1c/UcIgAHzkQ4dAiBANNKhQwAMiEY6cgjwsgDFhUEF6cAhwOsGrP21SkU6cM+ru7z6DxIAA2YiHTcEQIBopOOGABgQjXTYEAADopGOGgIgQDTSUXta3gXWf5wAGDAH6aAhwDQBCozG6kjHDAEmGrD2dysQ6ZghAAZEIx0yBMCAaKQj9qy+S6z/YAFKjMiqSAcMAaYbsPbXKw3pgCEABkQjHS8EmCFAiTFZEelwIcAcA9b+gmUhHa4nBV5k/YcLgAGTkI4WAmBANNLBQoB5AhQZl5WQjhUCzDRg7e9YENKxQgAMiEY6VI8rvMz6zyNAmaFZA+lIIQAGRCMUqMFrtXcIMN+Atb9mKQgFCgEwID/ScUIADIhGOkwPS7zQ+s8mAAa8hHSUEGCRAIUGKC/SQUIADIhGOkYIsNCAtb9rAUjHCAEwIBrpECEABkQjHSEEqPj7n+sbIn/4a/f3//3Py22S75uPPlU/fnv+hV92f/obBryKdIAe1Xip9T9RgH/8pSv2P/7X7SetAK0R3b9Xf/3+8vvFhikX0vFBgH61txX+y+5GgM/16aH6j992J4Bv+1soNk6ZkA4PAnyuqvy7+odLL+fzrn+EPx3xvzvVfdNL+sdfLr2lxoC1v7A20uGxF6A+AXx/VqE5BXw6d3YaqmuE75v/2p4Pvr3ZSKmByoN0dOwF+OVycVv39L9v/uxd454EOB3yKwG+++fICQADHiMdHHsBPrcdoJpPu+5If32IvxZgeALAgIdIx+ZBkRdb/7PvA3xqOvnVSeH706Vxd6Rvu0DNH//4y3X/qBWg2GDFIx0aBLhQFf2p6/N594f/144BNV2hq4vgT5czBga8hHRkEODC595w0O7KgNOwUNMz+vufx04AGPAA6cAgwJmqh3Mq9/pauOn8/NKNkPZuhN05AWDAfaTjggC9+m+O7dWRvtf5b4/3n9ubBM0J4DR34vvbLZQbsFikw4IALb/sdiN9m0+3df6p/nt7p3gwGFRuxEKRjsr9nBWczRkCjNf/1SBp89+qXlJzsXx7uxgD7iEdFAQ48Wl3c+/r4kVfgGYWXDsl4tPI/YCCgxaHdEwQoKnrsZtbQwGaadCfu9HSkXNGwVELQzokCNBc0t4Z2rnu57TToD81Avwy2mkqOGxRSEcEAer6v5rc0+v3VxXf/6d2EsSnB2cADBgiHRAE6I16noXoKvuXq65RNwvuURcIA4ZIx+NutkpO4xQBuimg1580pf15N3YCaC+Cq/82ft2AATdIh8NegP7TX+3dreYR4YbetcF5GvT9YVAMGEM6Gu4C9J9/Pz8BeTGgX+KXadDtv9+bE4EB10gHw12A/hPBvYr/ZXirtz8L7vRb947/GHCDdCzcBQij4PClRjoU9+q85PqXEICTwBnpQCBAGEWHMCXScUCAOIqOYUKkw4AAkZQcxHRIRwEBQik6jKmQjsGdDJWdOB0BMOANAfIjJAAGxAuwP9/FeTf9lxEgnKJDmYLQAByub2ROdgAB4ik7mMsJ/Ppf3u9u+frnSVtAgAyUHc3FxH3733+8rvjffqj+/s2vUzYxnpvCM6YmQGVA2QFdRtx3Pw7KvVbi45RNIEAeCo/oIuK++n7Y4alOApMuAxAgF4XHdAFhX7w63H8YfHiY1gdCgGzY9oPCvnZ1tB92d47TLoMRIBs7VwPKE6D0RIkK8GaqQHldoNLTpCqAqQHlXQSXniVZATwVyD0MOjwrPAABstEE1dCAzDfCpt0KRoBsdEG1UyDw254q/pqvfpq0hbFcFJ8fbQHsDAj9svub+k80Ga5sxAVwU6DE6dBlIy/AyYAtRn4U6S+6yTToC9AqsMXgD5H+lpvMQQkCGClAFyg3ZQjw5nItUOITYWVTjAAeCpT4RFjZFCSAw+VwgU+EFU5JAhhcCxT4RFjhlCVAp8BmLShvMlzplCbA28WBXCHKSXnToUunQAGa/d6mA+U9EFM6pQqwUQUQIDflCvC2RQfoAuWmaAG2d03MRXBuChfgrefAFvJT3hNhpVO+AM3X2IgF5T0RVjobEaD5LuVbUNwTYcWzJQGaL1S0BTwRlpvNCdB8q1ItYDp0brYpQPPVbkixzWikd7KMEE5kwwI032+MZFtPjvCuIUBGIiJdhAp0gXLjI0DvOz8ktOmnuxa5cZ4IG8FRgN63n0KWHYrb9NQnwuQODjF4CzAWkI0KMPmJMBcBFL+U5E5lQfqJMIBopCfDAUQjPR0aIBrpB2IAokEAsIYuEFjDRTBYI/1EGEA00k+EAUQj/UQYQDTST4QBRCM9HRogGttJUAA1ZQlwf+YsbJAsJZWjkUSsnQ/ITJaiytFIIiZHZHoITZuQ3KkNCvDl/aIbAdvIkmITkjuFALdsI0uKTUjuFALcso0sKTYhuVMbFGAh28iSYhOSO4UAt2wjS4pNSO4UAtyyjSwpNiG5UwhwyzaypNiE5E5tQ4CUc4G2kSXFJiR3agMCLF0a8YZtZEmxCcmdKl6AqUsjPmUbWVJsQnKnShdg8tKIT9lGlhSbkNyp0gVIvzTiNrKk2ITkTpUuQPpVIbaRJcUmJHeqcAEC1gXaRpYUm5DcqcIFCFgZbhtZUmxCcqcQ4JZtZEmxCcmdKlwAukAFNSG5U4ULwEVwQU1I7lTpArA0IhRA5hthLI0IWgSeZlgaEfQJ7WexNCKoE32hwdKIIE2WK20AVRAArEEAsAYBwBoEAGsQAKxBALAGAcAaBABrEACsQQCwBgHAGgQAaxAArEEAsAYBwBoEAGsQAKxBALAGAcAaBABrEACsKUaAZpmtiJUVm3eZ9dfsimmraueyXnb6Jo6nxWd6K3Inb6IJVH95m5RN/PZDf9nA4ZaDCqAUAbr1hZKvLXdZv+4c/5i26obO5Zm8ifMbCcO+xWmpy2vJUjZRbb4nwHDLUQVQiACXF64mXl20v35ju+mgtva90kneRO+NnO2KxMmb6C3z136NpE3s+1sZbjmsAMoQoM5vndj6NJ92hblDd1rdd5sOauvYq5zkTdQanwr//HWSN9FtqG6qqcGUTVyvpDzcclwBlCHAvheIpOfAXr/k0GYgpq3mTNM2lbyJw/nA3y1Kn7yJfdf/PocsYRPNCazfe7vZclgBlCFAFfPeqTDxlWN3QGlf4hrTVt3D/e9OgORNVFvvqqL9Mf232J+baDeYronTweFfLtcAwy3HFUAZAlTav7v8uOhl2zf0w7k/FWhMW1U7Hw+dAMmb6G1w+Emib3ElwMekTdT9to+9i+DhluMKoAwBemV6PViQlCbFIW1VWfvwdhYgeRPHwVEx/bc4b7E73aRr4lBXd28bwy0HFkApAnTjJ72zfWKq02x9aIloq9pQtem+AGmbOG2wGab82PskZROnfsq73p+pm7gW4GbLgQVQhAD7q7HnIAHao0xEW/vrLCZvot7I4WqUMOBbXAaM370FNNETYLjlwAIoRID+DZEYAbq+ZUBbbQ+lJ0DiJqqN/Mf1OHlIxPZXdwESN3ElwO2WAwugQAFGXsC9nKr+u2Nn6rbavtU9AZY30XR+Tm104+QBEbvcCOtGJpM2cVeAesuBBVCgABFngON5FDp9W90Lk8POACcB2ovEdpw84ls0bdSNnbbHGSAf4QJc6j99W8Nr34Au0GVocOyQmaCJ3g2o9q4bAuQjehSoX0Cp27oMYceNAu17w6DNBUfEQFNvIDJgZIZRoAccQ+8D1Cf1y32k1G1dZnE1fAj4OoeBAMmb6B93m3JM3ERvG8MtBxZAEQIE3ghs5qF8uPpr0rZGBEj+dXoTOtpaSd7EUIDETXAn+AGBU0EGs6tStzUiQPKvcx7CeuuuAZI3cd0FCmjid+YCPSBuMmAV2psNhrV16A2hp5+q2R4hOxdSN3Hc9S+CA5rod22YDXpL2HTw9miWpa2LAMmb6DZ42mLI8wDnodbLmGvaJvoC8DzAgKgHgo7X/ZOPkW31hjKSN9HraAU9EdZ75iykiauLW54IGxDzSOjlOdeeAFGPn/YESN/E2eT+DYGkTVzmAoU0wTPBTwhZFKD/RPBFgKAFCPoCBDSxvz08Bq0KEdTEzfAmq0IA5AABwBoEAGsQAKxBALAGAcAaBABrEACsQQCwBgHAGgQAaxAArEEAsAYBwBoEAGsQAKxBALAGAcAaBABrEACsQQCwBgHAGgQAaxAArEEAsAYBwBoEAGsQAKxBALAGAcAaBABrEACsQQCwBgHAGgQAaxAArEEAsAYBwBoEAGsQAKxBALAGAcAaBABrEACsQQCwBgHAGgQAaxAArEEAsAYBwBoEAGsQAKxBALAGAcAaBABrEACsQQCwBgHAGgQAaxAArEEANfa7mq9+6v7+2w/VX7/+ufrjm1+bT46n//FxrR3cFgigxWHX0ZZ798G/dgJ8ed9+8vXPq+7pRkAAKS71v9t9qD849j44CXCufwxIAgIoUXd3PnQ/1PVe/1nX+bET4Pcf2+5R/cm7lXd3CyCAEsdzUVcH+rrwD7tex6f+6XjuG1VuXC4UYC4IoElV3rUA+/PFbqvC/lL1x/ZsAUtAAEXqjk4tQKtBTXUKqATojQXVn9AHWgwCiHHsX+P26r358TQmenNZDEtAACl6Yzy1AM1h/0QjQP/fESAFCKBEd4A/3fcaOwP0jIAkIIASh/Pg/lmAwTUAo/9JQQAhqmvfbozneFKhvhi+GgXqfQBJQAAhLgJ0N8DO9wG6O2OXcwTDoElAACX2bXkfuvlwnQini9/u1nBzDtjvuBGWAARQoj/z5zLj4WrMp/8BJ4DlIIAU+662/63r7N+fDUr9pwABtGjK+0NvWlD7PEDvvm/jBHeBk4AAhcDEhxgQQJrLZLg9XZ4QEECa81APYz5BIIA0/bk/nAAiQABtjtR/LAigzp4xn0gQAKxBALAGAcAaBABrEACsQQCwBgHAGgQAaxAArEEAsAYBwBoEAGsQAKxBALAGAcAaBABrEACsQQCwBgHAGgQAaxAArEEAsAYBwBoEAGsQAKxBALAGAcAaBABrEACsQQCwBgHAGgQAaxAArEEAsAYBwBoEAGsQAKxBALAGAcAaBABrEACsQQCwBgHAmv8DU6BCHSwisvUAAAAASUVORK5CYII="/>
-          <p:cNvSpPr>
-            <a:spLocks noChangeAspect="1" noChangeArrowheads="1"/>
-          </p:cNvSpPr>
-          <p:nvPr/>
-        </p:nvSpPr>
-        <p:spPr bwMode="auto">
-          <a:xfrm>
-            <a:off x="155575" y="-1752600"/>
-            <a:ext cx="3657600" cy="3657600"/>
-          </a:xfrm>
-          <a:prstGeom prst="rect">
-            <a:avLst/>
-          </a:prstGeom>
-          <a:noFill/>
-          <a:extLst>
-            <a:ext uri="{909E8E84-426E-40DD-AFC4-6F175D3DCCD1}">
-              <a14:hiddenFill xmlns:a14="http://schemas.microsoft.com/office/drawing/2010/main">
-                <a:solidFill>
-                  <a:srgbClr val="FFFFFF"/>
-                </a:solidFill>
-              </a14:hiddenFill>
-            </a:ext>
-          </a:extLst>
-        </p:spPr>
-        <p:txBody>
-          <a:bodyPr vert="horz" wrap="square" lIns="91440" tIns="45720" rIns="91440" bIns="45720" numCol="1" anchor="t" anchorCtr="0" compatLnSpc="1">
-            <a:prstTxWarp prst="textNoShape">
-              <a:avLst/>
-            </a:prstTxWarp>
-          </a:bodyPr>
-          <a:lstStyle/>
-          <a:p>
-            <a:endParaRPr lang="en-US"/>
-          </a:p>
-        </p:txBody>
-      </p:sp>
       <p:pic>
         <p:nvPicPr>
-          <p:cNvPr id="1028" name="Picture 4"/>
+          <p:cNvPr id="6" name="Picture 5">
+            <a:extLst>
+              <a:ext uri="{FF2B5EF4-FFF2-40B4-BE49-F238E27FC236}">
+                <a16:creationId xmlns:a16="http://schemas.microsoft.com/office/drawing/2014/main" id="{DF5B11FF-079A-45F3-8B62-B6AA3DD70891}"/>
+              </a:ext>
+            </a:extLst>
+          </p:cNvPr>
           <p:cNvPicPr>
-            <a:picLocks noChangeAspect="1" noChangeArrowheads="1"/>
+            <a:picLocks noChangeAspect="1"/>
           </p:cNvPicPr>
           <p:nvPr/>
         </p:nvPicPr>
         <p:blipFill>
-          <a:blip r:embed="rId2" cstate="print">
-            <a:extLst>
-              <a:ext uri="{28A0092B-C50C-407E-A947-70E740481C1C}">
-                <a14:useLocalDpi xmlns:a14="http://schemas.microsoft.com/office/drawing/2010/main" val="0"/>
-              </a:ext>
-            </a:extLst>
-          </a:blip>
-          <a:srcRect/>
+          <a:blip r:embed="rId2"/>
           <a:stretch>
             <a:fillRect/>
           </a:stretch>
         </p:blipFill>
-        <p:spPr bwMode="auto">
-          <a:xfrm>
-            <a:off x="4724400" y="2145792"/>
-            <a:ext cx="3048000" cy="4064000"/>
-          </a:xfrm>
-          <a:prstGeom prst="rect">
-            <a:avLst/>
-          </a:prstGeom>
-          <a:noFill/>
-          <a:ln>
-            <a:noFill/>
-          </a:ln>
-          <a:extLst>
-            <a:ext uri="{909E8E84-426E-40DD-AFC4-6F175D3DCCD1}">
-              <a14:hiddenFill xmlns:a14="http://schemas.microsoft.com/office/drawing/2010/main">
-                <a:solidFill>
-                  <a:schemeClr val="accent1"/>
-                </a:solidFill>
-              </a14:hiddenFill>
-            </a:ext>
-            <a:ext uri="{91240B29-F687-4F45-9708-019B960494DF}">
-              <a14:hiddenLine xmlns:a14="http://schemas.microsoft.com/office/drawing/2010/main" w="9525">
-                <a:solidFill>
-                  <a:schemeClr val="tx1"/>
-                </a:solidFill>
-                <a:miter lim="800000"/>
-                <a:headEnd/>
-                <a:tailEnd/>
-              </a14:hiddenLine>
-            </a:ext>
-          </a:extLst>
-        </p:spPr>
-      </p:pic>
-      <p:pic>
-        <p:nvPicPr>
-          <p:cNvPr id="10" name="Picture 2"/>
-          <p:cNvPicPr>
-            <a:picLocks noChangeAspect="1" noChangeArrowheads="1"/>
-          </p:cNvPicPr>
-          <p:nvPr/>
-        </p:nvPicPr>
-        <p:blipFill>
-          <a:blip r:embed="rId3">
-            <a:extLst>
-              <a:ext uri="{28A0092B-C50C-407E-A947-70E740481C1C}">
-                <a14:useLocalDpi xmlns:a14="http://schemas.microsoft.com/office/drawing/2010/main" val="0"/>
-              </a:ext>
-            </a:extLst>
-          </a:blip>
-          <a:srcRect/>
-          <a:stretch>
-            <a:fillRect/>
-          </a:stretch>
-        </p:blipFill>
-        <p:spPr bwMode="auto">
-          <a:xfrm>
-            <a:off x="4724400" y="2209800"/>
-            <a:ext cx="3048000" cy="4067175"/>
-          </a:xfrm>
-          <a:prstGeom prst="rect">
-            <a:avLst/>
-          </a:prstGeom>
-          <a:noFill/>
-          <a:ln>
-            <a:noFill/>
-          </a:ln>
-          <a:effectLst/>
-          <a:extLst>
-            <a:ext uri="{909E8E84-426E-40DD-AFC4-6F175D3DCCD1}">
-              <a14:hiddenFill xmlns:a14="http://schemas.microsoft.com/office/drawing/2010/main">
-                <a:solidFill>
-                  <a:schemeClr val="accent1"/>
-                </a:solidFill>
-              </a14:hiddenFill>
-            </a:ext>
-            <a:ext uri="{91240B29-F687-4F45-9708-019B960494DF}">
-              <a14:hiddenLine xmlns:a14="http://schemas.microsoft.com/office/drawing/2010/main" w="9525">
-                <a:solidFill>
-                  <a:schemeClr val="tx1"/>
-                </a:solidFill>
-                <a:miter lim="800000"/>
-                <a:headEnd/>
-                <a:tailEnd/>
-              </a14:hiddenLine>
-            </a:ext>
-            <a:ext uri="{AF507438-7753-43E0-B8FC-AC1667EBCBE1}">
-              <a14:hiddenEffects xmlns:a14="http://schemas.microsoft.com/office/drawing/2010/main">
-                <a:effectLst>
-                  <a:outerShdw dist="35921" dir="2700000" algn="ctr" rotWithShape="0">
-                    <a:schemeClr val="bg2"/>
-                  </a:outerShdw>
-                </a:effectLst>
-              </a14:hiddenEffects>
-            </a:ext>
-          </a:extLst>
-        </p:spPr>
-      </p:pic>
-      <p:sp>
-        <p:nvSpPr>
-          <p:cNvPr id="11" name="Text Placeholder 5"/>
-          <p:cNvSpPr>
-            <a:spLocks noGrp="1"/>
-          </p:cNvSpPr>
-          <p:nvPr>
-            <p:ph type="body" sz="quarter" idx="4294967295"/>
-          </p:nvPr>
-        </p:nvSpPr>
         <p:spPr>
           <a:xfrm>
-            <a:off x="457200" y="1600200"/>
-            <a:ext cx="8229600" cy="533400"/>
+            <a:off x="457714" y="1143285"/>
+            <a:ext cx="8228571" cy="4571429"/>
           </a:xfrm>
           <a:prstGeom prst="rect">
             <a:avLst/>
           </a:prstGeom>
         </p:spPr>
-        <p:txBody>
-          <a:bodyPr/>
-          <a:lstStyle/>
-          <a:p>
-            <a:r>
-              <a:rPr lang="en-US" dirty="0"/>
-              <a:t>Two mortality probabilities</a:t>
-            </a:r>
-          </a:p>
-        </p:txBody>
-      </p:sp>
+      </p:pic>
     </p:spTree>
     <p:extLst>
       <p:ext uri="{BB962C8B-B14F-4D97-AF65-F5344CB8AC3E}">
-        <p14:creationId xmlns:p14="http://schemas.microsoft.com/office/powerpoint/2010/main" val="3755644033"/>
+        <p14:creationId xmlns:p14="http://schemas.microsoft.com/office/powerpoint/2010/main" val="1007137956"/>
       </p:ext>
     </p:extLst>
   </p:cSld>
@@ -10756,58 +11355,57 @@
           <a:p>
             <a:r>
               <a:rPr lang="en-US" dirty="0"/>
-              <a:t>What is a hazard function?</a:t>
-            </a:r>
-          </a:p>
-        </p:txBody>
-      </p:sp>
-      <p:sp>
-        <p:nvSpPr>
-          <p:cNvPr id="7" name="Content Placeholder 6"/>
-          <p:cNvSpPr>
-            <a:spLocks noGrp="1"/>
-          </p:cNvSpPr>
-          <p:nvPr>
-            <p:ph sz="half" idx="2"/>
-          </p:nvPr>
-        </p:nvSpPr>
-        <p:spPr/>
-        <p:txBody>
-          <a:bodyPr/>
-          <a:lstStyle/>
-          <a:p>
-            <a:pPr marL="0" indent="0"/>
+              <a:t>Defining the hazard function</a:t>
+            </a:r>
+          </a:p>
+        </p:txBody>
+      </p:sp>
+      <p:sp>
+        <p:nvSpPr>
+          <p:cNvPr id="3" name="Text Placeholder 2"/>
+          <p:cNvSpPr>
+            <a:spLocks noGrp="1"/>
+          </p:cNvSpPr>
+          <p:nvPr>
+            <p:ph type="body" idx="1"/>
+          </p:nvPr>
+        </p:nvSpPr>
+        <p:spPr/>
+        <p:txBody>
+          <a:bodyPr/>
+          <a:lstStyle/>
+          <a:p>
             <a:r>
               <a:rPr lang="en-US" dirty="0"/>
-              <a:t>Now these are interesting probabilities, but they are not directly comparable for two reasons.</a:t>
-            </a:r>
-          </a:p>
-          <a:p>
-            <a:pPr marL="914400" lvl="1" indent="-457200">
-              <a:buFont typeface="+mj-lt"/>
+              <a:t>Three problems with these comparisons</a:t>
+            </a:r>
+          </a:p>
+          <a:p>
+            <a:pPr marL="457200" indent="-457200">
               <a:buAutoNum type="arabicPeriod"/>
             </a:pPr>
             <a:r>
               <a:rPr lang="en-US" dirty="0"/>
-              <a:t>The probabilities are over different time frames.</a:t>
-            </a:r>
-          </a:p>
-          <a:p>
-            <a:pPr marL="914400" lvl="1" indent="-457200">
-              <a:buFont typeface="+mj-lt"/>
+              <a:t>The number of people alive at age 20 is much larger than the number of people alive at age 40.</a:t>
+            </a:r>
+          </a:p>
+          <a:p>
+            <a:pPr marL="457200" indent="-457200">
               <a:buAutoNum type="arabicPeriod"/>
             </a:pPr>
             <a:r>
               <a:rPr lang="en-US" dirty="0"/>
-              <a:t>The probabilities should be adjusted to account for the smaller number of survivors at the older ages.</a:t>
-            </a:r>
-          </a:p>
-          <a:p>
-            <a:pPr>
-              <a:buFont typeface="Arial" panose="020B0604020202020204" pitchFamily="34" charset="0"/>
-              <a:buChar char="•"/>
-            </a:pPr>
-            <a:endParaRPr lang="en-US" dirty="0"/>
+              <a:t>The probabilities are measured across different time ranges.</a:t>
+            </a:r>
+          </a:p>
+          <a:p>
+            <a:pPr marL="457200" indent="-457200">
+              <a:buAutoNum type="arabicPeriod"/>
+            </a:pPr>
+            <a:r>
+              <a:rPr lang="en-US" dirty="0"/>
+              <a:t>The probabilities are quite heterogenous across the time intervals.</a:t>
+            </a:r>
           </a:p>
         </p:txBody>
       </p:sp>
@@ -10881,113 +11479,22 @@
       </p:sp>
       <p:sp>
         <p:nvSpPr>
-          <p:cNvPr id="6" name="Content Placeholder 5"/>
-          <p:cNvSpPr>
-            <a:spLocks noGrp="1"/>
-          </p:cNvSpPr>
-          <p:nvPr>
-            <p:ph sz="quarter" idx="4"/>
-          </p:nvPr>
-        </p:nvSpPr>
-        <p:spPr/>
-        <p:txBody>
-          <a:bodyPr/>
-          <a:lstStyle/>
-          <a:p>
-            <a:endParaRPr lang="en-US"/>
-          </a:p>
-        </p:txBody>
-      </p:sp>
-      <p:pic>
-        <p:nvPicPr>
-          <p:cNvPr id="2050" name="Picture 2"/>
-          <p:cNvPicPr>
-            <a:picLocks noChangeAspect="1" noChangeArrowheads="1"/>
-          </p:cNvPicPr>
-          <p:nvPr/>
-        </p:nvPicPr>
-        <p:blipFill>
-          <a:blip r:embed="rId2">
-            <a:extLst>
-              <a:ext uri="{28A0092B-C50C-407E-A947-70E740481C1C}">
-                <a14:useLocalDpi xmlns:a14="http://schemas.microsoft.com/office/drawing/2010/main" val="0"/>
-              </a:ext>
-            </a:extLst>
-          </a:blip>
-          <a:srcRect/>
-          <a:stretch>
-            <a:fillRect/>
-          </a:stretch>
-        </p:blipFill>
-        <p:spPr bwMode="auto">
-          <a:xfrm>
-            <a:off x="4724400" y="2209800"/>
-            <a:ext cx="3048000" cy="4067175"/>
-          </a:xfrm>
-          <a:prstGeom prst="rect">
-            <a:avLst/>
-          </a:prstGeom>
-          <a:noFill/>
-          <a:ln>
-            <a:noFill/>
-          </a:ln>
-          <a:effectLst/>
-          <a:extLst>
-            <a:ext uri="{909E8E84-426E-40DD-AFC4-6F175D3DCCD1}">
-              <a14:hiddenFill xmlns:a14="http://schemas.microsoft.com/office/drawing/2010/main">
-                <a:solidFill>
-                  <a:schemeClr val="accent1"/>
-                </a:solidFill>
-              </a14:hiddenFill>
-            </a:ext>
-            <a:ext uri="{91240B29-F687-4F45-9708-019B960494DF}">
-              <a14:hiddenLine xmlns:a14="http://schemas.microsoft.com/office/drawing/2010/main" w="9525">
-                <a:solidFill>
-                  <a:schemeClr val="tx1"/>
-                </a:solidFill>
-                <a:miter lim="800000"/>
-                <a:headEnd/>
-                <a:tailEnd/>
-              </a14:hiddenLine>
-            </a:ext>
-            <a:ext uri="{AF507438-7753-43E0-B8FC-AC1667EBCBE1}">
-              <a14:hiddenEffects xmlns:a14="http://schemas.microsoft.com/office/drawing/2010/main">
-                <a:effectLst>
-                  <a:outerShdw dist="35921" dir="2700000" algn="ctr" rotWithShape="0">
-                    <a:schemeClr val="bg2"/>
-                  </a:outerShdw>
-                </a:effectLst>
-              </a14:hiddenEffects>
-            </a:ext>
-          </a:extLst>
-        </p:spPr>
-      </p:pic>
-      <p:sp>
-        <p:nvSpPr>
-          <p:cNvPr id="9" name="Text Placeholder 5"/>
-          <p:cNvSpPr>
-            <a:spLocks noGrp="1"/>
-          </p:cNvSpPr>
-          <p:nvPr>
-            <p:ph type="body" sz="quarter" idx="4294967295"/>
-          </p:nvPr>
-        </p:nvSpPr>
-        <p:spPr>
-          <a:xfrm>
-            <a:off x="457200" y="1600200"/>
-            <a:ext cx="8229600" cy="533400"/>
-          </a:xfrm>
-          <a:prstGeom prst="rect">
-            <a:avLst/>
-          </a:prstGeom>
-        </p:spPr>
+          <p:cNvPr id="6" name="Text Placeholder 5"/>
+          <p:cNvSpPr>
+            <a:spLocks noGrp="1"/>
+          </p:cNvSpPr>
+          <p:nvPr>
+            <p:ph type="body" sz="quarter" idx="12"/>
+          </p:nvPr>
+        </p:nvSpPr>
+        <p:spPr/>
         <p:txBody>
           <a:bodyPr/>
           <a:lstStyle/>
           <a:p>
             <a:r>
               <a:rPr lang="en-US" dirty="0"/>
-              <a:t>An unfair comparison?</a:t>
+              <a:t>Are you comparing apples and oranges?</a:t>
             </a:r>
           </a:p>
         </p:txBody>
@@ -10995,7 +11502,7 @@
     </p:spTree>
     <p:extLst>
       <p:ext uri="{BB962C8B-B14F-4D97-AF65-F5344CB8AC3E}">
-        <p14:creationId xmlns:p14="http://schemas.microsoft.com/office/powerpoint/2010/main" val="3569251167"/>
+        <p14:creationId xmlns:p14="http://schemas.microsoft.com/office/powerpoint/2010/main" val="1304149815"/>
       </p:ext>
     </p:extLst>
   </p:cSld>
@@ -11039,65 +11546,59 @@
           <a:p>
             <a:r>
               <a:rPr lang="en-US" dirty="0"/>
-              <a:t>What is a hazard function?</a:t>
-            </a:r>
-          </a:p>
-        </p:txBody>
-      </p:sp>
-      <p:sp>
-        <p:nvSpPr>
-          <p:cNvPr id="7" name="Content Placeholder 6"/>
-          <p:cNvSpPr>
-            <a:spLocks noGrp="1"/>
-          </p:cNvSpPr>
-          <p:nvPr>
-            <p:ph sz="half" idx="2"/>
-          </p:nvPr>
-        </p:nvSpPr>
-        <p:spPr/>
-        <p:txBody>
-          <a:bodyPr/>
-          <a:lstStyle/>
-          <a:p>
-            <a:pPr marL="0" indent="0"/>
-            <a:r>
-              <a:rPr lang="en-US" sz="2000" dirty="0"/>
-              <a:t>To adjust for different time intervals.</a:t>
-            </a:r>
-          </a:p>
-          <a:p>
-            <a:pPr marL="514350" indent="-457200">
-              <a:buFont typeface="+mj-lt"/>
+              <a:t>Defining the hazard function</a:t>
+            </a:r>
+          </a:p>
+        </p:txBody>
+      </p:sp>
+      <p:sp>
+        <p:nvSpPr>
+          <p:cNvPr id="3" name="Text Placeholder 2"/>
+          <p:cNvSpPr>
+            <a:spLocks noGrp="1"/>
+          </p:cNvSpPr>
+          <p:nvPr>
+            <p:ph type="body" idx="1"/>
+          </p:nvPr>
+        </p:nvSpPr>
+        <p:spPr/>
+        <p:txBody>
+          <a:bodyPr/>
+          <a:lstStyle/>
+          <a:p>
+            <a:pPr marL="457200" indent="-457200">
               <a:buAutoNum type="arabicPeriod"/>
             </a:pPr>
             <a:r>
-              <a:rPr lang="en-US" sz="2000" dirty="0"/>
-              <a:t>2,418 funerals per ten thousand people, divided by 120 months yields a rate of 20.2 funerals per month per ten thousand people.</a:t>
-            </a:r>
-          </a:p>
-          <a:p>
-            <a:pPr marL="514350" indent="-457200">
-              <a:buFont typeface="+mj-lt"/>
+              <a:rPr lang="en-US" dirty="0"/>
+              <a:t>Adjust by the probability of surviving up to age 20 or age 40.</a:t>
+            </a:r>
+          </a:p>
+          <a:p>
+            <a:pPr marL="457200" indent="-457200">
               <a:buAutoNum type="arabicPeriod"/>
             </a:pPr>
             <a:r>
-              <a:rPr lang="en-US" sz="2000" dirty="0"/>
-              <a:t>2,526 funerals per ten thousand people, divided by 360 months yields a rate of 7.02 funerals  per month per ten thousand people.</a:t>
-            </a:r>
-          </a:p>
-          <a:p>
-            <a:pPr marL="514350" indent="-457200">
-              <a:buFont typeface="+mj-lt"/>
+              <a:rPr lang="en-US" dirty="0"/>
+              <a:t>Calculate a death rate by dividing by the time range.</a:t>
+            </a:r>
+          </a:p>
+          <a:p>
+            <a:pPr marL="457200" indent="-457200">
               <a:buAutoNum type="arabicPeriod"/>
             </a:pPr>
-            <a:endParaRPr lang="en-US" sz="2000" dirty="0"/>
-          </a:p>
-          <a:p>
-            <a:pPr marL="514350" indent="-457200">
-              <a:buFont typeface="+mj-lt"/>
-              <a:buAutoNum type="arabicPeriod"/>
-            </a:pPr>
-            <a:endParaRPr lang="en-US" sz="2000" dirty="0"/>
+            <a:r>
+              <a:rPr lang="en-US" dirty="0"/>
+              <a:t>Calculate over a narrow time interval, </a:t>
+            </a:r>
+            <a:r>
+              <a:rPr lang="el-GR" dirty="0"/>
+              <a:t>Δ</a:t>
+            </a:r>
+            <a:r>
+              <a:rPr lang="en-US" dirty="0"/>
+              <a:t>t.</a:t>
+            </a:r>
           </a:p>
         </p:txBody>
       </p:sp>
@@ -11171,76 +11672,22 @@
       </p:sp>
       <p:sp>
         <p:nvSpPr>
-          <p:cNvPr id="6" name="Content Placeholder 5"/>
-          <p:cNvSpPr>
-            <a:spLocks noGrp="1"/>
-          </p:cNvSpPr>
-          <p:nvPr>
-            <p:ph sz="quarter" idx="4"/>
-          </p:nvPr>
-        </p:nvSpPr>
-        <p:spPr/>
-        <p:txBody>
-          <a:bodyPr/>
-          <a:lstStyle/>
-          <a:p>
-            <a:pPr marL="0" indent="0"/>
-            <a:r>
-              <a:rPr lang="en-US" sz="2000" dirty="0"/>
-              <a:t>To adjust for different survival rates.</a:t>
-            </a:r>
-          </a:p>
-          <a:p>
-            <a:pPr marL="514350" indent="-457200">
-              <a:buFont typeface="+mj-lt"/>
-              <a:buAutoNum type="arabicPeriod"/>
-            </a:pPr>
-            <a:r>
-              <a:rPr lang="en-US" sz="2000" dirty="0"/>
-              <a:t>72% survive to age 20, so the adjusted rate is 20.2 / 0.72 = 28.1 funerals per ten thousand people alive at age 20. </a:t>
-            </a:r>
-          </a:p>
-          <a:p>
-            <a:pPr marL="514350" indent="-457200">
-              <a:buFont typeface="+mj-lt"/>
-              <a:buAutoNum type="arabicPeriod"/>
-            </a:pPr>
-            <a:r>
-              <a:rPr lang="en-US" sz="2000" dirty="0"/>
-              <a:t>27% survive to age 40 and beyond, so the adjusted rate is 7.02 / 0.27 = 26.0 funerals per month per ten thousand people alive at age 40.</a:t>
-            </a:r>
-          </a:p>
-          <a:p>
-            <a:endParaRPr lang="en-US" dirty="0"/>
-          </a:p>
-        </p:txBody>
-      </p:sp>
-      <p:sp>
-        <p:nvSpPr>
-          <p:cNvPr id="8" name="Text Placeholder 5"/>
-          <p:cNvSpPr>
-            <a:spLocks noGrp="1"/>
-          </p:cNvSpPr>
-          <p:nvPr>
-            <p:ph type="body" sz="quarter" idx="4294967295"/>
-          </p:nvPr>
-        </p:nvSpPr>
-        <p:spPr>
-          <a:xfrm>
-            <a:off x="457200" y="1600200"/>
-            <a:ext cx="8229600" cy="533400"/>
-          </a:xfrm>
-          <a:prstGeom prst="rect">
-            <a:avLst/>
-          </a:prstGeom>
-        </p:spPr>
+          <p:cNvPr id="6" name="Text Placeholder 5"/>
+          <p:cNvSpPr>
+            <a:spLocks noGrp="1"/>
+          </p:cNvSpPr>
+          <p:nvPr>
+            <p:ph type="body" sz="quarter" idx="12"/>
+          </p:nvPr>
+        </p:nvSpPr>
+        <p:spPr/>
         <p:txBody>
           <a:bodyPr/>
           <a:lstStyle/>
           <a:p>
             <a:r>
               <a:rPr lang="en-US" dirty="0"/>
-              <a:t>Adjusting the probabilities</a:t>
+              <a:t>To make a “fair” comparison</a:t>
             </a:r>
           </a:p>
         </p:txBody>
@@ -11248,7 +11695,7 @@
     </p:spTree>
     <p:extLst>
       <p:ext uri="{BB962C8B-B14F-4D97-AF65-F5344CB8AC3E}">
-        <p14:creationId xmlns:p14="http://schemas.microsoft.com/office/powerpoint/2010/main" val="738041873"/>
+        <p14:creationId xmlns:p14="http://schemas.microsoft.com/office/powerpoint/2010/main" val="116248481"/>
       </p:ext>
     </p:extLst>
   </p:cSld>
@@ -11292,7 +11739,7 @@
           <a:p>
             <a:r>
               <a:rPr lang="en-US" dirty="0"/>
-              <a:t>What is a hazard function?</a:t>
+              <a:t>Defining the hazard function</a:t>
             </a:r>
           </a:p>
         </p:txBody>
@@ -11314,26 +11761,59 @@
           <a:p>
             <a:r>
               <a:rPr lang="en-US" dirty="0"/>
-              <a:t>The hazard function follows a similar path.</a:t>
-            </a:r>
-          </a:p>
-          <a:p>
-            <a:pPr lvl="1"/>
+              <a:t>The hazard function is defined as</a:t>
+            </a:r>
+          </a:p>
+          <a:p>
+            <a:endParaRPr lang="en-US" dirty="0"/>
+          </a:p>
+          <a:p>
+            <a:r>
+              <a:rPr lang="en-US" dirty="0"/>
+              <a:t>	</a:t>
+            </a:r>
             <a:r>
               <a:rPr lang="de-DE" dirty="0"/>
-              <a:t>h(t) = (P[t ≤ T ≤ T+Δt] / Δt) / P[T ≥t]</a:t>
-            </a:r>
+              <a:t>h(t) = (P[t ≤ T ≤ t+Δt] / Δt) / P[T ≥t]</a:t>
+            </a:r>
+          </a:p>
+          <a:p>
+            <a:endParaRPr lang="de-DE" dirty="0"/>
           </a:p>
           <a:p>
             <a:r>
               <a:rPr lang="de-DE" dirty="0"/>
-              <a:t>where Δt is very small.</a:t>
-            </a:r>
-          </a:p>
-          <a:p>
+              <a:t>Key points</a:t>
+            </a:r>
+          </a:p>
+          <a:p>
+            <a:pPr marL="457200" indent="-457200">
+              <a:buFont typeface="+mj-lt"/>
+              <a:buAutoNum type="arabicPeriod"/>
+            </a:pPr>
             <a:r>
               <a:rPr lang="de-DE" dirty="0"/>
-              <a:t>You may see this in different forms (e.g., f(t) / S(t)), but the key things to remember are</a:t>
+              <a:t>adjusted for the number surviving to that time (P[T ≥t]),</a:t>
+            </a:r>
+          </a:p>
+          <a:p>
+            <a:pPr marL="457200" indent="-457200">
+              <a:buFont typeface="+mj-lt"/>
+              <a:buAutoNum type="arabicPeriod"/>
+            </a:pPr>
+            <a:r>
+              <a:rPr lang="de-DE" dirty="0"/>
+              <a:t>calculated as a rate (P[t ≤ T ≤ T+Δt] / Δt), not a probability, and</a:t>
+            </a:r>
+          </a:p>
+          <a:p>
+            <a:pPr marL="457200" indent="-457200">
+              <a:buFont typeface="+mj-lt"/>
+              <a:buAutoNum type="arabicPeriod"/>
+            </a:pPr>
+            <a:r>
+              <a:rPr lang="de-DE" dirty="0"/>
+              <a:t>computed over a narrow time interval.</a:t>
             </a:r>
           </a:p>
           <a:p>
@@ -11341,21 +11821,7 @@
               <a:buFont typeface="+mj-lt"/>
               <a:buAutoNum type="arabicPeriod"/>
             </a:pPr>
-            <a:r>
-              <a:rPr lang="de-DE" dirty="0"/>
-              <a:t>it‘s a rate (P[t ≤ T ≤ T+Δt] / Δt)</a:t>
-            </a:r>
-          </a:p>
-          <a:p>
-            <a:pPr marL="800100" lvl="1" indent="-342900">
-              <a:buFont typeface="+mj-lt"/>
-              <a:buAutoNum type="arabicPeriod"/>
-            </a:pPr>
-            <a:r>
-              <a:rPr lang="de-DE" dirty="0"/>
-              <a:t>And it‘s adjusted for the number surviving to that time (P[T ≥t])</a:t>
-            </a:r>
-            <a:endParaRPr lang="en-US" dirty="0"/>
+            <a:endParaRPr lang="de-DE" dirty="0"/>
           </a:p>
         </p:txBody>
       </p:sp>
@@ -11452,7 +11918,7 @@
     </p:spTree>
     <p:extLst>
       <p:ext uri="{BB962C8B-B14F-4D97-AF65-F5344CB8AC3E}">
-        <p14:creationId xmlns:p14="http://schemas.microsoft.com/office/powerpoint/2010/main" val="2558060512"/>
+        <p14:creationId xmlns:p14="http://schemas.microsoft.com/office/powerpoint/2010/main" val="3057973173"/>
       </p:ext>
     </p:extLst>
   </p:cSld>
